--- a/courses/sysprog/slides/lec13-funList.pptx
+++ b/courses/sysprog/slides/lec13-funList.pptx
@@ -5275,7 +5275,7 @@
                 </a:solidFill>
                 <a:latin typeface="Courier New" panose="02070309020205020404" pitchFamily="49" charset="0"/>
               </a:rPr>
-              <a:t>	if(l == 0)</a:t>
+              <a:t>  switch(l-&gt;kind){</a:t>
             </a:r>
           </a:p>
           <a:p>
@@ -5293,7 +5293,7 @@
                 </a:solidFill>
                 <a:latin typeface="Courier New" panose="02070309020205020404" pitchFamily="49" charset="0"/>
               </a:rPr>
-              <a:t>		return;</a:t>
+              <a:t>  case NIL: return;</a:t>
             </a:r>
           </a:p>
           <a:p>
@@ -5311,7 +5311,7 @@
                 </a:solidFill>
                 <a:latin typeface="Courier New" panose="02070309020205020404" pitchFamily="49" charset="0"/>
               </a:rPr>
-              <a:t>	</a:t>
+              <a:t>  case CONS:{</a:t>
             </a:r>
           </a:p>
           <a:p>
@@ -5329,7 +5329,25 @@
                 </a:solidFill>
                 <a:latin typeface="Courier New" panose="02070309020205020404" pitchFamily="49" charset="0"/>
               </a:rPr>
-              <a:t>	f(l-&gt;data);</a:t>
+              <a:t>    f(l-&gt;</a:t>
+            </a:r>
+            <a:r>
+              <a:rPr lang="en-US" altLang="zh-CN" sz="2000" b="1" dirty="0" err="1">
+                <a:solidFill>
+                  <a:schemeClr val="folHlink"/>
+                </a:solidFill>
+                <a:latin typeface="Courier New" panose="02070309020205020404" pitchFamily="49" charset="0"/>
+              </a:rPr>
+              <a:t>u.cons.data</a:t>
+            </a:r>
+            <a:r>
+              <a:rPr lang="en-US" altLang="zh-CN" sz="2000" b="1" dirty="0">
+                <a:solidFill>
+                  <a:schemeClr val="folHlink"/>
+                </a:solidFill>
+                <a:latin typeface="Courier New" panose="02070309020205020404" pitchFamily="49" charset="0"/>
+              </a:rPr>
+              <a:t>);</a:t>
             </a:r>
           </a:p>
           <a:p>
@@ -5347,7 +5365,7 @@
                 </a:solidFill>
                 <a:latin typeface="Courier New" panose="02070309020205020404" pitchFamily="49" charset="0"/>
               </a:rPr>
-              <a:t>	</a:t>
+              <a:t>	  </a:t>
             </a:r>
             <a:r>
               <a:rPr lang="en-US" altLang="zh-CN" sz="2000" b="1" dirty="0" err="1">
@@ -5365,7 +5383,25 @@
                 </a:solidFill>
                 <a:latin typeface="Courier New" panose="02070309020205020404" pitchFamily="49" charset="0"/>
               </a:rPr>
-              <a:t>(l-&gt;next, f);    </a:t>
+              <a:t>(l-&gt;</a:t>
+            </a:r>
+            <a:r>
+              <a:rPr lang="en-US" altLang="zh-CN" sz="2000" b="1" dirty="0" err="1">
+                <a:solidFill>
+                  <a:schemeClr val="folHlink"/>
+                </a:solidFill>
+                <a:latin typeface="Courier New" panose="02070309020205020404" pitchFamily="49" charset="0"/>
+              </a:rPr>
+              <a:t>u.cons.next</a:t>
+            </a:r>
+            <a:r>
+              <a:rPr lang="en-US" altLang="zh-CN" sz="2000" b="1" dirty="0">
+                <a:solidFill>
+                  <a:schemeClr val="folHlink"/>
+                </a:solidFill>
+                <a:latin typeface="Courier New" panose="02070309020205020404" pitchFamily="49" charset="0"/>
+              </a:rPr>
+              <a:t>, f); </a:t>
             </a:r>
           </a:p>
           <a:p>
@@ -5383,7 +5419,7 @@
                 </a:solidFill>
                 <a:latin typeface="Courier New" panose="02070309020205020404" pitchFamily="49" charset="0"/>
               </a:rPr>
-              <a:t>  </a:t>
+              <a:t>    </a:t>
             </a:r>
             <a:r>
               <a:rPr lang="en-US" altLang="zh-CN" sz="2000" b="1" dirty="0">
@@ -5397,6 +5433,42 @@
               </a:solidFill>
               <a:latin typeface="Courier New" panose="02070309020205020404" pitchFamily="49" charset="0"/>
             </a:endParaRPr>
+          </a:p>
+          <a:p>
+            <a:pPr>
+              <a:lnSpc>
+                <a:spcPct val="90000"/>
+              </a:lnSpc>
+              <a:buFont typeface="Wingdings" pitchFamily="2" charset="2"/>
+              <a:buNone/>
+            </a:pPr>
+            <a:r>
+              <a:rPr lang="en-US" altLang="zh-CN" sz="2000" b="1" dirty="0">
+                <a:solidFill>
+                  <a:schemeClr val="folHlink"/>
+                </a:solidFill>
+                <a:latin typeface="Courier New" panose="02070309020205020404" pitchFamily="49" charset="0"/>
+              </a:rPr>
+              <a:t>  }</a:t>
+            </a:r>
+          </a:p>
+          <a:p>
+            <a:pPr>
+              <a:lnSpc>
+                <a:spcPct val="90000"/>
+              </a:lnSpc>
+              <a:buFont typeface="Wingdings" pitchFamily="2" charset="2"/>
+              <a:buNone/>
+            </a:pPr>
+            <a:r>
+              <a:rPr lang="en-US" altLang="zh-CN" sz="2000" b="1" dirty="0">
+                <a:solidFill>
+                  <a:schemeClr val="folHlink"/>
+                </a:solidFill>
+                <a:latin typeface="Courier New" panose="02070309020205020404" pitchFamily="49" charset="0"/>
+              </a:rPr>
+              <a:t>  }	</a:t>
+            </a:r>
           </a:p>
           <a:p>
             <a:pPr>
@@ -6738,7 +6810,7 @@
                 </a:solidFill>
                 <a:latin typeface="Courier New" panose="02070309020205020404" pitchFamily="49" charset="0"/>
               </a:rPr>
-              <a:t>  if(l==0)</a:t>
+              <a:t>  switch(l-&gt;kind){</a:t>
             </a:r>
           </a:p>
           <a:p>
@@ -6756,7 +6828,7 @@
                 </a:solidFill>
                 <a:latin typeface="Courier New" panose="02070309020205020404" pitchFamily="49" charset="0"/>
               </a:rPr>
-              <a:t>		return 0;</a:t>
+              <a:t>  case NIL: return 0;</a:t>
             </a:r>
           </a:p>
           <a:p>
@@ -6774,25 +6846,7 @@
                 </a:solidFill>
                 <a:latin typeface="Courier New" panose="02070309020205020404" pitchFamily="49" charset="0"/>
               </a:rPr>
-              <a:t>	return 1 + </a:t>
-            </a:r>
-            <a:r>
-              <a:rPr lang="en-US" altLang="zh-CN" sz="2000" b="1" dirty="0" err="1">
-                <a:solidFill>
-                  <a:schemeClr val="folHlink"/>
-                </a:solidFill>
-                <a:latin typeface="Courier New" panose="02070309020205020404" pitchFamily="49" charset="0"/>
-              </a:rPr>
-              <a:t>List_length</a:t>
-            </a:r>
-            <a:r>
-              <a:rPr lang="en-US" altLang="zh-CN" sz="2000" b="1" dirty="0">
-                <a:solidFill>
-                  <a:schemeClr val="folHlink"/>
-                </a:solidFill>
-                <a:latin typeface="Courier New" panose="02070309020205020404" pitchFamily="49" charset="0"/>
-              </a:rPr>
-              <a:t>(l-&gt;next);</a:t>
+              <a:t>  case CONS:{</a:t>
             </a:r>
           </a:p>
           <a:p>
@@ -6810,7 +6864,43 @@
                 </a:solidFill>
                 <a:latin typeface="Courier New" panose="02070309020205020404" pitchFamily="49" charset="0"/>
               </a:rPr>
-              <a:t>}</a:t>
+              <a:t>	  return 1 + </a:t>
+            </a:r>
+            <a:r>
+              <a:rPr lang="en-US" altLang="zh-CN" sz="2000" b="1" dirty="0" err="1">
+                <a:solidFill>
+                  <a:schemeClr val="folHlink"/>
+                </a:solidFill>
+                <a:latin typeface="Courier New" panose="02070309020205020404" pitchFamily="49" charset="0"/>
+              </a:rPr>
+              <a:t>List_length</a:t>
+            </a:r>
+            <a:r>
+              <a:rPr lang="en-US" altLang="zh-CN" sz="2000" b="1" dirty="0">
+                <a:solidFill>
+                  <a:schemeClr val="folHlink"/>
+                </a:solidFill>
+                <a:latin typeface="Courier New" panose="02070309020205020404" pitchFamily="49" charset="0"/>
+              </a:rPr>
+              <a:t>(l-&gt;</a:t>
+            </a:r>
+            <a:r>
+              <a:rPr lang="en-US" altLang="zh-CN" sz="2000" b="1" dirty="0" err="1">
+                <a:solidFill>
+                  <a:schemeClr val="folHlink"/>
+                </a:solidFill>
+                <a:latin typeface="Courier New" panose="02070309020205020404" pitchFamily="49" charset="0"/>
+              </a:rPr>
+              <a:t>u.cons.next</a:t>
+            </a:r>
+            <a:r>
+              <a:rPr lang="en-US" altLang="zh-CN" sz="2000" b="1" dirty="0">
+                <a:solidFill>
+                  <a:schemeClr val="folHlink"/>
+                </a:solidFill>
+                <a:latin typeface="Courier New" panose="02070309020205020404" pitchFamily="49" charset="0"/>
+              </a:rPr>
+              <a:t>); </a:t>
             </a:r>
           </a:p>
           <a:p>
@@ -6821,12 +6911,33 @@
               <a:buFont typeface="Wingdings" pitchFamily="2" charset="2"/>
               <a:buNone/>
             </a:pPr>
-            <a:endParaRPr lang="en-US" altLang="zh-CN" sz="2000" b="1" dirty="0">
-              <a:solidFill>
-                <a:schemeClr val="folHlink"/>
-              </a:solidFill>
-              <a:latin typeface="Courier New" panose="02070309020205020404" pitchFamily="49" charset="0"/>
-            </a:endParaRPr>
+            <a:r>
+              <a:rPr lang="en-US" altLang="zh-CN" sz="2000" b="1" dirty="0">
+                <a:solidFill>
+                  <a:schemeClr val="folHlink"/>
+                </a:solidFill>
+                <a:latin typeface="Courier New" panose="02070309020205020404" pitchFamily="49" charset="0"/>
+              </a:rPr>
+              <a:t>  }</a:t>
+            </a:r>
+          </a:p>
+          <a:p>
+            <a:pPr>
+              <a:lnSpc>
+                <a:spcPct val="90000"/>
+              </a:lnSpc>
+              <a:buFont typeface="Wingdings" pitchFamily="2" charset="2"/>
+              <a:buNone/>
+            </a:pPr>
+            <a:r>
+              <a:rPr lang="en-US" altLang="zh-CN" sz="2000" b="1" dirty="0">
+                <a:solidFill>
+                  <a:schemeClr val="folHlink"/>
+                </a:solidFill>
+                <a:latin typeface="Courier New" panose="02070309020205020404" pitchFamily="49" charset="0"/>
+              </a:rPr>
+              <a:t>}</a:t>
+            </a:r>
           </a:p>
         </p:txBody>
       </p:sp>
@@ -9147,13 +9258,22 @@
               <a:buNone/>
             </a:pPr>
             <a:r>
+              <a:rPr lang="en-US" altLang="zh-CN" sz="2000" b="1" dirty="0" err="1">
+                <a:solidFill>
+                  <a:schemeClr val="folHlink"/>
+                </a:solidFill>
+                <a:latin typeface="Courier New" panose="02070309020205020404" pitchFamily="49" charset="0"/>
+              </a:rPr>
+              <a:t>Poly_t</a:t>
+            </a:r>
+            <a:r>
               <a:rPr lang="en-US" altLang="zh-CN" sz="2000" b="1" dirty="0">
                 <a:solidFill>
                   <a:schemeClr val="folHlink"/>
                 </a:solidFill>
                 <a:latin typeface="Courier New" panose="02070309020205020404" pitchFamily="49" charset="0"/>
               </a:rPr>
-              <a:t>poly </a:t>
+              <a:t> </a:t>
             </a:r>
             <a:r>
               <a:rPr lang="en-US" altLang="zh-CN" sz="2000" b="1" dirty="0" err="1">
@@ -9194,6 +9314,9 @@
           </a:p>
           <a:p>
             <a:pPr>
+              <a:lnSpc>
+                <a:spcPct val="90000"/>
+              </a:lnSpc>
               <a:buFont typeface="Wingdings" pitchFamily="2" charset="2"/>
               <a:buNone/>
             </a:pPr>
@@ -9204,11 +9327,14 @@
                 </a:solidFill>
                 <a:latin typeface="Courier New" panose="02070309020205020404" pitchFamily="49" charset="0"/>
               </a:rPr>
-              <a:t>  if(l == 0)</a:t>
+              <a:t>  switch(l-&gt;kind){</a:t>
             </a:r>
           </a:p>
           <a:p>
             <a:pPr>
+              <a:lnSpc>
+                <a:spcPct val="90000"/>
+              </a:lnSpc>
               <a:buFont typeface="Wingdings" pitchFamily="2" charset="2"/>
               <a:buNone/>
             </a:pPr>
@@ -9219,11 +9345,14 @@
                 </a:solidFill>
                 <a:latin typeface="Courier New" panose="02070309020205020404" pitchFamily="49" charset="0"/>
               </a:rPr>
-              <a:t>		error(“empty list”);</a:t>
+              <a:t>  case NIL: error(“empty list”);</a:t>
             </a:r>
           </a:p>
           <a:p>
             <a:pPr>
+              <a:lnSpc>
+                <a:spcPct val="90000"/>
+              </a:lnSpc>
               <a:buFont typeface="Wingdings" pitchFamily="2" charset="2"/>
               <a:buNone/>
             </a:pPr>
@@ -9234,11 +9363,14 @@
                 </a:solidFill>
                 <a:latin typeface="Courier New" panose="02070309020205020404" pitchFamily="49" charset="0"/>
               </a:rPr>
-              <a:t>	if(0==n)</a:t>
+              <a:t>  case CONS:{</a:t>
             </a:r>
           </a:p>
           <a:p>
             <a:pPr>
+              <a:lnSpc>
+                <a:spcPct val="90000"/>
+              </a:lnSpc>
               <a:buFont typeface="Wingdings" pitchFamily="2" charset="2"/>
               <a:buNone/>
             </a:pPr>
@@ -9249,11 +9381,14 @@
                 </a:solidFill>
                 <a:latin typeface="Courier New" panose="02070309020205020404" pitchFamily="49" charset="0"/>
               </a:rPr>
-              <a:t>      return l-&gt;data;</a:t>
+              <a:t>    if(0==n)</a:t>
             </a:r>
           </a:p>
           <a:p>
             <a:pPr>
+              <a:lnSpc>
+                <a:spcPct val="90000"/>
+              </a:lnSpc>
               <a:buFont typeface="Wingdings" pitchFamily="2" charset="2"/>
               <a:buNone/>
             </a:pPr>
@@ -9264,7 +9399,7 @@
                 </a:solidFill>
                 <a:latin typeface="Courier New" panose="02070309020205020404" pitchFamily="49" charset="0"/>
               </a:rPr>
-              <a:t>	return </a:t>
+              <a:t>	    return l-&gt;</a:t>
             </a:r>
             <a:r>
               <a:rPr lang="en-US" altLang="zh-CN" sz="2000" b="1" dirty="0" err="1">
@@ -9273,6 +9408,42 @@
                 </a:solidFill>
                 <a:latin typeface="Courier New" panose="02070309020205020404" pitchFamily="49" charset="0"/>
               </a:rPr>
+              <a:t>u.cons.data</a:t>
+            </a:r>
+            <a:r>
+              <a:rPr lang="en-US" altLang="zh-CN" sz="2000" b="1" dirty="0">
+                <a:solidFill>
+                  <a:schemeClr val="folHlink"/>
+                </a:solidFill>
+                <a:latin typeface="Courier New" panose="02070309020205020404" pitchFamily="49" charset="0"/>
+              </a:rPr>
+              <a:t>; </a:t>
+            </a:r>
+          </a:p>
+          <a:p>
+            <a:pPr>
+              <a:lnSpc>
+                <a:spcPct val="90000"/>
+              </a:lnSpc>
+              <a:buFont typeface="Wingdings" pitchFamily="2" charset="2"/>
+              <a:buNone/>
+            </a:pPr>
+            <a:r>
+              <a:rPr lang="en-US" altLang="zh-CN" sz="2000" b="1" dirty="0">
+                <a:solidFill>
+                  <a:schemeClr val="folHlink"/>
+                </a:solidFill>
+                <a:latin typeface="Courier New" panose="02070309020205020404" pitchFamily="49" charset="0"/>
+              </a:rPr>
+              <a:t>    return </a:t>
+            </a:r>
+            <a:r>
+              <a:rPr lang="en-US" altLang="zh-CN" sz="2000" b="1" dirty="0" err="1">
+                <a:solidFill>
+                  <a:schemeClr val="folHlink"/>
+                </a:solidFill>
+                <a:latin typeface="Courier New" panose="02070309020205020404" pitchFamily="49" charset="0"/>
+              </a:rPr>
               <a:t>List_nth</a:t>
             </a:r>
             <a:r>
@@ -9282,11 +9453,50 @@
                 </a:solidFill>
                 <a:latin typeface="Courier New" panose="02070309020205020404" pitchFamily="49" charset="0"/>
               </a:rPr>
-              <a:t>(l-&gt;next, n-1);</a:t>
+              <a:t>(l-&gt;</a:t>
+            </a:r>
+            <a:r>
+              <a:rPr lang="en-US" altLang="zh-CN" sz="2000" b="1" dirty="0" err="1">
+                <a:solidFill>
+                  <a:schemeClr val="folHlink"/>
+                </a:solidFill>
+                <a:latin typeface="Courier New" panose="02070309020205020404" pitchFamily="49" charset="0"/>
+              </a:rPr>
+              <a:t>u.cons.next</a:t>
+            </a:r>
+            <a:r>
+              <a:rPr lang="en-US" altLang="zh-CN" sz="2000" b="1" dirty="0">
+                <a:solidFill>
+                  <a:schemeClr val="folHlink"/>
+                </a:solidFill>
+                <a:latin typeface="Courier New" panose="02070309020205020404" pitchFamily="49" charset="0"/>
+              </a:rPr>
+              <a:t>, n-1);</a:t>
             </a:r>
           </a:p>
           <a:p>
             <a:pPr>
+              <a:lnSpc>
+                <a:spcPct val="90000"/>
+              </a:lnSpc>
+              <a:buFont typeface="Wingdings" pitchFamily="2" charset="2"/>
+              <a:buNone/>
+            </a:pPr>
+            <a:r>
+              <a:rPr lang="en-US" altLang="zh-CN" sz="2000" b="1" dirty="0">
+                <a:solidFill>
+                  <a:schemeClr val="folHlink"/>
+                </a:solidFill>
+                <a:latin typeface="Courier New" panose="02070309020205020404" pitchFamily="49" charset="0"/>
+              </a:rPr>
+              <a:t>  }</a:t>
+            </a:r>
+          </a:p>
+          <a:p>
+            <a:pPr>
+              <a:lnSpc>
+                <a:spcPct val="90000"/>
+              </a:lnSpc>
               <a:buFont typeface="Wingdings" pitchFamily="2" charset="2"/>
               <a:buNone/>
             </a:pPr>
@@ -11691,7 +11901,7 @@
                 </a:solidFill>
                 <a:latin typeface="Courier New" panose="02070309020205020404" pitchFamily="49" charset="0"/>
               </a:rPr>
-              <a:t>	if(0==l || n&lt;0)</a:t>
+              <a:t>  switch(l-&gt;kind){</a:t>
             </a:r>
           </a:p>
           <a:p>
@@ -11709,7 +11919,223 @@
                 </a:solidFill>
                 <a:latin typeface="Courier New" panose="02070309020205020404" pitchFamily="49" charset="0"/>
               </a:rPr>
-              <a:t>		error(“…”);</a:t>
+              <a:t>  case NIL: error(“empty list”);</a:t>
+            </a:r>
+          </a:p>
+          <a:p>
+            <a:pPr>
+              <a:lnSpc>
+                <a:spcPct val="90000"/>
+              </a:lnSpc>
+              <a:buFont typeface="Wingdings" pitchFamily="2" charset="2"/>
+              <a:buNone/>
+            </a:pPr>
+            <a:r>
+              <a:rPr lang="en-US" altLang="zh-CN" sz="2000" b="1" dirty="0">
+                <a:solidFill>
+                  <a:schemeClr val="folHlink"/>
+                </a:solidFill>
+                <a:latin typeface="Courier New" panose="02070309020205020404" pitchFamily="49" charset="0"/>
+              </a:rPr>
+              <a:t>  case CONS:{</a:t>
+            </a:r>
+          </a:p>
+          <a:p>
+            <a:pPr>
+              <a:lnSpc>
+                <a:spcPct val="90000"/>
+              </a:lnSpc>
+              <a:buFont typeface="Wingdings" pitchFamily="2" charset="2"/>
+              <a:buNone/>
+            </a:pPr>
+            <a:r>
+              <a:rPr lang="en-US" altLang="zh-CN" sz="2000" b="1" dirty="0">
+                <a:solidFill>
+                  <a:schemeClr val="folHlink"/>
+                </a:solidFill>
+                <a:latin typeface="Courier New" panose="02070309020205020404" pitchFamily="49" charset="0"/>
+              </a:rPr>
+              <a:t>    if(0==n)</a:t>
+            </a:r>
+          </a:p>
+          <a:p>
+            <a:pPr>
+              <a:lnSpc>
+                <a:spcPct val="90000"/>
+              </a:lnSpc>
+              <a:buFont typeface="Wingdings" pitchFamily="2" charset="2"/>
+              <a:buNone/>
+            </a:pPr>
+            <a:r>
+              <a:rPr lang="en-US" altLang="zh-CN" sz="2000" b="1" dirty="0">
+                <a:solidFill>
+                  <a:schemeClr val="folHlink"/>
+                </a:solidFill>
+                <a:latin typeface="Courier New" panose="02070309020205020404" pitchFamily="49" charset="0"/>
+              </a:rPr>
+              <a:t>      return l-&gt;</a:t>
+            </a:r>
+            <a:r>
+              <a:rPr lang="en-US" altLang="zh-CN" sz="2000" b="1" dirty="0" err="1">
+                <a:solidFill>
+                  <a:schemeClr val="folHlink"/>
+                </a:solidFill>
+                <a:latin typeface="Courier New" panose="02070309020205020404" pitchFamily="49" charset="0"/>
+              </a:rPr>
+              <a:t>u.cons.next</a:t>
+            </a:r>
+            <a:r>
+              <a:rPr lang="en-US" altLang="zh-CN" sz="2000" b="1" dirty="0">
+                <a:solidFill>
+                  <a:schemeClr val="folHlink"/>
+                </a:solidFill>
+                <a:latin typeface="Courier New" panose="02070309020205020404" pitchFamily="49" charset="0"/>
+              </a:rPr>
+              <a:t>;</a:t>
+            </a:r>
+          </a:p>
+          <a:p>
+            <a:pPr>
+              <a:lnSpc>
+                <a:spcPct val="90000"/>
+              </a:lnSpc>
+              <a:buFont typeface="Wingdings" pitchFamily="2" charset="2"/>
+              <a:buNone/>
+            </a:pPr>
+            <a:r>
+              <a:rPr lang="en-US" altLang="zh-CN" sz="2000" b="1" dirty="0">
+                <a:solidFill>
+                  <a:schemeClr val="folHlink"/>
+                </a:solidFill>
+                <a:latin typeface="Courier New" panose="02070309020205020404" pitchFamily="49" charset="0"/>
+              </a:rPr>
+              <a:t>    return </a:t>
+            </a:r>
+            <a:r>
+              <a:rPr lang="en-US" altLang="zh-CN" sz="2000" b="1" dirty="0" err="1">
+                <a:solidFill>
+                  <a:schemeClr val="folHlink"/>
+                </a:solidFill>
+                <a:latin typeface="Courier New" panose="02070309020205020404" pitchFamily="49" charset="0"/>
+              </a:rPr>
+              <a:t>List_concat</a:t>
+            </a:r>
+            <a:r>
+              <a:rPr lang="en-US" altLang="zh-CN" sz="2000" b="1" dirty="0">
+                <a:solidFill>
+                  <a:schemeClr val="folHlink"/>
+                </a:solidFill>
+                <a:latin typeface="Courier New" panose="02070309020205020404" pitchFamily="49" charset="0"/>
+              </a:rPr>
+              <a:t>(</a:t>
+            </a:r>
+          </a:p>
+          <a:p>
+            <a:pPr>
+              <a:lnSpc>
+                <a:spcPct val="90000"/>
+              </a:lnSpc>
+              <a:buFont typeface="Wingdings" pitchFamily="2" charset="2"/>
+              <a:buNone/>
+            </a:pPr>
+            <a:r>
+              <a:rPr lang="en-US" altLang="zh-CN" sz="2000" b="1" dirty="0">
+                <a:solidFill>
+                  <a:schemeClr val="folHlink"/>
+                </a:solidFill>
+                <a:latin typeface="Courier New" panose="02070309020205020404" pitchFamily="49" charset="0"/>
+              </a:rPr>
+              <a:t>             l-&gt;</a:t>
+            </a:r>
+            <a:r>
+              <a:rPr lang="en-US" altLang="zh-CN" sz="2000" b="1" dirty="0" err="1">
+                <a:solidFill>
+                  <a:schemeClr val="folHlink"/>
+                </a:solidFill>
+                <a:latin typeface="Courier New" panose="02070309020205020404" pitchFamily="49" charset="0"/>
+              </a:rPr>
+              <a:t>u.cons.data</a:t>
+            </a:r>
+            <a:r>
+              <a:rPr lang="en-US" altLang="zh-CN" sz="2000" b="1" dirty="0">
+                <a:solidFill>
+                  <a:schemeClr val="folHlink"/>
+                </a:solidFill>
+                <a:latin typeface="Courier New" panose="02070309020205020404" pitchFamily="49" charset="0"/>
+              </a:rPr>
+              <a:t>,</a:t>
+            </a:r>
+          </a:p>
+          <a:p>
+            <a:pPr>
+              <a:lnSpc>
+                <a:spcPct val="90000"/>
+              </a:lnSpc>
+              <a:buFont typeface="Wingdings" pitchFamily="2" charset="2"/>
+              <a:buNone/>
+            </a:pPr>
+            <a:r>
+              <a:rPr lang="en-US" altLang="zh-CN" sz="2000" b="1" dirty="0">
+                <a:solidFill>
+                  <a:schemeClr val="folHlink"/>
+                </a:solidFill>
+                <a:latin typeface="Courier New" panose="02070309020205020404" pitchFamily="49" charset="0"/>
+              </a:rPr>
+              <a:t>             </a:t>
+            </a:r>
+            <a:r>
+              <a:rPr lang="en-US" altLang="zh-CN" sz="2000" b="1" dirty="0" err="1">
+                <a:solidFill>
+                  <a:schemeClr val="folHlink"/>
+                </a:solidFill>
+                <a:latin typeface="Courier New" panose="02070309020205020404" pitchFamily="49" charset="0"/>
+              </a:rPr>
+              <a:t>List_delete</a:t>
+            </a:r>
+            <a:r>
+              <a:rPr lang="en-US" altLang="zh-CN" sz="2000" b="1" dirty="0">
+                <a:solidFill>
+                  <a:schemeClr val="folHlink"/>
+                </a:solidFill>
+                <a:latin typeface="Courier New" panose="02070309020205020404" pitchFamily="49" charset="0"/>
+              </a:rPr>
+              <a:t>(l-&gt;</a:t>
+            </a:r>
+            <a:r>
+              <a:rPr lang="en-US" altLang="zh-CN" sz="2000" b="1" dirty="0" err="1">
+                <a:solidFill>
+                  <a:schemeClr val="folHlink"/>
+                </a:solidFill>
+                <a:latin typeface="Courier New" panose="02070309020205020404" pitchFamily="49" charset="0"/>
+              </a:rPr>
+              <a:t>u.cons.next</a:t>
+            </a:r>
+            <a:r>
+              <a:rPr lang="en-US" altLang="zh-CN" sz="2000" b="1" dirty="0">
+                <a:solidFill>
+                  <a:schemeClr val="folHlink"/>
+                </a:solidFill>
+                <a:latin typeface="Courier New" panose="02070309020205020404" pitchFamily="49" charset="0"/>
+              </a:rPr>
+              <a:t>, n-1));</a:t>
+            </a:r>
+          </a:p>
+          <a:p>
+            <a:pPr>
+              <a:lnSpc>
+                <a:spcPct val="90000"/>
+              </a:lnSpc>
+              <a:buFont typeface="Wingdings" pitchFamily="2" charset="2"/>
+              <a:buNone/>
+            </a:pPr>
+            <a:r>
+              <a:rPr lang="en-US" altLang="zh-CN" sz="2000" b="1" dirty="0">
+                <a:solidFill>
+                  <a:schemeClr val="folHlink"/>
+                </a:solidFill>
+                <a:latin typeface="Courier New" panose="02070309020205020404" pitchFamily="49" charset="0"/>
+              </a:rPr>
+              <a:t>}</a:t>
             </a:r>
           </a:p>
           <a:p>
@@ -11726,224 +12152,6 @@
               </a:solidFill>
               <a:latin typeface="Courier New" panose="02070309020205020404" pitchFamily="49" charset="0"/>
             </a:endParaRPr>
-          </a:p>
-          <a:p>
-            <a:pPr>
-              <a:lnSpc>
-                <a:spcPct val="90000"/>
-              </a:lnSpc>
-              <a:buFont typeface="Wingdings" pitchFamily="2" charset="2"/>
-              <a:buNone/>
-            </a:pPr>
-            <a:r>
-              <a:rPr lang="en-US" altLang="zh-CN" sz="2000" b="1" dirty="0">
-                <a:solidFill>
-                  <a:schemeClr val="folHlink"/>
-                </a:solidFill>
-                <a:latin typeface="Courier New" panose="02070309020205020404" pitchFamily="49" charset="0"/>
-              </a:rPr>
-              <a:t>	if(0==n)</a:t>
-            </a:r>
-          </a:p>
-          <a:p>
-            <a:pPr>
-              <a:lnSpc>
-                <a:spcPct val="90000"/>
-              </a:lnSpc>
-              <a:buFont typeface="Wingdings" pitchFamily="2" charset="2"/>
-              <a:buNone/>
-            </a:pPr>
-            <a:r>
-              <a:rPr lang="en-US" altLang="zh-CN" sz="2000" b="1" dirty="0">
-                <a:solidFill>
-                  <a:schemeClr val="folHlink"/>
-                </a:solidFill>
-                <a:latin typeface="Courier New" panose="02070309020205020404" pitchFamily="49" charset="0"/>
-              </a:rPr>
-              <a:t>		return l-&gt;next;</a:t>
-            </a:r>
-          </a:p>
-          <a:p>
-            <a:pPr>
-              <a:lnSpc>
-                <a:spcPct val="90000"/>
-              </a:lnSpc>
-              <a:buFont typeface="Wingdings" pitchFamily="2" charset="2"/>
-              <a:buNone/>
-            </a:pPr>
-            <a:r>
-              <a:rPr lang="en-US" altLang="zh-CN" sz="2000" b="1" dirty="0">
-                <a:solidFill>
-                  <a:schemeClr val="folHlink"/>
-                </a:solidFill>
-                <a:latin typeface="Courier New" panose="02070309020205020404" pitchFamily="49" charset="0"/>
-              </a:rPr>
-              <a:t>  return </a:t>
-            </a:r>
-            <a:r>
-              <a:rPr lang="en-US" altLang="zh-CN" sz="2000" b="1" dirty="0" err="1">
-                <a:solidFill>
-                  <a:schemeClr val="folHlink"/>
-                </a:solidFill>
-                <a:latin typeface="Courier New" panose="02070309020205020404" pitchFamily="49" charset="0"/>
-              </a:rPr>
-              <a:t>List_concat</a:t>
-            </a:r>
-            <a:r>
-              <a:rPr lang="en-US" altLang="zh-CN" sz="2000" b="1" dirty="0">
-                <a:solidFill>
-                  <a:schemeClr val="folHlink"/>
-                </a:solidFill>
-                <a:latin typeface="Courier New" panose="02070309020205020404" pitchFamily="49" charset="0"/>
-              </a:rPr>
-              <a:t>(l-&gt;data,</a:t>
-            </a:r>
-          </a:p>
-          <a:p>
-            <a:pPr>
-              <a:lnSpc>
-                <a:spcPct val="90000"/>
-              </a:lnSpc>
-              <a:buFont typeface="Wingdings" pitchFamily="2" charset="2"/>
-              <a:buNone/>
-            </a:pPr>
-            <a:r>
-              <a:rPr lang="en-US" altLang="zh-CN" sz="2000" b="1" dirty="0">
-                <a:solidFill>
-                  <a:schemeClr val="folHlink"/>
-                </a:solidFill>
-                <a:latin typeface="Courier New" panose="02070309020205020404" pitchFamily="49" charset="0"/>
-              </a:rPr>
-              <a:t>                      </a:t>
-            </a:r>
-            <a:r>
-              <a:rPr lang="en-US" altLang="zh-CN" sz="2000" b="1" dirty="0" err="1">
-                <a:solidFill>
-                  <a:schemeClr val="folHlink"/>
-                </a:solidFill>
-                <a:latin typeface="Courier New" panose="02070309020205020404" pitchFamily="49" charset="0"/>
-              </a:rPr>
-              <a:t>List_delete</a:t>
-            </a:r>
-            <a:r>
-              <a:rPr lang="en-US" altLang="zh-CN" sz="2000" b="1" dirty="0">
-                <a:solidFill>
-                  <a:schemeClr val="folHlink"/>
-                </a:solidFill>
-                <a:latin typeface="Courier New" panose="02070309020205020404" pitchFamily="49" charset="0"/>
-              </a:rPr>
-              <a:t>(l-&gt;next, n-1));</a:t>
-            </a:r>
-          </a:p>
-          <a:p>
-            <a:pPr>
-              <a:lnSpc>
-                <a:spcPct val="90000"/>
-              </a:lnSpc>
-              <a:buFont typeface="Wingdings" pitchFamily="2" charset="2"/>
-              <a:buNone/>
-            </a:pPr>
-            <a:r>
-              <a:rPr lang="en-US" altLang="zh-CN" sz="2000" b="1" dirty="0">
-                <a:solidFill>
-                  <a:schemeClr val="folHlink"/>
-                </a:solidFill>
-                <a:latin typeface="Courier New" panose="02070309020205020404" pitchFamily="49" charset="0"/>
-              </a:rPr>
-              <a:t>}</a:t>
-            </a:r>
-          </a:p>
-          <a:p>
-            <a:pPr>
-              <a:lnSpc>
-                <a:spcPct val="90000"/>
-              </a:lnSpc>
-              <a:buFont typeface="Wingdings" pitchFamily="2" charset="2"/>
-              <a:buNone/>
-            </a:pPr>
-            <a:endParaRPr lang="en-US" altLang="zh-CN" sz="2000" b="1" dirty="0">
-              <a:solidFill>
-                <a:schemeClr val="folHlink"/>
-              </a:solidFill>
-              <a:latin typeface="Courier New" panose="02070309020205020404" pitchFamily="49" charset="0"/>
-            </a:endParaRPr>
-          </a:p>
-        </p:txBody>
-      </p:sp>
-      <p:sp>
-        <p:nvSpPr>
-          <p:cNvPr id="271364" name="Text Box 4">
-            <a:extLst>
-              <a:ext uri="{FF2B5EF4-FFF2-40B4-BE49-F238E27FC236}">
-                <a16:creationId xmlns:a16="http://schemas.microsoft.com/office/drawing/2014/main" id="{24B486B4-E76D-D8EE-00CE-118A42250E0A}"/>
-              </a:ext>
-            </a:extLst>
-          </p:cNvPr>
-          <p:cNvSpPr txBox="1">
-            <a:spLocks noChangeArrowheads="1"/>
-          </p:cNvSpPr>
-          <p:nvPr/>
-        </p:nvSpPr>
-        <p:spPr bwMode="auto">
-          <a:xfrm>
-            <a:off x="7467600" y="4641850"/>
-            <a:ext cx="685800" cy="396875"/>
-          </a:xfrm>
-          <a:prstGeom prst="rect">
-            <a:avLst/>
-          </a:prstGeom>
-          <a:noFill/>
-          <a:ln>
-            <a:noFill/>
-          </a:ln>
-          <a:effectLst/>
-          <a:extLst>
-            <a:ext uri="{909E8E84-426E-40DD-AFC4-6F175D3DCCD1}">
-              <a14:hiddenFill xmlns:a14="http://schemas.microsoft.com/office/drawing/2010/main">
-                <a:solidFill>
-                  <a:schemeClr val="accent1"/>
-                </a:solidFill>
-              </a14:hiddenFill>
-            </a:ext>
-            <a:ext uri="{91240B29-F687-4F45-9708-019B960494DF}">
-              <a14:hiddenLine xmlns:a14="http://schemas.microsoft.com/office/drawing/2010/main" w="9525">
-                <a:solidFill>
-                  <a:schemeClr val="tx1"/>
-                </a:solidFill>
-                <a:miter lim="800000"/>
-                <a:headEnd/>
-                <a:tailEnd/>
-              </a14:hiddenLine>
-            </a:ext>
-            <a:ext uri="{AF507438-7753-43E0-B8FC-AC1667EBCBE1}">
-              <a14:hiddenEffects xmlns:a14="http://schemas.microsoft.com/office/drawing/2010/main">
-                <a:effectLst>
-                  <a:outerShdw dist="35921" dir="2700000" algn="ctr" rotWithShape="0">
-                    <a:schemeClr val="bg2"/>
-                  </a:outerShdw>
-                </a:effectLst>
-              </a14:hiddenEffects>
-            </a:ext>
-          </a:extLst>
-        </p:spPr>
-        <p:txBody>
-          <a:bodyPr>
-            <a:spAutoFit/>
-          </a:bodyPr>
-          <a:lstStyle/>
-          <a:p>
-            <a:pPr>
-              <a:spcBef>
-                <a:spcPct val="50000"/>
-              </a:spcBef>
-            </a:pPr>
-            <a:r>
-              <a:rPr lang="en-US" altLang="zh-CN" sz="2000">
-                <a:latin typeface="Arial" panose="020B0604020202020204" pitchFamily="34" charset="0"/>
-              </a:rPr>
-              <a:t>…</a:t>
-            </a:r>
-            <a:endParaRPr lang="en-US" altLang="zh-CN" sz="2000"/>
           </a:p>
         </p:txBody>
       </p:sp>
@@ -14507,100 +14715,108 @@
           <a:lstStyle/>
           <a:p>
             <a:r>
-              <a:rPr lang="en-US" altLang="zh-CN" sz="2800"/>
+              <a:rPr lang="en-US" altLang="zh-CN" sz="2800" dirty="0"/>
               <a:t>Functional programming:</a:t>
             </a:r>
           </a:p>
           <a:p>
             <a:pPr lvl="1"/>
             <a:r>
-              <a:rPr lang="en-US" altLang="zh-CN" sz="2400"/>
+              <a:rPr lang="en-US" altLang="zh-CN" sz="2400" dirty="0"/>
               <a:t>long history, even older than C</a:t>
             </a:r>
           </a:p>
           <a:p>
             <a:pPr lvl="2"/>
             <a:r>
-              <a:rPr lang="en-US" altLang="zh-CN" sz="2000"/>
+              <a:rPr lang="en-US" altLang="zh-CN" sz="2000" dirty="0"/>
               <a:t>stem from mathematics</a:t>
             </a:r>
           </a:p>
           <a:p>
             <a:pPr lvl="2"/>
             <a:r>
-              <a:rPr lang="en-US" altLang="zh-CN" sz="2000"/>
-              <a:t>John Macathy</a:t>
-            </a:r>
-            <a:r>
-              <a:rPr lang="en-US" altLang="zh-CN" sz="2000">
+              <a:rPr lang="en-US" altLang="zh-CN" sz="2000" dirty="0"/>
+              <a:t>John </a:t>
+            </a:r>
+            <a:r>
+              <a:rPr lang="en-US" altLang="zh-CN" sz="2000" dirty="0" err="1"/>
+              <a:t>Macathy</a:t>
+            </a:r>
+            <a:r>
+              <a:rPr lang="en-US" altLang="zh-CN" sz="2000" dirty="0" err="1">
                 <a:latin typeface="Arial" panose="020B0604020202020204" pitchFamily="34" charset="0"/>
               </a:rPr>
               <a:t>’</a:t>
             </a:r>
             <a:r>
-              <a:rPr lang="en-US" altLang="zh-CN" sz="2000"/>
-              <a:t>s LISP (60</a:t>
-            </a:r>
-            <a:r>
-              <a:rPr lang="en-US" altLang="zh-CN" sz="2000">
+              <a:rPr lang="en-US" altLang="zh-CN" sz="2000" dirty="0" err="1"/>
+              <a:t>s</a:t>
+            </a:r>
+            <a:r>
+              <a:rPr lang="en-US" altLang="zh-CN" sz="2000" dirty="0"/>
+              <a:t> LISP (60</a:t>
+            </a:r>
+            <a:r>
+              <a:rPr lang="en-US" altLang="zh-CN" sz="2000" dirty="0">
                 <a:latin typeface="Arial" panose="020B0604020202020204" pitchFamily="34" charset="0"/>
               </a:rPr>
               <a:t>’</a:t>
             </a:r>
             <a:r>
-              <a:rPr lang="en-US" altLang="zh-CN" sz="2000"/>
+              <a:rPr lang="en-US" altLang="zh-CN" sz="2000" dirty="0"/>
               <a:t>s)</a:t>
             </a:r>
           </a:p>
           <a:p>
             <a:pPr lvl="2"/>
             <a:r>
-              <a:rPr lang="en-US" altLang="zh-CN" sz="2000"/>
+              <a:rPr lang="en-US" altLang="zh-CN" sz="2000" dirty="0"/>
               <a:t>and later Scheme, ML, Haskell, JavaScript, etc.</a:t>
             </a:r>
           </a:p>
           <a:p>
             <a:pPr lvl="1"/>
             <a:r>
-              <a:rPr lang="en-US" altLang="zh-CN" sz="2400"/>
+              <a:rPr lang="en-US" altLang="zh-CN" sz="2400" dirty="0"/>
               <a:t>for long time considered impractical</a:t>
             </a:r>
           </a:p>
           <a:p>
             <a:pPr lvl="2"/>
             <a:r>
-              <a:rPr lang="en-US" altLang="zh-CN" sz="2000"/>
+              <a:rPr lang="en-US" altLang="zh-CN" sz="2000" dirty="0"/>
               <a:t>efficiency issue</a:t>
             </a:r>
           </a:p>
           <a:p>
             <a:pPr lvl="1"/>
             <a:r>
-              <a:rPr lang="en-US" altLang="zh-CN" sz="2400"/>
+              <a:rPr lang="en-US" altLang="zh-CN" sz="2400" dirty="0"/>
               <a:t>renew industry</a:t>
             </a:r>
             <a:r>
-              <a:rPr lang="en-US" altLang="zh-CN" sz="2400">
+              <a:rPr lang="en-US" altLang="zh-CN" sz="2400" dirty="0">
                 <a:latin typeface="Arial" panose="020B0604020202020204" pitchFamily="34" charset="0"/>
               </a:rPr>
               <a:t>’</a:t>
             </a:r>
             <a:r>
-              <a:rPr lang="en-US" altLang="zh-CN" sz="2400"/>
+              <a:rPr lang="en-US" altLang="zh-CN" sz="2400" dirty="0"/>
               <a:t>s interest in recent decade</a:t>
             </a:r>
           </a:p>
           <a:p>
             <a:pPr lvl="2"/>
             <a:r>
-              <a:rPr lang="en-US" altLang="zh-CN" sz="2000"/>
+              <a:rPr lang="en-US" altLang="zh-CN" sz="2000" dirty="0"/>
               <a:t>e.g., F# from Microsoft </a:t>
             </a:r>
           </a:p>
           <a:p>
             <a:pPr lvl="2"/>
             <a:r>
-              <a:rPr lang="en-US" altLang="zh-CN" sz="2000"/>
+              <a:rPr lang="en-US" altLang="zh-CN" sz="2000" dirty="0"/>
               <a:t>good for parallel, multi-core, etc.</a:t>
             </a:r>
           </a:p>
@@ -15978,1122 +16194,51 @@
           <a:lstStyle/>
           <a:p>
             <a:r>
-              <a:rPr lang="en-US" altLang="zh-CN"/>
+              <a:rPr lang="en-US" altLang="zh-CN" dirty="0"/>
               <a:t>We use a pointer </a:t>
             </a:r>
             <a:r>
-              <a:rPr lang="en-US" altLang="zh-CN">
+              <a:rPr lang="en-US" altLang="zh-CN" dirty="0">
                 <a:latin typeface="Helvetica" pitchFamily="2" charset="0"/>
               </a:rPr>
               <a:t>“</a:t>
             </a:r>
             <a:r>
-              <a:rPr lang="en-US" altLang="zh-CN"/>
+              <a:rPr lang="en-US" altLang="zh-CN" dirty="0"/>
               <a:t>p</a:t>
             </a:r>
             <a:r>
-              <a:rPr lang="en-US" altLang="zh-CN">
+              <a:rPr lang="en-US" altLang="zh-CN" dirty="0">
                 <a:latin typeface="Helvetica" pitchFamily="2" charset="0"/>
               </a:rPr>
               <a:t>”</a:t>
             </a:r>
             <a:r>
-              <a:rPr lang="en-US" altLang="zh-CN"/>
+              <a:rPr lang="en-US" altLang="zh-CN" dirty="0"/>
               <a:t> to point to a list:</a:t>
             </a:r>
           </a:p>
           <a:p>
             <a:pPr lvl="1"/>
             <a:r>
-              <a:rPr lang="en-US" altLang="zh-CN"/>
-              <a:t>case #1: empty, </a:t>
-            </a:r>
-            <a:r>
-              <a:rPr lang="en-US" altLang="zh-CN">
-                <a:solidFill>
-                  <a:schemeClr val="folHlink"/>
-                </a:solidFill>
-              </a:rPr>
-              <a:t>p==0</a:t>
-            </a:r>
-            <a:r>
-              <a:rPr lang="en-US" altLang="zh-CN"/>
-              <a:t> (or NULL)</a:t>
+              <a:rPr lang="en-US" altLang="zh-CN" dirty="0"/>
+              <a:t>case #1: NIL, empty list</a:t>
             </a:r>
           </a:p>
           <a:p>
             <a:pPr lvl="1"/>
             <a:r>
-              <a:rPr lang="en-US" altLang="zh-CN"/>
-              <a:t>case #2: head::tail, </a:t>
+              <a:rPr lang="en-US" altLang="zh-CN" dirty="0"/>
+              <a:t>case #2: CONS, head::tail, </a:t>
             </a:r>
           </a:p>
         </p:txBody>
       </p:sp>
-      <p:grpSp>
-        <p:nvGrpSpPr>
-          <p:cNvPr id="259076" name="Group 4">
-            <a:extLst>
-              <a:ext uri="{FF2B5EF4-FFF2-40B4-BE49-F238E27FC236}">
-                <a16:creationId xmlns:a16="http://schemas.microsoft.com/office/drawing/2014/main" id="{2124AC7C-AB2B-A737-6FB0-ACEBF72F9F75}"/>
-              </a:ext>
-            </a:extLst>
-          </p:cNvPr>
-          <p:cNvGrpSpPr>
-            <a:grpSpLocks/>
-          </p:cNvGrpSpPr>
-          <p:nvPr/>
-        </p:nvGrpSpPr>
-        <p:grpSpPr bwMode="auto">
-          <a:xfrm>
-            <a:off x="1447800" y="4572000"/>
-            <a:ext cx="6781800" cy="939800"/>
-            <a:chOff x="912" y="1856"/>
-            <a:chExt cx="4272" cy="592"/>
-          </a:xfrm>
-        </p:grpSpPr>
-        <p:grpSp>
-          <p:nvGrpSpPr>
-            <p:cNvPr id="259077" name="Group 5">
-              <a:extLst>
-                <a:ext uri="{FF2B5EF4-FFF2-40B4-BE49-F238E27FC236}">
-                  <a16:creationId xmlns:a16="http://schemas.microsoft.com/office/drawing/2014/main" id="{92FD3EE6-18F1-19A3-85DE-70607DA78428}"/>
-                </a:ext>
-              </a:extLst>
-            </p:cNvPr>
-            <p:cNvGrpSpPr>
-              <a:grpSpLocks/>
-            </p:cNvGrpSpPr>
-            <p:nvPr/>
-          </p:nvGrpSpPr>
-          <p:grpSpPr bwMode="auto">
-            <a:xfrm>
-              <a:off x="1488" y="1968"/>
-              <a:ext cx="432" cy="480"/>
-              <a:chOff x="1488" y="1968"/>
-              <a:chExt cx="432" cy="480"/>
-            </a:xfrm>
-          </p:grpSpPr>
-          <p:sp>
-            <p:nvSpPr>
-              <p:cNvPr id="259078" name="Rectangle 6">
-                <a:extLst>
-                  <a:ext uri="{FF2B5EF4-FFF2-40B4-BE49-F238E27FC236}">
-                    <a16:creationId xmlns:a16="http://schemas.microsoft.com/office/drawing/2014/main" id="{C57E16E3-E8F4-6600-141F-1C3345FCB720}"/>
-                  </a:ext>
-                </a:extLst>
-              </p:cNvPr>
-              <p:cNvSpPr>
-                <a:spLocks noChangeArrowheads="1"/>
-              </p:cNvSpPr>
-              <p:nvPr/>
-            </p:nvSpPr>
-            <p:spPr bwMode="auto">
-              <a:xfrm>
-                <a:off x="1488" y="1968"/>
-                <a:ext cx="432" cy="240"/>
-              </a:xfrm>
-              <a:prstGeom prst="rect">
-                <a:avLst/>
-              </a:prstGeom>
-              <a:solidFill>
-                <a:srgbClr val="FF9966"/>
-              </a:solidFill>
-              <a:ln w="9525">
-                <a:solidFill>
-                  <a:schemeClr val="tx1"/>
-                </a:solidFill>
-                <a:miter lim="800000"/>
-                <a:headEnd/>
-                <a:tailEnd/>
-              </a:ln>
-              <a:effectLst/>
-              <a:extLst>
-                <a:ext uri="{AF507438-7753-43E0-B8FC-AC1667EBCBE1}">
-                  <a14:hiddenEffects xmlns:a14="http://schemas.microsoft.com/office/drawing/2010/main">
-                    <a:effectLst>
-                      <a:outerShdw dist="35921" dir="2700000" algn="ctr" rotWithShape="0">
-                        <a:schemeClr val="bg2"/>
-                      </a:outerShdw>
-                    </a:effectLst>
-                  </a14:hiddenEffects>
-                </a:ext>
-              </a:extLst>
-            </p:spPr>
-            <p:txBody>
-              <a:bodyPr wrap="none" anchor="ctr"/>
-              <a:lstStyle/>
-              <a:p>
-                <a:pPr algn="ctr"/>
-                <a:r>
-                  <a:rPr lang="en-US" altLang="zh-CN" sz="2000"/>
-                  <a:t>x0</a:t>
-                </a:r>
-              </a:p>
-            </p:txBody>
-          </p:sp>
-          <p:sp>
-            <p:nvSpPr>
-              <p:cNvPr id="259079" name="Rectangle 7">
-                <a:extLst>
-                  <a:ext uri="{FF2B5EF4-FFF2-40B4-BE49-F238E27FC236}">
-                    <a16:creationId xmlns:a16="http://schemas.microsoft.com/office/drawing/2014/main" id="{DD73B669-3AA0-7844-1EB4-9E8BC3749813}"/>
-                  </a:ext>
-                </a:extLst>
-              </p:cNvPr>
-              <p:cNvSpPr>
-                <a:spLocks noChangeArrowheads="1"/>
-              </p:cNvSpPr>
-              <p:nvPr/>
-            </p:nvSpPr>
-            <p:spPr bwMode="auto">
-              <a:xfrm>
-                <a:off x="1488" y="2208"/>
-                <a:ext cx="432" cy="240"/>
-              </a:xfrm>
-              <a:prstGeom prst="rect">
-                <a:avLst/>
-              </a:prstGeom>
-              <a:solidFill>
-                <a:srgbClr val="FF9966"/>
-              </a:solidFill>
-              <a:ln w="9525">
-                <a:solidFill>
-                  <a:schemeClr val="tx1"/>
-                </a:solidFill>
-                <a:miter lim="800000"/>
-                <a:headEnd/>
-                <a:tailEnd/>
-              </a:ln>
-              <a:effectLst/>
-              <a:extLst>
-                <a:ext uri="{AF507438-7753-43E0-B8FC-AC1667EBCBE1}">
-                  <a14:hiddenEffects xmlns:a14="http://schemas.microsoft.com/office/drawing/2010/main">
-                    <a:effectLst>
-                      <a:outerShdw dist="35921" dir="2700000" algn="ctr" rotWithShape="0">
-                        <a:schemeClr val="bg2"/>
-                      </a:outerShdw>
-                    </a:effectLst>
-                  </a14:hiddenEffects>
-                </a:ext>
-              </a:extLst>
-            </p:spPr>
-            <p:txBody>
-              <a:bodyPr wrap="none" anchor="ctr"/>
-              <a:lstStyle/>
-              <a:p>
-                <a:endParaRPr lang="zh-CN" altLang="en-US"/>
-              </a:p>
-            </p:txBody>
-          </p:sp>
-        </p:grpSp>
-        <p:grpSp>
-          <p:nvGrpSpPr>
-            <p:cNvPr id="259080" name="Group 8">
-              <a:extLst>
-                <a:ext uri="{FF2B5EF4-FFF2-40B4-BE49-F238E27FC236}">
-                  <a16:creationId xmlns:a16="http://schemas.microsoft.com/office/drawing/2014/main" id="{DA931674-CF4A-D1E9-A487-DFD0F8A5FFAB}"/>
-                </a:ext>
-              </a:extLst>
-            </p:cNvPr>
-            <p:cNvGrpSpPr>
-              <a:grpSpLocks/>
-            </p:cNvGrpSpPr>
-            <p:nvPr/>
-          </p:nvGrpSpPr>
-          <p:grpSpPr bwMode="auto">
-            <a:xfrm>
-              <a:off x="2304" y="1968"/>
-              <a:ext cx="432" cy="480"/>
-              <a:chOff x="1488" y="1968"/>
-              <a:chExt cx="432" cy="480"/>
-            </a:xfrm>
-          </p:grpSpPr>
-          <p:sp>
-            <p:nvSpPr>
-              <p:cNvPr id="259081" name="Rectangle 9">
-                <a:extLst>
-                  <a:ext uri="{FF2B5EF4-FFF2-40B4-BE49-F238E27FC236}">
-                    <a16:creationId xmlns:a16="http://schemas.microsoft.com/office/drawing/2014/main" id="{D0EAA7F6-75C0-75C3-7898-F0CC4A5ADF58}"/>
-                  </a:ext>
-                </a:extLst>
-              </p:cNvPr>
-              <p:cNvSpPr>
-                <a:spLocks noChangeArrowheads="1"/>
-              </p:cNvSpPr>
-              <p:nvPr/>
-            </p:nvSpPr>
-            <p:spPr bwMode="auto">
-              <a:xfrm>
-                <a:off x="1488" y="1968"/>
-                <a:ext cx="432" cy="240"/>
-              </a:xfrm>
-              <a:prstGeom prst="rect">
-                <a:avLst/>
-              </a:prstGeom>
-              <a:solidFill>
-                <a:schemeClr val="accent2"/>
-              </a:solidFill>
-              <a:ln w="9525">
-                <a:solidFill>
-                  <a:schemeClr val="tx1"/>
-                </a:solidFill>
-                <a:miter lim="800000"/>
-                <a:headEnd/>
-                <a:tailEnd/>
-              </a:ln>
-              <a:effectLst/>
-              <a:extLst>
-                <a:ext uri="{AF507438-7753-43E0-B8FC-AC1667EBCBE1}">
-                  <a14:hiddenEffects xmlns:a14="http://schemas.microsoft.com/office/drawing/2010/main">
-                    <a:effectLst>
-                      <a:outerShdw dist="35921" dir="2700000" algn="ctr" rotWithShape="0">
-                        <a:schemeClr val="bg2"/>
-                      </a:outerShdw>
-                    </a:effectLst>
-                  </a14:hiddenEffects>
-                </a:ext>
-              </a:extLst>
-            </p:spPr>
-            <p:txBody>
-              <a:bodyPr wrap="none" anchor="ctr"/>
-              <a:lstStyle/>
-              <a:p>
-                <a:pPr algn="ctr"/>
-                <a:r>
-                  <a:rPr lang="en-US" altLang="zh-CN" sz="2000"/>
-                  <a:t>x1</a:t>
-                </a:r>
-              </a:p>
-            </p:txBody>
-          </p:sp>
-          <p:sp>
-            <p:nvSpPr>
-              <p:cNvPr id="259082" name="Rectangle 10">
-                <a:extLst>
-                  <a:ext uri="{FF2B5EF4-FFF2-40B4-BE49-F238E27FC236}">
-                    <a16:creationId xmlns:a16="http://schemas.microsoft.com/office/drawing/2014/main" id="{BB546721-553F-D2FE-04EB-292E3523CD9C}"/>
-                  </a:ext>
-                </a:extLst>
-              </p:cNvPr>
-              <p:cNvSpPr>
-                <a:spLocks noChangeArrowheads="1"/>
-              </p:cNvSpPr>
-              <p:nvPr/>
-            </p:nvSpPr>
-            <p:spPr bwMode="auto">
-              <a:xfrm>
-                <a:off x="1488" y="2208"/>
-                <a:ext cx="432" cy="240"/>
-              </a:xfrm>
-              <a:prstGeom prst="rect">
-                <a:avLst/>
-              </a:prstGeom>
-              <a:solidFill>
-                <a:schemeClr val="accent1"/>
-              </a:solidFill>
-              <a:ln w="9525">
-                <a:solidFill>
-                  <a:schemeClr val="tx1"/>
-                </a:solidFill>
-                <a:miter lim="800000"/>
-                <a:headEnd/>
-                <a:tailEnd/>
-              </a:ln>
-              <a:effectLst/>
-              <a:extLst>
-                <a:ext uri="{AF507438-7753-43E0-B8FC-AC1667EBCBE1}">
-                  <a14:hiddenEffects xmlns:a14="http://schemas.microsoft.com/office/drawing/2010/main">
-                    <a:effectLst>
-                      <a:outerShdw dist="35921" dir="2700000" algn="ctr" rotWithShape="0">
-                        <a:schemeClr val="bg2"/>
-                      </a:outerShdw>
-                    </a:effectLst>
-                  </a14:hiddenEffects>
-                </a:ext>
-              </a:extLst>
-            </p:spPr>
-            <p:txBody>
-              <a:bodyPr wrap="none" anchor="ctr"/>
-              <a:lstStyle/>
-              <a:p>
-                <a:endParaRPr lang="zh-CN" altLang="en-US"/>
-              </a:p>
-            </p:txBody>
-          </p:sp>
-        </p:grpSp>
-        <p:grpSp>
-          <p:nvGrpSpPr>
-            <p:cNvPr id="259083" name="Group 11">
-              <a:extLst>
-                <a:ext uri="{FF2B5EF4-FFF2-40B4-BE49-F238E27FC236}">
-                  <a16:creationId xmlns:a16="http://schemas.microsoft.com/office/drawing/2014/main" id="{65F3D305-35D3-8157-4ADA-39ABEE15FDC1}"/>
-                </a:ext>
-              </a:extLst>
-            </p:cNvPr>
-            <p:cNvGrpSpPr>
-              <a:grpSpLocks/>
-            </p:cNvGrpSpPr>
-            <p:nvPr/>
-          </p:nvGrpSpPr>
-          <p:grpSpPr bwMode="auto">
-            <a:xfrm>
-              <a:off x="3120" y="1968"/>
-              <a:ext cx="432" cy="480"/>
-              <a:chOff x="1488" y="1968"/>
-              <a:chExt cx="432" cy="480"/>
-            </a:xfrm>
-          </p:grpSpPr>
-          <p:sp>
-            <p:nvSpPr>
-              <p:cNvPr id="259084" name="Rectangle 12">
-                <a:extLst>
-                  <a:ext uri="{FF2B5EF4-FFF2-40B4-BE49-F238E27FC236}">
-                    <a16:creationId xmlns:a16="http://schemas.microsoft.com/office/drawing/2014/main" id="{AF356E04-F833-359B-561E-A44A52333E57}"/>
-                  </a:ext>
-                </a:extLst>
-              </p:cNvPr>
-              <p:cNvSpPr>
-                <a:spLocks noChangeArrowheads="1"/>
-              </p:cNvSpPr>
-              <p:nvPr/>
-            </p:nvSpPr>
-            <p:spPr bwMode="auto">
-              <a:xfrm>
-                <a:off x="1488" y="1968"/>
-                <a:ext cx="432" cy="240"/>
-              </a:xfrm>
-              <a:prstGeom prst="rect">
-                <a:avLst/>
-              </a:prstGeom>
-              <a:solidFill>
-                <a:schemeClr val="accent2"/>
-              </a:solidFill>
-              <a:ln w="9525">
-                <a:solidFill>
-                  <a:schemeClr val="tx1"/>
-                </a:solidFill>
-                <a:miter lim="800000"/>
-                <a:headEnd/>
-                <a:tailEnd/>
-              </a:ln>
-              <a:effectLst/>
-              <a:extLst>
-                <a:ext uri="{AF507438-7753-43E0-B8FC-AC1667EBCBE1}">
-                  <a14:hiddenEffects xmlns:a14="http://schemas.microsoft.com/office/drawing/2010/main">
-                    <a:effectLst>
-                      <a:outerShdw dist="35921" dir="2700000" algn="ctr" rotWithShape="0">
-                        <a:schemeClr val="bg2"/>
-                      </a:outerShdw>
-                    </a:effectLst>
-                  </a14:hiddenEffects>
-                </a:ext>
-              </a:extLst>
-            </p:spPr>
-            <p:txBody>
-              <a:bodyPr wrap="none" anchor="ctr"/>
-              <a:lstStyle/>
-              <a:p>
-                <a:pPr algn="ctr"/>
-                <a:r>
-                  <a:rPr lang="en-US" altLang="zh-CN" sz="2000"/>
-                  <a:t>x2</a:t>
-                </a:r>
-              </a:p>
-            </p:txBody>
-          </p:sp>
-          <p:sp>
-            <p:nvSpPr>
-              <p:cNvPr id="259085" name="Rectangle 13">
-                <a:extLst>
-                  <a:ext uri="{FF2B5EF4-FFF2-40B4-BE49-F238E27FC236}">
-                    <a16:creationId xmlns:a16="http://schemas.microsoft.com/office/drawing/2014/main" id="{8429D5A8-4372-5DCC-4AA6-75337FCAA310}"/>
-                  </a:ext>
-                </a:extLst>
-              </p:cNvPr>
-              <p:cNvSpPr>
-                <a:spLocks noChangeArrowheads="1"/>
-              </p:cNvSpPr>
-              <p:nvPr/>
-            </p:nvSpPr>
-            <p:spPr bwMode="auto">
-              <a:xfrm>
-                <a:off x="1488" y="2208"/>
-                <a:ext cx="432" cy="240"/>
-              </a:xfrm>
-              <a:prstGeom prst="rect">
-                <a:avLst/>
-              </a:prstGeom>
-              <a:solidFill>
-                <a:schemeClr val="accent1"/>
-              </a:solidFill>
-              <a:ln w="9525">
-                <a:solidFill>
-                  <a:schemeClr val="tx1"/>
-                </a:solidFill>
-                <a:miter lim="800000"/>
-                <a:headEnd/>
-                <a:tailEnd/>
-              </a:ln>
-              <a:effectLst/>
-              <a:extLst>
-                <a:ext uri="{AF507438-7753-43E0-B8FC-AC1667EBCBE1}">
-                  <a14:hiddenEffects xmlns:a14="http://schemas.microsoft.com/office/drawing/2010/main">
-                    <a:effectLst>
-                      <a:outerShdw dist="35921" dir="2700000" algn="ctr" rotWithShape="0">
-                        <a:schemeClr val="bg2"/>
-                      </a:outerShdw>
-                    </a:effectLst>
-                  </a14:hiddenEffects>
-                </a:ext>
-              </a:extLst>
-            </p:spPr>
-            <p:txBody>
-              <a:bodyPr wrap="none" anchor="ctr"/>
-              <a:lstStyle/>
-              <a:p>
-                <a:endParaRPr lang="zh-CN" altLang="en-US"/>
-              </a:p>
-            </p:txBody>
-          </p:sp>
-        </p:grpSp>
-        <p:grpSp>
-          <p:nvGrpSpPr>
-            <p:cNvPr id="259086" name="Group 14">
-              <a:extLst>
-                <a:ext uri="{FF2B5EF4-FFF2-40B4-BE49-F238E27FC236}">
-                  <a16:creationId xmlns:a16="http://schemas.microsoft.com/office/drawing/2014/main" id="{BC99424B-19A0-D3A2-8FFF-EE3C810867DE}"/>
-                </a:ext>
-              </a:extLst>
-            </p:cNvPr>
-            <p:cNvGrpSpPr>
-              <a:grpSpLocks/>
-            </p:cNvGrpSpPr>
-            <p:nvPr/>
-          </p:nvGrpSpPr>
-          <p:grpSpPr bwMode="auto">
-            <a:xfrm>
-              <a:off x="3936" y="1968"/>
-              <a:ext cx="432" cy="480"/>
-              <a:chOff x="1488" y="1968"/>
-              <a:chExt cx="432" cy="480"/>
-            </a:xfrm>
-          </p:grpSpPr>
-          <p:sp>
-            <p:nvSpPr>
-              <p:cNvPr id="259087" name="Rectangle 15">
-                <a:extLst>
-                  <a:ext uri="{FF2B5EF4-FFF2-40B4-BE49-F238E27FC236}">
-                    <a16:creationId xmlns:a16="http://schemas.microsoft.com/office/drawing/2014/main" id="{ED2DD7A9-D27A-420F-B2D0-6D611DE9116F}"/>
-                  </a:ext>
-                </a:extLst>
-              </p:cNvPr>
-              <p:cNvSpPr>
-                <a:spLocks noChangeArrowheads="1"/>
-              </p:cNvSpPr>
-              <p:nvPr/>
-            </p:nvSpPr>
-            <p:spPr bwMode="auto">
-              <a:xfrm>
-                <a:off x="1488" y="1968"/>
-                <a:ext cx="432" cy="240"/>
-              </a:xfrm>
-              <a:prstGeom prst="rect">
-                <a:avLst/>
-              </a:prstGeom>
-              <a:solidFill>
-                <a:schemeClr val="accent2"/>
-              </a:solidFill>
-              <a:ln w="9525">
-                <a:solidFill>
-                  <a:schemeClr val="tx1"/>
-                </a:solidFill>
-                <a:miter lim="800000"/>
-                <a:headEnd/>
-                <a:tailEnd/>
-              </a:ln>
-              <a:effectLst/>
-              <a:extLst>
-                <a:ext uri="{AF507438-7753-43E0-B8FC-AC1667EBCBE1}">
-                  <a14:hiddenEffects xmlns:a14="http://schemas.microsoft.com/office/drawing/2010/main">
-                    <a:effectLst>
-                      <a:outerShdw dist="35921" dir="2700000" algn="ctr" rotWithShape="0">
-                        <a:schemeClr val="bg2"/>
-                      </a:outerShdw>
-                    </a:effectLst>
-                  </a14:hiddenEffects>
-                </a:ext>
-              </a:extLst>
-            </p:spPr>
-            <p:txBody>
-              <a:bodyPr wrap="none" anchor="ctr"/>
-              <a:lstStyle/>
-              <a:p>
-                <a:pPr algn="ctr"/>
-                <a:r>
-                  <a:rPr lang="en-US" altLang="zh-CN" sz="2000"/>
-                  <a:t>x3</a:t>
-                </a:r>
-              </a:p>
-            </p:txBody>
-          </p:sp>
-          <p:sp>
-            <p:nvSpPr>
-              <p:cNvPr id="259088" name="Rectangle 16">
-                <a:extLst>
-                  <a:ext uri="{FF2B5EF4-FFF2-40B4-BE49-F238E27FC236}">
-                    <a16:creationId xmlns:a16="http://schemas.microsoft.com/office/drawing/2014/main" id="{92A0AB9F-43D8-261D-6D43-2A3F304C9484}"/>
-                  </a:ext>
-                </a:extLst>
-              </p:cNvPr>
-              <p:cNvSpPr>
-                <a:spLocks noChangeArrowheads="1"/>
-              </p:cNvSpPr>
-              <p:nvPr/>
-            </p:nvSpPr>
-            <p:spPr bwMode="auto">
-              <a:xfrm>
-                <a:off x="1488" y="2208"/>
-                <a:ext cx="432" cy="240"/>
-              </a:xfrm>
-              <a:prstGeom prst="rect">
-                <a:avLst/>
-              </a:prstGeom>
-              <a:solidFill>
-                <a:schemeClr val="accent1"/>
-              </a:solidFill>
-              <a:ln w="9525">
-                <a:solidFill>
-                  <a:schemeClr val="tx1"/>
-                </a:solidFill>
-                <a:miter lim="800000"/>
-                <a:headEnd/>
-                <a:tailEnd/>
-              </a:ln>
-              <a:effectLst/>
-              <a:extLst>
-                <a:ext uri="{AF507438-7753-43E0-B8FC-AC1667EBCBE1}">
-                  <a14:hiddenEffects xmlns:a14="http://schemas.microsoft.com/office/drawing/2010/main">
-                    <a:effectLst>
-                      <a:outerShdw dist="35921" dir="2700000" algn="ctr" rotWithShape="0">
-                        <a:schemeClr val="bg2"/>
-                      </a:outerShdw>
-                    </a:effectLst>
-                  </a14:hiddenEffects>
-                </a:ext>
-              </a:extLst>
-            </p:spPr>
-            <p:txBody>
-              <a:bodyPr wrap="none" anchor="ctr"/>
-              <a:lstStyle/>
-              <a:p>
-                <a:endParaRPr lang="zh-CN" altLang="en-US"/>
-              </a:p>
-            </p:txBody>
-          </p:sp>
-        </p:grpSp>
-        <p:sp>
-          <p:nvSpPr>
-            <p:cNvPr id="259089" name="Line 17">
-              <a:extLst>
-                <a:ext uri="{FF2B5EF4-FFF2-40B4-BE49-F238E27FC236}">
-                  <a16:creationId xmlns:a16="http://schemas.microsoft.com/office/drawing/2014/main" id="{EDA22B3A-BAB2-E9CD-4666-4BEEF0F1BA63}"/>
-                </a:ext>
-              </a:extLst>
-            </p:cNvPr>
-            <p:cNvSpPr>
-              <a:spLocks noChangeShapeType="1"/>
-            </p:cNvSpPr>
-            <p:nvPr/>
-          </p:nvSpPr>
-          <p:spPr bwMode="auto">
-            <a:xfrm>
-              <a:off x="1056" y="2112"/>
-              <a:ext cx="432" cy="0"/>
-            </a:xfrm>
-            <a:prstGeom prst="line">
-              <a:avLst/>
-            </a:prstGeom>
-            <a:noFill/>
-            <a:ln w="9525">
-              <a:solidFill>
-                <a:schemeClr val="tx1"/>
-              </a:solidFill>
-              <a:round/>
-              <a:headEnd/>
-              <a:tailEnd type="triangle" w="med" len="med"/>
-            </a:ln>
-            <a:effectLst/>
-            <a:extLst>
-              <a:ext uri="{909E8E84-426E-40DD-AFC4-6F175D3DCCD1}">
-                <a14:hiddenFill xmlns:a14="http://schemas.microsoft.com/office/drawing/2010/main">
-                  <a:noFill/>
-                </a14:hiddenFill>
-              </a:ext>
-              <a:ext uri="{AF507438-7753-43E0-B8FC-AC1667EBCBE1}">
-                <a14:hiddenEffects xmlns:a14="http://schemas.microsoft.com/office/drawing/2010/main">
-                  <a:effectLst>
-                    <a:outerShdw dist="35921" dir="2700000" algn="ctr" rotWithShape="0">
-                      <a:schemeClr val="bg2"/>
-                    </a:outerShdw>
-                  </a:effectLst>
-                </a14:hiddenEffects>
-              </a:ext>
-            </a:extLst>
-          </p:spPr>
-          <p:txBody>
-            <a:bodyPr/>
-            <a:lstStyle/>
-            <a:p>
-              <a:endParaRPr lang="zh-CN" altLang="en-US"/>
-            </a:p>
-          </p:txBody>
-        </p:sp>
-        <p:sp>
-          <p:nvSpPr>
-            <p:cNvPr id="259090" name="Text Box 18">
-              <a:extLst>
-                <a:ext uri="{FF2B5EF4-FFF2-40B4-BE49-F238E27FC236}">
-                  <a16:creationId xmlns:a16="http://schemas.microsoft.com/office/drawing/2014/main" id="{880F29DF-3E44-EAB7-937A-FBC16B9DCE95}"/>
-                </a:ext>
-              </a:extLst>
-            </p:cNvPr>
-            <p:cNvSpPr txBox="1">
-              <a:spLocks noChangeArrowheads="1"/>
-            </p:cNvSpPr>
-            <p:nvPr/>
-          </p:nvSpPr>
-          <p:spPr bwMode="auto">
-            <a:xfrm>
-              <a:off x="912" y="1856"/>
-              <a:ext cx="204" cy="250"/>
-            </a:xfrm>
-            <a:prstGeom prst="rect">
-              <a:avLst/>
-            </a:prstGeom>
-            <a:noFill/>
-            <a:ln>
-              <a:noFill/>
-            </a:ln>
-            <a:effectLst/>
-            <a:extLst>
-              <a:ext uri="{909E8E84-426E-40DD-AFC4-6F175D3DCCD1}">
-                <a14:hiddenFill xmlns:a14="http://schemas.microsoft.com/office/drawing/2010/main">
-                  <a:solidFill>
-                    <a:schemeClr val="accent1"/>
-                  </a:solidFill>
-                </a14:hiddenFill>
-              </a:ext>
-              <a:ext uri="{91240B29-F687-4F45-9708-019B960494DF}">
-                <a14:hiddenLine xmlns:a14="http://schemas.microsoft.com/office/drawing/2010/main" w="9525">
-                  <a:solidFill>
-                    <a:schemeClr val="tx1"/>
-                  </a:solidFill>
-                  <a:miter lim="800000"/>
-                  <a:headEnd/>
-                  <a:tailEnd/>
-                </a14:hiddenLine>
-              </a:ext>
-              <a:ext uri="{AF507438-7753-43E0-B8FC-AC1667EBCBE1}">
-                <a14:hiddenEffects xmlns:a14="http://schemas.microsoft.com/office/drawing/2010/main">
-                  <a:effectLst>
-                    <a:outerShdw dist="35921" dir="2700000" algn="ctr" rotWithShape="0">
-                      <a:schemeClr val="bg2"/>
-                    </a:outerShdw>
-                  </a:effectLst>
-                </a14:hiddenEffects>
-              </a:ext>
-            </a:extLst>
-          </p:spPr>
-          <p:txBody>
-            <a:bodyPr wrap="none">
-              <a:spAutoFit/>
-            </a:bodyPr>
-            <a:lstStyle/>
-            <a:p>
-              <a:r>
-                <a:rPr lang="en-US" altLang="zh-CN" sz="2000"/>
-                <a:t>p</a:t>
-              </a:r>
-            </a:p>
-          </p:txBody>
-        </p:sp>
-        <p:cxnSp>
-          <p:nvCxnSpPr>
-            <p:cNvPr id="259091" name="AutoShape 19">
-              <a:extLst>
-                <a:ext uri="{FF2B5EF4-FFF2-40B4-BE49-F238E27FC236}">
-                  <a16:creationId xmlns:a16="http://schemas.microsoft.com/office/drawing/2014/main" id="{8D570022-3A6B-4A0C-82EE-17119F3D3368}"/>
-                </a:ext>
-              </a:extLst>
-            </p:cNvPr>
-            <p:cNvCxnSpPr>
-              <a:cxnSpLocks noChangeShapeType="1"/>
-              <a:stCxn id="259079" idx="3"/>
-              <a:endCxn id="259081" idx="1"/>
-            </p:cNvCxnSpPr>
-            <p:nvPr/>
-          </p:nvCxnSpPr>
-          <p:spPr bwMode="auto">
-            <a:xfrm flipV="1">
-              <a:off x="1920" y="2088"/>
-              <a:ext cx="384" cy="240"/>
-            </a:xfrm>
-            <a:prstGeom prst="curvedConnector3">
-              <a:avLst>
-                <a:gd name="adj1" fmla="val 50000"/>
-              </a:avLst>
-            </a:prstGeom>
-            <a:noFill/>
-            <a:ln w="9525">
-              <a:solidFill>
-                <a:schemeClr val="tx1"/>
-              </a:solidFill>
-              <a:round/>
-              <a:headEnd/>
-              <a:tailEnd type="triangle" w="med" len="med"/>
-            </a:ln>
-            <a:effectLst/>
-            <a:extLst>
-              <a:ext uri="{909E8E84-426E-40DD-AFC4-6F175D3DCCD1}">
-                <a14:hiddenFill xmlns:a14="http://schemas.microsoft.com/office/drawing/2010/main">
-                  <a:noFill/>
-                </a14:hiddenFill>
-              </a:ext>
-              <a:ext uri="{AF507438-7753-43E0-B8FC-AC1667EBCBE1}">
-                <a14:hiddenEffects xmlns:a14="http://schemas.microsoft.com/office/drawing/2010/main">
-                  <a:effectLst>
-                    <a:outerShdw dist="35921" dir="2700000" algn="ctr" rotWithShape="0">
-                      <a:schemeClr val="bg2"/>
-                    </a:outerShdw>
-                  </a:effectLst>
-                </a14:hiddenEffects>
-              </a:ext>
-            </a:extLst>
-          </p:spPr>
-        </p:cxnSp>
-        <p:cxnSp>
-          <p:nvCxnSpPr>
-            <p:cNvPr id="259092" name="AutoShape 20">
-              <a:extLst>
-                <a:ext uri="{FF2B5EF4-FFF2-40B4-BE49-F238E27FC236}">
-                  <a16:creationId xmlns:a16="http://schemas.microsoft.com/office/drawing/2014/main" id="{01D63BE0-0603-66F9-1682-F88706774666}"/>
-                </a:ext>
-              </a:extLst>
-            </p:cNvPr>
-            <p:cNvCxnSpPr>
-              <a:cxnSpLocks noChangeShapeType="1"/>
-            </p:cNvCxnSpPr>
-            <p:nvPr/>
-          </p:nvCxnSpPr>
-          <p:spPr bwMode="auto">
-            <a:xfrm flipV="1">
-              <a:off x="2736" y="2064"/>
-              <a:ext cx="384" cy="240"/>
-            </a:xfrm>
-            <a:prstGeom prst="curvedConnector3">
-              <a:avLst>
-                <a:gd name="adj1" fmla="val 50000"/>
-              </a:avLst>
-            </a:prstGeom>
-            <a:noFill/>
-            <a:ln w="9525">
-              <a:solidFill>
-                <a:schemeClr val="tx1"/>
-              </a:solidFill>
-              <a:round/>
-              <a:headEnd/>
-              <a:tailEnd type="triangle" w="med" len="med"/>
-            </a:ln>
-            <a:effectLst/>
-            <a:extLst>
-              <a:ext uri="{909E8E84-426E-40DD-AFC4-6F175D3DCCD1}">
-                <a14:hiddenFill xmlns:a14="http://schemas.microsoft.com/office/drawing/2010/main">
-                  <a:noFill/>
-                </a14:hiddenFill>
-              </a:ext>
-              <a:ext uri="{AF507438-7753-43E0-B8FC-AC1667EBCBE1}">
-                <a14:hiddenEffects xmlns:a14="http://schemas.microsoft.com/office/drawing/2010/main">
-                  <a:effectLst>
-                    <a:outerShdw dist="35921" dir="2700000" algn="ctr" rotWithShape="0">
-                      <a:schemeClr val="bg2"/>
-                    </a:outerShdw>
-                  </a:effectLst>
-                </a14:hiddenEffects>
-              </a:ext>
-            </a:extLst>
-          </p:spPr>
-        </p:cxnSp>
-        <p:cxnSp>
-          <p:nvCxnSpPr>
-            <p:cNvPr id="259093" name="AutoShape 21">
-              <a:extLst>
-                <a:ext uri="{FF2B5EF4-FFF2-40B4-BE49-F238E27FC236}">
-                  <a16:creationId xmlns:a16="http://schemas.microsoft.com/office/drawing/2014/main" id="{BF59A1F6-D747-90F7-2807-7A00B74A86B8}"/>
-                </a:ext>
-              </a:extLst>
-            </p:cNvPr>
-            <p:cNvCxnSpPr>
-              <a:cxnSpLocks noChangeShapeType="1"/>
-            </p:cNvCxnSpPr>
-            <p:nvPr/>
-          </p:nvCxnSpPr>
-          <p:spPr bwMode="auto">
-            <a:xfrm flipV="1">
-              <a:off x="3552" y="2112"/>
-              <a:ext cx="384" cy="240"/>
-            </a:xfrm>
-            <a:prstGeom prst="curvedConnector3">
-              <a:avLst>
-                <a:gd name="adj1" fmla="val 50000"/>
-              </a:avLst>
-            </a:prstGeom>
-            <a:noFill/>
-            <a:ln w="9525">
-              <a:solidFill>
-                <a:schemeClr val="tx1"/>
-              </a:solidFill>
-              <a:round/>
-              <a:headEnd/>
-              <a:tailEnd type="triangle" w="med" len="med"/>
-            </a:ln>
-            <a:effectLst/>
-            <a:extLst>
-              <a:ext uri="{909E8E84-426E-40DD-AFC4-6F175D3DCCD1}">
-                <a14:hiddenFill xmlns:a14="http://schemas.microsoft.com/office/drawing/2010/main">
-                  <a:noFill/>
-                </a14:hiddenFill>
-              </a:ext>
-              <a:ext uri="{AF507438-7753-43E0-B8FC-AC1667EBCBE1}">
-                <a14:hiddenEffects xmlns:a14="http://schemas.microsoft.com/office/drawing/2010/main">
-                  <a:effectLst>
-                    <a:outerShdw dist="35921" dir="2700000" algn="ctr" rotWithShape="0">
-                      <a:schemeClr val="bg2"/>
-                    </a:outerShdw>
-                  </a:effectLst>
-                </a14:hiddenEffects>
-              </a:ext>
-            </a:extLst>
-          </p:spPr>
-        </p:cxnSp>
-        <p:cxnSp>
-          <p:nvCxnSpPr>
-            <p:cNvPr id="259094" name="AutoShape 22">
-              <a:extLst>
-                <a:ext uri="{FF2B5EF4-FFF2-40B4-BE49-F238E27FC236}">
-                  <a16:creationId xmlns:a16="http://schemas.microsoft.com/office/drawing/2014/main" id="{E7FB9DB4-200F-7404-26EB-224C611DDDD4}"/>
-                </a:ext>
-              </a:extLst>
-            </p:cNvPr>
-            <p:cNvCxnSpPr>
-              <a:cxnSpLocks noChangeShapeType="1"/>
-            </p:cNvCxnSpPr>
-            <p:nvPr/>
-          </p:nvCxnSpPr>
-          <p:spPr bwMode="auto">
-            <a:xfrm flipV="1">
-              <a:off x="4368" y="2064"/>
-              <a:ext cx="384" cy="240"/>
-            </a:xfrm>
-            <a:prstGeom prst="curvedConnector3">
-              <a:avLst>
-                <a:gd name="adj1" fmla="val 50000"/>
-              </a:avLst>
-            </a:prstGeom>
-            <a:noFill/>
-            <a:ln w="9525">
-              <a:solidFill>
-                <a:schemeClr val="tx1"/>
-              </a:solidFill>
-              <a:round/>
-              <a:headEnd/>
-              <a:tailEnd type="triangle" w="med" len="med"/>
-            </a:ln>
-            <a:effectLst/>
-            <a:extLst>
-              <a:ext uri="{909E8E84-426E-40DD-AFC4-6F175D3DCCD1}">
-                <a14:hiddenFill xmlns:a14="http://schemas.microsoft.com/office/drawing/2010/main">
-                  <a:noFill/>
-                </a14:hiddenFill>
-              </a:ext>
-              <a:ext uri="{AF507438-7753-43E0-B8FC-AC1667EBCBE1}">
-                <a14:hiddenEffects xmlns:a14="http://schemas.microsoft.com/office/drawing/2010/main">
-                  <a:effectLst>
-                    <a:outerShdw dist="35921" dir="2700000" algn="ctr" rotWithShape="0">
-                      <a:schemeClr val="bg2"/>
-                    </a:outerShdw>
-                  </a:effectLst>
-                </a14:hiddenEffects>
-              </a:ext>
-            </a:extLst>
-          </p:spPr>
-        </p:cxnSp>
-        <p:sp>
-          <p:nvSpPr>
-            <p:cNvPr id="259095" name="Text Box 23">
-              <a:extLst>
-                <a:ext uri="{FF2B5EF4-FFF2-40B4-BE49-F238E27FC236}">
-                  <a16:creationId xmlns:a16="http://schemas.microsoft.com/office/drawing/2014/main" id="{90402CDF-1AA3-304E-C3EA-539595AA0AE7}"/>
-                </a:ext>
-              </a:extLst>
-            </p:cNvPr>
-            <p:cNvSpPr txBox="1">
-              <a:spLocks noChangeArrowheads="1"/>
-            </p:cNvSpPr>
-            <p:nvPr/>
-          </p:nvSpPr>
-          <p:spPr bwMode="auto">
-            <a:xfrm>
-              <a:off x="4752" y="1900"/>
-              <a:ext cx="432" cy="250"/>
-            </a:xfrm>
-            <a:prstGeom prst="rect">
-              <a:avLst/>
-            </a:prstGeom>
-            <a:noFill/>
-            <a:ln>
-              <a:noFill/>
-            </a:ln>
-            <a:effectLst/>
-            <a:extLst>
-              <a:ext uri="{909E8E84-426E-40DD-AFC4-6F175D3DCCD1}">
-                <a14:hiddenFill xmlns:a14="http://schemas.microsoft.com/office/drawing/2010/main">
-                  <a:solidFill>
-                    <a:schemeClr val="accent1"/>
-                  </a:solidFill>
-                </a14:hiddenFill>
-              </a:ext>
-              <a:ext uri="{91240B29-F687-4F45-9708-019B960494DF}">
-                <a14:hiddenLine xmlns:a14="http://schemas.microsoft.com/office/drawing/2010/main" w="9525">
-                  <a:solidFill>
-                    <a:schemeClr val="tx1"/>
-                  </a:solidFill>
-                  <a:miter lim="800000"/>
-                  <a:headEnd/>
-                  <a:tailEnd/>
-                </a14:hiddenLine>
-              </a:ext>
-              <a:ext uri="{AF507438-7753-43E0-B8FC-AC1667EBCBE1}">
-                <a14:hiddenEffects xmlns:a14="http://schemas.microsoft.com/office/drawing/2010/main">
-                  <a:effectLst>
-                    <a:outerShdw dist="35921" dir="2700000" algn="ctr" rotWithShape="0">
-                      <a:schemeClr val="bg2"/>
-                    </a:outerShdw>
-                  </a:effectLst>
-                </a14:hiddenEffects>
-              </a:ext>
-            </a:extLst>
-          </p:spPr>
-          <p:txBody>
-            <a:bodyPr>
-              <a:spAutoFit/>
-            </a:bodyPr>
-            <a:lstStyle/>
-            <a:p>
-              <a:pPr>
-                <a:spcBef>
-                  <a:spcPct val="50000"/>
-                </a:spcBef>
-              </a:pPr>
-              <a:r>
-                <a:rPr lang="en-US" altLang="zh-CN" sz="2000">
-                  <a:latin typeface="Arial" panose="020B0604020202020204" pitchFamily="34" charset="0"/>
-                </a:rPr>
-                <a:t>…</a:t>
-              </a:r>
-              <a:endParaRPr lang="en-US" altLang="zh-CN" sz="2000"/>
-            </a:p>
-          </p:txBody>
-        </p:sp>
-      </p:grpSp>
     </p:spTree>
   </p:cSld>
   <p:clrMapOvr>
     <a:masterClrMapping/>
   </p:clrMapOvr>
-  <p:timing>
-    <p:tnLst>
-      <p:par>
-        <p:cTn id="1" dur="indefinite" restart="never" nodeType="tmRoot">
-          <p:childTnLst>
-            <p:seq concurrent="1" nextAc="seek">
-              <p:cTn id="2" dur="indefinite" nodeType="mainSeq">
-                <p:childTnLst>
-                  <p:par>
-                    <p:cTn id="3" fill="hold" nodeType="clickPar">
-                      <p:stCondLst>
-                        <p:cond delay="indefinite"/>
-                      </p:stCondLst>
-                      <p:childTnLst>
-                        <p:par>
-                          <p:cTn id="4" fill="hold" nodeType="withGroup">
-                            <p:stCondLst>
-                              <p:cond delay="0"/>
-                            </p:stCondLst>
-                            <p:childTnLst>
-                              <p:par>
-                                <p:cTn id="5" presetID="3" presetClass="entr" presetSubtype="10" fill="hold" nodeType="clickEffect">
-                                  <p:stCondLst>
-                                    <p:cond delay="0"/>
-                                  </p:stCondLst>
-                                  <p:childTnLst>
-                                    <p:set>
-                                      <p:cBhvr>
-                                        <p:cTn id="6" dur="1" fill="hold">
-                                          <p:stCondLst>
-                                            <p:cond delay="0"/>
-                                          </p:stCondLst>
-                                        </p:cTn>
-                                        <p:tgtEl>
-                                          <p:spTgt spid="259076"/>
-                                        </p:tgtEl>
-                                        <p:attrNameLst>
-                                          <p:attrName>style.visibility</p:attrName>
-                                        </p:attrNameLst>
-                                      </p:cBhvr>
-                                      <p:to>
-                                        <p:strVal val="visible"/>
-                                      </p:to>
-                                    </p:set>
-                                    <p:animEffect transition="in" filter="blinds(horizontal)">
-                                      <p:cBhvr>
-                                        <p:cTn id="7" dur="500"/>
-                                        <p:tgtEl>
-                                          <p:spTgt spid="259076"/>
-                                        </p:tgtEl>
-                                      </p:cBhvr>
-                                    </p:animEffect>
-                                  </p:childTnLst>
-                                </p:cTn>
-                              </p:par>
-                            </p:childTnLst>
-                          </p:cTn>
-                        </p:par>
-                      </p:childTnLst>
-                    </p:cTn>
-                  </p:par>
-                </p:childTnLst>
-              </p:cTn>
-              <p:prevCondLst>
-                <p:cond evt="onPrev" delay="0">
-                  <p:tgtEl>
-                    <p:sldTgt/>
-                  </p:tgtEl>
-                </p:cond>
-              </p:prevCondLst>
-              <p:nextCondLst>
-                <p:cond evt="onNext" delay="0">
-                  <p:tgtEl>
-                    <p:sldTgt/>
-                  </p:tgtEl>
-                </p:cond>
-              </p:nextCondLst>
-            </p:seq>
-          </p:childTnLst>
-        </p:cTn>
-      </p:par>
-    </p:tnLst>
-  </p:timing>
 </p:sld>
 </file>
 
@@ -17189,7 +16334,7 @@
               <a:rPr lang="en-US" altLang="zh-CN" sz="2000" b="1" dirty="0">
                 <a:latin typeface="Courier New" panose="02070309020205020404" pitchFamily="49" charset="0"/>
               </a:rPr>
-              <a:t>// in file “</a:t>
+              <a:t>// in file “fun-</a:t>
             </a:r>
             <a:r>
               <a:rPr lang="en-US" altLang="zh-CN" sz="2000" b="1" dirty="0" err="1">
@@ -17285,13 +16430,22 @@
               <a:buNone/>
             </a:pPr>
             <a:r>
+              <a:rPr lang="en-US" altLang="zh-CN" sz="2000" b="1" dirty="0" err="1">
+                <a:solidFill>
+                  <a:schemeClr val="folHlink"/>
+                </a:solidFill>
+                <a:latin typeface="Courier New" panose="02070309020205020404" pitchFamily="49" charset="0"/>
+              </a:rPr>
+              <a:t>enum</a:t>
+            </a:r>
+            <a:r>
               <a:rPr lang="en-US" altLang="zh-CN" sz="2000" b="1" dirty="0">
                 <a:solidFill>
                   <a:schemeClr val="folHlink"/>
                 </a:solidFill>
                 <a:latin typeface="Courier New" panose="02070309020205020404" pitchFamily="49" charset="0"/>
               </a:rPr>
-              <a:t>struct </a:t>
+              <a:t> </a:t>
             </a:r>
             <a:r>
               <a:rPr lang="en-US" altLang="zh-CN" sz="2000" b="1" dirty="0" err="1">
@@ -17300,7 +16454,7 @@
                 </a:solidFill>
                 <a:latin typeface="Courier New" panose="02070309020205020404" pitchFamily="49" charset="0"/>
               </a:rPr>
-              <a:t>List_t</a:t>
+              <a:t>List_Kind_t</a:t>
             </a:r>
             <a:r>
               <a:rPr lang="en-US" altLang="zh-CN" sz="2000" b="1" dirty="0">
@@ -17309,7 +16463,7 @@
                 </a:solidFill>
                 <a:latin typeface="Courier New" panose="02070309020205020404" pitchFamily="49" charset="0"/>
               </a:rPr>
-              <a:t>{</a:t>
+              <a:t> {NIL, CONS};</a:t>
             </a:r>
           </a:p>
           <a:p>
@@ -17327,7 +16481,25 @@
                 </a:solidFill>
                 <a:latin typeface="Courier New" panose="02070309020205020404" pitchFamily="49" charset="0"/>
               </a:rPr>
-              <a:t>  poly data;</a:t>
+              <a:t>struct </a:t>
+            </a:r>
+            <a:r>
+              <a:rPr lang="en-US" altLang="zh-CN" sz="2000" b="1" dirty="0" err="1">
+                <a:solidFill>
+                  <a:schemeClr val="folHlink"/>
+                </a:solidFill>
+                <a:latin typeface="Courier New" panose="02070309020205020404" pitchFamily="49" charset="0"/>
+              </a:rPr>
+              <a:t>List_t</a:t>
+            </a:r>
+            <a:r>
+              <a:rPr lang="en-US" altLang="zh-CN" sz="2000" b="1" dirty="0">
+                <a:solidFill>
+                  <a:schemeClr val="folHlink"/>
+                </a:solidFill>
+                <a:latin typeface="Courier New" panose="02070309020205020404" pitchFamily="49" charset="0"/>
+              </a:rPr>
+              <a:t>{</a:t>
             </a:r>
           </a:p>
           <a:p>
@@ -17354,6 +16526,132 @@
                 </a:solidFill>
                 <a:latin typeface="Courier New" panose="02070309020205020404" pitchFamily="49" charset="0"/>
               </a:rPr>
+              <a:t>enum</a:t>
+            </a:r>
+            <a:r>
+              <a:rPr lang="en-US" altLang="zh-CN" sz="2000" b="1" dirty="0">
+                <a:solidFill>
+                  <a:schemeClr val="folHlink"/>
+                </a:solidFill>
+                <a:latin typeface="Courier New" panose="02070309020205020404" pitchFamily="49" charset="0"/>
+              </a:rPr>
+              <a:t> </a:t>
+            </a:r>
+            <a:r>
+              <a:rPr lang="en-US" altLang="zh-CN" sz="2000" b="1" dirty="0" err="1">
+                <a:solidFill>
+                  <a:schemeClr val="folHlink"/>
+                </a:solidFill>
+                <a:latin typeface="Courier New" panose="02070309020205020404" pitchFamily="49" charset="0"/>
+              </a:rPr>
+              <a:t>List_Kind_t</a:t>
+            </a:r>
+            <a:r>
+              <a:rPr lang="en-US" altLang="zh-CN" sz="2000" b="1" dirty="0">
+                <a:solidFill>
+                  <a:schemeClr val="folHlink"/>
+                </a:solidFill>
+                <a:latin typeface="Courier New" panose="02070309020205020404" pitchFamily="49" charset="0"/>
+              </a:rPr>
+              <a:t> kind;</a:t>
+            </a:r>
+          </a:p>
+          <a:p>
+            <a:pPr>
+              <a:lnSpc>
+                <a:spcPct val="90000"/>
+              </a:lnSpc>
+              <a:buFont typeface="Wingdings" pitchFamily="2" charset="2"/>
+              <a:buNone/>
+            </a:pPr>
+            <a:r>
+              <a:rPr lang="en-US" altLang="zh-CN" sz="2000" b="1" dirty="0">
+                <a:solidFill>
+                  <a:schemeClr val="folHlink"/>
+                </a:solidFill>
+                <a:latin typeface="Courier New" panose="02070309020205020404" pitchFamily="49" charset="0"/>
+              </a:rPr>
+              <a:t>  union{</a:t>
+            </a:r>
+          </a:p>
+          <a:p>
+            <a:pPr>
+              <a:lnSpc>
+                <a:spcPct val="90000"/>
+              </a:lnSpc>
+              <a:buFont typeface="Wingdings" pitchFamily="2" charset="2"/>
+              <a:buNone/>
+            </a:pPr>
+            <a:r>
+              <a:rPr lang="en-US" altLang="zh-CN" sz="2000" b="1" dirty="0">
+                <a:solidFill>
+                  <a:schemeClr val="folHlink"/>
+                </a:solidFill>
+                <a:latin typeface="Courier New" panose="02070309020205020404" pitchFamily="49" charset="0"/>
+              </a:rPr>
+              <a:t>    struct{</a:t>
+            </a:r>
+          </a:p>
+          <a:p>
+            <a:pPr>
+              <a:lnSpc>
+                <a:spcPct val="90000"/>
+              </a:lnSpc>
+              <a:buFont typeface="Wingdings" pitchFamily="2" charset="2"/>
+              <a:buNone/>
+            </a:pPr>
+            <a:r>
+              <a:rPr lang="en-US" altLang="zh-CN" sz="2000" b="1" dirty="0">
+                <a:solidFill>
+                  <a:schemeClr val="folHlink"/>
+                </a:solidFill>
+                <a:latin typeface="Courier New" panose="02070309020205020404" pitchFamily="49" charset="0"/>
+              </a:rPr>
+              <a:t>      </a:t>
+            </a:r>
+            <a:r>
+              <a:rPr lang="en-US" altLang="zh-CN" sz="2000" b="1" dirty="0" err="1">
+                <a:solidFill>
+                  <a:schemeClr val="folHlink"/>
+                </a:solidFill>
+                <a:latin typeface="Courier New" panose="02070309020205020404" pitchFamily="49" charset="0"/>
+              </a:rPr>
+              <a:t>Poly_t</a:t>
+            </a:r>
+            <a:r>
+              <a:rPr lang="en-US" altLang="zh-CN" sz="2000" b="1" dirty="0">
+                <a:solidFill>
+                  <a:schemeClr val="folHlink"/>
+                </a:solidFill>
+                <a:latin typeface="Courier New" panose="02070309020205020404" pitchFamily="49" charset="0"/>
+              </a:rPr>
+              <a:t> data;</a:t>
+            </a:r>
+          </a:p>
+          <a:p>
+            <a:pPr>
+              <a:lnSpc>
+                <a:spcPct val="90000"/>
+              </a:lnSpc>
+              <a:buFont typeface="Wingdings" pitchFamily="2" charset="2"/>
+              <a:buNone/>
+            </a:pPr>
+            <a:r>
+              <a:rPr lang="en-US" altLang="zh-CN" sz="2000" b="1" dirty="0">
+                <a:solidFill>
+                  <a:schemeClr val="folHlink"/>
+                </a:solidFill>
+                <a:latin typeface="Courier New" panose="02070309020205020404" pitchFamily="49" charset="0"/>
+              </a:rPr>
+              <a:t>      </a:t>
+            </a:r>
+            <a:r>
+              <a:rPr lang="en-US" altLang="zh-CN" sz="2000" b="1" dirty="0" err="1">
+                <a:solidFill>
+                  <a:schemeClr val="folHlink"/>
+                </a:solidFill>
+                <a:latin typeface="Courier New" panose="02070309020205020404" pitchFamily="49" charset="0"/>
+              </a:rPr>
               <a:t>List_t</a:t>
             </a:r>
             <a:r>
@@ -17364,6 +16662,42 @@
                 <a:latin typeface="Courier New" panose="02070309020205020404" pitchFamily="49" charset="0"/>
               </a:rPr>
               <a:t> next;</a:t>
+            </a:r>
+          </a:p>
+          <a:p>
+            <a:pPr>
+              <a:lnSpc>
+                <a:spcPct val="90000"/>
+              </a:lnSpc>
+              <a:buFont typeface="Wingdings" pitchFamily="2" charset="2"/>
+              <a:buNone/>
+            </a:pPr>
+            <a:r>
+              <a:rPr lang="en-US" altLang="zh-CN" sz="2000" b="1" dirty="0">
+                <a:solidFill>
+                  <a:schemeClr val="folHlink"/>
+                </a:solidFill>
+                <a:latin typeface="Courier New" panose="02070309020205020404" pitchFamily="49" charset="0"/>
+              </a:rPr>
+              <a:t>    }cons;</a:t>
+            </a:r>
+          </a:p>
+          <a:p>
+            <a:pPr>
+              <a:lnSpc>
+                <a:spcPct val="90000"/>
+              </a:lnSpc>
+              <a:buFont typeface="Wingdings" pitchFamily="2" charset="2"/>
+              <a:buNone/>
+            </a:pPr>
+            <a:r>
+              <a:rPr lang="en-US" altLang="zh-CN" sz="2000" b="1" dirty="0">
+                <a:solidFill>
+                  <a:schemeClr val="folHlink"/>
+                </a:solidFill>
+                <a:latin typeface="Courier New" panose="02070309020205020404" pitchFamily="49" charset="0"/>
+              </a:rPr>
+              <a:t>  }u;</a:t>
             </a:r>
           </a:p>
           <a:p>
@@ -17398,1086 +16732,11 @@
           </a:p>
         </p:txBody>
       </p:sp>
-      <p:grpSp>
-        <p:nvGrpSpPr>
-          <p:cNvPr id="189467" name="Group 27">
-            <a:extLst>
-              <a:ext uri="{FF2B5EF4-FFF2-40B4-BE49-F238E27FC236}">
-                <a16:creationId xmlns:a16="http://schemas.microsoft.com/office/drawing/2014/main" id="{86D96365-6F34-BF20-4DD6-63608F014949}"/>
-              </a:ext>
-            </a:extLst>
-          </p:cNvPr>
-          <p:cNvGrpSpPr>
-            <a:grpSpLocks/>
-          </p:cNvGrpSpPr>
-          <p:nvPr/>
-        </p:nvGrpSpPr>
-        <p:grpSpPr bwMode="auto">
-          <a:xfrm>
-            <a:off x="1524000" y="5105400"/>
-            <a:ext cx="6781800" cy="939800"/>
-            <a:chOff x="912" y="1856"/>
-            <a:chExt cx="4272" cy="592"/>
-          </a:xfrm>
-        </p:grpSpPr>
-        <p:grpSp>
-          <p:nvGrpSpPr>
-            <p:cNvPr id="189468" name="Group 28">
-              <a:extLst>
-                <a:ext uri="{FF2B5EF4-FFF2-40B4-BE49-F238E27FC236}">
-                  <a16:creationId xmlns:a16="http://schemas.microsoft.com/office/drawing/2014/main" id="{E055EEBC-0789-A161-D70B-4756564C6698}"/>
-                </a:ext>
-              </a:extLst>
-            </p:cNvPr>
-            <p:cNvGrpSpPr>
-              <a:grpSpLocks/>
-            </p:cNvGrpSpPr>
-            <p:nvPr/>
-          </p:nvGrpSpPr>
-          <p:grpSpPr bwMode="auto">
-            <a:xfrm>
-              <a:off x="1488" y="1968"/>
-              <a:ext cx="432" cy="480"/>
-              <a:chOff x="1488" y="1968"/>
-              <a:chExt cx="432" cy="480"/>
-            </a:xfrm>
-          </p:grpSpPr>
-          <p:sp>
-            <p:nvSpPr>
-              <p:cNvPr id="189469" name="Rectangle 29">
-                <a:extLst>
-                  <a:ext uri="{FF2B5EF4-FFF2-40B4-BE49-F238E27FC236}">
-                    <a16:creationId xmlns:a16="http://schemas.microsoft.com/office/drawing/2014/main" id="{8EC50E48-477F-6C21-BCE3-B429F8080DBB}"/>
-                  </a:ext>
-                </a:extLst>
-              </p:cNvPr>
-              <p:cNvSpPr>
-                <a:spLocks noChangeArrowheads="1"/>
-              </p:cNvSpPr>
-              <p:nvPr/>
-            </p:nvSpPr>
-            <p:spPr bwMode="auto">
-              <a:xfrm>
-                <a:off x="1488" y="1968"/>
-                <a:ext cx="432" cy="240"/>
-              </a:xfrm>
-              <a:prstGeom prst="rect">
-                <a:avLst/>
-              </a:prstGeom>
-              <a:solidFill>
-                <a:schemeClr val="accent2"/>
-              </a:solidFill>
-              <a:ln w="9525">
-                <a:solidFill>
-                  <a:schemeClr val="tx1"/>
-                </a:solidFill>
-                <a:miter lim="800000"/>
-                <a:headEnd/>
-                <a:tailEnd/>
-              </a:ln>
-              <a:effectLst/>
-              <a:extLst>
-                <a:ext uri="{AF507438-7753-43E0-B8FC-AC1667EBCBE1}">
-                  <a14:hiddenEffects xmlns:a14="http://schemas.microsoft.com/office/drawing/2010/main">
-                    <a:effectLst>
-                      <a:outerShdw dist="35921" dir="2700000" algn="ctr" rotWithShape="0">
-                        <a:schemeClr val="bg2"/>
-                      </a:outerShdw>
-                    </a:effectLst>
-                  </a14:hiddenEffects>
-                </a:ext>
-              </a:extLst>
-            </p:spPr>
-            <p:txBody>
-              <a:bodyPr wrap="none" anchor="ctr"/>
-              <a:lstStyle/>
-              <a:p>
-                <a:pPr algn="ctr"/>
-                <a:r>
-                  <a:rPr lang="en-US" altLang="zh-CN" sz="2000"/>
-                  <a:t>data</a:t>
-                </a:r>
-              </a:p>
-            </p:txBody>
-          </p:sp>
-          <p:sp>
-            <p:nvSpPr>
-              <p:cNvPr id="189470" name="Rectangle 30">
-                <a:extLst>
-                  <a:ext uri="{FF2B5EF4-FFF2-40B4-BE49-F238E27FC236}">
-                    <a16:creationId xmlns:a16="http://schemas.microsoft.com/office/drawing/2014/main" id="{DD4966FF-8252-C540-188D-7BC1FD6F5345}"/>
-                  </a:ext>
-                </a:extLst>
-              </p:cNvPr>
-              <p:cNvSpPr>
-                <a:spLocks noChangeArrowheads="1"/>
-              </p:cNvSpPr>
-              <p:nvPr/>
-            </p:nvSpPr>
-            <p:spPr bwMode="auto">
-              <a:xfrm>
-                <a:off x="1488" y="2208"/>
-                <a:ext cx="432" cy="240"/>
-              </a:xfrm>
-              <a:prstGeom prst="rect">
-                <a:avLst/>
-              </a:prstGeom>
-              <a:solidFill>
-                <a:schemeClr val="accent1"/>
-              </a:solidFill>
-              <a:ln w="9525">
-                <a:solidFill>
-                  <a:schemeClr val="tx1"/>
-                </a:solidFill>
-                <a:miter lim="800000"/>
-                <a:headEnd/>
-                <a:tailEnd/>
-              </a:ln>
-              <a:effectLst/>
-              <a:extLst>
-                <a:ext uri="{AF507438-7753-43E0-B8FC-AC1667EBCBE1}">
-                  <a14:hiddenEffects xmlns:a14="http://schemas.microsoft.com/office/drawing/2010/main">
-                    <a:effectLst>
-                      <a:outerShdw dist="35921" dir="2700000" algn="ctr" rotWithShape="0">
-                        <a:schemeClr val="bg2"/>
-                      </a:outerShdw>
-                    </a:effectLst>
-                  </a14:hiddenEffects>
-                </a:ext>
-              </a:extLst>
-            </p:spPr>
-            <p:txBody>
-              <a:bodyPr wrap="none" anchor="ctr"/>
-              <a:lstStyle/>
-              <a:p>
-                <a:pPr algn="ctr"/>
-                <a:r>
-                  <a:rPr lang="en-US" altLang="zh-CN" sz="2000"/>
-                  <a:t>next</a:t>
-                </a:r>
-              </a:p>
-            </p:txBody>
-          </p:sp>
-        </p:grpSp>
-        <p:grpSp>
-          <p:nvGrpSpPr>
-            <p:cNvPr id="189471" name="Group 31">
-              <a:extLst>
-                <a:ext uri="{FF2B5EF4-FFF2-40B4-BE49-F238E27FC236}">
-                  <a16:creationId xmlns:a16="http://schemas.microsoft.com/office/drawing/2014/main" id="{2A28A894-BB18-CAD1-5AF7-1B10093877BA}"/>
-                </a:ext>
-              </a:extLst>
-            </p:cNvPr>
-            <p:cNvGrpSpPr>
-              <a:grpSpLocks/>
-            </p:cNvGrpSpPr>
-            <p:nvPr/>
-          </p:nvGrpSpPr>
-          <p:grpSpPr bwMode="auto">
-            <a:xfrm>
-              <a:off x="2304" y="1968"/>
-              <a:ext cx="432" cy="480"/>
-              <a:chOff x="1488" y="1968"/>
-              <a:chExt cx="432" cy="480"/>
-            </a:xfrm>
-          </p:grpSpPr>
-          <p:sp>
-            <p:nvSpPr>
-              <p:cNvPr id="189472" name="Rectangle 32">
-                <a:extLst>
-                  <a:ext uri="{FF2B5EF4-FFF2-40B4-BE49-F238E27FC236}">
-                    <a16:creationId xmlns:a16="http://schemas.microsoft.com/office/drawing/2014/main" id="{483655EA-AF68-9766-A0E0-82AF6872B3BD}"/>
-                  </a:ext>
-                </a:extLst>
-              </p:cNvPr>
-              <p:cNvSpPr>
-                <a:spLocks noChangeArrowheads="1"/>
-              </p:cNvSpPr>
-              <p:nvPr/>
-            </p:nvSpPr>
-            <p:spPr bwMode="auto">
-              <a:xfrm>
-                <a:off x="1488" y="1968"/>
-                <a:ext cx="432" cy="240"/>
-              </a:xfrm>
-              <a:prstGeom prst="rect">
-                <a:avLst/>
-              </a:prstGeom>
-              <a:solidFill>
-                <a:schemeClr val="accent2"/>
-              </a:solidFill>
-              <a:ln w="9525">
-                <a:solidFill>
-                  <a:schemeClr val="tx1"/>
-                </a:solidFill>
-                <a:miter lim="800000"/>
-                <a:headEnd/>
-                <a:tailEnd/>
-              </a:ln>
-              <a:effectLst/>
-              <a:extLst>
-                <a:ext uri="{AF507438-7753-43E0-B8FC-AC1667EBCBE1}">
-                  <a14:hiddenEffects xmlns:a14="http://schemas.microsoft.com/office/drawing/2010/main">
-                    <a:effectLst>
-                      <a:outerShdw dist="35921" dir="2700000" algn="ctr" rotWithShape="0">
-                        <a:schemeClr val="bg2"/>
-                      </a:outerShdw>
-                    </a:effectLst>
-                  </a14:hiddenEffects>
-                </a:ext>
-              </a:extLst>
-            </p:spPr>
-            <p:txBody>
-              <a:bodyPr wrap="none" anchor="ctr"/>
-              <a:lstStyle/>
-              <a:p>
-                <a:pPr algn="ctr"/>
-                <a:r>
-                  <a:rPr lang="en-US" altLang="zh-CN" sz="2000"/>
-                  <a:t>data</a:t>
-                </a:r>
-              </a:p>
-            </p:txBody>
-          </p:sp>
-          <p:sp>
-            <p:nvSpPr>
-              <p:cNvPr id="189473" name="Rectangle 33">
-                <a:extLst>
-                  <a:ext uri="{FF2B5EF4-FFF2-40B4-BE49-F238E27FC236}">
-                    <a16:creationId xmlns:a16="http://schemas.microsoft.com/office/drawing/2014/main" id="{799B3B07-83EF-18F0-7494-5A64BF5160B8}"/>
-                  </a:ext>
-                </a:extLst>
-              </p:cNvPr>
-              <p:cNvSpPr>
-                <a:spLocks noChangeArrowheads="1"/>
-              </p:cNvSpPr>
-              <p:nvPr/>
-            </p:nvSpPr>
-            <p:spPr bwMode="auto">
-              <a:xfrm>
-                <a:off x="1488" y="2208"/>
-                <a:ext cx="432" cy="240"/>
-              </a:xfrm>
-              <a:prstGeom prst="rect">
-                <a:avLst/>
-              </a:prstGeom>
-              <a:solidFill>
-                <a:schemeClr val="accent1"/>
-              </a:solidFill>
-              <a:ln w="9525">
-                <a:solidFill>
-                  <a:schemeClr val="tx1"/>
-                </a:solidFill>
-                <a:miter lim="800000"/>
-                <a:headEnd/>
-                <a:tailEnd/>
-              </a:ln>
-              <a:effectLst/>
-              <a:extLst>
-                <a:ext uri="{AF507438-7753-43E0-B8FC-AC1667EBCBE1}">
-                  <a14:hiddenEffects xmlns:a14="http://schemas.microsoft.com/office/drawing/2010/main">
-                    <a:effectLst>
-                      <a:outerShdw dist="35921" dir="2700000" algn="ctr" rotWithShape="0">
-                        <a:schemeClr val="bg2"/>
-                      </a:outerShdw>
-                    </a:effectLst>
-                  </a14:hiddenEffects>
-                </a:ext>
-              </a:extLst>
-            </p:spPr>
-            <p:txBody>
-              <a:bodyPr wrap="none" anchor="ctr"/>
-              <a:lstStyle/>
-              <a:p>
-                <a:pPr algn="ctr"/>
-                <a:r>
-                  <a:rPr lang="en-US" altLang="zh-CN" sz="2000"/>
-                  <a:t>next</a:t>
-                </a:r>
-              </a:p>
-            </p:txBody>
-          </p:sp>
-        </p:grpSp>
-        <p:grpSp>
-          <p:nvGrpSpPr>
-            <p:cNvPr id="189474" name="Group 34">
-              <a:extLst>
-                <a:ext uri="{FF2B5EF4-FFF2-40B4-BE49-F238E27FC236}">
-                  <a16:creationId xmlns:a16="http://schemas.microsoft.com/office/drawing/2014/main" id="{0A306F19-45A7-17C9-2880-1C8628212E61}"/>
-                </a:ext>
-              </a:extLst>
-            </p:cNvPr>
-            <p:cNvGrpSpPr>
-              <a:grpSpLocks/>
-            </p:cNvGrpSpPr>
-            <p:nvPr/>
-          </p:nvGrpSpPr>
-          <p:grpSpPr bwMode="auto">
-            <a:xfrm>
-              <a:off x="3120" y="1968"/>
-              <a:ext cx="432" cy="480"/>
-              <a:chOff x="1488" y="1968"/>
-              <a:chExt cx="432" cy="480"/>
-            </a:xfrm>
-          </p:grpSpPr>
-          <p:sp>
-            <p:nvSpPr>
-              <p:cNvPr id="189475" name="Rectangle 35">
-                <a:extLst>
-                  <a:ext uri="{FF2B5EF4-FFF2-40B4-BE49-F238E27FC236}">
-                    <a16:creationId xmlns:a16="http://schemas.microsoft.com/office/drawing/2014/main" id="{3BE4AF3F-8E92-185A-ECBB-90063F891E94}"/>
-                  </a:ext>
-                </a:extLst>
-              </p:cNvPr>
-              <p:cNvSpPr>
-                <a:spLocks noChangeArrowheads="1"/>
-              </p:cNvSpPr>
-              <p:nvPr/>
-            </p:nvSpPr>
-            <p:spPr bwMode="auto">
-              <a:xfrm>
-                <a:off x="1488" y="1968"/>
-                <a:ext cx="432" cy="240"/>
-              </a:xfrm>
-              <a:prstGeom prst="rect">
-                <a:avLst/>
-              </a:prstGeom>
-              <a:solidFill>
-                <a:schemeClr val="accent2"/>
-              </a:solidFill>
-              <a:ln w="9525">
-                <a:solidFill>
-                  <a:schemeClr val="tx1"/>
-                </a:solidFill>
-                <a:miter lim="800000"/>
-                <a:headEnd/>
-                <a:tailEnd/>
-              </a:ln>
-              <a:effectLst/>
-              <a:extLst>
-                <a:ext uri="{AF507438-7753-43E0-B8FC-AC1667EBCBE1}">
-                  <a14:hiddenEffects xmlns:a14="http://schemas.microsoft.com/office/drawing/2010/main">
-                    <a:effectLst>
-                      <a:outerShdw dist="35921" dir="2700000" algn="ctr" rotWithShape="0">
-                        <a:schemeClr val="bg2"/>
-                      </a:outerShdw>
-                    </a:effectLst>
-                  </a14:hiddenEffects>
-                </a:ext>
-              </a:extLst>
-            </p:spPr>
-            <p:txBody>
-              <a:bodyPr wrap="none" anchor="ctr"/>
-              <a:lstStyle/>
-              <a:p>
-                <a:pPr algn="ctr"/>
-                <a:r>
-                  <a:rPr lang="en-US" altLang="zh-CN" sz="2000"/>
-                  <a:t>data</a:t>
-                </a:r>
-              </a:p>
-            </p:txBody>
-          </p:sp>
-          <p:sp>
-            <p:nvSpPr>
-              <p:cNvPr id="189476" name="Rectangle 36">
-                <a:extLst>
-                  <a:ext uri="{FF2B5EF4-FFF2-40B4-BE49-F238E27FC236}">
-                    <a16:creationId xmlns:a16="http://schemas.microsoft.com/office/drawing/2014/main" id="{4E6B2E08-1DDB-FD68-2D58-1C8448597C7C}"/>
-                  </a:ext>
-                </a:extLst>
-              </p:cNvPr>
-              <p:cNvSpPr>
-                <a:spLocks noChangeArrowheads="1"/>
-              </p:cNvSpPr>
-              <p:nvPr/>
-            </p:nvSpPr>
-            <p:spPr bwMode="auto">
-              <a:xfrm>
-                <a:off x="1488" y="2208"/>
-                <a:ext cx="432" cy="240"/>
-              </a:xfrm>
-              <a:prstGeom prst="rect">
-                <a:avLst/>
-              </a:prstGeom>
-              <a:solidFill>
-                <a:schemeClr val="accent1"/>
-              </a:solidFill>
-              <a:ln w="9525">
-                <a:solidFill>
-                  <a:schemeClr val="tx1"/>
-                </a:solidFill>
-                <a:miter lim="800000"/>
-                <a:headEnd/>
-                <a:tailEnd/>
-              </a:ln>
-              <a:effectLst/>
-              <a:extLst>
-                <a:ext uri="{AF507438-7753-43E0-B8FC-AC1667EBCBE1}">
-                  <a14:hiddenEffects xmlns:a14="http://schemas.microsoft.com/office/drawing/2010/main">
-                    <a:effectLst>
-                      <a:outerShdw dist="35921" dir="2700000" algn="ctr" rotWithShape="0">
-                        <a:schemeClr val="bg2"/>
-                      </a:outerShdw>
-                    </a:effectLst>
-                  </a14:hiddenEffects>
-                </a:ext>
-              </a:extLst>
-            </p:spPr>
-            <p:txBody>
-              <a:bodyPr wrap="none" anchor="ctr"/>
-              <a:lstStyle/>
-              <a:p>
-                <a:pPr algn="ctr"/>
-                <a:r>
-                  <a:rPr lang="en-US" altLang="zh-CN" sz="2000"/>
-                  <a:t>next</a:t>
-                </a:r>
-              </a:p>
-            </p:txBody>
-          </p:sp>
-        </p:grpSp>
-        <p:grpSp>
-          <p:nvGrpSpPr>
-            <p:cNvPr id="189477" name="Group 37">
-              <a:extLst>
-                <a:ext uri="{FF2B5EF4-FFF2-40B4-BE49-F238E27FC236}">
-                  <a16:creationId xmlns:a16="http://schemas.microsoft.com/office/drawing/2014/main" id="{45E4D064-0BBA-5C02-EEBD-256DD9B8BF7E}"/>
-                </a:ext>
-              </a:extLst>
-            </p:cNvPr>
-            <p:cNvGrpSpPr>
-              <a:grpSpLocks/>
-            </p:cNvGrpSpPr>
-            <p:nvPr/>
-          </p:nvGrpSpPr>
-          <p:grpSpPr bwMode="auto">
-            <a:xfrm>
-              <a:off x="3936" y="1968"/>
-              <a:ext cx="432" cy="480"/>
-              <a:chOff x="1488" y="1968"/>
-              <a:chExt cx="432" cy="480"/>
-            </a:xfrm>
-          </p:grpSpPr>
-          <p:sp>
-            <p:nvSpPr>
-              <p:cNvPr id="189478" name="Rectangle 38">
-                <a:extLst>
-                  <a:ext uri="{FF2B5EF4-FFF2-40B4-BE49-F238E27FC236}">
-                    <a16:creationId xmlns:a16="http://schemas.microsoft.com/office/drawing/2014/main" id="{424BB887-2619-7095-98F2-81D4E9F0409B}"/>
-                  </a:ext>
-                </a:extLst>
-              </p:cNvPr>
-              <p:cNvSpPr>
-                <a:spLocks noChangeArrowheads="1"/>
-              </p:cNvSpPr>
-              <p:nvPr/>
-            </p:nvSpPr>
-            <p:spPr bwMode="auto">
-              <a:xfrm>
-                <a:off x="1488" y="1968"/>
-                <a:ext cx="432" cy="240"/>
-              </a:xfrm>
-              <a:prstGeom prst="rect">
-                <a:avLst/>
-              </a:prstGeom>
-              <a:solidFill>
-                <a:schemeClr val="accent2"/>
-              </a:solidFill>
-              <a:ln w="9525">
-                <a:solidFill>
-                  <a:schemeClr val="tx1"/>
-                </a:solidFill>
-                <a:miter lim="800000"/>
-                <a:headEnd/>
-                <a:tailEnd/>
-              </a:ln>
-              <a:effectLst/>
-              <a:extLst>
-                <a:ext uri="{AF507438-7753-43E0-B8FC-AC1667EBCBE1}">
-                  <a14:hiddenEffects xmlns:a14="http://schemas.microsoft.com/office/drawing/2010/main">
-                    <a:effectLst>
-                      <a:outerShdw dist="35921" dir="2700000" algn="ctr" rotWithShape="0">
-                        <a:schemeClr val="bg2"/>
-                      </a:outerShdw>
-                    </a:effectLst>
-                  </a14:hiddenEffects>
-                </a:ext>
-              </a:extLst>
-            </p:spPr>
-            <p:txBody>
-              <a:bodyPr wrap="none" anchor="ctr"/>
-              <a:lstStyle/>
-              <a:p>
-                <a:pPr algn="ctr"/>
-                <a:r>
-                  <a:rPr lang="en-US" altLang="zh-CN" sz="2000"/>
-                  <a:t>data</a:t>
-                </a:r>
-              </a:p>
-            </p:txBody>
-          </p:sp>
-          <p:sp>
-            <p:nvSpPr>
-              <p:cNvPr id="189479" name="Rectangle 39">
-                <a:extLst>
-                  <a:ext uri="{FF2B5EF4-FFF2-40B4-BE49-F238E27FC236}">
-                    <a16:creationId xmlns:a16="http://schemas.microsoft.com/office/drawing/2014/main" id="{CFDDA8F4-E877-0ED0-0730-B84892AD6AC5}"/>
-                  </a:ext>
-                </a:extLst>
-              </p:cNvPr>
-              <p:cNvSpPr>
-                <a:spLocks noChangeArrowheads="1"/>
-              </p:cNvSpPr>
-              <p:nvPr/>
-            </p:nvSpPr>
-            <p:spPr bwMode="auto">
-              <a:xfrm>
-                <a:off x="1488" y="2208"/>
-                <a:ext cx="432" cy="240"/>
-              </a:xfrm>
-              <a:prstGeom prst="rect">
-                <a:avLst/>
-              </a:prstGeom>
-              <a:solidFill>
-                <a:schemeClr val="accent1"/>
-              </a:solidFill>
-              <a:ln w="9525">
-                <a:solidFill>
-                  <a:schemeClr val="tx1"/>
-                </a:solidFill>
-                <a:miter lim="800000"/>
-                <a:headEnd/>
-                <a:tailEnd/>
-              </a:ln>
-              <a:effectLst/>
-              <a:extLst>
-                <a:ext uri="{AF507438-7753-43E0-B8FC-AC1667EBCBE1}">
-                  <a14:hiddenEffects xmlns:a14="http://schemas.microsoft.com/office/drawing/2010/main">
-                    <a:effectLst>
-                      <a:outerShdw dist="35921" dir="2700000" algn="ctr" rotWithShape="0">
-                        <a:schemeClr val="bg2"/>
-                      </a:outerShdw>
-                    </a:effectLst>
-                  </a14:hiddenEffects>
-                </a:ext>
-              </a:extLst>
-            </p:spPr>
-            <p:txBody>
-              <a:bodyPr wrap="none" anchor="ctr"/>
-              <a:lstStyle/>
-              <a:p>
-                <a:pPr algn="ctr"/>
-                <a:r>
-                  <a:rPr lang="en-US" altLang="zh-CN" sz="2000"/>
-                  <a:t>next</a:t>
-                </a:r>
-              </a:p>
-            </p:txBody>
-          </p:sp>
-        </p:grpSp>
-        <p:sp>
-          <p:nvSpPr>
-            <p:cNvPr id="189480" name="Line 40">
-              <a:extLst>
-                <a:ext uri="{FF2B5EF4-FFF2-40B4-BE49-F238E27FC236}">
-                  <a16:creationId xmlns:a16="http://schemas.microsoft.com/office/drawing/2014/main" id="{95829451-56AB-65D8-93D3-9FEF0EB834C7}"/>
-                </a:ext>
-              </a:extLst>
-            </p:cNvPr>
-            <p:cNvSpPr>
-              <a:spLocks noChangeShapeType="1"/>
-            </p:cNvSpPr>
-            <p:nvPr/>
-          </p:nvSpPr>
-          <p:spPr bwMode="auto">
-            <a:xfrm>
-              <a:off x="1056" y="2112"/>
-              <a:ext cx="432" cy="0"/>
-            </a:xfrm>
-            <a:prstGeom prst="line">
-              <a:avLst/>
-            </a:prstGeom>
-            <a:noFill/>
-            <a:ln w="9525">
-              <a:solidFill>
-                <a:schemeClr val="tx1"/>
-              </a:solidFill>
-              <a:round/>
-              <a:headEnd/>
-              <a:tailEnd type="triangle" w="med" len="med"/>
-            </a:ln>
-            <a:effectLst/>
-            <a:extLst>
-              <a:ext uri="{909E8E84-426E-40DD-AFC4-6F175D3DCCD1}">
-                <a14:hiddenFill xmlns:a14="http://schemas.microsoft.com/office/drawing/2010/main">
-                  <a:noFill/>
-                </a14:hiddenFill>
-              </a:ext>
-              <a:ext uri="{AF507438-7753-43E0-B8FC-AC1667EBCBE1}">
-                <a14:hiddenEffects xmlns:a14="http://schemas.microsoft.com/office/drawing/2010/main">
-                  <a:effectLst>
-                    <a:outerShdw dist="35921" dir="2700000" algn="ctr" rotWithShape="0">
-                      <a:schemeClr val="bg2"/>
-                    </a:outerShdw>
-                  </a:effectLst>
-                </a14:hiddenEffects>
-              </a:ext>
-            </a:extLst>
-          </p:spPr>
-          <p:txBody>
-            <a:bodyPr/>
-            <a:lstStyle/>
-            <a:p>
-              <a:endParaRPr lang="zh-CN" altLang="en-US"/>
-            </a:p>
-          </p:txBody>
-        </p:sp>
-        <p:sp>
-          <p:nvSpPr>
-            <p:cNvPr id="189481" name="Text Box 41">
-              <a:extLst>
-                <a:ext uri="{FF2B5EF4-FFF2-40B4-BE49-F238E27FC236}">
-                  <a16:creationId xmlns:a16="http://schemas.microsoft.com/office/drawing/2014/main" id="{6DE4FE2D-C99D-474B-B1DC-024BEB051C63}"/>
-                </a:ext>
-              </a:extLst>
-            </p:cNvPr>
-            <p:cNvSpPr txBox="1">
-              <a:spLocks noChangeArrowheads="1"/>
-            </p:cNvSpPr>
-            <p:nvPr/>
-          </p:nvSpPr>
-          <p:spPr bwMode="auto">
-            <a:xfrm>
-              <a:off x="912" y="1856"/>
-              <a:ext cx="315" cy="250"/>
-            </a:xfrm>
-            <a:prstGeom prst="rect">
-              <a:avLst/>
-            </a:prstGeom>
-            <a:noFill/>
-            <a:ln>
-              <a:noFill/>
-            </a:ln>
-            <a:effectLst/>
-            <a:extLst>
-              <a:ext uri="{909E8E84-426E-40DD-AFC4-6F175D3DCCD1}">
-                <a14:hiddenFill xmlns:a14="http://schemas.microsoft.com/office/drawing/2010/main">
-                  <a:solidFill>
-                    <a:schemeClr val="accent1"/>
-                  </a:solidFill>
-                </a14:hiddenFill>
-              </a:ext>
-              <a:ext uri="{91240B29-F687-4F45-9708-019B960494DF}">
-                <a14:hiddenLine xmlns:a14="http://schemas.microsoft.com/office/drawing/2010/main" w="9525">
-                  <a:solidFill>
-                    <a:schemeClr val="tx1"/>
-                  </a:solidFill>
-                  <a:miter lim="800000"/>
-                  <a:headEnd/>
-                  <a:tailEnd/>
-                </a14:hiddenLine>
-              </a:ext>
-              <a:ext uri="{AF507438-7753-43E0-B8FC-AC1667EBCBE1}">
-                <a14:hiddenEffects xmlns:a14="http://schemas.microsoft.com/office/drawing/2010/main">
-                  <a:effectLst>
-                    <a:outerShdw dist="35921" dir="2700000" algn="ctr" rotWithShape="0">
-                      <a:schemeClr val="bg2"/>
-                    </a:outerShdw>
-                  </a:effectLst>
-                </a14:hiddenEffects>
-              </a:ext>
-            </a:extLst>
-          </p:spPr>
-          <p:txBody>
-            <a:bodyPr wrap="none">
-              <a:spAutoFit/>
-            </a:bodyPr>
-            <a:lstStyle/>
-            <a:p>
-              <a:r>
-                <a:rPr lang="en-US" altLang="zh-CN" sz="2000"/>
-                <a:t>list</a:t>
-              </a:r>
-            </a:p>
-          </p:txBody>
-        </p:sp>
-        <p:cxnSp>
-          <p:nvCxnSpPr>
-            <p:cNvPr id="189482" name="AutoShape 42">
-              <a:extLst>
-                <a:ext uri="{FF2B5EF4-FFF2-40B4-BE49-F238E27FC236}">
-                  <a16:creationId xmlns:a16="http://schemas.microsoft.com/office/drawing/2014/main" id="{91FFFB07-6A98-7B81-347E-693A8B849C11}"/>
-                </a:ext>
-              </a:extLst>
-            </p:cNvPr>
-            <p:cNvCxnSpPr>
-              <a:cxnSpLocks noChangeShapeType="1"/>
-              <a:stCxn id="189470" idx="3"/>
-              <a:endCxn id="189472" idx="1"/>
-            </p:cNvCxnSpPr>
-            <p:nvPr/>
-          </p:nvCxnSpPr>
-          <p:spPr bwMode="auto">
-            <a:xfrm flipV="1">
-              <a:off x="1920" y="2088"/>
-              <a:ext cx="384" cy="240"/>
-            </a:xfrm>
-            <a:prstGeom prst="curvedConnector3">
-              <a:avLst>
-                <a:gd name="adj1" fmla="val 50000"/>
-              </a:avLst>
-            </a:prstGeom>
-            <a:noFill/>
-            <a:ln w="9525">
-              <a:solidFill>
-                <a:schemeClr val="tx1"/>
-              </a:solidFill>
-              <a:round/>
-              <a:headEnd/>
-              <a:tailEnd type="triangle" w="med" len="med"/>
-            </a:ln>
-            <a:effectLst/>
-            <a:extLst>
-              <a:ext uri="{909E8E84-426E-40DD-AFC4-6F175D3DCCD1}">
-                <a14:hiddenFill xmlns:a14="http://schemas.microsoft.com/office/drawing/2010/main">
-                  <a:noFill/>
-                </a14:hiddenFill>
-              </a:ext>
-              <a:ext uri="{AF507438-7753-43E0-B8FC-AC1667EBCBE1}">
-                <a14:hiddenEffects xmlns:a14="http://schemas.microsoft.com/office/drawing/2010/main">
-                  <a:effectLst>
-                    <a:outerShdw dist="35921" dir="2700000" algn="ctr" rotWithShape="0">
-                      <a:schemeClr val="bg2"/>
-                    </a:outerShdw>
-                  </a:effectLst>
-                </a14:hiddenEffects>
-              </a:ext>
-            </a:extLst>
-          </p:spPr>
-        </p:cxnSp>
-        <p:cxnSp>
-          <p:nvCxnSpPr>
-            <p:cNvPr id="189483" name="AutoShape 43">
-              <a:extLst>
-                <a:ext uri="{FF2B5EF4-FFF2-40B4-BE49-F238E27FC236}">
-                  <a16:creationId xmlns:a16="http://schemas.microsoft.com/office/drawing/2014/main" id="{196A9C49-C473-34E8-DE51-3DBA7C8B111F}"/>
-                </a:ext>
-              </a:extLst>
-            </p:cNvPr>
-            <p:cNvCxnSpPr>
-              <a:cxnSpLocks noChangeShapeType="1"/>
-            </p:cNvCxnSpPr>
-            <p:nvPr/>
-          </p:nvCxnSpPr>
-          <p:spPr bwMode="auto">
-            <a:xfrm flipV="1">
-              <a:off x="2736" y="2064"/>
-              <a:ext cx="384" cy="240"/>
-            </a:xfrm>
-            <a:prstGeom prst="curvedConnector3">
-              <a:avLst>
-                <a:gd name="adj1" fmla="val 50000"/>
-              </a:avLst>
-            </a:prstGeom>
-            <a:noFill/>
-            <a:ln w="9525">
-              <a:solidFill>
-                <a:schemeClr val="tx1"/>
-              </a:solidFill>
-              <a:round/>
-              <a:headEnd/>
-              <a:tailEnd type="triangle" w="med" len="med"/>
-            </a:ln>
-            <a:effectLst/>
-            <a:extLst>
-              <a:ext uri="{909E8E84-426E-40DD-AFC4-6F175D3DCCD1}">
-                <a14:hiddenFill xmlns:a14="http://schemas.microsoft.com/office/drawing/2010/main">
-                  <a:noFill/>
-                </a14:hiddenFill>
-              </a:ext>
-              <a:ext uri="{AF507438-7753-43E0-B8FC-AC1667EBCBE1}">
-                <a14:hiddenEffects xmlns:a14="http://schemas.microsoft.com/office/drawing/2010/main">
-                  <a:effectLst>
-                    <a:outerShdw dist="35921" dir="2700000" algn="ctr" rotWithShape="0">
-                      <a:schemeClr val="bg2"/>
-                    </a:outerShdw>
-                  </a:effectLst>
-                </a14:hiddenEffects>
-              </a:ext>
-            </a:extLst>
-          </p:spPr>
-        </p:cxnSp>
-        <p:cxnSp>
-          <p:nvCxnSpPr>
-            <p:cNvPr id="189484" name="AutoShape 44">
-              <a:extLst>
-                <a:ext uri="{FF2B5EF4-FFF2-40B4-BE49-F238E27FC236}">
-                  <a16:creationId xmlns:a16="http://schemas.microsoft.com/office/drawing/2014/main" id="{273639D6-30B4-7D7C-9B74-CB29198DF505}"/>
-                </a:ext>
-              </a:extLst>
-            </p:cNvPr>
-            <p:cNvCxnSpPr>
-              <a:cxnSpLocks noChangeShapeType="1"/>
-            </p:cNvCxnSpPr>
-            <p:nvPr/>
-          </p:nvCxnSpPr>
-          <p:spPr bwMode="auto">
-            <a:xfrm flipV="1">
-              <a:off x="3552" y="2112"/>
-              <a:ext cx="384" cy="240"/>
-            </a:xfrm>
-            <a:prstGeom prst="curvedConnector3">
-              <a:avLst>
-                <a:gd name="adj1" fmla="val 50000"/>
-              </a:avLst>
-            </a:prstGeom>
-            <a:noFill/>
-            <a:ln w="9525">
-              <a:solidFill>
-                <a:schemeClr val="tx1"/>
-              </a:solidFill>
-              <a:round/>
-              <a:headEnd/>
-              <a:tailEnd type="triangle" w="med" len="med"/>
-            </a:ln>
-            <a:effectLst/>
-            <a:extLst>
-              <a:ext uri="{909E8E84-426E-40DD-AFC4-6F175D3DCCD1}">
-                <a14:hiddenFill xmlns:a14="http://schemas.microsoft.com/office/drawing/2010/main">
-                  <a:noFill/>
-                </a14:hiddenFill>
-              </a:ext>
-              <a:ext uri="{AF507438-7753-43E0-B8FC-AC1667EBCBE1}">
-                <a14:hiddenEffects xmlns:a14="http://schemas.microsoft.com/office/drawing/2010/main">
-                  <a:effectLst>
-                    <a:outerShdw dist="35921" dir="2700000" algn="ctr" rotWithShape="0">
-                      <a:schemeClr val="bg2"/>
-                    </a:outerShdw>
-                  </a:effectLst>
-                </a14:hiddenEffects>
-              </a:ext>
-            </a:extLst>
-          </p:spPr>
-        </p:cxnSp>
-        <p:cxnSp>
-          <p:nvCxnSpPr>
-            <p:cNvPr id="189485" name="AutoShape 45">
-              <a:extLst>
-                <a:ext uri="{FF2B5EF4-FFF2-40B4-BE49-F238E27FC236}">
-                  <a16:creationId xmlns:a16="http://schemas.microsoft.com/office/drawing/2014/main" id="{DD07EDBA-6504-11A0-FFD7-D9799CF6B8D5}"/>
-                </a:ext>
-              </a:extLst>
-            </p:cNvPr>
-            <p:cNvCxnSpPr>
-              <a:cxnSpLocks noChangeShapeType="1"/>
-            </p:cNvCxnSpPr>
-            <p:nvPr/>
-          </p:nvCxnSpPr>
-          <p:spPr bwMode="auto">
-            <a:xfrm flipV="1">
-              <a:off x="4368" y="2064"/>
-              <a:ext cx="384" cy="240"/>
-            </a:xfrm>
-            <a:prstGeom prst="curvedConnector3">
-              <a:avLst>
-                <a:gd name="adj1" fmla="val 50000"/>
-              </a:avLst>
-            </a:prstGeom>
-            <a:noFill/>
-            <a:ln w="9525">
-              <a:solidFill>
-                <a:schemeClr val="tx1"/>
-              </a:solidFill>
-              <a:round/>
-              <a:headEnd/>
-              <a:tailEnd type="triangle" w="med" len="med"/>
-            </a:ln>
-            <a:effectLst/>
-            <a:extLst>
-              <a:ext uri="{909E8E84-426E-40DD-AFC4-6F175D3DCCD1}">
-                <a14:hiddenFill xmlns:a14="http://schemas.microsoft.com/office/drawing/2010/main">
-                  <a:noFill/>
-                </a14:hiddenFill>
-              </a:ext>
-              <a:ext uri="{AF507438-7753-43E0-B8FC-AC1667EBCBE1}">
-                <a14:hiddenEffects xmlns:a14="http://schemas.microsoft.com/office/drawing/2010/main">
-                  <a:effectLst>
-                    <a:outerShdw dist="35921" dir="2700000" algn="ctr" rotWithShape="0">
-                      <a:schemeClr val="bg2"/>
-                    </a:outerShdw>
-                  </a:effectLst>
-                </a14:hiddenEffects>
-              </a:ext>
-            </a:extLst>
-          </p:spPr>
-        </p:cxnSp>
-        <p:sp>
-          <p:nvSpPr>
-            <p:cNvPr id="189486" name="Text Box 46">
-              <a:extLst>
-                <a:ext uri="{FF2B5EF4-FFF2-40B4-BE49-F238E27FC236}">
-                  <a16:creationId xmlns:a16="http://schemas.microsoft.com/office/drawing/2014/main" id="{8EC35A28-D2B0-2917-666D-FD43958DAADA}"/>
-                </a:ext>
-              </a:extLst>
-            </p:cNvPr>
-            <p:cNvSpPr txBox="1">
-              <a:spLocks noChangeArrowheads="1"/>
-            </p:cNvSpPr>
-            <p:nvPr/>
-          </p:nvSpPr>
-          <p:spPr bwMode="auto">
-            <a:xfrm>
-              <a:off x="4752" y="1900"/>
-              <a:ext cx="432" cy="250"/>
-            </a:xfrm>
-            <a:prstGeom prst="rect">
-              <a:avLst/>
-            </a:prstGeom>
-            <a:noFill/>
-            <a:ln>
-              <a:noFill/>
-            </a:ln>
-            <a:effectLst/>
-            <a:extLst>
-              <a:ext uri="{909E8E84-426E-40DD-AFC4-6F175D3DCCD1}">
-                <a14:hiddenFill xmlns:a14="http://schemas.microsoft.com/office/drawing/2010/main">
-                  <a:solidFill>
-                    <a:schemeClr val="accent1"/>
-                  </a:solidFill>
-                </a14:hiddenFill>
-              </a:ext>
-              <a:ext uri="{91240B29-F687-4F45-9708-019B960494DF}">
-                <a14:hiddenLine xmlns:a14="http://schemas.microsoft.com/office/drawing/2010/main" w="9525">
-                  <a:solidFill>
-                    <a:schemeClr val="tx1"/>
-                  </a:solidFill>
-                  <a:miter lim="800000"/>
-                  <a:headEnd/>
-                  <a:tailEnd/>
-                </a14:hiddenLine>
-              </a:ext>
-              <a:ext uri="{AF507438-7753-43E0-B8FC-AC1667EBCBE1}">
-                <a14:hiddenEffects xmlns:a14="http://schemas.microsoft.com/office/drawing/2010/main">
-                  <a:effectLst>
-                    <a:outerShdw dist="35921" dir="2700000" algn="ctr" rotWithShape="0">
-                      <a:schemeClr val="bg2"/>
-                    </a:outerShdw>
-                  </a:effectLst>
-                </a14:hiddenEffects>
-              </a:ext>
-            </a:extLst>
-          </p:spPr>
-          <p:txBody>
-            <a:bodyPr>
-              <a:spAutoFit/>
-            </a:bodyPr>
-            <a:lstStyle/>
-            <a:p>
-              <a:pPr>
-                <a:spcBef>
-                  <a:spcPct val="50000"/>
-                </a:spcBef>
-              </a:pPr>
-              <a:r>
-                <a:rPr lang="en-US" altLang="zh-CN" sz="2000">
-                  <a:latin typeface="Arial" panose="020B0604020202020204" pitchFamily="34" charset="0"/>
-                </a:rPr>
-                <a:t>…</a:t>
-              </a:r>
-              <a:endParaRPr lang="en-US" altLang="zh-CN" sz="2000"/>
-            </a:p>
-          </p:txBody>
-        </p:sp>
-      </p:grpSp>
     </p:spTree>
   </p:cSld>
   <p:clrMapOvr>
     <a:masterClrMapping/>
   </p:clrMapOvr>
-  <p:timing>
-    <p:tnLst>
-      <p:par>
-        <p:cTn id="1" dur="indefinite" restart="never" nodeType="tmRoot">
-          <p:childTnLst>
-            <p:seq concurrent="1" nextAc="seek">
-              <p:cTn id="2" dur="indefinite" nodeType="mainSeq">
-                <p:childTnLst>
-                  <p:par>
-                    <p:cTn id="3" fill="hold" nodeType="clickPar">
-                      <p:stCondLst>
-                        <p:cond delay="indefinite"/>
-                      </p:stCondLst>
-                      <p:childTnLst>
-                        <p:par>
-                          <p:cTn id="4" fill="hold" nodeType="withGroup">
-                            <p:stCondLst>
-                              <p:cond delay="0"/>
-                            </p:stCondLst>
-                            <p:childTnLst>
-                              <p:par>
-                                <p:cTn id="5" presetID="3" presetClass="entr" presetSubtype="10" fill="hold" nodeType="clickEffect">
-                                  <p:stCondLst>
-                                    <p:cond delay="0"/>
-                                  </p:stCondLst>
-                                  <p:childTnLst>
-                                    <p:set>
-                                      <p:cBhvr>
-                                        <p:cTn id="6" dur="1" fill="hold">
-                                          <p:stCondLst>
-                                            <p:cond delay="0"/>
-                                          </p:stCondLst>
-                                        </p:cTn>
-                                        <p:tgtEl>
-                                          <p:spTgt spid="189467"/>
-                                        </p:tgtEl>
-                                        <p:attrNameLst>
-                                          <p:attrName>style.visibility</p:attrName>
-                                        </p:attrNameLst>
-                                      </p:cBhvr>
-                                      <p:to>
-                                        <p:strVal val="visible"/>
-                                      </p:to>
-                                    </p:set>
-                                    <p:animEffect transition="in" filter="blinds(horizontal)">
-                                      <p:cBhvr>
-                                        <p:cTn id="7" dur="500"/>
-                                        <p:tgtEl>
-                                          <p:spTgt spid="189467"/>
-                                        </p:tgtEl>
-                                      </p:cBhvr>
-                                    </p:animEffect>
-                                  </p:childTnLst>
-                                </p:cTn>
-                              </p:par>
-                            </p:childTnLst>
-                          </p:cTn>
-                        </p:par>
-                      </p:childTnLst>
-                    </p:cTn>
-                  </p:par>
-                </p:childTnLst>
-              </p:cTn>
-              <p:prevCondLst>
-                <p:cond evt="onPrev" delay="0">
-                  <p:tgtEl>
-                    <p:sldTgt/>
-                  </p:tgtEl>
-                </p:cond>
-              </p:prevCondLst>
-              <p:nextCondLst>
-                <p:cond evt="onNext" delay="0">
-                  <p:tgtEl>
-                    <p:sldTgt/>
-                  </p:tgtEl>
-                </p:cond>
-              </p:nextCondLst>
-            </p:seq>
-          </p:childTnLst>
-        </p:cTn>
-      </p:par>
-    </p:tnLst>
-  </p:timing>
 </p:sld>
 </file>
 
@@ -18616,6 +16875,120 @@
                 <a:latin typeface="Courier New" panose="02070309020205020404" pitchFamily="49" charset="0"/>
               </a:rPr>
               <a:t>(){</a:t>
+            </a:r>
+          </a:p>
+          <a:p>
+            <a:pPr>
+              <a:lnSpc>
+                <a:spcPct val="90000"/>
+              </a:lnSpc>
+              <a:buFont typeface="Wingdings" pitchFamily="2" charset="2"/>
+              <a:buNone/>
+            </a:pPr>
+            <a:r>
+              <a:rPr lang="en-US" altLang="zh-CN" sz="2000" b="1" dirty="0">
+                <a:solidFill>
+                  <a:schemeClr val="folHlink"/>
+                </a:solidFill>
+                <a:latin typeface="Courier New" panose="02070309020205020404" pitchFamily="49" charset="0"/>
+              </a:rPr>
+              <a:t>  </a:t>
+            </a:r>
+            <a:r>
+              <a:rPr lang="en-US" altLang="zh-CN" sz="2000" b="1" dirty="0" err="1">
+                <a:solidFill>
+                  <a:schemeClr val="folHlink"/>
+                </a:solidFill>
+                <a:latin typeface="Courier New" panose="02070309020205020404" pitchFamily="49" charset="0"/>
+              </a:rPr>
+              <a:t>List_t</a:t>
+            </a:r>
+            <a:r>
+              <a:rPr lang="en-US" altLang="zh-CN" sz="2000" b="1" dirty="0">
+                <a:solidFill>
+                  <a:schemeClr val="folHlink"/>
+                </a:solidFill>
+                <a:latin typeface="Courier New" panose="02070309020205020404" pitchFamily="49" charset="0"/>
+              </a:rPr>
+              <a:t> l = </a:t>
+            </a:r>
+            <a:r>
+              <a:rPr lang="en-US" altLang="zh-CN" sz="2000" b="1" dirty="0" err="1">
+                <a:solidFill>
+                  <a:schemeClr val="folHlink"/>
+                </a:solidFill>
+                <a:latin typeface="Courier New" panose="02070309020205020404" pitchFamily="49" charset="0"/>
+              </a:rPr>
+              <a:t>calloc</a:t>
+            </a:r>
+            <a:r>
+              <a:rPr lang="en-US" altLang="zh-CN" sz="2000" b="1" dirty="0">
+                <a:solidFill>
+                  <a:schemeClr val="folHlink"/>
+                </a:solidFill>
+                <a:latin typeface="Courier New" panose="02070309020205020404" pitchFamily="49" charset="0"/>
+              </a:rPr>
+              <a:t>(</a:t>
+            </a:r>
+            <a:r>
+              <a:rPr lang="en-US" altLang="zh-CN" sz="2000" b="1" dirty="0" err="1">
+                <a:solidFill>
+                  <a:schemeClr val="folHlink"/>
+                </a:solidFill>
+                <a:latin typeface="Courier New" panose="02070309020205020404" pitchFamily="49" charset="0"/>
+              </a:rPr>
+              <a:t>sizeof</a:t>
+            </a:r>
+            <a:r>
+              <a:rPr lang="en-US" altLang="zh-CN" sz="2000" b="1" dirty="0">
+                <a:solidFill>
+                  <a:schemeClr val="folHlink"/>
+                </a:solidFill>
+                <a:latin typeface="Courier New" panose="02070309020205020404" pitchFamily="49" charset="0"/>
+              </a:rPr>
+              <a:t>(*l));</a:t>
+            </a:r>
+          </a:p>
+          <a:p>
+            <a:pPr>
+              <a:lnSpc>
+                <a:spcPct val="90000"/>
+              </a:lnSpc>
+              <a:buFont typeface="Wingdings" pitchFamily="2" charset="2"/>
+              <a:buNone/>
+            </a:pPr>
+            <a:r>
+              <a:rPr lang="en-US" altLang="zh-CN" sz="2000" b="1" dirty="0">
+                <a:solidFill>
+                  <a:schemeClr val="folHlink"/>
+                </a:solidFill>
+                <a:latin typeface="Courier New" panose="02070309020205020404" pitchFamily="49" charset="0"/>
+              </a:rPr>
+              <a:t>  l-&gt;kind = NIL;</a:t>
+            </a:r>
+          </a:p>
+          <a:p>
+            <a:pPr>
+              <a:lnSpc>
+                <a:spcPct val="90000"/>
+              </a:lnSpc>
+              <a:buFont typeface="Wingdings" pitchFamily="2" charset="2"/>
+              <a:buNone/>
+            </a:pPr>
+            <a:r>
+              <a:rPr lang="en-US" altLang="zh-CN" sz="2000" b="1" dirty="0">
+                <a:solidFill>
+                  <a:schemeClr val="folHlink"/>
+                </a:solidFill>
+                <a:latin typeface="Courier New" panose="02070309020205020404" pitchFamily="49" charset="0"/>
+              </a:rPr>
+              <a:t>  </a:t>
+            </a:r>
+            <a:r>
+              <a:rPr lang="en-US" altLang="zh-CN" sz="2000" b="1" dirty="0">
+                <a:latin typeface="Courier New" panose="02070309020205020404" pitchFamily="49" charset="0"/>
+              </a:rPr>
+              <a:t>// l-&gt;u?</a:t>
             </a:r>
           </a:p>
           <a:p>
@@ -18783,7 +17156,25 @@
                 </a:solidFill>
                 <a:latin typeface="Courier New" panose="02070309020205020404" pitchFamily="49" charset="0"/>
               </a:rPr>
-              <a:t>(poly data, </a:t>
+              <a:t>(</a:t>
+            </a:r>
+            <a:r>
+              <a:rPr lang="en-US" altLang="zh-CN" sz="2000" b="1" dirty="0" err="1">
+                <a:solidFill>
+                  <a:schemeClr val="folHlink"/>
+                </a:solidFill>
+                <a:latin typeface="Courier New" panose="02070309020205020404" pitchFamily="49" charset="0"/>
+              </a:rPr>
+              <a:t>Poly_t</a:t>
+            </a:r>
+            <a:r>
+              <a:rPr lang="en-US" altLang="zh-CN" sz="2000" b="1" dirty="0">
+                <a:solidFill>
+                  <a:schemeClr val="folHlink"/>
+                </a:solidFill>
+                <a:latin typeface="Courier New" panose="02070309020205020404" pitchFamily="49" charset="0"/>
+              </a:rPr>
+              <a:t> data, </a:t>
             </a:r>
             <a:r>
               <a:rPr lang="en-US" altLang="zh-CN" sz="2000" b="1" dirty="0" err="1">
@@ -18834,7 +17225,25 @@
                 </a:solidFill>
                 <a:latin typeface="Courier New" panose="02070309020205020404" pitchFamily="49" charset="0"/>
               </a:rPr>
-              <a:t> temp = malloc(</a:t>
+              <a:t> temp = </a:t>
+            </a:r>
+            <a:r>
+              <a:rPr lang="en-US" altLang="zh-CN" sz="2000" b="1" dirty="0" err="1">
+                <a:solidFill>
+                  <a:schemeClr val="folHlink"/>
+                </a:solidFill>
+                <a:latin typeface="Courier New" panose="02070309020205020404" pitchFamily="49" charset="0"/>
+              </a:rPr>
+              <a:t>calloc</a:t>
+            </a:r>
+            <a:r>
+              <a:rPr lang="en-US" altLang="zh-CN" sz="2000" b="1" dirty="0">
+                <a:solidFill>
+                  <a:schemeClr val="folHlink"/>
+                </a:solidFill>
+                <a:latin typeface="Courier New" panose="02070309020205020404" pitchFamily="49" charset="0"/>
+              </a:rPr>
+              <a:t>(</a:t>
             </a:r>
             <a:r>
               <a:rPr lang="en-US" altLang="zh-CN" sz="2000" b="1" dirty="0" err="1">
@@ -18867,7 +17276,7 @@
                 </a:solidFill>
                 <a:latin typeface="Courier New" panose="02070309020205020404" pitchFamily="49" charset="0"/>
               </a:rPr>
-              <a:t>  temp-&gt;data = data;</a:t>
+              <a:t>  temp-&gt;kind = CONS;</a:t>
             </a:r>
           </a:p>
           <a:p>
@@ -18882,7 +17291,58 @@
                 </a:solidFill>
                 <a:latin typeface="Courier New" panose="02070309020205020404" pitchFamily="49" charset="0"/>
               </a:rPr>
-              <a:t>  temp-&gt;next = l;</a:t>
+              <a:t>  temp-&gt;</a:t>
+            </a:r>
+            <a:r>
+              <a:rPr lang="en-US" altLang="zh-CN" sz="2000" b="1" dirty="0" err="1">
+                <a:solidFill>
+                  <a:schemeClr val="folHlink"/>
+                </a:solidFill>
+                <a:latin typeface="Courier New" panose="02070309020205020404" pitchFamily="49" charset="0"/>
+              </a:rPr>
+              <a:t>u.cons.data</a:t>
+            </a:r>
+            <a:r>
+              <a:rPr lang="en-US" altLang="zh-CN" sz="2000" b="1" dirty="0">
+                <a:solidFill>
+                  <a:schemeClr val="folHlink"/>
+                </a:solidFill>
+                <a:latin typeface="Courier New" panose="02070309020205020404" pitchFamily="49" charset="0"/>
+              </a:rPr>
+              <a:t> = data;</a:t>
+            </a:r>
+          </a:p>
+          <a:p>
+            <a:pPr>
+              <a:buFont typeface="Wingdings" pitchFamily="2" charset="2"/>
+              <a:buNone/>
+            </a:pPr>
+            <a:r>
+              <a:rPr lang="en-US" altLang="zh-CN" sz="2000" b="1" dirty="0">
+                <a:solidFill>
+                  <a:schemeClr val="folHlink"/>
+                </a:solidFill>
+                <a:latin typeface="Courier New" panose="02070309020205020404" pitchFamily="49" charset="0"/>
+              </a:rPr>
+              <a:t>  temp-&gt;</a:t>
+            </a:r>
+            <a:r>
+              <a:rPr lang="en-US" altLang="zh-CN" sz="2000" b="1" dirty="0" err="1">
+                <a:solidFill>
+                  <a:schemeClr val="folHlink"/>
+                </a:solidFill>
+                <a:latin typeface="Courier New" panose="02070309020205020404" pitchFamily="49" charset="0"/>
+              </a:rPr>
+              <a:t>u.cons.next</a:t>
+            </a:r>
+            <a:r>
+              <a:rPr lang="en-US" altLang="zh-CN" sz="2000" b="1" dirty="0">
+                <a:solidFill>
+                  <a:schemeClr val="folHlink"/>
+                </a:solidFill>
+                <a:latin typeface="Courier New" panose="02070309020205020404" pitchFamily="49" charset="0"/>
+              </a:rPr>
+              <a:t> = l;</a:t>
             </a:r>
           </a:p>
           <a:p>

--- a/courses/sysprog/slides/lec13-funList.pptx
+++ b/courses/sysprog/slides/lec13-funList.pptx
@@ -5,34 +5,33 @@
     <p:sldMasterId id="2147483649" r:id="rId1"/>
   </p:sldMasterIdLst>
   <p:handoutMasterIdLst>
-    <p:handoutMasterId r:id="rId22"/>
+    <p:handoutMasterId r:id="rId21"/>
   </p:handoutMasterIdLst>
   <p:sldIdLst>
     <p:sldId id="256" r:id="rId2"/>
     <p:sldId id="302" r:id="rId3"/>
-    <p:sldId id="303" r:id="rId4"/>
-    <p:sldId id="304" r:id="rId5"/>
-    <p:sldId id="384" r:id="rId6"/>
-    <p:sldId id="383" r:id="rId7"/>
-    <p:sldId id="322" r:id="rId8"/>
-    <p:sldId id="326" r:id="rId9"/>
-    <p:sldId id="389" r:id="rId10"/>
-    <p:sldId id="394" r:id="rId11"/>
-    <p:sldId id="329" r:id="rId12"/>
-    <p:sldId id="385" r:id="rId13"/>
-    <p:sldId id="386" r:id="rId14"/>
-    <p:sldId id="350" r:id="rId15"/>
-    <p:sldId id="390" r:id="rId16"/>
-    <p:sldId id="391" r:id="rId17"/>
-    <p:sldId id="387" r:id="rId18"/>
-    <p:sldId id="354" r:id="rId19"/>
-    <p:sldId id="313" r:id="rId20"/>
-    <p:sldId id="393" r:id="rId21"/>
+    <p:sldId id="304" r:id="rId4"/>
+    <p:sldId id="384" r:id="rId5"/>
+    <p:sldId id="383" r:id="rId6"/>
+    <p:sldId id="322" r:id="rId7"/>
+    <p:sldId id="326" r:id="rId8"/>
+    <p:sldId id="389" r:id="rId9"/>
+    <p:sldId id="394" r:id="rId10"/>
+    <p:sldId id="329" r:id="rId11"/>
+    <p:sldId id="385" r:id="rId12"/>
+    <p:sldId id="386" r:id="rId13"/>
+    <p:sldId id="350" r:id="rId14"/>
+    <p:sldId id="390" r:id="rId15"/>
+    <p:sldId id="391" r:id="rId16"/>
+    <p:sldId id="387" r:id="rId17"/>
+    <p:sldId id="354" r:id="rId18"/>
+    <p:sldId id="313" r:id="rId19"/>
+    <p:sldId id="393" r:id="rId20"/>
   </p:sldIdLst>
   <p:sldSz cx="9144000" cy="6858000" type="screen4x3"/>
   <p:notesSz cx="7099300" cy="10234613"/>
   <p:custDataLst>
-    <p:tags r:id="rId23"/>
+    <p:tags r:id="rId22"/>
   </p:custDataLst>
   <p:defaultTextStyle>
     <a:defPPr>
@@ -5143,395 +5142,6 @@
       </p:grpSpPr>
       <p:sp>
         <p:nvSpPr>
-          <p:cNvPr id="274434" name="Rectangle 2">
-            <a:extLst>
-              <a:ext uri="{FF2B5EF4-FFF2-40B4-BE49-F238E27FC236}">
-                <a16:creationId xmlns:a16="http://schemas.microsoft.com/office/drawing/2014/main" id="{EE4141C0-28E4-CA98-12FC-9313CEE897C9}"/>
-              </a:ext>
-            </a:extLst>
-          </p:cNvPr>
-          <p:cNvSpPr>
-            <a:spLocks noGrp="1" noChangeArrowheads="1"/>
-          </p:cNvSpPr>
-          <p:nvPr>
-            <p:ph type="title"/>
-          </p:nvPr>
-        </p:nvSpPr>
-        <p:spPr/>
-        <p:txBody>
-          <a:bodyPr/>
-          <a:lstStyle/>
-          <a:p>
-            <a:r>
-              <a:rPr lang="en-US" altLang="zh-CN"/>
-              <a:t>Operation: </a:t>
-            </a:r>
-            <a:r>
-              <a:rPr lang="en-US" altLang="zh-CN">
-                <a:latin typeface="Arial" panose="020B0604020202020204" pitchFamily="34" charset="0"/>
-              </a:rPr>
-              <a:t>“</a:t>
-            </a:r>
-            <a:r>
-              <a:rPr lang="en-US" altLang="zh-CN"/>
-              <a:t>foreach</a:t>
-            </a:r>
-            <a:r>
-              <a:rPr lang="en-US" altLang="zh-CN">
-                <a:latin typeface="Arial" panose="020B0604020202020204" pitchFamily="34" charset="0"/>
-              </a:rPr>
-              <a:t>”</a:t>
-            </a:r>
-            <a:endParaRPr lang="en-US" altLang="zh-CN"/>
-          </a:p>
-        </p:txBody>
-      </p:sp>
-      <p:sp>
-        <p:nvSpPr>
-          <p:cNvPr id="274435" name="Rectangle 3">
-            <a:extLst>
-              <a:ext uri="{FF2B5EF4-FFF2-40B4-BE49-F238E27FC236}">
-                <a16:creationId xmlns:a16="http://schemas.microsoft.com/office/drawing/2014/main" id="{FFE6BF5F-B761-6E3C-08AA-64F138028790}"/>
-              </a:ext>
-            </a:extLst>
-          </p:cNvPr>
-          <p:cNvSpPr>
-            <a:spLocks noGrp="1" noChangeArrowheads="1"/>
-          </p:cNvSpPr>
-          <p:nvPr>
-            <p:ph type="body" idx="1"/>
-          </p:nvPr>
-        </p:nvSpPr>
-        <p:spPr/>
-        <p:txBody>
-          <a:bodyPr/>
-          <a:lstStyle/>
-          <a:p>
-            <a:pPr>
-              <a:lnSpc>
-                <a:spcPct val="90000"/>
-              </a:lnSpc>
-              <a:buFont typeface="Wingdings" pitchFamily="2" charset="2"/>
-              <a:buNone/>
-            </a:pPr>
-            <a:r>
-              <a:rPr lang="en-US" altLang="zh-CN" sz="2000" b="1" dirty="0">
-                <a:solidFill>
-                  <a:schemeClr val="folHlink"/>
-                </a:solidFill>
-                <a:latin typeface="Courier New" panose="02070309020205020404" pitchFamily="49" charset="0"/>
-              </a:rPr>
-              <a:t>void </a:t>
-            </a:r>
-            <a:r>
-              <a:rPr lang="en-US" altLang="zh-CN" sz="2000" b="1" dirty="0" err="1">
-                <a:solidFill>
-                  <a:schemeClr val="folHlink"/>
-                </a:solidFill>
-                <a:latin typeface="Courier New" panose="02070309020205020404" pitchFamily="49" charset="0"/>
-              </a:rPr>
-              <a:t>List_foreach</a:t>
-            </a:r>
-            <a:r>
-              <a:rPr lang="en-US" altLang="zh-CN" sz="2000" b="1" dirty="0">
-                <a:solidFill>
-                  <a:schemeClr val="folHlink"/>
-                </a:solidFill>
-                <a:latin typeface="Courier New" panose="02070309020205020404" pitchFamily="49" charset="0"/>
-              </a:rPr>
-              <a:t>(</a:t>
-            </a:r>
-            <a:r>
-              <a:rPr lang="en-US" altLang="zh-CN" sz="2000" b="1" dirty="0" err="1">
-                <a:solidFill>
-                  <a:schemeClr val="folHlink"/>
-                </a:solidFill>
-                <a:latin typeface="Courier New" panose="02070309020205020404" pitchFamily="49" charset="0"/>
-              </a:rPr>
-              <a:t>List_t</a:t>
-            </a:r>
-            <a:r>
-              <a:rPr lang="en-US" altLang="zh-CN" sz="2000" b="1" dirty="0">
-                <a:solidFill>
-                  <a:schemeClr val="folHlink"/>
-                </a:solidFill>
-                <a:latin typeface="Courier New" panose="02070309020205020404" pitchFamily="49" charset="0"/>
-              </a:rPr>
-              <a:t> l, void (*f)(poly)){</a:t>
-            </a:r>
-          </a:p>
-          <a:p>
-            <a:pPr>
-              <a:lnSpc>
-                <a:spcPct val="90000"/>
-              </a:lnSpc>
-              <a:buFont typeface="Wingdings" pitchFamily="2" charset="2"/>
-              <a:buNone/>
-            </a:pPr>
-            <a:r>
-              <a:rPr lang="en-US" altLang="zh-CN" sz="2000" b="1" dirty="0">
-                <a:solidFill>
-                  <a:schemeClr val="folHlink"/>
-                </a:solidFill>
-                <a:latin typeface="Courier New" panose="02070309020205020404" pitchFamily="49" charset="0"/>
-              </a:rPr>
-              <a:t>  switch(l-&gt;kind){</a:t>
-            </a:r>
-          </a:p>
-          <a:p>
-            <a:pPr>
-              <a:lnSpc>
-                <a:spcPct val="90000"/>
-              </a:lnSpc>
-              <a:buFont typeface="Wingdings" pitchFamily="2" charset="2"/>
-              <a:buNone/>
-            </a:pPr>
-            <a:r>
-              <a:rPr lang="en-US" altLang="zh-CN" sz="2000" b="1" dirty="0">
-                <a:solidFill>
-                  <a:schemeClr val="folHlink"/>
-                </a:solidFill>
-                <a:latin typeface="Courier New" panose="02070309020205020404" pitchFamily="49" charset="0"/>
-              </a:rPr>
-              <a:t>  case NIL: return;</a:t>
-            </a:r>
-          </a:p>
-          <a:p>
-            <a:pPr>
-              <a:lnSpc>
-                <a:spcPct val="90000"/>
-              </a:lnSpc>
-              <a:buFont typeface="Wingdings" pitchFamily="2" charset="2"/>
-              <a:buNone/>
-            </a:pPr>
-            <a:r>
-              <a:rPr lang="en-US" altLang="zh-CN" sz="2000" b="1" dirty="0">
-                <a:solidFill>
-                  <a:schemeClr val="folHlink"/>
-                </a:solidFill>
-                <a:latin typeface="Courier New" panose="02070309020205020404" pitchFamily="49" charset="0"/>
-              </a:rPr>
-              <a:t>  case CONS:{</a:t>
-            </a:r>
-          </a:p>
-          <a:p>
-            <a:pPr>
-              <a:lnSpc>
-                <a:spcPct val="90000"/>
-              </a:lnSpc>
-              <a:buFont typeface="Wingdings" pitchFamily="2" charset="2"/>
-              <a:buNone/>
-            </a:pPr>
-            <a:r>
-              <a:rPr lang="en-US" altLang="zh-CN" sz="2000" b="1" dirty="0">
-                <a:solidFill>
-                  <a:schemeClr val="folHlink"/>
-                </a:solidFill>
-                <a:latin typeface="Courier New" panose="02070309020205020404" pitchFamily="49" charset="0"/>
-              </a:rPr>
-              <a:t>    f(l-&gt;</a:t>
-            </a:r>
-            <a:r>
-              <a:rPr lang="en-US" altLang="zh-CN" sz="2000" b="1" dirty="0" err="1">
-                <a:solidFill>
-                  <a:schemeClr val="folHlink"/>
-                </a:solidFill>
-                <a:latin typeface="Courier New" panose="02070309020205020404" pitchFamily="49" charset="0"/>
-              </a:rPr>
-              <a:t>u.cons.data</a:t>
-            </a:r>
-            <a:r>
-              <a:rPr lang="en-US" altLang="zh-CN" sz="2000" b="1" dirty="0">
-                <a:solidFill>
-                  <a:schemeClr val="folHlink"/>
-                </a:solidFill>
-                <a:latin typeface="Courier New" panose="02070309020205020404" pitchFamily="49" charset="0"/>
-              </a:rPr>
-              <a:t>);</a:t>
-            </a:r>
-          </a:p>
-          <a:p>
-            <a:pPr>
-              <a:lnSpc>
-                <a:spcPct val="90000"/>
-              </a:lnSpc>
-              <a:buFont typeface="Wingdings" pitchFamily="2" charset="2"/>
-              <a:buNone/>
-            </a:pPr>
-            <a:r>
-              <a:rPr lang="en-US" altLang="zh-CN" sz="2000" b="1" dirty="0">
-                <a:solidFill>
-                  <a:schemeClr val="folHlink"/>
-                </a:solidFill>
-                <a:latin typeface="Courier New" panose="02070309020205020404" pitchFamily="49" charset="0"/>
-              </a:rPr>
-              <a:t>	  </a:t>
-            </a:r>
-            <a:r>
-              <a:rPr lang="en-US" altLang="zh-CN" sz="2000" b="1" dirty="0" err="1">
-                <a:solidFill>
-                  <a:schemeClr val="folHlink"/>
-                </a:solidFill>
-                <a:latin typeface="Courier New" panose="02070309020205020404" pitchFamily="49" charset="0"/>
-              </a:rPr>
-              <a:t>List_foreach</a:t>
-            </a:r>
-            <a:r>
-              <a:rPr lang="en-US" altLang="zh-CN" sz="2000" b="1" dirty="0">
-                <a:solidFill>
-                  <a:schemeClr val="folHlink"/>
-                </a:solidFill>
-                <a:latin typeface="Courier New" panose="02070309020205020404" pitchFamily="49" charset="0"/>
-              </a:rPr>
-              <a:t>(l-&gt;</a:t>
-            </a:r>
-            <a:r>
-              <a:rPr lang="en-US" altLang="zh-CN" sz="2000" b="1" dirty="0" err="1">
-                <a:solidFill>
-                  <a:schemeClr val="folHlink"/>
-                </a:solidFill>
-                <a:latin typeface="Courier New" panose="02070309020205020404" pitchFamily="49" charset="0"/>
-              </a:rPr>
-              <a:t>u.cons.next</a:t>
-            </a:r>
-            <a:r>
-              <a:rPr lang="en-US" altLang="zh-CN" sz="2000" b="1" dirty="0">
-                <a:solidFill>
-                  <a:schemeClr val="folHlink"/>
-                </a:solidFill>
-                <a:latin typeface="Courier New" panose="02070309020205020404" pitchFamily="49" charset="0"/>
-              </a:rPr>
-              <a:t>, f); </a:t>
-            </a:r>
-          </a:p>
-          <a:p>
-            <a:pPr>
-              <a:lnSpc>
-                <a:spcPct val="90000"/>
-              </a:lnSpc>
-              <a:buFont typeface="Wingdings" pitchFamily="2" charset="2"/>
-              <a:buNone/>
-            </a:pPr>
-            <a:r>
-              <a:rPr lang="en-US" altLang="zh-CN" sz="2000" b="1" dirty="0">
-                <a:solidFill>
-                  <a:schemeClr val="folHlink"/>
-                </a:solidFill>
-                <a:latin typeface="Courier New" panose="02070309020205020404" pitchFamily="49" charset="0"/>
-              </a:rPr>
-              <a:t>    </a:t>
-            </a:r>
-            <a:r>
-              <a:rPr lang="en-US" altLang="zh-CN" sz="2000" b="1" dirty="0">
-                <a:latin typeface="Courier New" panose="02070309020205020404" pitchFamily="49" charset="0"/>
-              </a:rPr>
-              <a:t>// tail recursion</a:t>
-            </a:r>
-            <a:endParaRPr lang="en-US" altLang="zh-CN" sz="2000" b="1" dirty="0">
-              <a:solidFill>
-                <a:schemeClr val="folHlink"/>
-              </a:solidFill>
-              <a:latin typeface="Courier New" panose="02070309020205020404" pitchFamily="49" charset="0"/>
-            </a:endParaRPr>
-          </a:p>
-          <a:p>
-            <a:pPr>
-              <a:lnSpc>
-                <a:spcPct val="90000"/>
-              </a:lnSpc>
-              <a:buFont typeface="Wingdings" pitchFamily="2" charset="2"/>
-              <a:buNone/>
-            </a:pPr>
-            <a:r>
-              <a:rPr lang="en-US" altLang="zh-CN" sz="2000" b="1" dirty="0">
-                <a:solidFill>
-                  <a:schemeClr val="folHlink"/>
-                </a:solidFill>
-                <a:latin typeface="Courier New" panose="02070309020205020404" pitchFamily="49" charset="0"/>
-              </a:rPr>
-              <a:t>  }</a:t>
-            </a:r>
-          </a:p>
-          <a:p>
-            <a:pPr>
-              <a:lnSpc>
-                <a:spcPct val="90000"/>
-              </a:lnSpc>
-              <a:buFont typeface="Wingdings" pitchFamily="2" charset="2"/>
-              <a:buNone/>
-            </a:pPr>
-            <a:r>
-              <a:rPr lang="en-US" altLang="zh-CN" sz="2000" b="1" dirty="0">
-                <a:solidFill>
-                  <a:schemeClr val="folHlink"/>
-                </a:solidFill>
-                <a:latin typeface="Courier New" panose="02070309020205020404" pitchFamily="49" charset="0"/>
-              </a:rPr>
-              <a:t>  }	</a:t>
-            </a:r>
-          </a:p>
-          <a:p>
-            <a:pPr>
-              <a:lnSpc>
-                <a:spcPct val="90000"/>
-              </a:lnSpc>
-              <a:buFont typeface="Wingdings" pitchFamily="2" charset="2"/>
-              <a:buNone/>
-            </a:pPr>
-            <a:r>
-              <a:rPr lang="en-US" altLang="zh-CN" sz="2000" b="1" dirty="0">
-                <a:solidFill>
-                  <a:schemeClr val="folHlink"/>
-                </a:solidFill>
-                <a:latin typeface="Courier New" panose="02070309020205020404" pitchFamily="49" charset="0"/>
-              </a:rPr>
-              <a:t>}</a:t>
-            </a:r>
-          </a:p>
-          <a:p>
-            <a:pPr>
-              <a:lnSpc>
-                <a:spcPct val="90000"/>
-              </a:lnSpc>
-              <a:buFont typeface="Wingdings" pitchFamily="2" charset="2"/>
-              <a:buNone/>
-            </a:pPr>
-            <a:endParaRPr lang="en-US" altLang="zh-CN" sz="2000" b="1" dirty="0">
-              <a:solidFill>
-                <a:schemeClr val="folHlink"/>
-              </a:solidFill>
-              <a:latin typeface="Courier New" panose="02070309020205020404" pitchFamily="49" charset="0"/>
-            </a:endParaRPr>
-          </a:p>
-        </p:txBody>
-      </p:sp>
-    </p:spTree>
-  </p:cSld>
-  <p:clrMapOvr>
-    <a:masterClrMapping/>
-  </p:clrMapOvr>
-</p:sld>
-</file>
-
-<file path=ppt/slides/slide11.xml><?xml version="1.0" encoding="utf-8"?>
-<p:sld xmlns:a="http://schemas.openxmlformats.org/drawingml/2006/main" xmlns:r="http://schemas.openxmlformats.org/officeDocument/2006/relationships" xmlns:p="http://schemas.openxmlformats.org/presentationml/2006/main">
-  <p:cSld>
-    <p:spTree>
-      <p:nvGrpSpPr>
-        <p:cNvPr id="1" name=""/>
-        <p:cNvGrpSpPr/>
-        <p:nvPr/>
-      </p:nvGrpSpPr>
-      <p:grpSpPr>
-        <a:xfrm>
-          <a:off x="0" y="0"/>
-          <a:ext cx="0" cy="0"/>
-          <a:chOff x="0" y="0"/>
-          <a:chExt cx="0" cy="0"/>
-        </a:xfrm>
-      </p:grpSpPr>
-      <p:sp>
-        <p:nvSpPr>
           <p:cNvPr id="197634" name="Rectangle 2">
             <a:extLst>
               <a:ext uri="{FF2B5EF4-FFF2-40B4-BE49-F238E27FC236}">
@@ -6659,7 +6269,7 @@
 </p:sld>
 </file>
 
-<file path=ppt/slides/slide12.xml><?xml version="1.0" encoding="utf-8"?>
+<file path=ppt/slides/slide11.xml><?xml version="1.0" encoding="utf-8"?>
 <p:sld xmlns:a="http://schemas.openxmlformats.org/drawingml/2006/main" xmlns:r="http://schemas.openxmlformats.org/officeDocument/2006/relationships" xmlns:p="http://schemas.openxmlformats.org/presentationml/2006/main">
   <p:cSld>
     <p:spTree>
@@ -6752,7 +6362,7 @@
             <a:r>
               <a:rPr lang="en-US" altLang="zh-CN" sz="2000" b="1" dirty="0">
                 <a:solidFill>
-                  <a:schemeClr val="folHlink"/>
+                  <a:srgbClr val="0432FF"/>
                 </a:solidFill>
                 <a:latin typeface="Courier New" panose="02070309020205020404" pitchFamily="49" charset="0"/>
               </a:rPr>
@@ -6761,7 +6371,7 @@
             <a:r>
               <a:rPr lang="en-US" altLang="zh-CN" sz="2000" b="1" dirty="0" err="1">
                 <a:solidFill>
-                  <a:schemeClr val="folHlink"/>
+                  <a:srgbClr val="0432FF"/>
                 </a:solidFill>
                 <a:latin typeface="Courier New" panose="02070309020205020404" pitchFamily="49" charset="0"/>
               </a:rPr>
@@ -6770,7 +6380,7 @@
             <a:r>
               <a:rPr lang="en-US" altLang="zh-CN" sz="2000" b="1" dirty="0">
                 <a:solidFill>
-                  <a:schemeClr val="folHlink"/>
+                  <a:srgbClr val="0432FF"/>
                 </a:solidFill>
                 <a:latin typeface="Courier New" panose="02070309020205020404" pitchFamily="49" charset="0"/>
               </a:rPr>
@@ -6779,7 +6389,7 @@
             <a:r>
               <a:rPr lang="en-US" altLang="zh-CN" sz="2000" b="1" dirty="0" err="1">
                 <a:solidFill>
-                  <a:schemeClr val="folHlink"/>
+                  <a:srgbClr val="0432FF"/>
                 </a:solidFill>
                 <a:latin typeface="Courier New" panose="02070309020205020404" pitchFamily="49" charset="0"/>
               </a:rPr>
@@ -6788,7 +6398,7 @@
             <a:r>
               <a:rPr lang="en-US" altLang="zh-CN" sz="2000" b="1" dirty="0">
                 <a:solidFill>
-                  <a:schemeClr val="folHlink"/>
+                  <a:srgbClr val="0432FF"/>
                 </a:solidFill>
                 <a:latin typeface="Courier New" panose="02070309020205020404" pitchFamily="49" charset="0"/>
               </a:rPr>
@@ -6806,7 +6416,7 @@
             <a:r>
               <a:rPr lang="en-US" altLang="zh-CN" sz="2000" b="1" dirty="0">
                 <a:solidFill>
-                  <a:schemeClr val="folHlink"/>
+                  <a:srgbClr val="0432FF"/>
                 </a:solidFill>
                 <a:latin typeface="Courier New" panose="02070309020205020404" pitchFamily="49" charset="0"/>
               </a:rPr>
@@ -6824,7 +6434,7 @@
             <a:r>
               <a:rPr lang="en-US" altLang="zh-CN" sz="2000" b="1" dirty="0">
                 <a:solidFill>
-                  <a:schemeClr val="folHlink"/>
+                  <a:srgbClr val="0432FF"/>
                 </a:solidFill>
                 <a:latin typeface="Courier New" panose="02070309020205020404" pitchFamily="49" charset="0"/>
               </a:rPr>
@@ -6842,7 +6452,7 @@
             <a:r>
               <a:rPr lang="en-US" altLang="zh-CN" sz="2000" b="1" dirty="0">
                 <a:solidFill>
-                  <a:schemeClr val="folHlink"/>
+                  <a:srgbClr val="0432FF"/>
                 </a:solidFill>
                 <a:latin typeface="Courier New" panose="02070309020205020404" pitchFamily="49" charset="0"/>
               </a:rPr>
@@ -6860,7 +6470,7 @@
             <a:r>
               <a:rPr lang="en-US" altLang="zh-CN" sz="2000" b="1" dirty="0">
                 <a:solidFill>
-                  <a:schemeClr val="folHlink"/>
+                  <a:srgbClr val="0432FF"/>
                 </a:solidFill>
                 <a:latin typeface="Courier New" panose="02070309020205020404" pitchFamily="49" charset="0"/>
               </a:rPr>
@@ -6869,7 +6479,7 @@
             <a:r>
               <a:rPr lang="en-US" altLang="zh-CN" sz="2000" b="1" dirty="0" err="1">
                 <a:solidFill>
-                  <a:schemeClr val="folHlink"/>
+                  <a:srgbClr val="0432FF"/>
                 </a:solidFill>
                 <a:latin typeface="Courier New" panose="02070309020205020404" pitchFamily="49" charset="0"/>
               </a:rPr>
@@ -6878,7 +6488,7 @@
             <a:r>
               <a:rPr lang="en-US" altLang="zh-CN" sz="2000" b="1" dirty="0">
                 <a:solidFill>
-                  <a:schemeClr val="folHlink"/>
+                  <a:srgbClr val="0432FF"/>
                 </a:solidFill>
                 <a:latin typeface="Courier New" panose="02070309020205020404" pitchFamily="49" charset="0"/>
               </a:rPr>
@@ -6887,7 +6497,7 @@
             <a:r>
               <a:rPr lang="en-US" altLang="zh-CN" sz="2000" b="1" dirty="0" err="1">
                 <a:solidFill>
-                  <a:schemeClr val="folHlink"/>
+                  <a:srgbClr val="0432FF"/>
                 </a:solidFill>
                 <a:latin typeface="Courier New" panose="02070309020205020404" pitchFamily="49" charset="0"/>
               </a:rPr>
@@ -6896,7 +6506,7 @@
             <a:r>
               <a:rPr lang="en-US" altLang="zh-CN" sz="2000" b="1" dirty="0">
                 <a:solidFill>
-                  <a:schemeClr val="folHlink"/>
+                  <a:srgbClr val="0432FF"/>
                 </a:solidFill>
                 <a:latin typeface="Courier New" panose="02070309020205020404" pitchFamily="49" charset="0"/>
               </a:rPr>
@@ -6914,7 +6524,7 @@
             <a:r>
               <a:rPr lang="en-US" altLang="zh-CN" sz="2000" b="1" dirty="0">
                 <a:solidFill>
-                  <a:schemeClr val="folHlink"/>
+                  <a:srgbClr val="0432FF"/>
                 </a:solidFill>
                 <a:latin typeface="Courier New" panose="02070309020205020404" pitchFamily="49" charset="0"/>
               </a:rPr>
@@ -6932,7 +6542,7 @@
             <a:r>
               <a:rPr lang="en-US" altLang="zh-CN" sz="2000" b="1" dirty="0">
                 <a:solidFill>
-                  <a:schemeClr val="folHlink"/>
+                  <a:srgbClr val="0432FF"/>
                 </a:solidFill>
                 <a:latin typeface="Courier New" panose="02070309020205020404" pitchFamily="49" charset="0"/>
               </a:rPr>
@@ -8024,7 +7634,7 @@
 </p:sld>
 </file>
 
-<file path=ppt/slides/slide13.xml><?xml version="1.0" encoding="utf-8"?>
+<file path=ppt/slides/slide12.xml><?xml version="1.0" encoding="utf-8"?>
 <p:sld xmlns:a="http://schemas.openxmlformats.org/drawingml/2006/main" xmlns:r="http://schemas.openxmlformats.org/officeDocument/2006/relationships" xmlns:p="http://schemas.openxmlformats.org/presentationml/2006/main">
   <p:cSld>
     <p:spTree>
@@ -9170,7 +8780,7 @@
 </p:sld>
 </file>
 
-<file path=ppt/slides/slide14.xml><?xml version="1.0" encoding="utf-8"?>
+<file path=ppt/slides/slide13.xml><?xml version="1.0" encoding="utf-8"?>
 <p:sld xmlns:a="http://schemas.openxmlformats.org/drawingml/2006/main" xmlns:r="http://schemas.openxmlformats.org/officeDocument/2006/relationships" xmlns:p="http://schemas.openxmlformats.org/presentationml/2006/main">
   <p:cSld>
     <p:spTree>
@@ -9260,7 +8870,7 @@
             <a:r>
               <a:rPr lang="en-US" altLang="zh-CN" sz="2000" b="1" dirty="0" err="1">
                 <a:solidFill>
-                  <a:schemeClr val="folHlink"/>
+                  <a:srgbClr val="0432FF"/>
                 </a:solidFill>
                 <a:latin typeface="Courier New" panose="02070309020205020404" pitchFamily="49" charset="0"/>
               </a:rPr>
@@ -9269,7 +8879,7 @@
             <a:r>
               <a:rPr lang="en-US" altLang="zh-CN" sz="2000" b="1" dirty="0">
                 <a:solidFill>
-                  <a:schemeClr val="folHlink"/>
+                  <a:srgbClr val="0432FF"/>
                 </a:solidFill>
                 <a:latin typeface="Courier New" panose="02070309020205020404" pitchFamily="49" charset="0"/>
               </a:rPr>
@@ -9278,7 +8888,7 @@
             <a:r>
               <a:rPr lang="en-US" altLang="zh-CN" sz="2000" b="1" dirty="0" err="1">
                 <a:solidFill>
-                  <a:schemeClr val="folHlink"/>
+                  <a:srgbClr val="0432FF"/>
                 </a:solidFill>
                 <a:latin typeface="Courier New" panose="02070309020205020404" pitchFamily="49" charset="0"/>
               </a:rPr>
@@ -9287,7 +8897,7 @@
             <a:r>
               <a:rPr lang="en-US" altLang="zh-CN" sz="2000" b="1" dirty="0">
                 <a:solidFill>
-                  <a:schemeClr val="folHlink"/>
+                  <a:srgbClr val="0432FF"/>
                 </a:solidFill>
                 <a:latin typeface="Courier New" panose="02070309020205020404" pitchFamily="49" charset="0"/>
               </a:rPr>
@@ -9296,7 +8906,7 @@
             <a:r>
               <a:rPr lang="en-US" altLang="zh-CN" sz="2000" b="1" dirty="0" err="1">
                 <a:solidFill>
-                  <a:schemeClr val="folHlink"/>
+                  <a:srgbClr val="0432FF"/>
                 </a:solidFill>
                 <a:latin typeface="Courier New" panose="02070309020205020404" pitchFamily="49" charset="0"/>
               </a:rPr>
@@ -9305,11 +8915,71 @@
             <a:r>
               <a:rPr lang="en-US" altLang="zh-CN" sz="2000" b="1" dirty="0">
                 <a:solidFill>
-                  <a:schemeClr val="folHlink"/>
+                  <a:srgbClr val="0432FF"/>
                 </a:solidFill>
                 <a:latin typeface="Courier New" panose="02070309020205020404" pitchFamily="49" charset="0"/>
               </a:rPr>
               <a:t> l, int n){</a:t>
+            </a:r>
+          </a:p>
+          <a:p>
+            <a:pPr>
+              <a:buFont typeface="Wingdings" pitchFamily="2" charset="2"/>
+              <a:buNone/>
+            </a:pPr>
+            <a:r>
+              <a:rPr lang="zh-CN" altLang="en-US" sz="2000" b="1" dirty="0">
+                <a:solidFill>
+                  <a:srgbClr val="0432FF"/>
+                </a:solidFill>
+                <a:latin typeface="Courier New" panose="02070309020205020404" pitchFamily="49" charset="0"/>
+              </a:rPr>
+              <a:t>  </a:t>
+            </a:r>
+            <a:r>
+              <a:rPr lang="en-US" altLang="zh-CN" sz="2000" b="1" dirty="0">
+                <a:solidFill>
+                  <a:srgbClr val="0432FF"/>
+                </a:solidFill>
+                <a:latin typeface="Courier New" panose="02070309020205020404" pitchFamily="49" charset="0"/>
+              </a:rPr>
+              <a:t>assert(l</a:t>
+            </a:r>
+            <a:r>
+              <a:rPr lang="zh-CN" altLang="en-US" sz="2000" b="1" dirty="0">
+                <a:solidFill>
+                  <a:srgbClr val="0432FF"/>
+                </a:solidFill>
+                <a:latin typeface="Courier New" panose="02070309020205020404" pitchFamily="49" charset="0"/>
+              </a:rPr>
+              <a:t> </a:t>
+            </a:r>
+            <a:r>
+              <a:rPr lang="en-US" altLang="zh-CN" sz="2000" b="1" dirty="0">
+                <a:solidFill>
+                  <a:srgbClr val="0432FF"/>
+                </a:solidFill>
+                <a:latin typeface="Courier New" panose="02070309020205020404" pitchFamily="49" charset="0"/>
+              </a:rPr>
+              <a:t>&amp;&amp;</a:t>
+            </a:r>
+            <a:r>
+              <a:rPr lang="zh-CN" altLang="en-US" sz="2000" b="1" dirty="0">
+                <a:solidFill>
+                  <a:srgbClr val="0432FF"/>
+                </a:solidFill>
+                <a:latin typeface="Courier New" panose="02070309020205020404" pitchFamily="49" charset="0"/>
+              </a:rPr>
+              <a:t> </a:t>
+            </a:r>
+            <a:r>
+              <a:rPr lang="en-US" altLang="zh-CN" sz="2000" b="1" dirty="0">
+                <a:solidFill>
+                  <a:srgbClr val="0432FF"/>
+                </a:solidFill>
+                <a:latin typeface="Courier New" panose="02070309020205020404" pitchFamily="49" charset="0"/>
+              </a:rPr>
+              <a:t>n&gt;=0);</a:t>
             </a:r>
           </a:p>
           <a:p>
@@ -9323,7 +8993,7 @@
             <a:r>
               <a:rPr lang="en-US" altLang="zh-CN" sz="2000" b="1" dirty="0">
                 <a:solidFill>
-                  <a:schemeClr val="folHlink"/>
+                  <a:srgbClr val="0432FF"/>
                 </a:solidFill>
                 <a:latin typeface="Courier New" panose="02070309020205020404" pitchFamily="49" charset="0"/>
               </a:rPr>
@@ -9341,7 +9011,7 @@
             <a:r>
               <a:rPr lang="en-US" altLang="zh-CN" sz="2000" b="1" dirty="0">
                 <a:solidFill>
-                  <a:schemeClr val="folHlink"/>
+                  <a:srgbClr val="0432FF"/>
                 </a:solidFill>
                 <a:latin typeface="Courier New" panose="02070309020205020404" pitchFamily="49" charset="0"/>
               </a:rPr>
@@ -9359,7 +9029,7 @@
             <a:r>
               <a:rPr lang="en-US" altLang="zh-CN" sz="2000" b="1" dirty="0">
                 <a:solidFill>
-                  <a:schemeClr val="folHlink"/>
+                  <a:srgbClr val="0432FF"/>
                 </a:solidFill>
                 <a:latin typeface="Courier New" panose="02070309020205020404" pitchFamily="49" charset="0"/>
               </a:rPr>
@@ -9377,7 +9047,7 @@
             <a:r>
               <a:rPr lang="en-US" altLang="zh-CN" sz="2000" b="1" dirty="0">
                 <a:solidFill>
-                  <a:schemeClr val="folHlink"/>
+                  <a:srgbClr val="0432FF"/>
                 </a:solidFill>
                 <a:latin typeface="Courier New" panose="02070309020205020404" pitchFamily="49" charset="0"/>
               </a:rPr>
@@ -9395,7 +9065,7 @@
             <a:r>
               <a:rPr lang="en-US" altLang="zh-CN" sz="2000" b="1" dirty="0">
                 <a:solidFill>
-                  <a:schemeClr val="folHlink"/>
+                  <a:srgbClr val="0432FF"/>
                 </a:solidFill>
                 <a:latin typeface="Courier New" panose="02070309020205020404" pitchFamily="49" charset="0"/>
               </a:rPr>
@@ -9404,7 +9074,7 @@
             <a:r>
               <a:rPr lang="en-US" altLang="zh-CN" sz="2000" b="1" dirty="0" err="1">
                 <a:solidFill>
-                  <a:schemeClr val="folHlink"/>
+                  <a:srgbClr val="0432FF"/>
                 </a:solidFill>
                 <a:latin typeface="Courier New" panose="02070309020205020404" pitchFamily="49" charset="0"/>
               </a:rPr>
@@ -9413,7 +9083,7 @@
             <a:r>
               <a:rPr lang="en-US" altLang="zh-CN" sz="2000" b="1" dirty="0">
                 <a:solidFill>
-                  <a:schemeClr val="folHlink"/>
+                  <a:srgbClr val="0432FF"/>
                 </a:solidFill>
                 <a:latin typeface="Courier New" panose="02070309020205020404" pitchFamily="49" charset="0"/>
               </a:rPr>
@@ -9431,7 +9101,7 @@
             <a:r>
               <a:rPr lang="en-US" altLang="zh-CN" sz="2000" b="1" dirty="0">
                 <a:solidFill>
-                  <a:schemeClr val="folHlink"/>
+                  <a:srgbClr val="0432FF"/>
                 </a:solidFill>
                 <a:latin typeface="Courier New" panose="02070309020205020404" pitchFamily="49" charset="0"/>
               </a:rPr>
@@ -9440,7 +9110,7 @@
             <a:r>
               <a:rPr lang="en-US" altLang="zh-CN" sz="2000" b="1" dirty="0" err="1">
                 <a:solidFill>
-                  <a:schemeClr val="folHlink"/>
+                  <a:srgbClr val="0432FF"/>
                 </a:solidFill>
                 <a:latin typeface="Courier New" panose="02070309020205020404" pitchFamily="49" charset="0"/>
               </a:rPr>
@@ -9449,7 +9119,7 @@
             <a:r>
               <a:rPr lang="en-US" altLang="zh-CN" sz="2000" b="1" dirty="0">
                 <a:solidFill>
-                  <a:schemeClr val="folHlink"/>
+                  <a:srgbClr val="0432FF"/>
                 </a:solidFill>
                 <a:latin typeface="Courier New" panose="02070309020205020404" pitchFamily="49" charset="0"/>
               </a:rPr>
@@ -9458,7 +9128,7 @@
             <a:r>
               <a:rPr lang="en-US" altLang="zh-CN" sz="2000" b="1" dirty="0" err="1">
                 <a:solidFill>
-                  <a:schemeClr val="folHlink"/>
+                  <a:srgbClr val="0432FF"/>
                 </a:solidFill>
                 <a:latin typeface="Courier New" panose="02070309020205020404" pitchFamily="49" charset="0"/>
               </a:rPr>
@@ -9467,7 +9137,7 @@
             <a:r>
               <a:rPr lang="en-US" altLang="zh-CN" sz="2000" b="1" dirty="0">
                 <a:solidFill>
-                  <a:schemeClr val="folHlink"/>
+                  <a:srgbClr val="0432FF"/>
                 </a:solidFill>
                 <a:latin typeface="Courier New" panose="02070309020205020404" pitchFamily="49" charset="0"/>
               </a:rPr>
@@ -9485,7 +9155,7 @@
             <a:r>
               <a:rPr lang="en-US" altLang="zh-CN" sz="2000" b="1" dirty="0">
                 <a:solidFill>
-                  <a:schemeClr val="folHlink"/>
+                  <a:srgbClr val="0432FF"/>
                 </a:solidFill>
                 <a:latin typeface="Courier New" panose="02070309020205020404" pitchFamily="49" charset="0"/>
               </a:rPr>
@@ -9503,7 +9173,7 @@
             <a:r>
               <a:rPr lang="en-US" altLang="zh-CN" sz="2000" b="1" dirty="0">
                 <a:solidFill>
-                  <a:schemeClr val="folHlink"/>
+                  <a:srgbClr val="0432FF"/>
                 </a:solidFill>
                 <a:latin typeface="Courier New" panose="02070309020205020404" pitchFamily="49" charset="0"/>
               </a:rPr>
@@ -10595,7 +10265,7 @@
 </p:sld>
 </file>
 
-<file path=ppt/slides/slide15.xml><?xml version="1.0" encoding="utf-8"?>
+<file path=ppt/slides/slide14.xml><?xml version="1.0" encoding="utf-8"?>
 <p:sld xmlns:a="http://schemas.openxmlformats.org/drawingml/2006/main" xmlns:r="http://schemas.openxmlformats.org/officeDocument/2006/relationships" xmlns:p="http://schemas.openxmlformats.org/presentationml/2006/main">
   <p:cSld>
     <p:spTree>
@@ -11741,7 +11411,7 @@
 </p:sld>
 </file>
 
-<file path=ppt/slides/slide16.xml><?xml version="1.0" encoding="utf-8"?>
+<file path=ppt/slides/slide15.xml><?xml version="1.0" encoding="utf-8"?>
 <p:sld xmlns:a="http://schemas.openxmlformats.org/drawingml/2006/main" xmlns:r="http://schemas.openxmlformats.org/officeDocument/2006/relationships" xmlns:p="http://schemas.openxmlformats.org/presentationml/2006/main">
   <p:cSld>
     <p:spTree>
@@ -11834,7 +11504,7 @@
             <a:r>
               <a:rPr lang="en-US" altLang="zh-CN" sz="2000" b="1" dirty="0" err="1">
                 <a:solidFill>
-                  <a:schemeClr val="folHlink"/>
+                  <a:srgbClr val="0432FF"/>
                 </a:solidFill>
                 <a:latin typeface="Courier New" panose="02070309020205020404" pitchFamily="49" charset="0"/>
               </a:rPr>
@@ -11843,7 +11513,7 @@
             <a:r>
               <a:rPr lang="en-US" altLang="zh-CN" sz="2000" b="1" dirty="0">
                 <a:solidFill>
-                  <a:schemeClr val="folHlink"/>
+                  <a:srgbClr val="0432FF"/>
                 </a:solidFill>
                 <a:latin typeface="Courier New" panose="02070309020205020404" pitchFamily="49" charset="0"/>
               </a:rPr>
@@ -11852,7 +11522,7 @@
             <a:r>
               <a:rPr lang="en-US" altLang="zh-CN" sz="2000" b="1" dirty="0" err="1">
                 <a:solidFill>
-                  <a:schemeClr val="folHlink"/>
+                  <a:srgbClr val="0432FF"/>
                 </a:solidFill>
                 <a:latin typeface="Courier New" panose="02070309020205020404" pitchFamily="49" charset="0"/>
               </a:rPr>
@@ -11861,7 +11531,7 @@
             <a:r>
               <a:rPr lang="en-US" altLang="zh-CN" sz="2000" b="1" dirty="0">
                 <a:solidFill>
-                  <a:schemeClr val="folHlink"/>
+                  <a:srgbClr val="0432FF"/>
                 </a:solidFill>
                 <a:latin typeface="Courier New" panose="02070309020205020404" pitchFamily="49" charset="0"/>
               </a:rPr>
@@ -11870,7 +11540,7 @@
             <a:r>
               <a:rPr lang="en-US" altLang="zh-CN" sz="2000" b="1" dirty="0" err="1">
                 <a:solidFill>
-                  <a:schemeClr val="folHlink"/>
+                  <a:srgbClr val="0432FF"/>
                 </a:solidFill>
                 <a:latin typeface="Courier New" panose="02070309020205020404" pitchFamily="49" charset="0"/>
               </a:rPr>
@@ -11879,7 +11549,7 @@
             <a:r>
               <a:rPr lang="en-US" altLang="zh-CN" sz="2000" b="1" dirty="0">
                 <a:solidFill>
-                  <a:schemeClr val="folHlink"/>
+                  <a:srgbClr val="0432FF"/>
                 </a:solidFill>
                 <a:latin typeface="Courier New" panose="02070309020205020404" pitchFamily="49" charset="0"/>
               </a:rPr>
@@ -11895,13 +11565,58 @@
               <a:buNone/>
             </a:pPr>
             <a:r>
+              <a:rPr lang="zh-CN" altLang="en-US" sz="2000" b="1" dirty="0">
+                <a:solidFill>
+                  <a:srgbClr val="0432FF"/>
+                </a:solidFill>
+                <a:latin typeface="Courier New" panose="02070309020205020404" pitchFamily="49" charset="0"/>
+              </a:rPr>
+              <a:t>  </a:t>
+            </a:r>
+            <a:r>
               <a:rPr lang="en-US" altLang="zh-CN" sz="2000" b="1" dirty="0">
                 <a:solidFill>
-                  <a:schemeClr val="folHlink"/>
-                </a:solidFill>
-                <a:latin typeface="Courier New" panose="02070309020205020404" pitchFamily="49" charset="0"/>
-              </a:rPr>
-              <a:t>  switch(l-&gt;kind){</a:t>
+                  <a:srgbClr val="0432FF"/>
+                </a:solidFill>
+                <a:latin typeface="Courier New" panose="02070309020205020404" pitchFamily="49" charset="0"/>
+              </a:rPr>
+              <a:t>assert(l</a:t>
+            </a:r>
+            <a:r>
+              <a:rPr lang="zh-CN" altLang="en-US" sz="2000" b="1" dirty="0">
+                <a:solidFill>
+                  <a:srgbClr val="0432FF"/>
+                </a:solidFill>
+                <a:latin typeface="Courier New" panose="02070309020205020404" pitchFamily="49" charset="0"/>
+              </a:rPr>
+              <a:t> </a:t>
+            </a:r>
+            <a:r>
+              <a:rPr lang="en-US" altLang="zh-CN" sz="2000" b="1" dirty="0">
+                <a:solidFill>
+                  <a:srgbClr val="0432FF"/>
+                </a:solidFill>
+                <a:latin typeface="Courier New" panose="02070309020205020404" pitchFamily="49" charset="0"/>
+              </a:rPr>
+              <a:t>&amp;&amp;</a:t>
+            </a:r>
+            <a:r>
+              <a:rPr lang="zh-CN" altLang="en-US" sz="2000" b="1" dirty="0">
+                <a:solidFill>
+                  <a:srgbClr val="0432FF"/>
+                </a:solidFill>
+                <a:latin typeface="Courier New" panose="02070309020205020404" pitchFamily="49" charset="0"/>
+              </a:rPr>
+              <a:t> </a:t>
+            </a:r>
+            <a:r>
+              <a:rPr lang="en-US" altLang="zh-CN" sz="2000" b="1" dirty="0">
+                <a:solidFill>
+                  <a:srgbClr val="0432FF"/>
+                </a:solidFill>
+                <a:latin typeface="Courier New" panose="02070309020205020404" pitchFamily="49" charset="0"/>
+              </a:rPr>
+              <a:t>n&gt;=0);</a:t>
             </a:r>
           </a:p>
           <a:p>
@@ -11915,11 +11630,11 @@
             <a:r>
               <a:rPr lang="en-US" altLang="zh-CN" sz="2000" b="1" dirty="0">
                 <a:solidFill>
-                  <a:schemeClr val="folHlink"/>
-                </a:solidFill>
-                <a:latin typeface="Courier New" panose="02070309020205020404" pitchFamily="49" charset="0"/>
-              </a:rPr>
-              <a:t>  case NIL: error(“empty list”);</a:t>
+                  <a:srgbClr val="0432FF"/>
+                </a:solidFill>
+                <a:latin typeface="Courier New" panose="02070309020205020404" pitchFamily="49" charset="0"/>
+              </a:rPr>
+              <a:t>  switch(l-&gt;kind){</a:t>
             </a:r>
           </a:p>
           <a:p>
@@ -11933,11 +11648,11 @@
             <a:r>
               <a:rPr lang="en-US" altLang="zh-CN" sz="2000" b="1" dirty="0">
                 <a:solidFill>
-                  <a:schemeClr val="folHlink"/>
-                </a:solidFill>
-                <a:latin typeface="Courier New" panose="02070309020205020404" pitchFamily="49" charset="0"/>
-              </a:rPr>
-              <a:t>  case CONS:{</a:t>
+                  <a:srgbClr val="0432FF"/>
+                </a:solidFill>
+                <a:latin typeface="Courier New" panose="02070309020205020404" pitchFamily="49" charset="0"/>
+              </a:rPr>
+              <a:t>  case NIL: error(“empty list”);</a:t>
             </a:r>
           </a:p>
           <a:p>
@@ -11951,11 +11666,11 @@
             <a:r>
               <a:rPr lang="en-US" altLang="zh-CN" sz="2000" b="1" dirty="0">
                 <a:solidFill>
-                  <a:schemeClr val="folHlink"/>
-                </a:solidFill>
-                <a:latin typeface="Courier New" panose="02070309020205020404" pitchFamily="49" charset="0"/>
-              </a:rPr>
-              <a:t>    if(0==n)</a:t>
+                  <a:srgbClr val="0432FF"/>
+                </a:solidFill>
+                <a:latin typeface="Courier New" panose="02070309020205020404" pitchFamily="49" charset="0"/>
+              </a:rPr>
+              <a:t>  case CONS:{</a:t>
             </a:r>
           </a:p>
           <a:p>
@@ -11969,29 +11684,11 @@
             <a:r>
               <a:rPr lang="en-US" altLang="zh-CN" sz="2000" b="1" dirty="0">
                 <a:solidFill>
-                  <a:schemeClr val="folHlink"/>
-                </a:solidFill>
-                <a:latin typeface="Courier New" panose="02070309020205020404" pitchFamily="49" charset="0"/>
-              </a:rPr>
-              <a:t>      return l-&gt;</a:t>
-            </a:r>
-            <a:r>
-              <a:rPr lang="en-US" altLang="zh-CN" sz="2000" b="1" dirty="0" err="1">
-                <a:solidFill>
-                  <a:schemeClr val="folHlink"/>
-                </a:solidFill>
-                <a:latin typeface="Courier New" panose="02070309020205020404" pitchFamily="49" charset="0"/>
-              </a:rPr>
-              <a:t>u.cons.next</a:t>
-            </a:r>
-            <a:r>
-              <a:rPr lang="en-US" altLang="zh-CN" sz="2000" b="1" dirty="0">
-                <a:solidFill>
-                  <a:schemeClr val="folHlink"/>
-                </a:solidFill>
-                <a:latin typeface="Courier New" panose="02070309020205020404" pitchFamily="49" charset="0"/>
-              </a:rPr>
-              <a:t>;</a:t>
+                  <a:srgbClr val="0432FF"/>
+                </a:solidFill>
+                <a:latin typeface="Courier New" panose="02070309020205020404" pitchFamily="49" charset="0"/>
+              </a:rPr>
+              <a:t>    if(0==n)</a:t>
             </a:r>
           </a:p>
           <a:p>
@@ -12005,29 +11702,29 @@
             <a:r>
               <a:rPr lang="en-US" altLang="zh-CN" sz="2000" b="1" dirty="0">
                 <a:solidFill>
-                  <a:schemeClr val="folHlink"/>
-                </a:solidFill>
-                <a:latin typeface="Courier New" panose="02070309020205020404" pitchFamily="49" charset="0"/>
-              </a:rPr>
-              <a:t>    return </a:t>
+                  <a:srgbClr val="0432FF"/>
+                </a:solidFill>
+                <a:latin typeface="Courier New" panose="02070309020205020404" pitchFamily="49" charset="0"/>
+              </a:rPr>
+              <a:t>      return l-&gt;</a:t>
             </a:r>
             <a:r>
               <a:rPr lang="en-US" altLang="zh-CN" sz="2000" b="1" dirty="0" err="1">
                 <a:solidFill>
-                  <a:schemeClr val="folHlink"/>
-                </a:solidFill>
-                <a:latin typeface="Courier New" panose="02070309020205020404" pitchFamily="49" charset="0"/>
-              </a:rPr>
-              <a:t>List_concat</a:t>
+                  <a:srgbClr val="0432FF"/>
+                </a:solidFill>
+                <a:latin typeface="Courier New" panose="02070309020205020404" pitchFamily="49" charset="0"/>
+              </a:rPr>
+              <a:t>u.cons.next</a:t>
             </a:r>
             <a:r>
               <a:rPr lang="en-US" altLang="zh-CN" sz="2000" b="1" dirty="0">
                 <a:solidFill>
-                  <a:schemeClr val="folHlink"/>
-                </a:solidFill>
-                <a:latin typeface="Courier New" panose="02070309020205020404" pitchFamily="49" charset="0"/>
-              </a:rPr>
-              <a:t>(</a:t>
+                  <a:srgbClr val="0432FF"/>
+                </a:solidFill>
+                <a:latin typeface="Courier New" panose="02070309020205020404" pitchFamily="49" charset="0"/>
+              </a:rPr>
+              <a:t>;</a:t>
             </a:r>
           </a:p>
           <a:p>
@@ -12041,29 +11738,29 @@
             <a:r>
               <a:rPr lang="en-US" altLang="zh-CN" sz="2000" b="1" dirty="0">
                 <a:solidFill>
-                  <a:schemeClr val="folHlink"/>
-                </a:solidFill>
-                <a:latin typeface="Courier New" panose="02070309020205020404" pitchFamily="49" charset="0"/>
-              </a:rPr>
-              <a:t>             l-&gt;</a:t>
+                  <a:srgbClr val="0432FF"/>
+                </a:solidFill>
+                <a:latin typeface="Courier New" panose="02070309020205020404" pitchFamily="49" charset="0"/>
+              </a:rPr>
+              <a:t>    return </a:t>
             </a:r>
             <a:r>
               <a:rPr lang="en-US" altLang="zh-CN" sz="2000" b="1" dirty="0" err="1">
                 <a:solidFill>
-                  <a:schemeClr val="folHlink"/>
-                </a:solidFill>
-                <a:latin typeface="Courier New" panose="02070309020205020404" pitchFamily="49" charset="0"/>
-              </a:rPr>
-              <a:t>u.cons.data</a:t>
+                  <a:srgbClr val="0432FF"/>
+                </a:solidFill>
+                <a:latin typeface="Courier New" panose="02070309020205020404" pitchFamily="49" charset="0"/>
+              </a:rPr>
+              <a:t>List_concat</a:t>
             </a:r>
             <a:r>
               <a:rPr lang="en-US" altLang="zh-CN" sz="2000" b="1" dirty="0">
                 <a:solidFill>
-                  <a:schemeClr val="folHlink"/>
-                </a:solidFill>
-                <a:latin typeface="Courier New" panose="02070309020205020404" pitchFamily="49" charset="0"/>
-              </a:rPr>
-              <a:t>,</a:t>
+                  <a:srgbClr val="0432FF"/>
+                </a:solidFill>
+                <a:latin typeface="Courier New" panose="02070309020205020404" pitchFamily="49" charset="0"/>
+              </a:rPr>
+              <a:t>(</a:t>
             </a:r>
           </a:p>
           <a:p>
@@ -12077,47 +11774,29 @@
             <a:r>
               <a:rPr lang="en-US" altLang="zh-CN" sz="2000" b="1" dirty="0">
                 <a:solidFill>
-                  <a:schemeClr val="folHlink"/>
-                </a:solidFill>
-                <a:latin typeface="Courier New" panose="02070309020205020404" pitchFamily="49" charset="0"/>
-              </a:rPr>
-              <a:t>             </a:t>
+                  <a:srgbClr val="0432FF"/>
+                </a:solidFill>
+                <a:latin typeface="Courier New" panose="02070309020205020404" pitchFamily="49" charset="0"/>
+              </a:rPr>
+              <a:t>             l-&gt;</a:t>
             </a:r>
             <a:r>
               <a:rPr lang="en-US" altLang="zh-CN" sz="2000" b="1" dirty="0" err="1">
                 <a:solidFill>
-                  <a:schemeClr val="folHlink"/>
-                </a:solidFill>
-                <a:latin typeface="Courier New" panose="02070309020205020404" pitchFamily="49" charset="0"/>
-              </a:rPr>
-              <a:t>List_delete</a:t>
+                  <a:srgbClr val="0432FF"/>
+                </a:solidFill>
+                <a:latin typeface="Courier New" panose="02070309020205020404" pitchFamily="49" charset="0"/>
+              </a:rPr>
+              <a:t>u.cons.data</a:t>
             </a:r>
             <a:r>
               <a:rPr lang="en-US" altLang="zh-CN" sz="2000" b="1" dirty="0">
                 <a:solidFill>
-                  <a:schemeClr val="folHlink"/>
-                </a:solidFill>
-                <a:latin typeface="Courier New" panose="02070309020205020404" pitchFamily="49" charset="0"/>
-              </a:rPr>
-              <a:t>(l-&gt;</a:t>
-            </a:r>
-            <a:r>
-              <a:rPr lang="en-US" altLang="zh-CN" sz="2000" b="1" dirty="0" err="1">
-                <a:solidFill>
-                  <a:schemeClr val="folHlink"/>
-                </a:solidFill>
-                <a:latin typeface="Courier New" panose="02070309020205020404" pitchFamily="49" charset="0"/>
-              </a:rPr>
-              <a:t>u.cons.next</a:t>
-            </a:r>
-            <a:r>
-              <a:rPr lang="en-US" altLang="zh-CN" sz="2000" b="1" dirty="0">
-                <a:solidFill>
-                  <a:schemeClr val="folHlink"/>
-                </a:solidFill>
-                <a:latin typeface="Courier New" panose="02070309020205020404" pitchFamily="49" charset="0"/>
-              </a:rPr>
-              <a:t>, n-1));</a:t>
+                  <a:srgbClr val="0432FF"/>
+                </a:solidFill>
+                <a:latin typeface="Courier New" panose="02070309020205020404" pitchFamily="49" charset="0"/>
+              </a:rPr>
+              <a:t>,</a:t>
             </a:r>
           </a:p>
           <a:p>
@@ -12131,7 +11810,61 @@
             <a:r>
               <a:rPr lang="en-US" altLang="zh-CN" sz="2000" b="1" dirty="0">
                 <a:solidFill>
-                  <a:schemeClr val="folHlink"/>
+                  <a:srgbClr val="0432FF"/>
+                </a:solidFill>
+                <a:latin typeface="Courier New" panose="02070309020205020404" pitchFamily="49" charset="0"/>
+              </a:rPr>
+              <a:t>             </a:t>
+            </a:r>
+            <a:r>
+              <a:rPr lang="en-US" altLang="zh-CN" sz="2000" b="1" dirty="0" err="1">
+                <a:solidFill>
+                  <a:srgbClr val="0432FF"/>
+                </a:solidFill>
+                <a:latin typeface="Courier New" panose="02070309020205020404" pitchFamily="49" charset="0"/>
+              </a:rPr>
+              <a:t>List_delete</a:t>
+            </a:r>
+            <a:r>
+              <a:rPr lang="en-US" altLang="zh-CN" sz="2000" b="1" dirty="0">
+                <a:solidFill>
+                  <a:srgbClr val="0432FF"/>
+                </a:solidFill>
+                <a:latin typeface="Courier New" panose="02070309020205020404" pitchFamily="49" charset="0"/>
+              </a:rPr>
+              <a:t>(l-&gt;</a:t>
+            </a:r>
+            <a:r>
+              <a:rPr lang="en-US" altLang="zh-CN" sz="2000" b="1" dirty="0" err="1">
+                <a:solidFill>
+                  <a:srgbClr val="0432FF"/>
+                </a:solidFill>
+                <a:latin typeface="Courier New" panose="02070309020205020404" pitchFamily="49" charset="0"/>
+              </a:rPr>
+              <a:t>u.cons.next</a:t>
+            </a:r>
+            <a:r>
+              <a:rPr lang="en-US" altLang="zh-CN" sz="2000" b="1" dirty="0">
+                <a:solidFill>
+                  <a:srgbClr val="0432FF"/>
+                </a:solidFill>
+                <a:latin typeface="Courier New" panose="02070309020205020404" pitchFamily="49" charset="0"/>
+              </a:rPr>
+              <a:t>, n-1));</a:t>
+            </a:r>
+          </a:p>
+          <a:p>
+            <a:pPr>
+              <a:lnSpc>
+                <a:spcPct val="90000"/>
+              </a:lnSpc>
+              <a:buFont typeface="Wingdings" pitchFamily="2" charset="2"/>
+              <a:buNone/>
+            </a:pPr>
+            <a:r>
+              <a:rPr lang="en-US" altLang="zh-CN" sz="2000" b="1" dirty="0">
+                <a:solidFill>
+                  <a:srgbClr val="0432FF"/>
                 </a:solidFill>
                 <a:latin typeface="Courier New" panose="02070309020205020404" pitchFamily="49" charset="0"/>
               </a:rPr>
@@ -12148,7 +11881,7 @@
             </a:pPr>
             <a:endParaRPr lang="en-US" altLang="zh-CN" sz="2000" b="1" dirty="0">
               <a:solidFill>
-                <a:schemeClr val="folHlink"/>
+                <a:srgbClr val="0432FF"/>
               </a:solidFill>
               <a:latin typeface="Courier New" panose="02070309020205020404" pitchFamily="49" charset="0"/>
             </a:endParaRPr>
@@ -12163,7 +11896,7 @@
 </p:sld>
 </file>
 
-<file path=ppt/slides/slide17.xml><?xml version="1.0" encoding="utf-8"?>
+<file path=ppt/slides/slide16.xml><?xml version="1.0" encoding="utf-8"?>
 <p:sld xmlns:a="http://schemas.openxmlformats.org/drawingml/2006/main" xmlns:r="http://schemas.openxmlformats.org/officeDocument/2006/relationships" xmlns:p="http://schemas.openxmlformats.org/presentationml/2006/main">
   <p:cSld>
     <p:spTree>
@@ -13309,7 +13042,7 @@
 </p:sld>
 </file>
 
-<file path=ppt/slides/slide18.xml><?xml version="1.0" encoding="utf-8"?>
+<file path=ppt/slides/slide17.xml><?xml version="1.0" encoding="utf-8"?>
 <p:sld xmlns:a="http://schemas.openxmlformats.org/drawingml/2006/main" xmlns:r="http://schemas.openxmlformats.org/officeDocument/2006/relationships" xmlns:p="http://schemas.openxmlformats.org/presentationml/2006/main">
   <p:cSld>
     <p:spTree>
@@ -13402,7 +13135,7 @@
             <a:r>
               <a:rPr lang="en-US" altLang="zh-CN" sz="2000" b="1" dirty="0" err="1">
                 <a:solidFill>
-                  <a:schemeClr val="folHlink"/>
+                  <a:srgbClr val="0432FF"/>
                 </a:solidFill>
                 <a:latin typeface="Courier New" panose="02070309020205020404" pitchFamily="49" charset="0"/>
               </a:rPr>
@@ -13411,7 +13144,7 @@
             <a:r>
               <a:rPr lang="en-US" altLang="zh-CN" sz="2000" b="1" dirty="0">
                 <a:solidFill>
-                  <a:schemeClr val="folHlink"/>
+                  <a:srgbClr val="0432FF"/>
                 </a:solidFill>
                 <a:latin typeface="Courier New" panose="02070309020205020404" pitchFamily="49" charset="0"/>
               </a:rPr>
@@ -13420,7 +13153,7 @@
             <a:r>
               <a:rPr lang="en-US" altLang="zh-CN" sz="2000" b="1" dirty="0" err="1">
                 <a:solidFill>
-                  <a:schemeClr val="folHlink"/>
+                  <a:srgbClr val="0432FF"/>
                 </a:solidFill>
                 <a:latin typeface="Courier New" panose="02070309020205020404" pitchFamily="49" charset="0"/>
               </a:rPr>
@@ -13429,7 +13162,7 @@
             <a:r>
               <a:rPr lang="en-US" altLang="zh-CN" sz="2000" b="1" dirty="0">
                 <a:solidFill>
-                  <a:schemeClr val="folHlink"/>
+                  <a:srgbClr val="0432FF"/>
                 </a:solidFill>
                 <a:latin typeface="Courier New" panose="02070309020205020404" pitchFamily="49" charset="0"/>
               </a:rPr>
@@ -13438,7 +13171,7 @@
             <a:r>
               <a:rPr lang="en-US" altLang="zh-CN" sz="2000" b="1" dirty="0" err="1">
                 <a:solidFill>
-                  <a:schemeClr val="folHlink"/>
+                  <a:srgbClr val="0432FF"/>
                 </a:solidFill>
                 <a:latin typeface="Courier New" panose="02070309020205020404" pitchFamily="49" charset="0"/>
               </a:rPr>
@@ -13447,7 +13180,7 @@
             <a:r>
               <a:rPr lang="en-US" altLang="zh-CN" sz="2000" b="1" dirty="0">
                 <a:solidFill>
-                  <a:schemeClr val="folHlink"/>
+                  <a:srgbClr val="0432FF"/>
                 </a:solidFill>
                 <a:latin typeface="Courier New" panose="02070309020205020404" pitchFamily="49" charset="0"/>
               </a:rPr>
@@ -13465,7 +13198,7 @@
             <a:r>
               <a:rPr lang="en-US" altLang="zh-CN" sz="2000" b="1" dirty="0">
                 <a:solidFill>
-                  <a:schemeClr val="folHlink"/>
+                  <a:srgbClr val="0432FF"/>
                 </a:solidFill>
                 <a:latin typeface="Courier New" panose="02070309020205020404" pitchFamily="49" charset="0"/>
               </a:rPr>
@@ -13483,7 +13216,7 @@
             <a:r>
               <a:rPr lang="en-US" altLang="zh-CN" sz="2000" b="1" dirty="0">
                 <a:solidFill>
-                  <a:schemeClr val="folHlink"/>
+                  <a:srgbClr val="0432FF"/>
                 </a:solidFill>
                 <a:latin typeface="Courier New" panose="02070309020205020404" pitchFamily="49" charset="0"/>
               </a:rPr>
@@ -13492,7 +13225,7 @@
             <a:r>
               <a:rPr lang="en-US" altLang="zh-CN" sz="2000" b="1" dirty="0" err="1">
                 <a:solidFill>
-                  <a:schemeClr val="folHlink"/>
+                  <a:srgbClr val="0432FF"/>
                 </a:solidFill>
                 <a:latin typeface="Courier New" panose="02070309020205020404" pitchFamily="49" charset="0"/>
               </a:rPr>
@@ -13501,7 +13234,7 @@
             <a:r>
               <a:rPr lang="en-US" altLang="zh-CN" sz="2000" b="1" dirty="0">
                 <a:solidFill>
-                  <a:schemeClr val="folHlink"/>
+                  <a:srgbClr val="0432FF"/>
                 </a:solidFill>
                 <a:latin typeface="Courier New" panose="02070309020205020404" pitchFamily="49" charset="0"/>
               </a:rPr>
@@ -13519,7 +13252,7 @@
             <a:r>
               <a:rPr lang="en-US" altLang="zh-CN" sz="2000" b="1" dirty="0">
                 <a:solidFill>
-                  <a:schemeClr val="folHlink"/>
+                  <a:srgbClr val="0432FF"/>
                 </a:solidFill>
                 <a:latin typeface="Courier New" panose="02070309020205020404" pitchFamily="49" charset="0"/>
               </a:rPr>
@@ -13535,20 +13268,14 @@
               <a:buNone/>
             </a:pPr>
             <a:r>
-              <a:rPr lang="en-US" altLang="zh-CN" sz="2000" b="1">
-                <a:solidFill>
-                  <a:schemeClr val="folHlink"/>
+              <a:rPr lang="en-US" altLang="zh-CN" sz="2000" b="1" dirty="0">
+                <a:solidFill>
+                  <a:srgbClr val="0432FF"/>
                 </a:solidFill>
                 <a:latin typeface="Courier New" panose="02070309020205020404" pitchFamily="49" charset="0"/>
               </a:rPr>
               <a:t>    error(“…”);</a:t>
             </a:r>
-            <a:endParaRPr lang="en-US" altLang="zh-CN" sz="2000" b="1" dirty="0">
-              <a:solidFill>
-                <a:schemeClr val="folHlink"/>
-              </a:solidFill>
-              <a:latin typeface="Courier New" panose="02070309020205020404" pitchFamily="49" charset="0"/>
-            </a:endParaRPr>
           </a:p>
           <a:p>
             <a:pPr>
@@ -13561,7 +13288,7 @@
             <a:r>
               <a:rPr lang="en-US" altLang="zh-CN" sz="2000" b="1" dirty="0">
                 <a:solidFill>
-                  <a:schemeClr val="folHlink"/>
+                  <a:srgbClr val="0432FF"/>
                 </a:solidFill>
                 <a:latin typeface="Courier New" panose="02070309020205020404" pitchFamily="49" charset="0"/>
               </a:rPr>
@@ -13570,7 +13297,7 @@
             <a:r>
               <a:rPr lang="en-US" altLang="zh-CN" sz="2000" b="1" dirty="0" err="1">
                 <a:solidFill>
-                  <a:schemeClr val="folHlink"/>
+                  <a:srgbClr val="0432FF"/>
                 </a:solidFill>
                 <a:latin typeface="Courier New" panose="02070309020205020404" pitchFamily="49" charset="0"/>
               </a:rPr>
@@ -13579,7 +13306,7 @@
             <a:r>
               <a:rPr lang="en-US" altLang="zh-CN" sz="2000" b="1" dirty="0">
                 <a:solidFill>
-                  <a:schemeClr val="folHlink"/>
+                  <a:srgbClr val="0432FF"/>
                 </a:solidFill>
                 <a:latin typeface="Courier New" panose="02070309020205020404" pitchFamily="49" charset="0"/>
               </a:rPr>
@@ -13597,7 +13324,7 @@
             <a:r>
               <a:rPr lang="en-US" altLang="zh-CN" sz="2000" b="1" dirty="0">
                 <a:solidFill>
-                  <a:schemeClr val="folHlink"/>
+                  <a:srgbClr val="0432FF"/>
                 </a:solidFill>
                 <a:latin typeface="Courier New" panose="02070309020205020404" pitchFamily="49" charset="0"/>
               </a:rPr>
@@ -13606,7 +13333,7 @@
             <a:r>
               <a:rPr lang="en-US" altLang="zh-CN" sz="2000" b="1" dirty="0" err="1">
                 <a:solidFill>
-                  <a:schemeClr val="folHlink"/>
+                  <a:srgbClr val="0432FF"/>
                 </a:solidFill>
                 <a:latin typeface="Courier New" panose="02070309020205020404" pitchFamily="49" charset="0"/>
               </a:rPr>
@@ -13615,7 +13342,7 @@
             <a:r>
               <a:rPr lang="en-US" altLang="zh-CN" sz="2000" b="1" dirty="0">
                 <a:solidFill>
-                  <a:schemeClr val="folHlink"/>
+                  <a:srgbClr val="0432FF"/>
                 </a:solidFill>
                 <a:latin typeface="Courier New" panose="02070309020205020404" pitchFamily="49" charset="0"/>
               </a:rPr>
@@ -13633,17 +13360,11 @@
             <a:r>
               <a:rPr lang="en-US" altLang="zh-CN" sz="2000" b="1" dirty="0">
                 <a:solidFill>
-                  <a:schemeClr val="folHlink"/>
-                </a:solidFill>
-                <a:latin typeface="Courier New" panose="02070309020205020404" pitchFamily="49" charset="0"/>
-              </a:rPr>
-              <a:t>}</a:t>
-            </a:r>
-            <a:r>
-              <a:rPr lang="en-US" altLang="zh-CN" sz="2000" b="1" dirty="0">
-                <a:latin typeface="Courier New" panose="02070309020205020404" pitchFamily="49" charset="0"/>
-              </a:rPr>
-              <a:t> </a:t>
+                  <a:srgbClr val="0432FF"/>
+                </a:solidFill>
+                <a:latin typeface="Courier New" panose="02070309020205020404" pitchFamily="49" charset="0"/>
+              </a:rPr>
+              <a:t>} </a:t>
             </a:r>
           </a:p>
         </p:txBody>
@@ -14648,6 +14369,307 @@
 </p:sld>
 </file>
 
+<file path=ppt/slides/slide18.xml><?xml version="1.0" encoding="utf-8"?>
+<p:sld xmlns:a="http://schemas.openxmlformats.org/drawingml/2006/main" xmlns:r="http://schemas.openxmlformats.org/officeDocument/2006/relationships" xmlns:p="http://schemas.openxmlformats.org/presentationml/2006/main">
+  <p:cSld>
+    <p:spTree>
+      <p:nvGrpSpPr>
+        <p:cNvPr id="1" name=""/>
+        <p:cNvGrpSpPr/>
+        <p:nvPr/>
+      </p:nvGrpSpPr>
+      <p:grpSpPr>
+        <a:xfrm>
+          <a:off x="0" y="0"/>
+          <a:ext cx="0" cy="0"/>
+          <a:chOff x="0" y="0"/>
+          <a:chExt cx="0" cy="0"/>
+        </a:xfrm>
+      </p:grpSpPr>
+      <p:sp>
+        <p:nvSpPr>
+          <p:cNvPr id="180226" name="Rectangle 2">
+            <a:extLst>
+              <a:ext uri="{FF2B5EF4-FFF2-40B4-BE49-F238E27FC236}">
+                <a16:creationId xmlns:a16="http://schemas.microsoft.com/office/drawing/2014/main" id="{8F250D82-E996-D122-56C7-3E4240DE827D}"/>
+              </a:ext>
+            </a:extLst>
+          </p:cNvPr>
+          <p:cNvSpPr>
+            <a:spLocks noGrp="1" noChangeArrowheads="1"/>
+          </p:cNvSpPr>
+          <p:nvPr>
+            <p:ph type="title"/>
+          </p:nvPr>
+        </p:nvSpPr>
+        <p:spPr/>
+        <p:txBody>
+          <a:bodyPr/>
+          <a:lstStyle/>
+          <a:p>
+            <a:r>
+              <a:rPr lang="en-US" altLang="zh-CN" sz="4400" dirty="0"/>
+              <a:t>Functional programming</a:t>
+            </a:r>
+            <a:endParaRPr lang="en-US" altLang="zh-CN" dirty="0"/>
+          </a:p>
+        </p:txBody>
+      </p:sp>
+      <p:sp>
+        <p:nvSpPr>
+          <p:cNvPr id="180227" name="Rectangle 3">
+            <a:extLst>
+              <a:ext uri="{FF2B5EF4-FFF2-40B4-BE49-F238E27FC236}">
+                <a16:creationId xmlns:a16="http://schemas.microsoft.com/office/drawing/2014/main" id="{FBD44803-3D7A-2E6F-A03E-1BCEFDE2F34E}"/>
+              </a:ext>
+            </a:extLst>
+          </p:cNvPr>
+          <p:cNvSpPr>
+            <a:spLocks noGrp="1" noChangeArrowheads="1"/>
+          </p:cNvSpPr>
+          <p:nvPr>
+            <p:ph type="body" idx="1"/>
+          </p:nvPr>
+        </p:nvSpPr>
+        <p:spPr/>
+        <p:txBody>
+          <a:bodyPr/>
+          <a:lstStyle/>
+          <a:p>
+            <a:r>
+              <a:rPr lang="en-US" altLang="zh-CN" sz="2800" dirty="0"/>
+              <a:t>We</a:t>
+            </a:r>
+            <a:r>
+              <a:rPr lang="zh-CN" altLang="en-US" sz="2800" dirty="0"/>
+              <a:t> </a:t>
+            </a:r>
+            <a:r>
+              <a:rPr lang="en-US" altLang="zh-CN" sz="2800" dirty="0"/>
+              <a:t>are</a:t>
+            </a:r>
+            <a:r>
+              <a:rPr lang="zh-CN" altLang="en-US" sz="2800" dirty="0"/>
+              <a:t> </a:t>
+            </a:r>
+            <a:r>
+              <a:rPr lang="en-US" altLang="zh-CN" sz="2800" dirty="0"/>
+              <a:t>doing</a:t>
+            </a:r>
+            <a:r>
+              <a:rPr lang="zh-CN" altLang="en-US" sz="2800" dirty="0"/>
+              <a:t> </a:t>
+            </a:r>
+            <a:r>
+              <a:rPr lang="en-US" altLang="zh-CN" sz="2800" dirty="0"/>
+              <a:t>functional</a:t>
+            </a:r>
+            <a:r>
+              <a:rPr lang="zh-CN" altLang="en-US" sz="2800" dirty="0"/>
+              <a:t> </a:t>
+            </a:r>
+            <a:r>
+              <a:rPr lang="en-US" altLang="zh-CN" sz="2800" dirty="0"/>
+              <a:t>programming,</a:t>
+            </a:r>
+            <a:r>
+              <a:rPr lang="zh-CN" altLang="en-US" sz="2800" dirty="0"/>
+              <a:t> </a:t>
+            </a:r>
+            <a:r>
+              <a:rPr lang="en-US" altLang="zh-CN" sz="2800" dirty="0"/>
+              <a:t>in</a:t>
+            </a:r>
+            <a:r>
+              <a:rPr lang="zh-CN" altLang="en-US" sz="2800" dirty="0"/>
+              <a:t> </a:t>
+            </a:r>
+            <a:r>
+              <a:rPr lang="en-US" altLang="zh-CN" sz="2800" dirty="0"/>
+              <a:t>C:</a:t>
+            </a:r>
+          </a:p>
+          <a:p>
+            <a:pPr lvl="1"/>
+            <a:r>
+              <a:rPr lang="en-US" altLang="zh-CN" sz="2400" dirty="0"/>
+              <a:t>long history, even older than C</a:t>
+            </a:r>
+          </a:p>
+          <a:p>
+            <a:pPr lvl="2"/>
+            <a:r>
+              <a:rPr lang="en-US" altLang="zh-CN" sz="2000" dirty="0"/>
+              <a:t>stems from mathematics</a:t>
+            </a:r>
+            <a:r>
+              <a:rPr lang="zh-CN" altLang="en-US" sz="2000" dirty="0"/>
+              <a:t> </a:t>
+            </a:r>
+            <a:r>
+              <a:rPr lang="en-US" altLang="zh-CN" sz="2000" dirty="0"/>
+              <a:t>(\lambda</a:t>
+            </a:r>
+            <a:r>
+              <a:rPr lang="zh-CN" altLang="en-US" sz="2000" dirty="0"/>
+              <a:t> </a:t>
+            </a:r>
+            <a:r>
+              <a:rPr lang="en-US" altLang="zh-CN" sz="2000" dirty="0"/>
+              <a:t>calculus</a:t>
+            </a:r>
+            <a:r>
+              <a:rPr lang="zh-CN" altLang="en-US" sz="2000" dirty="0"/>
+              <a:t> </a:t>
+            </a:r>
+            <a:r>
+              <a:rPr lang="en-US" altLang="zh-CN" sz="2000" dirty="0"/>
+              <a:t>from</a:t>
+            </a:r>
+            <a:r>
+              <a:rPr lang="zh-CN" altLang="en-US" sz="2000" dirty="0"/>
+              <a:t> </a:t>
+            </a:r>
+            <a:r>
+              <a:rPr lang="en-US" altLang="zh-CN" sz="2000" dirty="0"/>
+              <a:t>Church)</a:t>
+            </a:r>
+          </a:p>
+          <a:p>
+            <a:pPr lvl="2"/>
+            <a:r>
+              <a:rPr lang="en-US" altLang="zh-CN" sz="2000" dirty="0"/>
+              <a:t>John McCarthy‘s LISP (60</a:t>
+            </a:r>
+            <a:r>
+              <a:rPr lang="en-US" altLang="zh-CN" sz="2000" dirty="0">
+                <a:latin typeface="Arial" panose="020B0604020202020204" pitchFamily="34" charset="0"/>
+              </a:rPr>
+              <a:t>’</a:t>
+            </a:r>
+            <a:r>
+              <a:rPr lang="en-US" altLang="zh-CN" sz="2000" dirty="0"/>
+              <a:t>s),</a:t>
+            </a:r>
+            <a:r>
+              <a:rPr lang="zh-CN" altLang="en-US" sz="2000" dirty="0"/>
+              <a:t> </a:t>
+            </a:r>
+            <a:r>
+              <a:rPr lang="en-US" altLang="zh-CN" sz="2000" dirty="0"/>
+              <a:t>and subsequent Scheme, ML, Haskell,</a:t>
+            </a:r>
+            <a:r>
+              <a:rPr lang="zh-CN" altLang="en-US" sz="2000" dirty="0"/>
+              <a:t> </a:t>
+            </a:r>
+            <a:r>
+              <a:rPr lang="en-US" altLang="zh-CN" sz="2000" dirty="0"/>
+              <a:t>Scala, etc.</a:t>
+            </a:r>
+          </a:p>
+          <a:p>
+            <a:pPr lvl="1"/>
+            <a:r>
+              <a:rPr lang="en-US" altLang="zh-CN" sz="2400" dirty="0"/>
+              <a:t>considered academic</a:t>
+            </a:r>
+            <a:r>
+              <a:rPr lang="zh-CN" altLang="en-US" sz="2400" dirty="0"/>
+              <a:t> </a:t>
+            </a:r>
+            <a:r>
+              <a:rPr lang="en-US" altLang="zh-CN" sz="2400" dirty="0"/>
+              <a:t>and</a:t>
+            </a:r>
+            <a:r>
+              <a:rPr lang="zh-CN" altLang="en-US" sz="2400" dirty="0"/>
+              <a:t> </a:t>
+            </a:r>
+            <a:r>
+              <a:rPr lang="en-US" altLang="zh-CN" sz="2400" dirty="0"/>
+              <a:t>impractical for long time</a:t>
+            </a:r>
+          </a:p>
+          <a:p>
+            <a:pPr lvl="2"/>
+            <a:r>
+              <a:rPr lang="en-US" altLang="zh-CN" sz="2000" dirty="0"/>
+              <a:t>steep</a:t>
+            </a:r>
+            <a:r>
+              <a:rPr lang="zh-CN" altLang="en-US" sz="2000" dirty="0"/>
+              <a:t> </a:t>
+            </a:r>
+            <a:r>
+              <a:rPr lang="en-US" altLang="zh-CN" sz="2000" dirty="0"/>
+              <a:t>learning</a:t>
+            </a:r>
+            <a:r>
+              <a:rPr lang="zh-CN" altLang="en-US" sz="2000" dirty="0"/>
+              <a:t> </a:t>
+            </a:r>
+            <a:r>
+              <a:rPr lang="en-US" altLang="zh-CN" sz="2000" dirty="0"/>
+              <a:t>curve </a:t>
+            </a:r>
+          </a:p>
+          <a:p>
+            <a:pPr lvl="2"/>
+            <a:r>
+              <a:rPr lang="en-US" altLang="zh-CN" sz="2000" dirty="0"/>
+              <a:t>and</a:t>
+            </a:r>
+            <a:r>
+              <a:rPr lang="zh-CN" altLang="en-US" sz="2000" dirty="0"/>
+              <a:t> </a:t>
+            </a:r>
+            <a:r>
+              <a:rPr lang="en-US" altLang="zh-CN" sz="2000" dirty="0"/>
+              <a:t>efficiency issues</a:t>
+            </a:r>
+          </a:p>
+          <a:p>
+            <a:pPr lvl="1"/>
+            <a:r>
+              <a:rPr lang="en-US" altLang="zh-CN" sz="2400" dirty="0"/>
+              <a:t>renew industry</a:t>
+            </a:r>
+            <a:r>
+              <a:rPr lang="en-US" altLang="zh-CN" sz="2400" dirty="0">
+                <a:latin typeface="Arial" panose="020B0604020202020204" pitchFamily="34" charset="0"/>
+              </a:rPr>
+              <a:t>’</a:t>
+            </a:r>
+            <a:r>
+              <a:rPr lang="en-US" altLang="zh-CN" sz="2400" dirty="0"/>
+              <a:t>s interest in recent decades</a:t>
+            </a:r>
+          </a:p>
+          <a:p>
+            <a:pPr lvl="2"/>
+            <a:r>
+              <a:rPr lang="en-US" altLang="zh-CN" sz="2000" dirty="0"/>
+              <a:t>e.g., F# from Microsoft </a:t>
+            </a:r>
+          </a:p>
+          <a:p>
+            <a:pPr lvl="2"/>
+            <a:r>
+              <a:rPr lang="en-US" altLang="zh-CN" sz="2000" dirty="0"/>
+              <a:t>good for parallel, multi-core, etc.</a:t>
+            </a:r>
+          </a:p>
+        </p:txBody>
+      </p:sp>
+    </p:spTree>
+  </p:cSld>
+  <p:clrMapOvr>
+    <a:masterClrMapping/>
+  </p:clrMapOvr>
+</p:sld>
+</file>
+
 <file path=ppt/slides/slide19.xml><?xml version="1.0" encoding="utf-8"?>
 <p:sld xmlns:a="http://schemas.openxmlformats.org/drawingml/2006/main" xmlns:r="http://schemas.openxmlformats.org/officeDocument/2006/relationships" xmlns:p="http://schemas.openxmlformats.org/presentationml/2006/main">
   <p:cSld>
@@ -14667,10 +14689,10 @@
       </p:grpSpPr>
       <p:sp>
         <p:nvSpPr>
-          <p:cNvPr id="180226" name="Rectangle 2">
+          <p:cNvPr id="273410" name="Rectangle 2">
             <a:extLst>
               <a:ext uri="{FF2B5EF4-FFF2-40B4-BE49-F238E27FC236}">
-                <a16:creationId xmlns:a16="http://schemas.microsoft.com/office/drawing/2014/main" id="{8F250D82-E996-D122-56C7-3E4240DE827D}"/>
+                <a16:creationId xmlns:a16="http://schemas.microsoft.com/office/drawing/2014/main" id="{A4701454-836C-E2B8-59EE-14FDC724E96B}"/>
               </a:ext>
             </a:extLst>
           </p:cNvPr>
@@ -14695,10 +14717,10 @@
       </p:sp>
       <p:sp>
         <p:nvSpPr>
-          <p:cNvPr id="180227" name="Rectangle 3">
+          <p:cNvPr id="273411" name="Rectangle 3">
             <a:extLst>
               <a:ext uri="{FF2B5EF4-FFF2-40B4-BE49-F238E27FC236}">
-                <a16:creationId xmlns:a16="http://schemas.microsoft.com/office/drawing/2014/main" id="{FBD44803-3D7A-2E6F-A03E-1BCEFDE2F34E}"/>
+                <a16:creationId xmlns:a16="http://schemas.microsoft.com/office/drawing/2014/main" id="{A9F811F2-5F22-330E-A268-C6A19D03C7EF}"/>
               </a:ext>
             </a:extLst>
           </p:cNvPr>
@@ -14716,109 +14738,118 @@
           <a:p>
             <a:r>
               <a:rPr lang="en-US" altLang="zh-CN" sz="2800" dirty="0"/>
-              <a:t>Functional programming:</a:t>
+              <a:t>A</a:t>
+            </a:r>
+            <a:r>
+              <a:rPr lang="zh-CN" altLang="en-US" sz="2800" dirty="0"/>
+              <a:t> </a:t>
+            </a:r>
+            <a:r>
+              <a:rPr lang="en-US" altLang="zh-CN" sz="2800" dirty="0"/>
+              <a:t>functional</a:t>
+            </a:r>
+            <a:r>
+              <a:rPr lang="zh-CN" altLang="en-US" sz="2800" dirty="0"/>
+              <a:t> </a:t>
+            </a:r>
+            <a:r>
+              <a:rPr lang="en-US" altLang="zh-CN" sz="2800" dirty="0"/>
+              <a:t>implementation</a:t>
+            </a:r>
+            <a:r>
+              <a:rPr lang="zh-CN" altLang="en-US" sz="2800" dirty="0"/>
+              <a:t> </a:t>
+            </a:r>
+            <a:r>
+              <a:rPr lang="en-US" altLang="zh-CN" sz="2800" dirty="0"/>
+              <a:t>of</a:t>
+            </a:r>
+            <a:r>
+              <a:rPr lang="zh-CN" altLang="en-US" sz="2800" dirty="0"/>
+              <a:t> </a:t>
+            </a:r>
+            <a:r>
+              <a:rPr lang="en-US" altLang="zh-CN" sz="2800" dirty="0"/>
+              <a:t>list</a:t>
+            </a:r>
+          </a:p>
+          <a:p>
+            <a:r>
+              <a:rPr lang="en-US" altLang="zh-CN" sz="2800" dirty="0"/>
+              <a:t>Pros:</a:t>
             </a:r>
           </a:p>
           <a:p>
             <a:pPr lvl="1"/>
             <a:r>
               <a:rPr lang="en-US" altLang="zh-CN" sz="2400" dirty="0"/>
-              <a:t>long history, even older than C</a:t>
+              <a:t>good for programmer</a:t>
             </a:r>
           </a:p>
           <a:p>
             <a:pPr lvl="2"/>
             <a:r>
               <a:rPr lang="en-US" altLang="zh-CN" sz="2000" dirty="0"/>
-              <a:t>stem from mathematics</a:t>
+              <a:t>data structures are persistent </a:t>
             </a:r>
           </a:p>
           <a:p>
             <a:pPr lvl="2"/>
             <a:r>
               <a:rPr lang="en-US" altLang="zh-CN" sz="2000" dirty="0"/>
-              <a:t>John </a:t>
+              <a:t>elegant, and easy to write, to maintain, and to debug</a:t>
+            </a:r>
+          </a:p>
+          <a:p>
+            <a:r>
+              <a:rPr lang="en-US" altLang="zh-CN" sz="2800" dirty="0"/>
+              <a:t>Cons:</a:t>
+            </a:r>
+          </a:p>
+          <a:p>
+            <a:pPr lvl="1"/>
+            <a:r>
+              <a:rPr lang="en-US" altLang="zh-CN" sz="2400" dirty="0"/>
+              <a:t>(maybe) bad for machine</a:t>
+            </a:r>
+          </a:p>
+          <a:p>
+            <a:pPr lvl="2"/>
+            <a:r>
+              <a:rPr lang="en-US" altLang="zh-CN" sz="2000" dirty="0"/>
+              <a:t>code maybe too slow</a:t>
+            </a:r>
+          </a:p>
+          <a:p>
+            <a:pPr lvl="1"/>
+            <a:r>
+              <a:rPr lang="en-US" altLang="zh-CN" sz="2400" dirty="0"/>
+              <a:t>require better compiler supports</a:t>
+            </a:r>
+          </a:p>
+          <a:p>
+            <a:pPr lvl="2"/>
+            <a:r>
+              <a:rPr lang="en-US" altLang="zh-CN" sz="2000" dirty="0"/>
+              <a:t>unfortunately, both MS </a:t>
             </a:r>
             <a:r>
               <a:rPr lang="en-US" altLang="zh-CN" sz="2000" dirty="0" err="1"/>
-              <a:t>Macathy</a:t>
-            </a:r>
-            <a:r>
-              <a:rPr lang="en-US" altLang="zh-CN" sz="2000" dirty="0" err="1">
-                <a:latin typeface="Arial" panose="020B0604020202020204" pitchFamily="34" charset="0"/>
-              </a:rPr>
-              <a:t>’</a:t>
-            </a:r>
-            <a:r>
-              <a:rPr lang="en-US" altLang="zh-CN" sz="2000" dirty="0" err="1"/>
-              <a:t>s</a:t>
+              <a:t>vc</a:t>
             </a:r>
             <a:r>
               <a:rPr lang="en-US" altLang="zh-CN" sz="2000" dirty="0"/>
-              <a:t> LISP (60</a:t>
-            </a:r>
-            <a:r>
-              <a:rPr lang="en-US" altLang="zh-CN" sz="2000" dirty="0">
-                <a:latin typeface="Arial" panose="020B0604020202020204" pitchFamily="34" charset="0"/>
-              </a:rPr>
-              <a:t>’</a:t>
-            </a:r>
-            <a:r>
-              <a:rPr lang="en-US" altLang="zh-CN" sz="2000" dirty="0"/>
-              <a:t>s)</a:t>
-            </a:r>
-          </a:p>
-          <a:p>
-            <a:pPr lvl="2"/>
-            <a:r>
-              <a:rPr lang="en-US" altLang="zh-CN" sz="2000" dirty="0"/>
-              <a:t>and later Scheme, ML, Haskell, JavaScript, etc.</a:t>
-            </a:r>
+              <a:t> and GCC are bad </a:t>
+            </a:r>
+            <a:r>
+              <a:rPr lang="en-US" altLang="zh-CN" sz="2000"/>
+              <a:t>in this</a:t>
+            </a:r>
+            <a:endParaRPr lang="en-US" altLang="zh-CN" sz="2000" dirty="0"/>
           </a:p>
           <a:p>
             <a:pPr lvl="1"/>
-            <a:r>
-              <a:rPr lang="en-US" altLang="zh-CN" sz="2400" dirty="0"/>
-              <a:t>for long time considered impractical</a:t>
-            </a:r>
-          </a:p>
-          <a:p>
-            <a:pPr lvl="2"/>
-            <a:r>
-              <a:rPr lang="en-US" altLang="zh-CN" sz="2000" dirty="0"/>
-              <a:t>efficiency issue</a:t>
-            </a:r>
-          </a:p>
-          <a:p>
-            <a:pPr lvl="1"/>
-            <a:r>
-              <a:rPr lang="en-US" altLang="zh-CN" sz="2400" dirty="0"/>
-              <a:t>renew industry</a:t>
-            </a:r>
-            <a:r>
-              <a:rPr lang="en-US" altLang="zh-CN" sz="2400" dirty="0">
-                <a:latin typeface="Arial" panose="020B0604020202020204" pitchFamily="34" charset="0"/>
-              </a:rPr>
-              <a:t>’</a:t>
-            </a:r>
-            <a:r>
-              <a:rPr lang="en-US" altLang="zh-CN" sz="2400" dirty="0"/>
-              <a:t>s interest in recent decade</a:t>
-            </a:r>
-          </a:p>
-          <a:p>
-            <a:pPr lvl="2"/>
-            <a:r>
-              <a:rPr lang="en-US" altLang="zh-CN" sz="2000" dirty="0"/>
-              <a:t>e.g., F# from Microsoft </a:t>
-            </a:r>
-          </a:p>
-          <a:p>
-            <a:pPr lvl="2"/>
-            <a:r>
-              <a:rPr lang="en-US" altLang="zh-CN" sz="2000" dirty="0"/>
-              <a:t>good for parallel, multi-core, etc.</a:t>
-            </a:r>
+            <a:endParaRPr lang="en-US" altLang="zh-CN" sz="2400" dirty="0"/>
           </a:p>
         </p:txBody>
       </p:sp>
@@ -14897,211 +14928,275 @@
           <a:lstStyle/>
           <a:p>
             <a:r>
-              <a:rPr lang="en-US" altLang="zh-CN" sz="2800"/>
-              <a:t>The extensible array-based implementation of linear list:</a:t>
+              <a:rPr lang="en-US" altLang="zh-CN" sz="2800" dirty="0"/>
+              <a:t>We</a:t>
+            </a:r>
+            <a:r>
+              <a:rPr lang="zh-CN" altLang="en-US" sz="2800" dirty="0"/>
+              <a:t> </a:t>
+            </a:r>
+            <a:r>
+              <a:rPr lang="en-US" altLang="zh-CN" sz="2800" dirty="0"/>
+              <a:t>discussed</a:t>
+            </a:r>
+            <a:r>
+              <a:rPr lang="zh-CN" altLang="en-US" sz="2800" dirty="0"/>
+              <a:t> </a:t>
+            </a:r>
+            <a:r>
+              <a:rPr lang="en-US" altLang="zh-CN" sz="2800" dirty="0"/>
+              <a:t>two</a:t>
+            </a:r>
+            <a:r>
+              <a:rPr lang="zh-CN" altLang="en-US" sz="2800" dirty="0"/>
+              <a:t> </a:t>
+            </a:r>
+            <a:r>
+              <a:rPr lang="en-US" altLang="zh-CN" sz="2800" dirty="0"/>
+              <a:t>implementations</a:t>
+            </a:r>
+            <a:r>
+              <a:rPr lang="zh-CN" altLang="en-US" sz="2800" dirty="0"/>
+              <a:t> </a:t>
+            </a:r>
+            <a:r>
+              <a:rPr lang="en-US" altLang="zh-CN" sz="2800" dirty="0"/>
+              <a:t>of</a:t>
+            </a:r>
+            <a:r>
+              <a:rPr lang="zh-CN" altLang="en-US" sz="2800" dirty="0"/>
+              <a:t> </a:t>
+            </a:r>
+            <a:r>
+              <a:rPr lang="en-US" altLang="zh-CN" sz="2800" dirty="0"/>
+              <a:t>list:</a:t>
             </a:r>
           </a:p>
           <a:p>
             <a:pPr lvl="1"/>
             <a:r>
-              <a:rPr lang="en-US" altLang="zh-CN" sz="2400"/>
-              <a:t>may be too slow</a:t>
+              <a:rPr lang="en-US" altLang="zh-CN" sz="2400" dirty="0"/>
+              <a:t>extensible</a:t>
+            </a:r>
+            <a:r>
+              <a:rPr lang="zh-CN" altLang="en-US" sz="2400" dirty="0"/>
+              <a:t> </a:t>
+            </a:r>
+            <a:r>
+              <a:rPr lang="en-US" altLang="zh-CN" sz="2400" dirty="0"/>
+              <a:t>array-based</a:t>
             </a:r>
           </a:p>
           <a:p>
             <a:pPr lvl="2"/>
             <a:r>
-              <a:rPr lang="en-US" altLang="zh-CN" sz="2000"/>
-              <a:t>insert or delete operations involve data movement</a:t>
+              <a:rPr lang="en-US" altLang="zh-CN" sz="2000" dirty="0"/>
+              <a:t>easy</a:t>
+            </a:r>
+            <a:r>
+              <a:rPr lang="zh-CN" altLang="en-US" sz="2000" dirty="0"/>
+              <a:t> </a:t>
+            </a:r>
+            <a:r>
+              <a:rPr lang="en-US" altLang="zh-CN" sz="2000" dirty="0"/>
+              <a:t>to</a:t>
+            </a:r>
+            <a:r>
+              <a:rPr lang="zh-CN" altLang="en-US" sz="2000" dirty="0"/>
+              <a:t> </a:t>
+            </a:r>
+            <a:r>
+              <a:rPr lang="en-US" altLang="zh-CN" sz="2000" dirty="0"/>
+              <a:t>implement</a:t>
+            </a:r>
+            <a:r>
+              <a:rPr lang="zh-CN" altLang="en-US" sz="2000" dirty="0"/>
+              <a:t> </a:t>
+            </a:r>
+            <a:r>
+              <a:rPr lang="en-US" altLang="zh-CN" sz="2000" dirty="0"/>
+              <a:t>but</a:t>
+            </a:r>
+            <a:r>
+              <a:rPr lang="zh-CN" altLang="en-US" sz="2000" dirty="0"/>
+              <a:t> </a:t>
+            </a:r>
+            <a:r>
+              <a:rPr lang="en-US" altLang="zh-CN" sz="2000" dirty="0"/>
+              <a:t>slow</a:t>
+            </a:r>
+            <a:r>
+              <a:rPr lang="zh-CN" altLang="en-US" sz="2000" dirty="0"/>
+              <a:t> </a:t>
+            </a:r>
+            <a:r>
+              <a:rPr lang="en-US" altLang="zh-CN" sz="2000" dirty="0"/>
+              <a:t>and</a:t>
+            </a:r>
+            <a:r>
+              <a:rPr lang="zh-CN" altLang="en-US" sz="2000" dirty="0"/>
+              <a:t> </a:t>
+            </a:r>
+            <a:r>
+              <a:rPr lang="en-US" altLang="zh-CN" sz="2000" dirty="0"/>
+              <a:t>space</a:t>
+            </a:r>
+            <a:r>
+              <a:rPr lang="zh-CN" altLang="en-US" sz="2000" dirty="0"/>
+              <a:t> </a:t>
+            </a:r>
+            <a:r>
+              <a:rPr lang="en-US" altLang="zh-CN" sz="2000" dirty="0"/>
+              <a:t>waste</a:t>
             </a:r>
           </a:p>
           <a:p>
             <a:pPr lvl="1"/>
             <a:r>
-              <a:rPr lang="en-US" altLang="zh-CN" sz="2400">
+              <a:rPr lang="en-US" altLang="zh-CN" sz="2400" dirty="0">
                 <a:sym typeface="Euclid Extra" pitchFamily="18" charset="2"/>
               </a:rPr>
-              <a:t>may waste too much space</a:t>
+              <a:t>linked</a:t>
+            </a:r>
+            <a:r>
+              <a:rPr lang="zh-CN" altLang="en-US" sz="2400" dirty="0">
+                <a:sym typeface="Euclid Extra" pitchFamily="18" charset="2"/>
+              </a:rPr>
+              <a:t> </a:t>
+            </a:r>
+            <a:r>
+              <a:rPr lang="en-US" altLang="zh-CN" sz="2400" dirty="0">
+                <a:sym typeface="Euclid Extra" pitchFamily="18" charset="2"/>
+              </a:rPr>
+              <a:t>list-based</a:t>
             </a:r>
           </a:p>
           <a:p>
             <a:pPr lvl="2"/>
             <a:r>
-              <a:rPr lang="en-US" altLang="zh-CN" sz="2000">
+              <a:rPr lang="en-US" altLang="zh-CN" sz="2000" dirty="0">
                 <a:sym typeface="Euclid Extra" pitchFamily="18" charset="2"/>
               </a:rPr>
-              <a:t>only a small portion of the allocated space is occupied with data</a:t>
-            </a:r>
-          </a:p>
-          <a:p>
-            <a:r>
-              <a:rPr lang="en-US" altLang="zh-CN" sz="2800">
+              <a:t>good</a:t>
+            </a:r>
+            <a:r>
+              <a:rPr lang="zh-CN" altLang="en-US" sz="2000" dirty="0">
                 <a:sym typeface="Euclid Extra" pitchFamily="18" charset="2"/>
               </a:rPr>
+              <a:t> </a:t>
+            </a:r>
+            <a:r>
+              <a:rPr lang="en-US" altLang="zh-CN" sz="2000" dirty="0">
+                <a:sym typeface="Euclid Extra" pitchFamily="18" charset="2"/>
+              </a:rPr>
+              <a:t>performance</a:t>
+            </a:r>
+            <a:r>
+              <a:rPr lang="zh-CN" altLang="en-US" sz="2000" dirty="0">
+                <a:sym typeface="Euclid Extra" pitchFamily="18" charset="2"/>
+              </a:rPr>
+              <a:t> </a:t>
+            </a:r>
+            <a:r>
+              <a:rPr lang="en-US" altLang="zh-CN" sz="2000" dirty="0">
+                <a:sym typeface="Euclid Extra" pitchFamily="18" charset="2"/>
+              </a:rPr>
+              <a:t>but</a:t>
+            </a:r>
+            <a:r>
+              <a:rPr lang="zh-CN" altLang="en-US" sz="2000" dirty="0">
+                <a:sym typeface="Euclid Extra" pitchFamily="18" charset="2"/>
+              </a:rPr>
+              <a:t> </a:t>
+            </a:r>
+            <a:r>
+              <a:rPr lang="en-US" altLang="zh-CN" sz="2000" dirty="0">
+                <a:sym typeface="Euclid Extra" pitchFamily="18" charset="2"/>
+              </a:rPr>
+              <a:t>tedious</a:t>
+            </a:r>
+            <a:r>
+              <a:rPr lang="zh-CN" altLang="en-US" sz="2000" dirty="0">
+                <a:sym typeface="Euclid Extra" pitchFamily="18" charset="2"/>
+              </a:rPr>
+              <a:t> </a:t>
+            </a:r>
+            <a:r>
+              <a:rPr lang="en-US" altLang="zh-CN" sz="2000" dirty="0">
+                <a:sym typeface="Euclid Extra" pitchFamily="18" charset="2"/>
+              </a:rPr>
+              <a:t>and</a:t>
+            </a:r>
+            <a:r>
+              <a:rPr lang="zh-CN" altLang="en-US" sz="2000" dirty="0">
+                <a:sym typeface="Euclid Extra" pitchFamily="18" charset="2"/>
+              </a:rPr>
+              <a:t> </a:t>
+            </a:r>
+            <a:r>
+              <a:rPr lang="en-US" altLang="zh-CN" sz="2000" dirty="0">
+                <a:sym typeface="Euclid Extra" pitchFamily="18" charset="2"/>
+              </a:rPr>
+              <a:t>error-prone</a:t>
+            </a:r>
+            <a:r>
+              <a:rPr lang="zh-CN" altLang="en-US" sz="2000" dirty="0">
+                <a:sym typeface="Euclid Extra" pitchFamily="18" charset="2"/>
+              </a:rPr>
+              <a:t> </a:t>
+            </a:r>
+            <a:r>
+              <a:rPr lang="en-US" altLang="zh-CN" sz="2000" dirty="0">
+                <a:sym typeface="Euclid Extra" pitchFamily="18" charset="2"/>
+              </a:rPr>
+              <a:t>to</a:t>
+            </a:r>
+            <a:r>
+              <a:rPr lang="zh-CN" altLang="en-US" sz="2000" dirty="0">
+                <a:sym typeface="Euclid Extra" pitchFamily="18" charset="2"/>
+              </a:rPr>
+              <a:t> </a:t>
+            </a:r>
+            <a:r>
+              <a:rPr lang="en-US" altLang="zh-CN" sz="2000" dirty="0">
+                <a:sym typeface="Euclid Extra" pitchFamily="18" charset="2"/>
+              </a:rPr>
+              <a:t>implement</a:t>
+            </a:r>
+          </a:p>
+          <a:p>
+            <a:r>
+              <a:rPr lang="en-US" altLang="zh-CN" sz="2800" dirty="0">
+                <a:sym typeface="Euclid Extra" pitchFamily="18" charset="2"/>
+              </a:rPr>
               <a:t>General computer science idea:</a:t>
             </a:r>
           </a:p>
           <a:p>
             <a:pPr lvl="1"/>
             <a:r>
-              <a:rPr lang="en-US" altLang="zh-CN" sz="2400">
+              <a:rPr lang="en-US" altLang="zh-CN" sz="2400" dirty="0">
                 <a:latin typeface="Helvetica" pitchFamily="2" charset="0"/>
                 <a:sym typeface="Euclid Extra" pitchFamily="18" charset="2"/>
               </a:rPr>
               <a:t>“</a:t>
             </a:r>
             <a:r>
-              <a:rPr lang="en-US" altLang="zh-CN" sz="2400">
+              <a:rPr lang="en-US" altLang="zh-CN" sz="2400" dirty="0">
                 <a:sym typeface="Euclid Extra" pitchFamily="18" charset="2"/>
               </a:rPr>
               <a:t>pay as you go</a:t>
             </a:r>
             <a:r>
-              <a:rPr lang="en-US" altLang="zh-CN" sz="2400">
+              <a:rPr lang="en-US" altLang="zh-CN" sz="2400" dirty="0">
                 <a:latin typeface="Helvetica" pitchFamily="2" charset="0"/>
                 <a:sym typeface="Euclid Extra" pitchFamily="18" charset="2"/>
               </a:rPr>
               <a:t>”</a:t>
             </a:r>
-            <a:endParaRPr lang="en-US" altLang="zh-CN" sz="2400">
+            <a:endParaRPr lang="en-US" altLang="zh-CN" sz="2400" dirty="0">
               <a:sym typeface="Euclid Extra" pitchFamily="18" charset="2"/>
             </a:endParaRPr>
-          </a:p>
-        </p:txBody>
-      </p:sp>
-    </p:spTree>
-  </p:cSld>
-  <p:clrMapOvr>
-    <a:masterClrMapping/>
-  </p:clrMapOvr>
-</p:sld>
-</file>
-
-<file path=ppt/slides/slide20.xml><?xml version="1.0" encoding="utf-8"?>
-<p:sld xmlns:a="http://schemas.openxmlformats.org/drawingml/2006/main" xmlns:r="http://schemas.openxmlformats.org/officeDocument/2006/relationships" xmlns:p="http://schemas.openxmlformats.org/presentationml/2006/main">
-  <p:cSld>
-    <p:spTree>
-      <p:nvGrpSpPr>
-        <p:cNvPr id="1" name=""/>
-        <p:cNvGrpSpPr/>
-        <p:nvPr/>
-      </p:nvGrpSpPr>
-      <p:grpSpPr>
-        <a:xfrm>
-          <a:off x="0" y="0"/>
-          <a:ext cx="0" cy="0"/>
-          <a:chOff x="0" y="0"/>
-          <a:chExt cx="0" cy="0"/>
-        </a:xfrm>
-      </p:grpSpPr>
-      <p:sp>
-        <p:nvSpPr>
-          <p:cNvPr id="273410" name="Rectangle 2">
-            <a:extLst>
-              <a:ext uri="{FF2B5EF4-FFF2-40B4-BE49-F238E27FC236}">
-                <a16:creationId xmlns:a16="http://schemas.microsoft.com/office/drawing/2014/main" id="{A4701454-836C-E2B8-59EE-14FDC724E96B}"/>
-              </a:ext>
-            </a:extLst>
-          </p:cNvPr>
-          <p:cNvSpPr>
-            <a:spLocks noGrp="1" noChangeArrowheads="1"/>
-          </p:cNvSpPr>
-          <p:nvPr>
-            <p:ph type="title"/>
-          </p:nvPr>
-        </p:nvSpPr>
-        <p:spPr/>
-        <p:txBody>
-          <a:bodyPr/>
-          <a:lstStyle/>
-          <a:p>
-            <a:r>
-              <a:rPr lang="en-US" altLang="zh-CN"/>
-              <a:t>Summary</a:t>
-            </a:r>
-          </a:p>
-        </p:txBody>
-      </p:sp>
-      <p:sp>
-        <p:nvSpPr>
-          <p:cNvPr id="273411" name="Rectangle 3">
-            <a:extLst>
-              <a:ext uri="{FF2B5EF4-FFF2-40B4-BE49-F238E27FC236}">
-                <a16:creationId xmlns:a16="http://schemas.microsoft.com/office/drawing/2014/main" id="{A9F811F2-5F22-330E-A268-C6A19D03C7EF}"/>
-              </a:ext>
-            </a:extLst>
-          </p:cNvPr>
-          <p:cNvSpPr>
-            <a:spLocks noGrp="1" noChangeArrowheads="1"/>
-          </p:cNvSpPr>
-          <p:nvPr>
-            <p:ph type="body" idx="1"/>
-          </p:nvPr>
-        </p:nvSpPr>
-        <p:spPr/>
-        <p:txBody>
-          <a:bodyPr/>
-          <a:lstStyle/>
-          <a:p>
-            <a:r>
-              <a:rPr lang="en-US" altLang="zh-CN" sz="2800"/>
-              <a:t>Pros:</a:t>
-            </a:r>
-          </a:p>
-          <a:p>
-            <a:pPr lvl="1"/>
-            <a:r>
-              <a:rPr lang="en-US" altLang="zh-CN" sz="2400"/>
-              <a:t>good for programmer</a:t>
-            </a:r>
-          </a:p>
-          <a:p>
-            <a:pPr lvl="2"/>
-            <a:r>
-              <a:rPr lang="en-US" altLang="zh-CN" sz="2000"/>
-              <a:t>data structures are persistent </a:t>
-            </a:r>
-          </a:p>
-          <a:p>
-            <a:pPr lvl="2"/>
-            <a:r>
-              <a:rPr lang="en-US" altLang="zh-CN" sz="2000"/>
-              <a:t>elegant, easy to write, easy to maintain, easy to debug</a:t>
-            </a:r>
-          </a:p>
-          <a:p>
-            <a:r>
-              <a:rPr lang="en-US" altLang="zh-CN" sz="2800"/>
-              <a:t>Cons:</a:t>
-            </a:r>
-          </a:p>
-          <a:p>
-            <a:pPr lvl="1"/>
-            <a:r>
-              <a:rPr lang="en-US" altLang="zh-CN" sz="2400"/>
-              <a:t>(maybe) bad for machine</a:t>
-            </a:r>
-          </a:p>
-          <a:p>
-            <a:pPr lvl="2"/>
-            <a:r>
-              <a:rPr lang="en-US" altLang="zh-CN" sz="2000"/>
-              <a:t>code maybe too slow</a:t>
-            </a:r>
-          </a:p>
-          <a:p>
-            <a:pPr lvl="1"/>
-            <a:r>
-              <a:rPr lang="en-US" altLang="zh-CN" sz="2400"/>
-              <a:t>both MS vc and GCC are bad in dealing this</a:t>
-            </a:r>
-          </a:p>
-          <a:p>
-            <a:pPr lvl="1"/>
-            <a:r>
-              <a:rPr lang="en-US" altLang="zh-CN" sz="2400"/>
-              <a:t>demand better compiler supports</a:t>
-            </a:r>
           </a:p>
         </p:txBody>
       </p:sp>
@@ -15132,10 +15227,10 @@
       </p:grpSpPr>
       <p:sp>
         <p:nvSpPr>
-          <p:cNvPr id="169986" name="Rectangle 2">
+          <p:cNvPr id="171010" name="Rectangle 2">
             <a:extLst>
               <a:ext uri="{FF2B5EF4-FFF2-40B4-BE49-F238E27FC236}">
-                <a16:creationId xmlns:a16="http://schemas.microsoft.com/office/drawing/2014/main" id="{BFCE9474-3912-5AF8-E637-3332C5248DBA}"/>
+                <a16:creationId xmlns:a16="http://schemas.microsoft.com/office/drawing/2014/main" id="{BB9DF818-F328-8CAA-C49F-3A3C9315F82A}"/>
               </a:ext>
             </a:extLst>
           </p:cNvPr>
@@ -15153,17 +15248,17 @@
           <a:p>
             <a:r>
               <a:rPr lang="en-US" altLang="zh-CN"/>
-              <a:t>Polymorphic Abstract Data Types in C</a:t>
+              <a:t>Functional List</a:t>
             </a:r>
           </a:p>
         </p:txBody>
       </p:sp>
       <p:sp>
         <p:nvSpPr>
-          <p:cNvPr id="169987" name="Rectangle 3">
+          <p:cNvPr id="171011" name="Rectangle 3">
             <a:extLst>
               <a:ext uri="{FF2B5EF4-FFF2-40B4-BE49-F238E27FC236}">
-                <a16:creationId xmlns:a16="http://schemas.microsoft.com/office/drawing/2014/main" id="{6E8179B5-7103-614E-1EC2-0C4A6B95233A}"/>
+                <a16:creationId xmlns:a16="http://schemas.microsoft.com/office/drawing/2014/main" id="{86BE791D-8BF6-DF2F-5D2B-47260869A007}"/>
               </a:ext>
             </a:extLst>
           </p:cNvPr>
@@ -15179,570 +15274,140 @@
           <a:bodyPr/>
           <a:lstStyle/>
           <a:p>
-            <a:pPr>
-              <a:lnSpc>
-                <a:spcPct val="80000"/>
-              </a:lnSpc>
-              <a:buFont typeface="Wingdings" pitchFamily="2" charset="2"/>
-              <a:buNone/>
-            </a:pPr>
-            <a:r>
-              <a:rPr lang="en-US" altLang="zh-CN" sz="2000" b="1" dirty="0">
-                <a:latin typeface="Courier New" panose="02070309020205020404" pitchFamily="49" charset="0"/>
-              </a:rPr>
-              <a:t>// recall the “</a:t>
-            </a:r>
-            <a:r>
-              <a:rPr lang="en-US" altLang="zh-CN" sz="2000" b="1" dirty="0" err="1">
-                <a:latin typeface="Courier New" panose="02070309020205020404" pitchFamily="49" charset="0"/>
-              </a:rPr>
-              <a:t>List_t</a:t>
-            </a:r>
-            <a:r>
-              <a:rPr lang="en-US" altLang="zh-CN" sz="2000" b="1" dirty="0">
-                <a:latin typeface="Courier New" panose="02070309020205020404" pitchFamily="49" charset="0"/>
-              </a:rPr>
-              <a:t>” ADT:</a:t>
-            </a:r>
-          </a:p>
-          <a:p>
-            <a:pPr>
-              <a:lnSpc>
-                <a:spcPct val="80000"/>
-              </a:lnSpc>
-              <a:buFont typeface="Wingdings" pitchFamily="2" charset="2"/>
-              <a:buNone/>
-            </a:pPr>
-            <a:r>
-              <a:rPr lang="en-US" altLang="zh-CN" sz="2000" b="1" dirty="0">
-                <a:solidFill>
-                  <a:schemeClr val="folHlink"/>
-                </a:solidFill>
-                <a:latin typeface="Courier New" panose="02070309020205020404" pitchFamily="49" charset="0"/>
-              </a:rPr>
-              <a:t>#</a:t>
-            </a:r>
-            <a:r>
-              <a:rPr lang="en-US" altLang="zh-CN" sz="2000" b="1" dirty="0" err="1">
-                <a:solidFill>
-                  <a:schemeClr val="folHlink"/>
-                </a:solidFill>
-                <a:latin typeface="Courier New" panose="02070309020205020404" pitchFamily="49" charset="0"/>
-              </a:rPr>
-              <a:t>ifndef</a:t>
-            </a:r>
-            <a:r>
-              <a:rPr lang="en-US" altLang="zh-CN" sz="2000" b="1" dirty="0">
-                <a:solidFill>
-                  <a:schemeClr val="folHlink"/>
-                </a:solidFill>
-                <a:latin typeface="Courier New" panose="02070309020205020404" pitchFamily="49" charset="0"/>
-              </a:rPr>
-              <a:t> LIST_H</a:t>
-            </a:r>
-          </a:p>
-          <a:p>
-            <a:pPr>
-              <a:lnSpc>
-                <a:spcPct val="80000"/>
-              </a:lnSpc>
-              <a:buFont typeface="Wingdings" pitchFamily="2" charset="2"/>
-              <a:buNone/>
-            </a:pPr>
-            <a:r>
-              <a:rPr lang="en-US" altLang="zh-CN" sz="2000" b="1" dirty="0">
-                <a:solidFill>
-                  <a:schemeClr val="folHlink"/>
-                </a:solidFill>
-                <a:latin typeface="Courier New" panose="02070309020205020404" pitchFamily="49" charset="0"/>
-              </a:rPr>
-              <a:t>#define LIST_H</a:t>
-            </a:r>
-          </a:p>
-          <a:p>
-            <a:pPr>
-              <a:lnSpc>
-                <a:spcPct val="80000"/>
-              </a:lnSpc>
-              <a:buFont typeface="Wingdings" pitchFamily="2" charset="2"/>
-              <a:buNone/>
-            </a:pPr>
-            <a:endParaRPr lang="en-US" altLang="zh-CN" sz="2000" b="1" dirty="0">
-              <a:solidFill>
-                <a:schemeClr val="folHlink"/>
-              </a:solidFill>
-              <a:latin typeface="Courier New" panose="02070309020205020404" pitchFamily="49" charset="0"/>
-            </a:endParaRPr>
-          </a:p>
-          <a:p>
-            <a:pPr>
-              <a:lnSpc>
-                <a:spcPct val="80000"/>
-              </a:lnSpc>
-              <a:buFont typeface="Wingdings" pitchFamily="2" charset="2"/>
-              <a:buNone/>
-            </a:pPr>
-            <a:r>
-              <a:rPr lang="en-US" altLang="zh-CN" sz="2000" b="1" dirty="0">
-                <a:solidFill>
-                  <a:schemeClr val="folHlink"/>
-                </a:solidFill>
-                <a:latin typeface="Courier New" panose="02070309020205020404" pitchFamily="49" charset="0"/>
-              </a:rPr>
-              <a:t>typedef void *poly;</a:t>
-            </a:r>
-          </a:p>
-          <a:p>
-            <a:pPr>
-              <a:lnSpc>
-                <a:spcPct val="80000"/>
-              </a:lnSpc>
-              <a:buFont typeface="Wingdings" pitchFamily="2" charset="2"/>
-              <a:buNone/>
-            </a:pPr>
-            <a:r>
-              <a:rPr lang="en-US" altLang="zh-CN" sz="2000" b="1" dirty="0">
-                <a:solidFill>
-                  <a:schemeClr val="folHlink"/>
-                </a:solidFill>
-                <a:latin typeface="Courier New" panose="02070309020205020404" pitchFamily="49" charset="0"/>
-              </a:rPr>
-              <a:t>typedef struct </a:t>
-            </a:r>
-            <a:r>
-              <a:rPr lang="en-US" altLang="zh-CN" sz="2000" b="1" dirty="0" err="1">
-                <a:solidFill>
-                  <a:schemeClr val="folHlink"/>
-                </a:solidFill>
-                <a:latin typeface="Courier New" panose="02070309020205020404" pitchFamily="49" charset="0"/>
-              </a:rPr>
-              <a:t>List_t</a:t>
-            </a:r>
-            <a:r>
-              <a:rPr lang="en-US" altLang="zh-CN" sz="2000" b="1" dirty="0">
-                <a:solidFill>
-                  <a:schemeClr val="folHlink"/>
-                </a:solidFill>
-                <a:latin typeface="Courier New" panose="02070309020205020404" pitchFamily="49" charset="0"/>
-              </a:rPr>
-              <a:t> *</a:t>
-            </a:r>
-            <a:r>
-              <a:rPr lang="en-US" altLang="zh-CN" sz="2000" b="1" dirty="0" err="1">
-                <a:solidFill>
-                  <a:schemeClr val="folHlink"/>
-                </a:solidFill>
-                <a:latin typeface="Courier New" panose="02070309020205020404" pitchFamily="49" charset="0"/>
-              </a:rPr>
-              <a:t>List_t</a:t>
-            </a:r>
-            <a:r>
-              <a:rPr lang="en-US" altLang="zh-CN" sz="2000" b="1" dirty="0">
-                <a:solidFill>
-                  <a:schemeClr val="folHlink"/>
-                </a:solidFill>
-                <a:latin typeface="Courier New" panose="02070309020205020404" pitchFamily="49" charset="0"/>
-              </a:rPr>
-              <a:t>;</a:t>
-            </a:r>
-          </a:p>
-          <a:p>
-            <a:pPr>
-              <a:lnSpc>
-                <a:spcPct val="80000"/>
-              </a:lnSpc>
-              <a:buFont typeface="Wingdings" pitchFamily="2" charset="2"/>
-              <a:buNone/>
-            </a:pPr>
-            <a:endParaRPr lang="en-US" altLang="zh-CN" sz="2000" b="1" dirty="0">
-              <a:solidFill>
-                <a:schemeClr val="folHlink"/>
-              </a:solidFill>
-              <a:latin typeface="Courier New" panose="02070309020205020404" pitchFamily="49" charset="0"/>
-            </a:endParaRPr>
-          </a:p>
-          <a:p>
-            <a:pPr>
-              <a:lnSpc>
-                <a:spcPct val="80000"/>
-              </a:lnSpc>
-              <a:buFont typeface="Wingdings" pitchFamily="2" charset="2"/>
-              <a:buNone/>
-            </a:pPr>
-            <a:r>
-              <a:rPr lang="en-US" altLang="zh-CN" sz="2000" b="1" dirty="0" err="1">
-                <a:solidFill>
-                  <a:schemeClr val="folHlink"/>
-                </a:solidFill>
-                <a:latin typeface="Courier New" panose="02070309020205020404" pitchFamily="49" charset="0"/>
-              </a:rPr>
-              <a:t>List_t</a:t>
-            </a:r>
-            <a:r>
-              <a:rPr lang="en-US" altLang="zh-CN" sz="2000" b="1" dirty="0">
-                <a:solidFill>
-                  <a:schemeClr val="folHlink"/>
-                </a:solidFill>
-                <a:latin typeface="Courier New" panose="02070309020205020404" pitchFamily="49" charset="0"/>
-              </a:rPr>
+            <a:r>
+              <a:rPr lang="en-US" altLang="zh-CN" dirty="0"/>
+              <a:t>A functional list is inductively defined:</a:t>
+            </a:r>
+          </a:p>
+          <a:p>
+            <a:pPr lvl="1"/>
+            <a:r>
+              <a:rPr lang="en-US" altLang="zh-CN" dirty="0"/>
+              <a:t>case #1: it is empty, or</a:t>
+            </a:r>
+          </a:p>
+          <a:p>
+            <a:pPr lvl="1"/>
+            <a:r>
+              <a:rPr lang="en-US" altLang="zh-CN" dirty="0"/>
+              <a:t>case #2: non-empty</a:t>
+            </a:r>
+            <a:r>
+              <a:rPr lang="zh-CN" altLang="en-US" dirty="0"/>
               <a:t> </a:t>
             </a:r>
             <a:r>
-              <a:rPr lang="en-US" altLang="zh-CN" sz="2000" b="1" dirty="0" err="1">
-                <a:solidFill>
-                  <a:schemeClr val="folHlink"/>
-                </a:solidFill>
-                <a:latin typeface="Courier New" panose="02070309020205020404" pitchFamily="49" charset="0"/>
-              </a:rPr>
-              <a:t>List_new</a:t>
-            </a:r>
-            <a:r>
-              <a:rPr lang="en-US" altLang="zh-CN" sz="2000" b="1" dirty="0">
-                <a:solidFill>
-                  <a:schemeClr val="folHlink"/>
-                </a:solidFill>
-                <a:latin typeface="Courier New" panose="02070309020205020404" pitchFamily="49" charset="0"/>
-              </a:rPr>
-              <a:t>();</a:t>
-            </a:r>
-          </a:p>
-          <a:p>
-            <a:pPr>
-              <a:lnSpc>
-                <a:spcPct val="80000"/>
-              </a:lnSpc>
-              <a:buFont typeface="Wingdings" pitchFamily="2" charset="2"/>
-              <a:buNone/>
-            </a:pPr>
-            <a:r>
-              <a:rPr lang="en-US" altLang="zh-CN" sz="2000" b="1" dirty="0">
-                <a:solidFill>
-                  <a:schemeClr val="folHlink"/>
-                </a:solidFill>
-                <a:latin typeface="Courier New" panose="02070309020205020404" pitchFamily="49" charset="0"/>
-              </a:rPr>
-              <a:t>int </a:t>
-            </a:r>
-            <a:r>
-              <a:rPr lang="en-US" altLang="zh-CN" sz="2000" b="1" dirty="0" err="1">
-                <a:solidFill>
-                  <a:schemeClr val="folHlink"/>
-                </a:solidFill>
-                <a:latin typeface="Courier New" panose="02070309020205020404" pitchFamily="49" charset="0"/>
-              </a:rPr>
-              <a:t>List_length</a:t>
-            </a:r>
-            <a:r>
-              <a:rPr lang="en-US" altLang="zh-CN" sz="2000" b="1" dirty="0">
-                <a:solidFill>
-                  <a:schemeClr val="folHlink"/>
-                </a:solidFill>
-                <a:latin typeface="Courier New" panose="02070309020205020404" pitchFamily="49" charset="0"/>
-              </a:rPr>
-              <a:t>(</a:t>
-            </a:r>
-            <a:r>
-              <a:rPr lang="en-US" altLang="zh-CN" sz="2000" b="1" dirty="0" err="1">
-                <a:solidFill>
-                  <a:schemeClr val="folHlink"/>
-                </a:solidFill>
-                <a:latin typeface="Courier New" panose="02070309020205020404" pitchFamily="49" charset="0"/>
-              </a:rPr>
-              <a:t>List_t</a:t>
-            </a:r>
-            <a:r>
-              <a:rPr lang="en-US" altLang="zh-CN" sz="2000" b="1" dirty="0">
-                <a:solidFill>
-                  <a:schemeClr val="folHlink"/>
-                </a:solidFill>
-                <a:latin typeface="Courier New" panose="02070309020205020404" pitchFamily="49" charset="0"/>
-              </a:rPr>
-              <a:t> l);</a:t>
-            </a:r>
-          </a:p>
-          <a:p>
-            <a:pPr>
-              <a:lnSpc>
-                <a:spcPct val="80000"/>
-              </a:lnSpc>
-              <a:buFont typeface="Wingdings" pitchFamily="2" charset="2"/>
-              <a:buNone/>
-            </a:pPr>
-            <a:r>
-              <a:rPr lang="en-US" altLang="zh-CN" sz="2000" b="1" dirty="0">
-                <a:solidFill>
-                  <a:schemeClr val="folHlink"/>
-                </a:solidFill>
-                <a:latin typeface="Courier New" panose="02070309020205020404" pitchFamily="49" charset="0"/>
-              </a:rPr>
-              <a:t>poly </a:t>
-            </a:r>
-            <a:r>
-              <a:rPr lang="en-US" altLang="zh-CN" sz="2000" b="1" dirty="0" err="1">
-                <a:solidFill>
-                  <a:schemeClr val="folHlink"/>
-                </a:solidFill>
-                <a:latin typeface="Courier New" panose="02070309020205020404" pitchFamily="49" charset="0"/>
-              </a:rPr>
-              <a:t>List_nth</a:t>
-            </a:r>
-            <a:r>
-              <a:rPr lang="en-US" altLang="zh-CN" sz="2000" b="1" dirty="0">
-                <a:solidFill>
-                  <a:schemeClr val="folHlink"/>
-                </a:solidFill>
-                <a:latin typeface="Courier New" panose="02070309020205020404" pitchFamily="49" charset="0"/>
-              </a:rPr>
-              <a:t>(</a:t>
-            </a:r>
-            <a:r>
-              <a:rPr lang="en-US" altLang="zh-CN" sz="2000" b="1" dirty="0" err="1">
-                <a:solidFill>
-                  <a:schemeClr val="folHlink"/>
-                </a:solidFill>
-                <a:latin typeface="Courier New" panose="02070309020205020404" pitchFamily="49" charset="0"/>
-              </a:rPr>
-              <a:t>List_t</a:t>
-            </a:r>
-            <a:r>
-              <a:rPr lang="en-US" altLang="zh-CN" sz="2000" b="1" dirty="0">
-                <a:solidFill>
-                  <a:schemeClr val="folHlink"/>
-                </a:solidFill>
-                <a:latin typeface="Courier New" panose="02070309020205020404" pitchFamily="49" charset="0"/>
-              </a:rPr>
-              <a:t> l, int n);</a:t>
-            </a:r>
-          </a:p>
-          <a:p>
-            <a:pPr>
-              <a:lnSpc>
-                <a:spcPct val="80000"/>
-              </a:lnSpc>
-              <a:buFont typeface="Wingdings" pitchFamily="2" charset="2"/>
-              <a:buNone/>
-            </a:pPr>
-            <a:r>
-              <a:rPr lang="en-US" altLang="zh-CN" sz="2000" b="1" dirty="0">
-                <a:solidFill>
-                  <a:schemeClr val="folHlink"/>
-                </a:solidFill>
-                <a:latin typeface="Courier New" panose="02070309020205020404" pitchFamily="49" charset="0"/>
-              </a:rPr>
-              <a:t>void </a:t>
-            </a:r>
-            <a:r>
-              <a:rPr lang="en-US" altLang="zh-CN" sz="2000" b="1" dirty="0" err="1">
-                <a:solidFill>
-                  <a:schemeClr val="folHlink"/>
-                </a:solidFill>
-                <a:latin typeface="Courier New" panose="02070309020205020404" pitchFamily="49" charset="0"/>
-              </a:rPr>
-              <a:t>List_insert</a:t>
-            </a:r>
-            <a:r>
-              <a:rPr lang="en-US" altLang="zh-CN" sz="2000" b="1" dirty="0">
-                <a:solidFill>
-                  <a:schemeClr val="folHlink"/>
-                </a:solidFill>
-                <a:latin typeface="Courier New" panose="02070309020205020404" pitchFamily="49" charset="0"/>
-              </a:rPr>
-              <a:t>(</a:t>
-            </a:r>
-            <a:r>
-              <a:rPr lang="en-US" altLang="zh-CN" sz="2000" b="1" dirty="0" err="1">
-                <a:solidFill>
-                  <a:schemeClr val="folHlink"/>
-                </a:solidFill>
-                <a:latin typeface="Courier New" panose="02070309020205020404" pitchFamily="49" charset="0"/>
-              </a:rPr>
-              <a:t>List_t</a:t>
-            </a:r>
-            <a:r>
-              <a:rPr lang="en-US" altLang="zh-CN" sz="2000" b="1" dirty="0">
-                <a:solidFill>
-                  <a:schemeClr val="folHlink"/>
-                </a:solidFill>
-                <a:latin typeface="Courier New" panose="02070309020205020404" pitchFamily="49" charset="0"/>
-              </a:rPr>
-              <a:t> l, poly x, int </a:t>
-            </a:r>
-            <a:r>
-              <a:rPr lang="en-US" altLang="zh-CN" sz="2000" b="1" dirty="0" err="1">
-                <a:solidFill>
-                  <a:schemeClr val="folHlink"/>
-                </a:solidFill>
-                <a:latin typeface="Courier New" panose="02070309020205020404" pitchFamily="49" charset="0"/>
-              </a:rPr>
-              <a:t>i</a:t>
-            </a:r>
-            <a:r>
-              <a:rPr lang="en-US" altLang="zh-CN" sz="2000" b="1" dirty="0">
-                <a:solidFill>
-                  <a:schemeClr val="folHlink"/>
-                </a:solidFill>
-                <a:latin typeface="Courier New" panose="02070309020205020404" pitchFamily="49" charset="0"/>
-              </a:rPr>
-              <a:t>);</a:t>
-            </a:r>
-          </a:p>
-          <a:p>
-            <a:pPr>
-              <a:lnSpc>
-                <a:spcPct val="80000"/>
-              </a:lnSpc>
-              <a:buFont typeface="Wingdings" pitchFamily="2" charset="2"/>
-              <a:buNone/>
-            </a:pPr>
-            <a:r>
-              <a:rPr lang="en-US" altLang="zh-CN" sz="2000" b="1" dirty="0">
-                <a:solidFill>
-                  <a:schemeClr val="folHlink"/>
-                </a:solidFill>
-                <a:latin typeface="Courier New" panose="02070309020205020404" pitchFamily="49" charset="0"/>
-              </a:rPr>
-              <a:t>poly </a:t>
-            </a:r>
-            <a:r>
-              <a:rPr lang="en-US" altLang="zh-CN" sz="2000" b="1" dirty="0" err="1">
-                <a:solidFill>
-                  <a:schemeClr val="folHlink"/>
-                </a:solidFill>
-                <a:latin typeface="Courier New" panose="02070309020205020404" pitchFamily="49" charset="0"/>
-              </a:rPr>
-              <a:t>List_delete</a:t>
-            </a:r>
-            <a:r>
-              <a:rPr lang="en-US" altLang="zh-CN" sz="2000" b="1" dirty="0">
-                <a:solidFill>
-                  <a:schemeClr val="folHlink"/>
-                </a:solidFill>
-                <a:latin typeface="Courier New" panose="02070309020205020404" pitchFamily="49" charset="0"/>
-              </a:rPr>
-              <a:t>(</a:t>
-            </a:r>
-            <a:r>
-              <a:rPr lang="en-US" altLang="zh-CN" sz="2000" b="1" dirty="0" err="1">
-                <a:solidFill>
-                  <a:schemeClr val="folHlink"/>
-                </a:solidFill>
-                <a:latin typeface="Courier New" panose="02070309020205020404" pitchFamily="49" charset="0"/>
-              </a:rPr>
-              <a:t>List_t</a:t>
-            </a:r>
-            <a:r>
-              <a:rPr lang="en-US" altLang="zh-CN" sz="2000" b="1" dirty="0">
-                <a:solidFill>
-                  <a:schemeClr val="folHlink"/>
-                </a:solidFill>
-                <a:latin typeface="Courier New" panose="02070309020205020404" pitchFamily="49" charset="0"/>
-              </a:rPr>
-              <a:t> l, int </a:t>
-            </a:r>
-            <a:r>
-              <a:rPr lang="en-US" altLang="zh-CN" sz="2000" b="1" dirty="0" err="1">
-                <a:solidFill>
-                  <a:schemeClr val="folHlink"/>
-                </a:solidFill>
-                <a:latin typeface="Courier New" panose="02070309020205020404" pitchFamily="49" charset="0"/>
-              </a:rPr>
-              <a:t>i</a:t>
-            </a:r>
-            <a:r>
-              <a:rPr lang="en-US" altLang="zh-CN" sz="2000" b="1" dirty="0">
-                <a:solidFill>
-                  <a:schemeClr val="folHlink"/>
-                </a:solidFill>
-                <a:latin typeface="Courier New" panose="02070309020205020404" pitchFamily="49" charset="0"/>
-              </a:rPr>
-              <a:t>);</a:t>
-            </a:r>
-          </a:p>
-          <a:p>
-            <a:pPr>
-              <a:lnSpc>
-                <a:spcPct val="80000"/>
-              </a:lnSpc>
-              <a:buFont typeface="Wingdings" pitchFamily="2" charset="2"/>
-              <a:buNone/>
-            </a:pPr>
-            <a:r>
-              <a:rPr lang="en-US" altLang="zh-CN" sz="2000" b="1" dirty="0">
-                <a:solidFill>
-                  <a:schemeClr val="folHlink"/>
-                </a:solidFill>
-                <a:latin typeface="Courier New" panose="02070309020205020404" pitchFamily="49" charset="0"/>
-              </a:rPr>
-              <a:t>void </a:t>
-            </a:r>
-            <a:r>
-              <a:rPr lang="en-US" altLang="zh-CN" sz="2000" b="1" dirty="0" err="1">
-                <a:solidFill>
-                  <a:schemeClr val="folHlink"/>
-                </a:solidFill>
-                <a:latin typeface="Courier New" panose="02070309020205020404" pitchFamily="49" charset="0"/>
-              </a:rPr>
-              <a:t>List_foreach</a:t>
-            </a:r>
-            <a:r>
-              <a:rPr lang="en-US" altLang="zh-CN" sz="2000" b="1" dirty="0">
-                <a:solidFill>
-                  <a:schemeClr val="folHlink"/>
-                </a:solidFill>
-                <a:latin typeface="Courier New" panose="02070309020205020404" pitchFamily="49" charset="0"/>
-              </a:rPr>
-              <a:t>(</a:t>
-            </a:r>
-            <a:r>
-              <a:rPr lang="en-US" altLang="zh-CN" sz="2000" b="1" dirty="0" err="1">
-                <a:solidFill>
-                  <a:schemeClr val="folHlink"/>
-                </a:solidFill>
-                <a:latin typeface="Courier New" panose="02070309020205020404" pitchFamily="49" charset="0"/>
-              </a:rPr>
-              <a:t>List_t</a:t>
-            </a:r>
-            <a:r>
-              <a:rPr lang="en-US" altLang="zh-CN" sz="2000" b="1" dirty="0">
-                <a:solidFill>
-                  <a:schemeClr val="folHlink"/>
-                </a:solidFill>
-                <a:latin typeface="Courier New" panose="02070309020205020404" pitchFamily="49" charset="0"/>
-              </a:rPr>
-              <a:t> l, void (*f)(poly));</a:t>
-            </a:r>
-          </a:p>
-          <a:p>
-            <a:pPr>
-              <a:lnSpc>
-                <a:spcPct val="80000"/>
-              </a:lnSpc>
-              <a:buFont typeface="Wingdings" pitchFamily="2" charset="2"/>
-              <a:buNone/>
-            </a:pPr>
-            <a:endParaRPr lang="en-US" altLang="zh-CN" sz="2000" b="1" dirty="0">
-              <a:solidFill>
-                <a:schemeClr val="folHlink"/>
-              </a:solidFill>
-              <a:latin typeface="Courier New" panose="02070309020205020404" pitchFamily="49" charset="0"/>
-            </a:endParaRPr>
-          </a:p>
-          <a:p>
-            <a:pPr>
-              <a:lnSpc>
-                <a:spcPct val="80000"/>
-              </a:lnSpc>
-              <a:buFont typeface="Wingdings" pitchFamily="2" charset="2"/>
-              <a:buNone/>
-            </a:pPr>
-            <a:r>
-              <a:rPr lang="en-US" altLang="zh-CN" sz="2000" b="1" dirty="0">
-                <a:solidFill>
-                  <a:schemeClr val="folHlink"/>
-                </a:solidFill>
-                <a:latin typeface="Courier New" panose="02070309020205020404" pitchFamily="49" charset="0"/>
-              </a:rPr>
-              <a:t>#endif</a:t>
+              <a:rPr lang="en-US" altLang="zh-CN" dirty="0"/>
+              <a:t>with</a:t>
+            </a:r>
+            <a:r>
+              <a:rPr lang="zh-CN" altLang="en-US" dirty="0"/>
+              <a:t> </a:t>
+            </a:r>
+            <a:r>
+              <a:rPr lang="en-US" altLang="zh-CN" dirty="0"/>
+              <a:t>a head element and a tail of another smaller list</a:t>
+            </a:r>
+          </a:p>
+          <a:p>
+            <a:pPr lvl="2"/>
+            <a:r>
+              <a:rPr lang="en-US" altLang="zh-CN" dirty="0">
+                <a:solidFill>
+                  <a:srgbClr val="0432FF"/>
+                </a:solidFill>
+              </a:rPr>
+              <a:t>(x1, (x2, (x3, </a:t>
+            </a:r>
+            <a:r>
+              <a:rPr lang="en-US" altLang="zh-CN" dirty="0">
+                <a:solidFill>
+                  <a:srgbClr val="0432FF"/>
+                </a:solidFill>
+                <a:latin typeface="Helvetica" pitchFamily="2" charset="0"/>
+              </a:rPr>
+              <a:t>…</a:t>
+            </a:r>
+            <a:r>
+              <a:rPr lang="en-US" altLang="zh-CN" dirty="0">
+                <a:solidFill>
+                  <a:srgbClr val="0432FF"/>
+                </a:solidFill>
+              </a:rPr>
+              <a:t>)))</a:t>
+            </a:r>
+          </a:p>
+          <a:p>
+            <a:pPr lvl="3"/>
+            <a:r>
+              <a:rPr lang="en-US" altLang="zh-CN" dirty="0"/>
+              <a:t>head: </a:t>
+            </a:r>
+            <a:r>
+              <a:rPr lang="en-US" altLang="zh-CN" dirty="0">
+                <a:solidFill>
+                  <a:srgbClr val="0432FF"/>
+                </a:solidFill>
+              </a:rPr>
+              <a:t>x1</a:t>
+            </a:r>
+          </a:p>
+          <a:p>
+            <a:pPr lvl="3"/>
+            <a:r>
+              <a:rPr lang="en-US" altLang="zh-CN" dirty="0"/>
+              <a:t>tail: </a:t>
+            </a:r>
+            <a:r>
+              <a:rPr lang="en-US" altLang="zh-CN" dirty="0">
+                <a:solidFill>
+                  <a:srgbClr val="0432FF"/>
+                </a:solidFill>
+              </a:rPr>
+              <a:t>(x2, (x3, </a:t>
+            </a:r>
+            <a:r>
+              <a:rPr lang="en-US" altLang="zh-CN" dirty="0">
+                <a:solidFill>
+                  <a:srgbClr val="0432FF"/>
+                </a:solidFill>
+                <a:latin typeface="Helvetica" pitchFamily="2" charset="0"/>
+              </a:rPr>
+              <a:t>…</a:t>
+            </a:r>
+            <a:r>
+              <a:rPr lang="en-US" altLang="zh-CN" dirty="0">
+                <a:solidFill>
+                  <a:srgbClr val="0432FF"/>
+                </a:solidFill>
+              </a:rPr>
+              <a:t>))</a:t>
+            </a:r>
+          </a:p>
+          <a:p>
+            <a:r>
+              <a:rPr lang="en-US" altLang="zh-CN" dirty="0"/>
+              <a:t>Next, we sometimes write </a:t>
+            </a:r>
+            <a:r>
+              <a:rPr lang="en-US" altLang="zh-CN" dirty="0">
+                <a:latin typeface="Helvetica" pitchFamily="2" charset="0"/>
+              </a:rPr>
+              <a:t>“</a:t>
+            </a:r>
+            <a:r>
+              <a:rPr lang="en-US" altLang="zh-CN" dirty="0"/>
+              <a:t>list</a:t>
+            </a:r>
+            <a:r>
+              <a:rPr lang="en-US" altLang="zh-CN" dirty="0">
+                <a:latin typeface="Helvetica" pitchFamily="2" charset="0"/>
+              </a:rPr>
+              <a:t>”</a:t>
+            </a:r>
+            <a:r>
+              <a:rPr lang="en-US" altLang="zh-CN" dirty="0"/>
+              <a:t> for simplicity</a:t>
             </a:r>
           </a:p>
         </p:txBody>
@@ -15774,10 +15439,10 @@
       </p:grpSpPr>
       <p:sp>
         <p:nvSpPr>
-          <p:cNvPr id="171010" name="Rectangle 2">
+          <p:cNvPr id="260098" name="Rectangle 2">
             <a:extLst>
               <a:ext uri="{FF2B5EF4-FFF2-40B4-BE49-F238E27FC236}">
-                <a16:creationId xmlns:a16="http://schemas.microsoft.com/office/drawing/2014/main" id="{BB9DF818-F328-8CAA-C49F-3A3C9315F82A}"/>
+                <a16:creationId xmlns:a16="http://schemas.microsoft.com/office/drawing/2014/main" id="{2F99F847-D729-65D8-9EF5-60EF29010F2D}"/>
               </a:ext>
             </a:extLst>
           </p:cNvPr>
@@ -15795,17 +15460,17 @@
           <a:p>
             <a:r>
               <a:rPr lang="en-US" altLang="zh-CN"/>
-              <a:t>Functional List</a:t>
+              <a:t>Mathematical Notation</a:t>
             </a:r>
           </a:p>
         </p:txBody>
       </p:sp>
       <p:sp>
         <p:nvSpPr>
-          <p:cNvPr id="171011" name="Rectangle 3">
+          <p:cNvPr id="260099" name="Rectangle 3">
             <a:extLst>
               <a:ext uri="{FF2B5EF4-FFF2-40B4-BE49-F238E27FC236}">
-                <a16:creationId xmlns:a16="http://schemas.microsoft.com/office/drawing/2014/main" id="{86BE791D-8BF6-DF2F-5D2B-47260869A007}"/>
+                <a16:creationId xmlns:a16="http://schemas.microsoft.com/office/drawing/2014/main" id="{CF1BD9DE-EC0D-29A8-9E0F-4D31E1BCFF2B}"/>
               </a:ext>
             </a:extLst>
           </p:cNvPr>
@@ -15840,106 +15505,92 @@
               <a:t>case #2: a head element and a tail of another smaller list</a:t>
             </a:r>
           </a:p>
-          <a:p>
-            <a:pPr lvl="2"/>
-            <a:r>
-              <a:rPr lang="en-US" altLang="zh-CN">
-                <a:solidFill>
-                  <a:schemeClr val="folHlink"/>
-                </a:solidFill>
-              </a:rPr>
-              <a:t>(x1, (x2, (x3, </a:t>
-            </a:r>
-            <a:r>
-              <a:rPr lang="en-US" altLang="zh-CN">
-                <a:solidFill>
-                  <a:schemeClr val="folHlink"/>
-                </a:solidFill>
-                <a:latin typeface="Helvetica" pitchFamily="2" charset="0"/>
-              </a:rPr>
-              <a:t>…</a:t>
-            </a:r>
-            <a:r>
-              <a:rPr lang="en-US" altLang="zh-CN">
-                <a:solidFill>
-                  <a:schemeClr val="folHlink"/>
-                </a:solidFill>
-              </a:rPr>
-              <a:t>)))</a:t>
-            </a:r>
-          </a:p>
-          <a:p>
-            <a:pPr lvl="2"/>
-            <a:r>
-              <a:rPr lang="en-US" altLang="zh-CN"/>
-              <a:t>head: </a:t>
-            </a:r>
-            <a:r>
-              <a:rPr lang="en-US" altLang="zh-CN">
-                <a:solidFill>
-                  <a:schemeClr val="folHlink"/>
-                </a:solidFill>
-              </a:rPr>
-              <a:t>x1</a:t>
-            </a:r>
-            <a:r>
-              <a:rPr lang="en-US" altLang="zh-CN"/>
-              <a:t>;   tail: </a:t>
-            </a:r>
-            <a:r>
-              <a:rPr lang="en-US" altLang="zh-CN">
-                <a:solidFill>
-                  <a:schemeClr val="folHlink"/>
-                </a:solidFill>
-              </a:rPr>
-              <a:t>(x2, (x3, </a:t>
-            </a:r>
-            <a:r>
-              <a:rPr lang="en-US" altLang="zh-CN">
-                <a:solidFill>
-                  <a:schemeClr val="folHlink"/>
-                </a:solidFill>
-                <a:latin typeface="Helvetica" pitchFamily="2" charset="0"/>
-              </a:rPr>
-              <a:t>…</a:t>
-            </a:r>
-            <a:r>
-              <a:rPr lang="en-US" altLang="zh-CN">
-                <a:solidFill>
-                  <a:schemeClr val="folHlink"/>
-                </a:solidFill>
-              </a:rPr>
-              <a:t>))</a:t>
-            </a:r>
-          </a:p>
-          <a:p>
-            <a:r>
-              <a:rPr lang="en-US" altLang="zh-CN"/>
-              <a:t>Next, we sometimes say </a:t>
-            </a:r>
-            <a:r>
-              <a:rPr lang="en-US" altLang="zh-CN">
-                <a:latin typeface="Helvetica" pitchFamily="2" charset="0"/>
-              </a:rPr>
-              <a:t>“</a:t>
-            </a:r>
-            <a:r>
-              <a:rPr lang="en-US" altLang="zh-CN"/>
-              <a:t>list</a:t>
-            </a:r>
-            <a:r>
-              <a:rPr lang="en-US" altLang="zh-CN">
-                <a:latin typeface="Helvetica" pitchFamily="2" charset="0"/>
-              </a:rPr>
-              <a:t>”</a:t>
-            </a:r>
-            <a:r>
-              <a:rPr lang="en-US" altLang="zh-CN"/>
-              <a:t> for simplicity</a:t>
-            </a:r>
-          </a:p>
         </p:txBody>
       </p:sp>
+      <p:pic>
+        <p:nvPicPr>
+          <p:cNvPr id="260113" name="Picture 17">
+            <a:extLst>
+              <a:ext uri="{FF2B5EF4-FFF2-40B4-BE49-F238E27FC236}">
+                <a16:creationId xmlns:a16="http://schemas.microsoft.com/office/drawing/2014/main" id="{5DE6D94E-D182-86AB-A7C4-DBA9712AEC4B}"/>
+              </a:ext>
+            </a:extLst>
+          </p:cNvPr>
+          <p:cNvPicPr>
+            <a:picLocks noChangeAspect="1" noChangeArrowheads="1"/>
+          </p:cNvPicPr>
+          <p:nvPr>
+            <p:custDataLst>
+              <p:tags r:id="rId1"/>
+            </p:custDataLst>
+          </p:nvPr>
+        </p:nvPicPr>
+        <p:blipFill>
+          <a:blip r:embed="rId3">
+            <a:clrChange>
+              <a:clrFrom>
+                <a:srgbClr val="FFFFFF"/>
+              </a:clrFrom>
+              <a:clrTo>
+                <a:srgbClr val="FFFFFF">
+                  <a:alpha val="0"/>
+                </a:srgbClr>
+              </a:clrTo>
+            </a:clrChange>
+            <a:extLst>
+              <a:ext uri="{28A0092B-C50C-407E-A947-70E740481C1C}">
+                <a14:useLocalDpi xmlns:a14="http://schemas.microsoft.com/office/drawing/2010/main" val="0"/>
+              </a:ext>
+            </a:extLst>
+          </a:blip>
+          <a:srcRect/>
+          <a:stretch>
+            <a:fillRect/>
+          </a:stretch>
+        </p:blipFill>
+        <p:spPr bwMode="auto">
+          <a:xfrm>
+            <a:off x="2133600" y="4724400"/>
+            <a:ext cx="3987800" cy="1714500"/>
+          </a:xfrm>
+          <a:prstGeom prst="rect">
+            <a:avLst/>
+          </a:prstGeom>
+          <a:noFill/>
+          <a:ln>
+            <a:noFill/>
+          </a:ln>
+          <a:effectLst/>
+          <a:extLst>
+            <a:ext uri="{909E8E84-426E-40DD-AFC4-6F175D3DCCD1}">
+              <a14:hiddenFill xmlns:a14="http://schemas.microsoft.com/office/drawing/2010/main">
+                <a:solidFill>
+                  <a:schemeClr val="accent1"/>
+                </a:solidFill>
+              </a14:hiddenFill>
+            </a:ext>
+            <a:ext uri="{91240B29-F687-4F45-9708-019B960494DF}">
+              <a14:hiddenLine xmlns:a14="http://schemas.microsoft.com/office/drawing/2010/main" w="9525">
+                <a:solidFill>
+                  <a:schemeClr val="tx1"/>
+                </a:solidFill>
+                <a:miter lim="800000"/>
+                <a:headEnd/>
+                <a:tailEnd/>
+              </a14:hiddenLine>
+            </a:ext>
+            <a:ext uri="{AF507438-7753-43E0-B8FC-AC1667EBCBE1}">
+              <a14:hiddenEffects xmlns:a14="http://schemas.microsoft.com/office/drawing/2010/main">
+                <a:effectLst>
+                  <a:outerShdw dist="35921" dir="2700000" algn="ctr" rotWithShape="0">
+                    <a:schemeClr val="bg2"/>
+                  </a:outerShdw>
+                </a:effectLst>
+              </a14:hiddenEffects>
+            </a:ext>
+          </a:extLst>
+        </p:spPr>
+      </p:pic>
     </p:spTree>
   </p:cSld>
   <p:clrMapOvr>
@@ -15967,10 +15618,10 @@
       </p:grpSpPr>
       <p:sp>
         <p:nvSpPr>
-          <p:cNvPr id="260098" name="Rectangle 2">
+          <p:cNvPr id="259074" name="Rectangle 2">
             <a:extLst>
               <a:ext uri="{FF2B5EF4-FFF2-40B4-BE49-F238E27FC236}">
-                <a16:creationId xmlns:a16="http://schemas.microsoft.com/office/drawing/2014/main" id="{2F99F847-D729-65D8-9EF5-60EF29010F2D}"/>
+                <a16:creationId xmlns:a16="http://schemas.microsoft.com/office/drawing/2014/main" id="{8FE0A6E4-6B4E-AAFF-F96B-A5E1476A669D}"/>
               </a:ext>
             </a:extLst>
           </p:cNvPr>
@@ -15988,17 +15639,17 @@
           <a:p>
             <a:r>
               <a:rPr lang="en-US" altLang="zh-CN"/>
-              <a:t>Mathematical Notation</a:t>
+              <a:t>Data Structure</a:t>
             </a:r>
           </a:p>
         </p:txBody>
       </p:sp>
       <p:sp>
         <p:nvSpPr>
-          <p:cNvPr id="260099" name="Rectangle 3">
+          <p:cNvPr id="259075" name="Rectangle 3">
             <a:extLst>
               <a:ext uri="{FF2B5EF4-FFF2-40B4-BE49-F238E27FC236}">
-                <a16:creationId xmlns:a16="http://schemas.microsoft.com/office/drawing/2014/main" id="{CF1BD9DE-EC0D-29A8-9E0F-4D31E1BCFF2B}"/>
+                <a16:creationId xmlns:a16="http://schemas.microsoft.com/office/drawing/2014/main" id="{4E642662-50E2-AB32-87A3-08CE0A6B28E5}"/>
               </a:ext>
             </a:extLst>
           </p:cNvPr>
@@ -16015,110 +15666,46 @@
           <a:lstStyle/>
           <a:p>
             <a:r>
-              <a:rPr lang="en-US" altLang="zh-CN"/>
-              <a:t>A functional list is inductively defined:</a:t>
+              <a:rPr lang="en-US" altLang="zh-CN" dirty="0"/>
+              <a:t>We use a pointer </a:t>
+            </a:r>
+            <a:r>
+              <a:rPr lang="en-US" altLang="zh-CN" dirty="0">
+                <a:latin typeface="Helvetica" pitchFamily="2" charset="0"/>
+              </a:rPr>
+              <a:t>“</a:t>
+            </a:r>
+            <a:r>
+              <a:rPr lang="en-US" altLang="zh-CN" dirty="0"/>
+              <a:t>p</a:t>
+            </a:r>
+            <a:r>
+              <a:rPr lang="en-US" altLang="zh-CN" dirty="0">
+                <a:latin typeface="Helvetica" pitchFamily="2" charset="0"/>
+              </a:rPr>
+              <a:t>”</a:t>
+            </a:r>
+            <a:r>
+              <a:rPr lang="en-US" altLang="zh-CN" dirty="0"/>
+              <a:t> to point to a list:</a:t>
             </a:r>
           </a:p>
           <a:p>
             <a:pPr lvl="1"/>
             <a:r>
-              <a:rPr lang="en-US" altLang="zh-CN"/>
-              <a:t>case #1: it is empty, or</a:t>
+              <a:rPr lang="en-US" altLang="zh-CN" dirty="0"/>
+              <a:t>case #1: NIL, empty list</a:t>
             </a:r>
           </a:p>
           <a:p>
             <a:pPr lvl="1"/>
             <a:r>
-              <a:rPr lang="en-US" altLang="zh-CN"/>
-              <a:t>case #2: a head element and a tail of another smaller list</a:t>
+              <a:rPr lang="en-US" altLang="zh-CN" dirty="0"/>
+              <a:t>case #2: CONS, head::tail, </a:t>
             </a:r>
           </a:p>
         </p:txBody>
       </p:sp>
-      <p:pic>
-        <p:nvPicPr>
-          <p:cNvPr id="260113" name="Picture 17">
-            <a:extLst>
-              <a:ext uri="{FF2B5EF4-FFF2-40B4-BE49-F238E27FC236}">
-                <a16:creationId xmlns:a16="http://schemas.microsoft.com/office/drawing/2014/main" id="{5DE6D94E-D182-86AB-A7C4-DBA9712AEC4B}"/>
-              </a:ext>
-            </a:extLst>
-          </p:cNvPr>
-          <p:cNvPicPr>
-            <a:picLocks noChangeAspect="1" noChangeArrowheads="1"/>
-          </p:cNvPicPr>
-          <p:nvPr>
-            <p:custDataLst>
-              <p:tags r:id="rId1"/>
-            </p:custDataLst>
-          </p:nvPr>
-        </p:nvPicPr>
-        <p:blipFill>
-          <a:blip r:embed="rId3">
-            <a:clrChange>
-              <a:clrFrom>
-                <a:srgbClr val="FFFFFF"/>
-              </a:clrFrom>
-              <a:clrTo>
-                <a:srgbClr val="FFFFFF">
-                  <a:alpha val="0"/>
-                </a:srgbClr>
-              </a:clrTo>
-            </a:clrChange>
-            <a:extLst>
-              <a:ext uri="{28A0092B-C50C-407E-A947-70E740481C1C}">
-                <a14:useLocalDpi xmlns:a14="http://schemas.microsoft.com/office/drawing/2010/main" val="0"/>
-              </a:ext>
-            </a:extLst>
-          </a:blip>
-          <a:srcRect/>
-          <a:stretch>
-            <a:fillRect/>
-          </a:stretch>
-        </p:blipFill>
-        <p:spPr bwMode="auto">
-          <a:xfrm>
-            <a:off x="2133600" y="4724400"/>
-            <a:ext cx="3987800" cy="1714500"/>
-          </a:xfrm>
-          <a:prstGeom prst="rect">
-            <a:avLst/>
-          </a:prstGeom>
-          <a:noFill/>
-          <a:ln>
-            <a:noFill/>
-          </a:ln>
-          <a:effectLst/>
-          <a:extLst>
-            <a:ext uri="{909E8E84-426E-40DD-AFC4-6F175D3DCCD1}">
-              <a14:hiddenFill xmlns:a14="http://schemas.microsoft.com/office/drawing/2010/main">
-                <a:solidFill>
-                  <a:schemeClr val="accent1"/>
-                </a:solidFill>
-              </a14:hiddenFill>
-            </a:ext>
-            <a:ext uri="{91240B29-F687-4F45-9708-019B960494DF}">
-              <a14:hiddenLine xmlns:a14="http://schemas.microsoft.com/office/drawing/2010/main" w="9525">
-                <a:solidFill>
-                  <a:schemeClr val="tx1"/>
-                </a:solidFill>
-                <a:miter lim="800000"/>
-                <a:headEnd/>
-                <a:tailEnd/>
-              </a14:hiddenLine>
-            </a:ext>
-            <a:ext uri="{AF507438-7753-43E0-B8FC-AC1667EBCBE1}">
-              <a14:hiddenEffects xmlns:a14="http://schemas.microsoft.com/office/drawing/2010/main">
-                <a:effectLst>
-                  <a:outerShdw dist="35921" dir="2700000" algn="ctr" rotWithShape="0">
-                    <a:schemeClr val="bg2"/>
-                  </a:outerShdw>
-                </a:effectLst>
-              </a14:hiddenEffects>
-            </a:ext>
-          </a:extLst>
-        </p:spPr>
-      </p:pic>
     </p:spTree>
   </p:cSld>
   <p:clrMapOvr>
@@ -16146,10 +15733,10 @@
       </p:grpSpPr>
       <p:sp>
         <p:nvSpPr>
-          <p:cNvPr id="259074" name="Rectangle 2">
+          <p:cNvPr id="189442" name="Rectangle 2">
             <a:extLst>
               <a:ext uri="{FF2B5EF4-FFF2-40B4-BE49-F238E27FC236}">
-                <a16:creationId xmlns:a16="http://schemas.microsoft.com/office/drawing/2014/main" id="{8FE0A6E4-6B4E-AAFF-F96B-A5E1476A669D}"/>
+                <a16:creationId xmlns:a16="http://schemas.microsoft.com/office/drawing/2014/main" id="{1590C8AE-8192-D1B0-C3CD-35B3D9E1D315}"/>
               </a:ext>
             </a:extLst>
           </p:cNvPr>
@@ -16167,17 +15754,17 @@
           <a:p>
             <a:r>
               <a:rPr lang="en-US" altLang="zh-CN"/>
-              <a:t>Data Structure</a:t>
+              <a:t>Implementation</a:t>
             </a:r>
           </a:p>
         </p:txBody>
       </p:sp>
       <p:sp>
         <p:nvSpPr>
-          <p:cNvPr id="259075" name="Rectangle 3">
+          <p:cNvPr id="189443" name="Rectangle 3">
             <a:extLst>
               <a:ext uri="{FF2B5EF4-FFF2-40B4-BE49-F238E27FC236}">
-                <a16:creationId xmlns:a16="http://schemas.microsoft.com/office/drawing/2014/main" id="{4E642662-50E2-AB32-87A3-08CE0A6B28E5}"/>
+                <a16:creationId xmlns:a16="http://schemas.microsoft.com/office/drawing/2014/main" id="{56819445-7FD3-9F88-691F-72E29E0E0819}"/>
               </a:ext>
             </a:extLst>
           </p:cNvPr>
@@ -16193,44 +15780,466 @@
           <a:bodyPr/>
           <a:lstStyle/>
           <a:p>
-            <a:r>
-              <a:rPr lang="en-US" altLang="zh-CN" dirty="0"/>
-              <a:t>We use a pointer </a:t>
-            </a:r>
-            <a:r>
-              <a:rPr lang="en-US" altLang="zh-CN" dirty="0">
-                <a:latin typeface="Helvetica" pitchFamily="2" charset="0"/>
-              </a:rPr>
-              <a:t>“</a:t>
-            </a:r>
-            <a:r>
-              <a:rPr lang="en-US" altLang="zh-CN" dirty="0"/>
-              <a:t>p</a:t>
-            </a:r>
-            <a:r>
-              <a:rPr lang="en-US" altLang="zh-CN" dirty="0">
-                <a:latin typeface="Helvetica" pitchFamily="2" charset="0"/>
+            <a:pPr>
+              <a:lnSpc>
+                <a:spcPct val="90000"/>
+              </a:lnSpc>
+              <a:buFont typeface="Wingdings" pitchFamily="2" charset="2"/>
+              <a:buNone/>
+            </a:pPr>
+            <a:r>
+              <a:rPr lang="en-US" altLang="zh-CN" sz="2000" b="1" dirty="0">
+                <a:latin typeface="Courier New" panose="02070309020205020404" pitchFamily="49" charset="0"/>
+              </a:rPr>
+              <a:t>// We</a:t>
+            </a:r>
+            <a:r>
+              <a:rPr lang="zh-CN" altLang="en-US" sz="2000" b="1" dirty="0">
+                <a:latin typeface="Courier New" panose="02070309020205020404" pitchFamily="49" charset="0"/>
+              </a:rPr>
+              <a:t> </a:t>
+            </a:r>
+            <a:r>
+              <a:rPr lang="en-US" altLang="zh-CN" sz="2000" b="1" dirty="0">
+                <a:latin typeface="Courier New" panose="02070309020205020404" pitchFamily="49" charset="0"/>
+              </a:rPr>
+              <a:t>use</a:t>
+            </a:r>
+            <a:r>
+              <a:rPr lang="zh-CN" altLang="en-US" sz="2000" b="1" dirty="0">
+                <a:latin typeface="Courier New" panose="02070309020205020404" pitchFamily="49" charset="0"/>
+              </a:rPr>
+              <a:t> </a:t>
+            </a:r>
+            <a:r>
+              <a:rPr lang="en-US" altLang="zh-CN" sz="2000" b="1" dirty="0">
+                <a:latin typeface="Courier New" panose="02070309020205020404" pitchFamily="49" charset="0"/>
+              </a:rPr>
+              <a:t>tagged</a:t>
+            </a:r>
+            <a:r>
+              <a:rPr lang="zh-CN" altLang="en-US" sz="2000" b="1" dirty="0">
+                <a:latin typeface="Courier New" panose="02070309020205020404" pitchFamily="49" charset="0"/>
+              </a:rPr>
+              <a:t> </a:t>
+            </a:r>
+            <a:r>
+              <a:rPr lang="en-US" altLang="zh-CN" sz="2000" b="1" dirty="0">
+                <a:latin typeface="Courier New" panose="02070309020205020404" pitchFamily="49" charset="0"/>
+              </a:rPr>
+              <a:t>union</a:t>
+            </a:r>
+            <a:r>
+              <a:rPr lang="zh-CN" altLang="en-US" sz="2000" b="1" dirty="0">
+                <a:latin typeface="Courier New" panose="02070309020205020404" pitchFamily="49" charset="0"/>
+              </a:rPr>
+              <a:t> </a:t>
+            </a:r>
+            <a:r>
+              <a:rPr lang="en-US" altLang="zh-CN" sz="2000" b="1" dirty="0">
+                <a:latin typeface="Courier New" panose="02070309020205020404" pitchFamily="49" charset="0"/>
+              </a:rPr>
+              <a:t>data</a:t>
+            </a:r>
+            <a:r>
+              <a:rPr lang="zh-CN" altLang="en-US" sz="2000" b="1" dirty="0">
+                <a:latin typeface="Courier New" panose="02070309020205020404" pitchFamily="49" charset="0"/>
+              </a:rPr>
+              <a:t> </a:t>
+            </a:r>
+            <a:r>
+              <a:rPr lang="en-US" altLang="zh-CN" sz="2000" b="1" dirty="0">
+                <a:latin typeface="Courier New" panose="02070309020205020404" pitchFamily="49" charset="0"/>
+              </a:rPr>
+              <a:t>structure:</a:t>
+            </a:r>
+          </a:p>
+          <a:p>
+            <a:pPr>
+              <a:lnSpc>
+                <a:spcPct val="90000"/>
+              </a:lnSpc>
+              <a:buFont typeface="Wingdings" pitchFamily="2" charset="2"/>
+              <a:buNone/>
+            </a:pPr>
+            <a:r>
+              <a:rPr lang="en-US" altLang="zh-CN" sz="2000" b="1" dirty="0">
+                <a:latin typeface="Courier New" panose="02070309020205020404" pitchFamily="49" charset="0"/>
+              </a:rPr>
+              <a:t>// in file “fun-</a:t>
+            </a:r>
+            <a:r>
+              <a:rPr lang="en-US" altLang="zh-CN" sz="2000" b="1" dirty="0" err="1">
+                <a:latin typeface="Courier New" panose="02070309020205020404" pitchFamily="49" charset="0"/>
+              </a:rPr>
+              <a:t>list.c</a:t>
+            </a:r>
+            <a:r>
+              <a:rPr lang="en-US" altLang="zh-CN" sz="2000" b="1" dirty="0">
+                <a:latin typeface="Courier New" panose="02070309020205020404" pitchFamily="49" charset="0"/>
               </a:rPr>
               <a:t>”</a:t>
             </a:r>
-            <a:r>
-              <a:rPr lang="en-US" altLang="zh-CN" dirty="0"/>
-              <a:t> to point to a list:</a:t>
-            </a:r>
-          </a:p>
-          <a:p>
-            <a:pPr lvl="1"/>
-            <a:r>
-              <a:rPr lang="en-US" altLang="zh-CN" dirty="0"/>
-              <a:t>case #1: NIL, empty list</a:t>
-            </a:r>
-          </a:p>
-          <a:p>
-            <a:pPr lvl="1"/>
-            <a:r>
-              <a:rPr lang="en-US" altLang="zh-CN" dirty="0"/>
-              <a:t>case #2: CONS, head::tail, </a:t>
-            </a:r>
+          </a:p>
+          <a:p>
+            <a:pPr>
+              <a:lnSpc>
+                <a:spcPct val="90000"/>
+              </a:lnSpc>
+              <a:buFont typeface="Wingdings" pitchFamily="2" charset="2"/>
+              <a:buNone/>
+            </a:pPr>
+            <a:r>
+              <a:rPr lang="en-US" altLang="zh-CN" sz="2000" b="1" dirty="0">
+                <a:solidFill>
+                  <a:srgbClr val="0432FF"/>
+                </a:solidFill>
+                <a:latin typeface="Courier New" panose="02070309020205020404" pitchFamily="49" charset="0"/>
+              </a:rPr>
+              <a:t>#include “fun-</a:t>
+            </a:r>
+            <a:r>
+              <a:rPr lang="en-US" altLang="zh-CN" sz="2000" b="1" dirty="0" err="1">
+                <a:solidFill>
+                  <a:srgbClr val="0432FF"/>
+                </a:solidFill>
+                <a:latin typeface="Courier New" panose="02070309020205020404" pitchFamily="49" charset="0"/>
+              </a:rPr>
+              <a:t>list.h</a:t>
+            </a:r>
+            <a:r>
+              <a:rPr lang="en-US" altLang="zh-CN" sz="2000" b="1" dirty="0">
+                <a:solidFill>
+                  <a:srgbClr val="0432FF"/>
+                </a:solidFill>
+                <a:latin typeface="Courier New" panose="02070309020205020404" pitchFamily="49" charset="0"/>
+              </a:rPr>
+              <a:t>”</a:t>
+            </a:r>
+          </a:p>
+          <a:p>
+            <a:pPr>
+              <a:lnSpc>
+                <a:spcPct val="90000"/>
+              </a:lnSpc>
+              <a:buFont typeface="Wingdings" pitchFamily="2" charset="2"/>
+              <a:buNone/>
+            </a:pPr>
+            <a:endParaRPr lang="en-US" altLang="zh-CN" sz="2000" b="1" dirty="0">
+              <a:solidFill>
+                <a:srgbClr val="0432FF"/>
+              </a:solidFill>
+              <a:latin typeface="Courier New" panose="02070309020205020404" pitchFamily="49" charset="0"/>
+            </a:endParaRPr>
+          </a:p>
+          <a:p>
+            <a:pPr>
+              <a:lnSpc>
+                <a:spcPct val="90000"/>
+              </a:lnSpc>
+              <a:buFont typeface="Wingdings" pitchFamily="2" charset="2"/>
+              <a:buNone/>
+            </a:pPr>
+            <a:r>
+              <a:rPr lang="en-US" altLang="zh-CN" sz="2000" b="1" dirty="0" err="1">
+                <a:solidFill>
+                  <a:srgbClr val="0432FF"/>
+                </a:solidFill>
+                <a:latin typeface="Courier New" panose="02070309020205020404" pitchFamily="49" charset="0"/>
+              </a:rPr>
+              <a:t>enum</a:t>
+            </a:r>
+            <a:r>
+              <a:rPr lang="en-US" altLang="zh-CN" sz="2000" b="1" dirty="0">
+                <a:solidFill>
+                  <a:srgbClr val="0432FF"/>
+                </a:solidFill>
+                <a:latin typeface="Courier New" panose="02070309020205020404" pitchFamily="49" charset="0"/>
+              </a:rPr>
+              <a:t> </a:t>
+            </a:r>
+            <a:r>
+              <a:rPr lang="en-US" altLang="zh-CN" sz="2000" b="1" dirty="0" err="1">
+                <a:solidFill>
+                  <a:srgbClr val="0432FF"/>
+                </a:solidFill>
+                <a:latin typeface="Courier New" panose="02070309020205020404" pitchFamily="49" charset="0"/>
+              </a:rPr>
+              <a:t>List_Kind_t</a:t>
+            </a:r>
+            <a:r>
+              <a:rPr lang="en-US" altLang="zh-CN" sz="2000" b="1" dirty="0">
+                <a:solidFill>
+                  <a:srgbClr val="0432FF"/>
+                </a:solidFill>
+                <a:latin typeface="Courier New" panose="02070309020205020404" pitchFamily="49" charset="0"/>
+              </a:rPr>
+              <a:t>{NIL, CONS};</a:t>
+            </a:r>
+          </a:p>
+          <a:p>
+            <a:pPr>
+              <a:lnSpc>
+                <a:spcPct val="90000"/>
+              </a:lnSpc>
+              <a:buFont typeface="Wingdings" pitchFamily="2" charset="2"/>
+              <a:buNone/>
+            </a:pPr>
+            <a:r>
+              <a:rPr lang="en-US" altLang="zh-CN" sz="2000" b="1" dirty="0">
+                <a:solidFill>
+                  <a:srgbClr val="0432FF"/>
+                </a:solidFill>
+                <a:latin typeface="Courier New" panose="02070309020205020404" pitchFamily="49" charset="0"/>
+              </a:rPr>
+              <a:t>struct </a:t>
+            </a:r>
+            <a:r>
+              <a:rPr lang="en-US" altLang="zh-CN" sz="2000" b="1" dirty="0" err="1">
+                <a:solidFill>
+                  <a:srgbClr val="0432FF"/>
+                </a:solidFill>
+                <a:latin typeface="Courier New" panose="02070309020205020404" pitchFamily="49" charset="0"/>
+              </a:rPr>
+              <a:t>List_t</a:t>
+            </a:r>
+            <a:r>
+              <a:rPr lang="en-US" altLang="zh-CN" sz="2000" b="1" dirty="0">
+                <a:solidFill>
+                  <a:srgbClr val="0432FF"/>
+                </a:solidFill>
+                <a:latin typeface="Courier New" panose="02070309020205020404" pitchFamily="49" charset="0"/>
+              </a:rPr>
+              <a:t>{</a:t>
+            </a:r>
+          </a:p>
+          <a:p>
+            <a:pPr>
+              <a:lnSpc>
+                <a:spcPct val="90000"/>
+              </a:lnSpc>
+              <a:buFont typeface="Wingdings" pitchFamily="2" charset="2"/>
+              <a:buNone/>
+            </a:pPr>
+            <a:r>
+              <a:rPr lang="en-US" altLang="zh-CN" sz="2000" b="1" dirty="0">
+                <a:solidFill>
+                  <a:srgbClr val="0432FF"/>
+                </a:solidFill>
+                <a:latin typeface="Courier New" panose="02070309020205020404" pitchFamily="49" charset="0"/>
+              </a:rPr>
+              <a:t>  </a:t>
+            </a:r>
+            <a:r>
+              <a:rPr lang="en-US" altLang="zh-CN" sz="2000" b="1" dirty="0" err="1">
+                <a:solidFill>
+                  <a:srgbClr val="0432FF"/>
+                </a:solidFill>
+                <a:latin typeface="Courier New" panose="02070309020205020404" pitchFamily="49" charset="0"/>
+              </a:rPr>
+              <a:t>enum</a:t>
+            </a:r>
+            <a:r>
+              <a:rPr lang="en-US" altLang="zh-CN" sz="2000" b="1" dirty="0">
+                <a:solidFill>
+                  <a:srgbClr val="0432FF"/>
+                </a:solidFill>
+                <a:latin typeface="Courier New" panose="02070309020205020404" pitchFamily="49" charset="0"/>
+              </a:rPr>
+              <a:t> </a:t>
+            </a:r>
+            <a:r>
+              <a:rPr lang="en-US" altLang="zh-CN" sz="2000" b="1" dirty="0" err="1">
+                <a:solidFill>
+                  <a:srgbClr val="0432FF"/>
+                </a:solidFill>
+                <a:latin typeface="Courier New" panose="02070309020205020404" pitchFamily="49" charset="0"/>
+              </a:rPr>
+              <a:t>List_Kind_t</a:t>
+            </a:r>
+            <a:r>
+              <a:rPr lang="en-US" altLang="zh-CN" sz="2000" b="1" dirty="0">
+                <a:solidFill>
+                  <a:srgbClr val="0432FF"/>
+                </a:solidFill>
+                <a:latin typeface="Courier New" panose="02070309020205020404" pitchFamily="49" charset="0"/>
+              </a:rPr>
+              <a:t> kind;</a:t>
+            </a:r>
+          </a:p>
+          <a:p>
+            <a:pPr>
+              <a:lnSpc>
+                <a:spcPct val="90000"/>
+              </a:lnSpc>
+              <a:buFont typeface="Wingdings" pitchFamily="2" charset="2"/>
+              <a:buNone/>
+            </a:pPr>
+            <a:r>
+              <a:rPr lang="en-US" altLang="zh-CN" sz="2000" b="1" dirty="0">
+                <a:solidFill>
+                  <a:srgbClr val="0432FF"/>
+                </a:solidFill>
+                <a:latin typeface="Courier New" panose="02070309020205020404" pitchFamily="49" charset="0"/>
+              </a:rPr>
+              <a:t>  union{</a:t>
+            </a:r>
+          </a:p>
+          <a:p>
+            <a:pPr>
+              <a:lnSpc>
+                <a:spcPct val="90000"/>
+              </a:lnSpc>
+              <a:buFont typeface="Wingdings" pitchFamily="2" charset="2"/>
+              <a:buNone/>
+            </a:pPr>
+            <a:r>
+              <a:rPr lang="en-US" altLang="zh-CN" sz="2000" b="1" dirty="0">
+                <a:solidFill>
+                  <a:srgbClr val="0432FF"/>
+                </a:solidFill>
+                <a:latin typeface="Courier New" panose="02070309020205020404" pitchFamily="49" charset="0"/>
+              </a:rPr>
+              <a:t>    struct{</a:t>
+            </a:r>
+          </a:p>
+          <a:p>
+            <a:pPr>
+              <a:lnSpc>
+                <a:spcPct val="90000"/>
+              </a:lnSpc>
+              <a:buFont typeface="Wingdings" pitchFamily="2" charset="2"/>
+              <a:buNone/>
+            </a:pPr>
+            <a:r>
+              <a:rPr lang="en-US" altLang="zh-CN" sz="2000" b="1" dirty="0">
+                <a:solidFill>
+                  <a:srgbClr val="0432FF"/>
+                </a:solidFill>
+                <a:latin typeface="Courier New" panose="02070309020205020404" pitchFamily="49" charset="0"/>
+              </a:rPr>
+              <a:t>      </a:t>
+            </a:r>
+            <a:r>
+              <a:rPr lang="en-US" altLang="zh-CN" sz="2000" b="1" dirty="0" err="1">
+                <a:solidFill>
+                  <a:srgbClr val="0432FF"/>
+                </a:solidFill>
+                <a:latin typeface="Courier New" panose="02070309020205020404" pitchFamily="49" charset="0"/>
+              </a:rPr>
+              <a:t>Poly_t</a:t>
+            </a:r>
+            <a:r>
+              <a:rPr lang="en-US" altLang="zh-CN" sz="2000" b="1" dirty="0">
+                <a:solidFill>
+                  <a:srgbClr val="0432FF"/>
+                </a:solidFill>
+                <a:latin typeface="Courier New" panose="02070309020205020404" pitchFamily="49" charset="0"/>
+              </a:rPr>
+              <a:t> data;</a:t>
+            </a:r>
+          </a:p>
+          <a:p>
+            <a:pPr>
+              <a:lnSpc>
+                <a:spcPct val="90000"/>
+              </a:lnSpc>
+              <a:buFont typeface="Wingdings" pitchFamily="2" charset="2"/>
+              <a:buNone/>
+            </a:pPr>
+            <a:r>
+              <a:rPr lang="en-US" altLang="zh-CN" sz="2000" b="1" dirty="0">
+                <a:solidFill>
+                  <a:srgbClr val="0432FF"/>
+                </a:solidFill>
+                <a:latin typeface="Courier New" panose="02070309020205020404" pitchFamily="49" charset="0"/>
+              </a:rPr>
+              <a:t>      </a:t>
+            </a:r>
+            <a:r>
+              <a:rPr lang="en-US" altLang="zh-CN" sz="2000" b="1" dirty="0" err="1">
+                <a:solidFill>
+                  <a:srgbClr val="0432FF"/>
+                </a:solidFill>
+                <a:latin typeface="Courier New" panose="02070309020205020404" pitchFamily="49" charset="0"/>
+              </a:rPr>
+              <a:t>List_t</a:t>
+            </a:r>
+            <a:r>
+              <a:rPr lang="en-US" altLang="zh-CN" sz="2000" b="1" dirty="0">
+                <a:solidFill>
+                  <a:srgbClr val="0432FF"/>
+                </a:solidFill>
+                <a:latin typeface="Courier New" panose="02070309020205020404" pitchFamily="49" charset="0"/>
+              </a:rPr>
+              <a:t> next;</a:t>
+            </a:r>
+          </a:p>
+          <a:p>
+            <a:pPr>
+              <a:lnSpc>
+                <a:spcPct val="90000"/>
+              </a:lnSpc>
+              <a:buFont typeface="Wingdings" pitchFamily="2" charset="2"/>
+              <a:buNone/>
+            </a:pPr>
+            <a:r>
+              <a:rPr lang="en-US" altLang="zh-CN" sz="2000" b="1" dirty="0">
+                <a:solidFill>
+                  <a:srgbClr val="0432FF"/>
+                </a:solidFill>
+                <a:latin typeface="Courier New" panose="02070309020205020404" pitchFamily="49" charset="0"/>
+              </a:rPr>
+              <a:t>    }cons;</a:t>
+            </a:r>
+          </a:p>
+          <a:p>
+            <a:pPr>
+              <a:lnSpc>
+                <a:spcPct val="90000"/>
+              </a:lnSpc>
+              <a:buFont typeface="Wingdings" pitchFamily="2" charset="2"/>
+              <a:buNone/>
+            </a:pPr>
+            <a:r>
+              <a:rPr lang="en-US" altLang="zh-CN" sz="2000" b="1" dirty="0">
+                <a:solidFill>
+                  <a:srgbClr val="0432FF"/>
+                </a:solidFill>
+                <a:latin typeface="Courier New" panose="02070309020205020404" pitchFamily="49" charset="0"/>
+              </a:rPr>
+              <a:t>  }u;</a:t>
+            </a:r>
+          </a:p>
+          <a:p>
+            <a:pPr>
+              <a:lnSpc>
+                <a:spcPct val="90000"/>
+              </a:lnSpc>
+              <a:buFont typeface="Wingdings" pitchFamily="2" charset="2"/>
+              <a:buNone/>
+            </a:pPr>
+            <a:r>
+              <a:rPr lang="en-US" altLang="zh-CN" sz="2000" b="1" dirty="0">
+                <a:solidFill>
+                  <a:srgbClr val="0432FF"/>
+                </a:solidFill>
+                <a:latin typeface="Courier New" panose="02070309020205020404" pitchFamily="49" charset="0"/>
+              </a:rPr>
+              <a:t>};</a:t>
+            </a:r>
+          </a:p>
+          <a:p>
+            <a:pPr>
+              <a:lnSpc>
+                <a:spcPct val="90000"/>
+              </a:lnSpc>
+              <a:buFont typeface="Wingdings" pitchFamily="2" charset="2"/>
+              <a:buNone/>
+            </a:pPr>
+            <a:endParaRPr lang="en-US" altLang="zh-CN" sz="2000" b="1" dirty="0">
+              <a:latin typeface="Courier New" panose="02070309020205020404" pitchFamily="49" charset="0"/>
+            </a:endParaRPr>
           </a:p>
         </p:txBody>
       </p:sp>
@@ -16261,10 +16270,10 @@
       </p:grpSpPr>
       <p:sp>
         <p:nvSpPr>
-          <p:cNvPr id="189442" name="Rectangle 2">
+          <p:cNvPr id="194562" name="Rectangle 2">
             <a:extLst>
               <a:ext uri="{FF2B5EF4-FFF2-40B4-BE49-F238E27FC236}">
-                <a16:creationId xmlns:a16="http://schemas.microsoft.com/office/drawing/2014/main" id="{1590C8AE-8192-D1B0-C3CD-35B3D9E1D315}"/>
+                <a16:creationId xmlns:a16="http://schemas.microsoft.com/office/drawing/2014/main" id="{5CCAEE55-6581-37FF-B470-67508E9D7A1A}"/>
               </a:ext>
             </a:extLst>
           </p:cNvPr>
@@ -16282,17 +16291,17 @@
           <a:p>
             <a:r>
               <a:rPr lang="en-US" altLang="zh-CN"/>
-              <a:t>Implementation</a:t>
+              <a:t>Create a list</a:t>
             </a:r>
           </a:p>
         </p:txBody>
       </p:sp>
       <p:sp>
         <p:nvSpPr>
-          <p:cNvPr id="189443" name="Rectangle 3">
+          <p:cNvPr id="194563" name="Rectangle 3">
             <a:extLst>
               <a:ext uri="{FF2B5EF4-FFF2-40B4-BE49-F238E27FC236}">
-                <a16:creationId xmlns:a16="http://schemas.microsoft.com/office/drawing/2014/main" id="{56819445-7FD3-9F88-691F-72E29E0E0819}"/>
+                <a16:creationId xmlns:a16="http://schemas.microsoft.com/office/drawing/2014/main" id="{86F4ECA8-5CF0-CD40-2ECB-9425BD4C523E}"/>
               </a:ext>
             </a:extLst>
           </p:cNvPr>
@@ -16319,7 +16328,19 @@
               <a:rPr lang="en-US" altLang="zh-CN" sz="2000" b="1" dirty="0">
                 <a:latin typeface="Courier New" panose="02070309020205020404" pitchFamily="49" charset="0"/>
               </a:rPr>
-              <a:t>// Turn the above figure into C, we have:</a:t>
+              <a:t>// create</a:t>
+            </a:r>
+            <a:r>
+              <a:rPr lang="zh-CN" altLang="en-US" sz="2000" b="1" dirty="0">
+                <a:latin typeface="Courier New" panose="02070309020205020404" pitchFamily="49" charset="0"/>
+              </a:rPr>
+              <a:t> </a:t>
+            </a:r>
+            <a:r>
+              <a:rPr lang="en-US" altLang="zh-CN" sz="2000" b="1" dirty="0">
+                <a:latin typeface="Courier New" panose="02070309020205020404" pitchFamily="49" charset="0"/>
+              </a:rPr>
+              <a:t>a new list</a:t>
             </a:r>
           </a:p>
           <a:p>
@@ -16331,22 +16352,40 @@
               <a:buNone/>
             </a:pPr>
             <a:r>
+              <a:rPr lang="en-US" altLang="zh-CN" sz="2000" b="1" dirty="0" err="1">
+                <a:solidFill>
+                  <a:srgbClr val="0432FF"/>
+                </a:solidFill>
+                <a:latin typeface="Courier New" panose="02070309020205020404" pitchFamily="49" charset="0"/>
+              </a:rPr>
+              <a:t>List_t</a:t>
+            </a:r>
+            <a:r>
               <a:rPr lang="en-US" altLang="zh-CN" sz="2000" b="1" dirty="0">
-                <a:latin typeface="Courier New" panose="02070309020205020404" pitchFamily="49" charset="0"/>
-              </a:rPr>
-              <a:t>// in file “fun-</a:t>
+                <a:solidFill>
+                  <a:srgbClr val="0432FF"/>
+                </a:solidFill>
+                <a:latin typeface="Courier New" panose="02070309020205020404" pitchFamily="49" charset="0"/>
+              </a:rPr>
+              <a:t> </a:t>
             </a:r>
             <a:r>
               <a:rPr lang="en-US" altLang="zh-CN" sz="2000" b="1" dirty="0" err="1">
-                <a:latin typeface="Courier New" panose="02070309020205020404" pitchFamily="49" charset="0"/>
-              </a:rPr>
-              <a:t>list.c</a:t>
+                <a:solidFill>
+                  <a:srgbClr val="0432FF"/>
+                </a:solidFill>
+                <a:latin typeface="Courier New" panose="02070309020205020404" pitchFamily="49" charset="0"/>
+              </a:rPr>
+              <a:t>List_new</a:t>
             </a:r>
             <a:r>
               <a:rPr lang="en-US" altLang="zh-CN" sz="2000" b="1" dirty="0">
-                <a:latin typeface="Courier New" panose="02070309020205020404" pitchFamily="49" charset="0"/>
-              </a:rPr>
-              <a:t>”</a:t>
+                <a:solidFill>
+                  <a:srgbClr val="0432FF"/>
+                </a:solidFill>
+                <a:latin typeface="Courier New" panose="02070309020205020404" pitchFamily="49" charset="0"/>
+              </a:rPr>
+              <a:t>(){</a:t>
             </a:r>
           </a:p>
           <a:p>
@@ -16360,29 +16399,74 @@
             <a:r>
               <a:rPr lang="en-US" altLang="zh-CN" sz="2000" b="1" dirty="0">
                 <a:solidFill>
-                  <a:schemeClr val="folHlink"/>
-                </a:solidFill>
-                <a:latin typeface="Courier New" panose="02070309020205020404" pitchFamily="49" charset="0"/>
-              </a:rPr>
-              <a:t>#include &lt;</a:t>
+                  <a:srgbClr val="0432FF"/>
+                </a:solidFill>
+                <a:latin typeface="Courier New" panose="02070309020205020404" pitchFamily="49" charset="0"/>
+              </a:rPr>
+              <a:t>  </a:t>
             </a:r>
             <a:r>
               <a:rPr lang="en-US" altLang="zh-CN" sz="2000" b="1" dirty="0" err="1">
                 <a:solidFill>
-                  <a:schemeClr val="folHlink"/>
-                </a:solidFill>
-                <a:latin typeface="Courier New" panose="02070309020205020404" pitchFamily="49" charset="0"/>
-              </a:rPr>
-              <a:t>stdlib.h</a:t>
+                  <a:srgbClr val="0432FF"/>
+                </a:solidFill>
+                <a:latin typeface="Courier New" panose="02070309020205020404" pitchFamily="49" charset="0"/>
+              </a:rPr>
+              <a:t>List_t</a:t>
             </a:r>
             <a:r>
               <a:rPr lang="en-US" altLang="zh-CN" sz="2000" b="1" dirty="0">
                 <a:solidFill>
-                  <a:schemeClr val="folHlink"/>
-                </a:solidFill>
-                <a:latin typeface="Courier New" panose="02070309020205020404" pitchFamily="49" charset="0"/>
-              </a:rPr>
-              <a:t>&gt;</a:t>
+                  <a:srgbClr val="0432FF"/>
+                </a:solidFill>
+                <a:latin typeface="Courier New" panose="02070309020205020404" pitchFamily="49" charset="0"/>
+              </a:rPr>
+              <a:t> l = </a:t>
+            </a:r>
+            <a:r>
+              <a:rPr lang="en-US" altLang="zh-CN" sz="2000" b="1" dirty="0" err="1">
+                <a:solidFill>
+                  <a:srgbClr val="0432FF"/>
+                </a:solidFill>
+                <a:latin typeface="Courier New" panose="02070309020205020404" pitchFamily="49" charset="0"/>
+              </a:rPr>
+              <a:t>calloc</a:t>
+            </a:r>
+            <a:r>
+              <a:rPr lang="en-US" altLang="zh-CN" sz="2000" b="1" dirty="0">
+                <a:solidFill>
+                  <a:srgbClr val="0432FF"/>
+                </a:solidFill>
+                <a:latin typeface="Courier New" panose="02070309020205020404" pitchFamily="49" charset="0"/>
+              </a:rPr>
+              <a:t>(1,</a:t>
+            </a:r>
+            <a:r>
+              <a:rPr lang="zh-CN" altLang="en-US" sz="2000" b="1" dirty="0">
+                <a:solidFill>
+                  <a:srgbClr val="0432FF"/>
+                </a:solidFill>
+                <a:latin typeface="Courier New" panose="02070309020205020404" pitchFamily="49" charset="0"/>
+              </a:rPr>
+              <a:t> </a:t>
+            </a:r>
+            <a:r>
+              <a:rPr lang="en-US" altLang="zh-CN" sz="2000" b="1" dirty="0" err="1">
+                <a:solidFill>
+                  <a:srgbClr val="0432FF"/>
+                </a:solidFill>
+                <a:latin typeface="Courier New" panose="02070309020205020404" pitchFamily="49" charset="0"/>
+              </a:rPr>
+              <a:t>sizeof</a:t>
+            </a:r>
+            <a:r>
+              <a:rPr lang="en-US" altLang="zh-CN" sz="2000" b="1" dirty="0">
+                <a:solidFill>
+                  <a:srgbClr val="0432FF"/>
+                </a:solidFill>
+                <a:latin typeface="Courier New" panose="02070309020205020404" pitchFamily="49" charset="0"/>
+              </a:rPr>
+              <a:t>(*l));</a:t>
             </a:r>
           </a:p>
           <a:p>
@@ -16396,29 +16480,11 @@
             <a:r>
               <a:rPr lang="en-US" altLang="zh-CN" sz="2000" b="1" dirty="0">
                 <a:solidFill>
-                  <a:schemeClr val="folHlink"/>
-                </a:solidFill>
-                <a:latin typeface="Courier New" panose="02070309020205020404" pitchFamily="49" charset="0"/>
-              </a:rPr>
-              <a:t>#include “</a:t>
-            </a:r>
-            <a:r>
-              <a:rPr lang="en-US" altLang="zh-CN" sz="2000" b="1" dirty="0" err="1">
-                <a:solidFill>
-                  <a:schemeClr val="folHlink"/>
-                </a:solidFill>
-                <a:latin typeface="Courier New" panose="02070309020205020404" pitchFamily="49" charset="0"/>
-              </a:rPr>
-              <a:t>list.h</a:t>
-            </a:r>
-            <a:r>
-              <a:rPr lang="en-US" altLang="zh-CN" sz="2000" b="1" dirty="0">
-                <a:solidFill>
-                  <a:schemeClr val="folHlink"/>
-                </a:solidFill>
-                <a:latin typeface="Courier New" panose="02070309020205020404" pitchFamily="49" charset="0"/>
-              </a:rPr>
-              <a:t>”</a:t>
+                  <a:srgbClr val="0432FF"/>
+                </a:solidFill>
+                <a:latin typeface="Courier New" panose="02070309020205020404" pitchFamily="49" charset="0"/>
+              </a:rPr>
+              <a:t>  l-&gt;kind = NIL;</a:t>
             </a:r>
           </a:p>
           <a:p>
@@ -16430,40 +16496,10 @@
               <a:buNone/>
             </a:pPr>
             <a:r>
-              <a:rPr lang="en-US" altLang="zh-CN" sz="2000" b="1" dirty="0" err="1">
-                <a:solidFill>
-                  <a:schemeClr val="folHlink"/>
-                </a:solidFill>
-                <a:latin typeface="Courier New" panose="02070309020205020404" pitchFamily="49" charset="0"/>
-              </a:rPr>
-              <a:t>enum</a:t>
-            </a:r>
-            <a:r>
               <a:rPr lang="en-US" altLang="zh-CN" sz="2000" b="1" dirty="0">
-                <a:solidFill>
-                  <a:schemeClr val="folHlink"/>
-                </a:solidFill>
-                <a:latin typeface="Courier New" panose="02070309020205020404" pitchFamily="49" charset="0"/>
-              </a:rPr>
-              <a:t> </a:t>
-            </a:r>
-            <a:r>
-              <a:rPr lang="en-US" altLang="zh-CN" sz="2000" b="1" dirty="0" err="1">
-                <a:solidFill>
-                  <a:schemeClr val="folHlink"/>
-                </a:solidFill>
-                <a:latin typeface="Courier New" panose="02070309020205020404" pitchFamily="49" charset="0"/>
-              </a:rPr>
-              <a:t>List_Kind_t</a:t>
-            </a:r>
-            <a:r>
-              <a:rPr lang="en-US" altLang="zh-CN" sz="2000" b="1" dirty="0">
-                <a:solidFill>
-                  <a:schemeClr val="folHlink"/>
-                </a:solidFill>
-                <a:latin typeface="Courier New" panose="02070309020205020404" pitchFamily="49" charset="0"/>
-              </a:rPr>
-              <a:t> {NIL, CONS};</a:t>
+                <a:latin typeface="Courier New" panose="02070309020205020404" pitchFamily="49" charset="0"/>
+              </a:rPr>
+              <a:t>  // l-&gt;u?</a:t>
             </a:r>
           </a:p>
           <a:p>
@@ -16477,29 +16513,11 @@
             <a:r>
               <a:rPr lang="en-US" altLang="zh-CN" sz="2000" b="1" dirty="0">
                 <a:solidFill>
-                  <a:schemeClr val="folHlink"/>
-                </a:solidFill>
-                <a:latin typeface="Courier New" panose="02070309020205020404" pitchFamily="49" charset="0"/>
-              </a:rPr>
-              <a:t>struct </a:t>
-            </a:r>
-            <a:r>
-              <a:rPr lang="en-US" altLang="zh-CN" sz="2000" b="1" dirty="0" err="1">
-                <a:solidFill>
-                  <a:schemeClr val="folHlink"/>
-                </a:solidFill>
-                <a:latin typeface="Courier New" panose="02070309020205020404" pitchFamily="49" charset="0"/>
-              </a:rPr>
-              <a:t>List_t</a:t>
-            </a:r>
-            <a:r>
-              <a:rPr lang="en-US" altLang="zh-CN" sz="2000" b="1" dirty="0">
-                <a:solidFill>
-                  <a:schemeClr val="folHlink"/>
-                </a:solidFill>
-                <a:latin typeface="Courier New" panose="02070309020205020404" pitchFamily="49" charset="0"/>
-              </a:rPr>
-              <a:t>{</a:t>
+                  <a:srgbClr val="0432FF"/>
+                </a:solidFill>
+                <a:latin typeface="Courier New" panose="02070309020205020404" pitchFamily="49" charset="0"/>
+              </a:rPr>
+              <a:t>  return l;</a:t>
             </a:r>
           </a:p>
           <a:p>
@@ -16513,209 +16531,11 @@
             <a:r>
               <a:rPr lang="en-US" altLang="zh-CN" sz="2000" b="1" dirty="0">
                 <a:solidFill>
-                  <a:schemeClr val="folHlink"/>
-                </a:solidFill>
-                <a:latin typeface="Courier New" panose="02070309020205020404" pitchFamily="49" charset="0"/>
-              </a:rPr>
-              <a:t>  </a:t>
-            </a:r>
-            <a:r>
-              <a:rPr lang="en-US" altLang="zh-CN" sz="2000" b="1" dirty="0" err="1">
-                <a:solidFill>
-                  <a:schemeClr val="folHlink"/>
-                </a:solidFill>
-                <a:latin typeface="Courier New" panose="02070309020205020404" pitchFamily="49" charset="0"/>
-              </a:rPr>
-              <a:t>enum</a:t>
-            </a:r>
-            <a:r>
-              <a:rPr lang="en-US" altLang="zh-CN" sz="2000" b="1" dirty="0">
-                <a:solidFill>
-                  <a:schemeClr val="folHlink"/>
-                </a:solidFill>
-                <a:latin typeface="Courier New" panose="02070309020205020404" pitchFamily="49" charset="0"/>
-              </a:rPr>
-              <a:t> </a:t>
-            </a:r>
-            <a:r>
-              <a:rPr lang="en-US" altLang="zh-CN" sz="2000" b="1" dirty="0" err="1">
-                <a:solidFill>
-                  <a:schemeClr val="folHlink"/>
-                </a:solidFill>
-                <a:latin typeface="Courier New" panose="02070309020205020404" pitchFamily="49" charset="0"/>
-              </a:rPr>
-              <a:t>List_Kind_t</a:t>
-            </a:r>
-            <a:r>
-              <a:rPr lang="en-US" altLang="zh-CN" sz="2000" b="1" dirty="0">
-                <a:solidFill>
-                  <a:schemeClr val="folHlink"/>
-                </a:solidFill>
-                <a:latin typeface="Courier New" panose="02070309020205020404" pitchFamily="49" charset="0"/>
-              </a:rPr>
-              <a:t> kind;</a:t>
-            </a:r>
-          </a:p>
-          <a:p>
-            <a:pPr>
-              <a:lnSpc>
-                <a:spcPct val="90000"/>
-              </a:lnSpc>
-              <a:buFont typeface="Wingdings" pitchFamily="2" charset="2"/>
-              <a:buNone/>
-            </a:pPr>
-            <a:r>
-              <a:rPr lang="en-US" altLang="zh-CN" sz="2000" b="1" dirty="0">
-                <a:solidFill>
-                  <a:schemeClr val="folHlink"/>
-                </a:solidFill>
-                <a:latin typeface="Courier New" panose="02070309020205020404" pitchFamily="49" charset="0"/>
-              </a:rPr>
-              <a:t>  union{</a:t>
-            </a:r>
-          </a:p>
-          <a:p>
-            <a:pPr>
-              <a:lnSpc>
-                <a:spcPct val="90000"/>
-              </a:lnSpc>
-              <a:buFont typeface="Wingdings" pitchFamily="2" charset="2"/>
-              <a:buNone/>
-            </a:pPr>
-            <a:r>
-              <a:rPr lang="en-US" altLang="zh-CN" sz="2000" b="1" dirty="0">
-                <a:solidFill>
-                  <a:schemeClr val="folHlink"/>
-                </a:solidFill>
-                <a:latin typeface="Courier New" panose="02070309020205020404" pitchFamily="49" charset="0"/>
-              </a:rPr>
-              <a:t>    struct{</a:t>
-            </a:r>
-          </a:p>
-          <a:p>
-            <a:pPr>
-              <a:lnSpc>
-                <a:spcPct val="90000"/>
-              </a:lnSpc>
-              <a:buFont typeface="Wingdings" pitchFamily="2" charset="2"/>
-              <a:buNone/>
-            </a:pPr>
-            <a:r>
-              <a:rPr lang="en-US" altLang="zh-CN" sz="2000" b="1" dirty="0">
-                <a:solidFill>
-                  <a:schemeClr val="folHlink"/>
-                </a:solidFill>
-                <a:latin typeface="Courier New" panose="02070309020205020404" pitchFamily="49" charset="0"/>
-              </a:rPr>
-              <a:t>      </a:t>
-            </a:r>
-            <a:r>
-              <a:rPr lang="en-US" altLang="zh-CN" sz="2000" b="1" dirty="0" err="1">
-                <a:solidFill>
-                  <a:schemeClr val="folHlink"/>
-                </a:solidFill>
-                <a:latin typeface="Courier New" panose="02070309020205020404" pitchFamily="49" charset="0"/>
-              </a:rPr>
-              <a:t>Poly_t</a:t>
-            </a:r>
-            <a:r>
-              <a:rPr lang="en-US" altLang="zh-CN" sz="2000" b="1" dirty="0">
-                <a:solidFill>
-                  <a:schemeClr val="folHlink"/>
-                </a:solidFill>
-                <a:latin typeface="Courier New" panose="02070309020205020404" pitchFamily="49" charset="0"/>
-              </a:rPr>
-              <a:t> data;</a:t>
-            </a:r>
-          </a:p>
-          <a:p>
-            <a:pPr>
-              <a:lnSpc>
-                <a:spcPct val="90000"/>
-              </a:lnSpc>
-              <a:buFont typeface="Wingdings" pitchFamily="2" charset="2"/>
-              <a:buNone/>
-            </a:pPr>
-            <a:r>
-              <a:rPr lang="en-US" altLang="zh-CN" sz="2000" b="1" dirty="0">
-                <a:solidFill>
-                  <a:schemeClr val="folHlink"/>
-                </a:solidFill>
-                <a:latin typeface="Courier New" panose="02070309020205020404" pitchFamily="49" charset="0"/>
-              </a:rPr>
-              <a:t>      </a:t>
-            </a:r>
-            <a:r>
-              <a:rPr lang="en-US" altLang="zh-CN" sz="2000" b="1" dirty="0" err="1">
-                <a:solidFill>
-                  <a:schemeClr val="folHlink"/>
-                </a:solidFill>
-                <a:latin typeface="Courier New" panose="02070309020205020404" pitchFamily="49" charset="0"/>
-              </a:rPr>
-              <a:t>List_t</a:t>
-            </a:r>
-            <a:r>
-              <a:rPr lang="en-US" altLang="zh-CN" sz="2000" b="1" dirty="0">
-                <a:solidFill>
-                  <a:schemeClr val="folHlink"/>
-                </a:solidFill>
-                <a:latin typeface="Courier New" panose="02070309020205020404" pitchFamily="49" charset="0"/>
-              </a:rPr>
-              <a:t> next;</a:t>
-            </a:r>
-          </a:p>
-          <a:p>
-            <a:pPr>
-              <a:lnSpc>
-                <a:spcPct val="90000"/>
-              </a:lnSpc>
-              <a:buFont typeface="Wingdings" pitchFamily="2" charset="2"/>
-              <a:buNone/>
-            </a:pPr>
-            <a:r>
-              <a:rPr lang="en-US" altLang="zh-CN" sz="2000" b="1" dirty="0">
-                <a:solidFill>
-                  <a:schemeClr val="folHlink"/>
-                </a:solidFill>
-                <a:latin typeface="Courier New" panose="02070309020205020404" pitchFamily="49" charset="0"/>
-              </a:rPr>
-              <a:t>    }cons;</a:t>
-            </a:r>
-          </a:p>
-          <a:p>
-            <a:pPr>
-              <a:lnSpc>
-                <a:spcPct val="90000"/>
-              </a:lnSpc>
-              <a:buFont typeface="Wingdings" pitchFamily="2" charset="2"/>
-              <a:buNone/>
-            </a:pPr>
-            <a:r>
-              <a:rPr lang="en-US" altLang="zh-CN" sz="2000" b="1" dirty="0">
-                <a:solidFill>
-                  <a:schemeClr val="folHlink"/>
-                </a:solidFill>
-                <a:latin typeface="Courier New" panose="02070309020205020404" pitchFamily="49" charset="0"/>
-              </a:rPr>
-              <a:t>  }u;</a:t>
-            </a:r>
-          </a:p>
-          <a:p>
-            <a:pPr>
-              <a:lnSpc>
-                <a:spcPct val="90000"/>
-              </a:lnSpc>
-              <a:buFont typeface="Wingdings" pitchFamily="2" charset="2"/>
-              <a:buNone/>
-            </a:pPr>
-            <a:r>
-              <a:rPr lang="en-US" altLang="zh-CN" sz="2000" b="1" dirty="0">
-                <a:solidFill>
-                  <a:schemeClr val="folHlink"/>
-                </a:solidFill>
-                <a:latin typeface="Courier New" panose="02070309020205020404" pitchFamily="49" charset="0"/>
-              </a:rPr>
-              <a:t>};</a:t>
+                  <a:srgbClr val="0432FF"/>
+                </a:solidFill>
+                <a:latin typeface="Courier New" panose="02070309020205020404" pitchFamily="49" charset="0"/>
+              </a:rPr>
+              <a:t>}</a:t>
             </a:r>
           </a:p>
           <a:p>
@@ -16727,6 +16547,9 @@
               <a:buNone/>
             </a:pPr>
             <a:endParaRPr lang="en-US" altLang="zh-CN" sz="2000" b="1" dirty="0">
+              <a:solidFill>
+                <a:schemeClr val="folHlink"/>
+              </a:solidFill>
               <a:latin typeface="Courier New" panose="02070309020205020404" pitchFamily="49" charset="0"/>
             </a:endParaRPr>
           </a:p>
@@ -16759,10 +16582,10 @@
       </p:grpSpPr>
       <p:sp>
         <p:nvSpPr>
-          <p:cNvPr id="194562" name="Rectangle 2">
+          <p:cNvPr id="269314" name="Rectangle 2">
             <a:extLst>
               <a:ext uri="{FF2B5EF4-FFF2-40B4-BE49-F238E27FC236}">
-                <a16:creationId xmlns:a16="http://schemas.microsoft.com/office/drawing/2014/main" id="{5CCAEE55-6581-37FF-B470-67508E9D7A1A}"/>
+                <a16:creationId xmlns:a16="http://schemas.microsoft.com/office/drawing/2014/main" id="{F697616B-D5DC-D539-AE8C-045FE2FF0E64}"/>
               </a:ext>
             </a:extLst>
           </p:cNvPr>
@@ -16780,17 +16603,17 @@
           <a:p>
             <a:r>
               <a:rPr lang="en-US" altLang="zh-CN"/>
-              <a:t>Create a list</a:t>
+              <a:t>Add a new Head</a:t>
             </a:r>
           </a:p>
         </p:txBody>
       </p:sp>
       <p:sp>
         <p:nvSpPr>
-          <p:cNvPr id="194563" name="Rectangle 3">
+          <p:cNvPr id="269315" name="Rectangle 3">
             <a:extLst>
               <a:ext uri="{FF2B5EF4-FFF2-40B4-BE49-F238E27FC236}">
-                <a16:creationId xmlns:a16="http://schemas.microsoft.com/office/drawing/2014/main" id="{86F4ECA8-5CF0-CD40-2ECB-9425BD4C523E}"/>
+                <a16:creationId xmlns:a16="http://schemas.microsoft.com/office/drawing/2014/main" id="{E84884AB-A896-8A60-443A-848A418BCED4}"/>
               </a:ext>
             </a:extLst>
           </p:cNvPr>
@@ -16807,43 +16630,67 @@
           <a:lstStyle/>
           <a:p>
             <a:pPr>
-              <a:lnSpc>
-                <a:spcPct val="90000"/>
-              </a:lnSpc>
               <a:buFont typeface="Wingdings" pitchFamily="2" charset="2"/>
               <a:buNone/>
             </a:pPr>
             <a:r>
+              <a:rPr lang="en-US" altLang="zh-CN" sz="2000" b="1" dirty="0" err="1">
+                <a:solidFill>
+                  <a:srgbClr val="0432FF"/>
+                </a:solidFill>
+                <a:latin typeface="Courier New" panose="02070309020205020404" pitchFamily="49" charset="0"/>
+              </a:rPr>
+              <a:t>List_t</a:t>
+            </a:r>
+            <a:r>
               <a:rPr lang="en-US" altLang="zh-CN" sz="2000" b="1" dirty="0">
-                <a:latin typeface="Courier New" panose="02070309020205020404" pitchFamily="49" charset="0"/>
-              </a:rPr>
-              <a:t>// “</a:t>
+                <a:solidFill>
+                  <a:srgbClr val="0432FF"/>
+                </a:solidFill>
+                <a:latin typeface="Courier New" panose="02070309020205020404" pitchFamily="49" charset="0"/>
+              </a:rPr>
+              <a:t> </a:t>
             </a:r>
             <a:r>
               <a:rPr lang="en-US" altLang="zh-CN" sz="2000" b="1" dirty="0" err="1">
-                <a:latin typeface="Courier New" panose="02070309020205020404" pitchFamily="49" charset="0"/>
-              </a:rPr>
-              <a:t>List_new</a:t>
+                <a:solidFill>
+                  <a:srgbClr val="0432FF"/>
+                </a:solidFill>
+                <a:latin typeface="Courier New" panose="02070309020205020404" pitchFamily="49" charset="0"/>
+              </a:rPr>
+              <a:t>List_concat</a:t>
             </a:r>
             <a:r>
               <a:rPr lang="en-US" altLang="zh-CN" sz="2000" b="1" dirty="0">
-                <a:latin typeface="Courier New" panose="02070309020205020404" pitchFamily="49" charset="0"/>
-              </a:rPr>
-              <a:t>” returns an empty list</a:t>
-            </a:r>
-          </a:p>
-          <a:p>
-            <a:pPr>
-              <a:lnSpc>
-                <a:spcPct val="90000"/>
-              </a:lnSpc>
-              <a:buFont typeface="Wingdings" pitchFamily="2" charset="2"/>
-              <a:buNone/>
-            </a:pPr>
+                <a:solidFill>
+                  <a:srgbClr val="0432FF"/>
+                </a:solidFill>
+                <a:latin typeface="Courier New" panose="02070309020205020404" pitchFamily="49" charset="0"/>
+              </a:rPr>
+              <a:t>(</a:t>
+            </a:r>
             <a:r>
               <a:rPr lang="en-US" altLang="zh-CN" sz="2000" b="1" dirty="0" err="1">
                 <a:solidFill>
-                  <a:schemeClr val="folHlink"/>
+                  <a:srgbClr val="0432FF"/>
+                </a:solidFill>
+                <a:latin typeface="Courier New" panose="02070309020205020404" pitchFamily="49" charset="0"/>
+              </a:rPr>
+              <a:t>Poly_t</a:t>
+            </a:r>
+            <a:r>
+              <a:rPr lang="en-US" altLang="zh-CN" sz="2000" b="1" dirty="0">
+                <a:solidFill>
+                  <a:srgbClr val="0432FF"/>
+                </a:solidFill>
+                <a:latin typeface="Courier New" panose="02070309020205020404" pitchFamily="49" charset="0"/>
+              </a:rPr>
+              <a:t> data, </a:t>
+            </a:r>
+            <a:r>
+              <a:rPr lang="en-US" altLang="zh-CN" sz="2000" b="1" dirty="0" err="1">
+                <a:solidFill>
+                  <a:srgbClr val="0432FF"/>
                 </a:solidFill>
                 <a:latin typeface="Courier New" panose="02070309020205020404" pitchFamily="49" charset="0"/>
               </a:rPr>
@@ -16852,280 +16699,31 @@
             <a:r>
               <a:rPr lang="en-US" altLang="zh-CN" sz="2000" b="1" dirty="0">
                 <a:solidFill>
-                  <a:schemeClr val="folHlink"/>
-                </a:solidFill>
-                <a:latin typeface="Courier New" panose="02070309020205020404" pitchFamily="49" charset="0"/>
-              </a:rPr>
-              <a:t> </a:t>
-            </a:r>
-            <a:r>
-              <a:rPr lang="en-US" altLang="zh-CN" sz="2000" b="1" dirty="0" err="1">
-                <a:solidFill>
-                  <a:schemeClr val="folHlink"/>
-                </a:solidFill>
-                <a:latin typeface="Courier New" panose="02070309020205020404" pitchFamily="49" charset="0"/>
-              </a:rPr>
-              <a:t>List_new</a:t>
-            </a:r>
-            <a:r>
-              <a:rPr lang="en-US" altLang="zh-CN" sz="2000" b="1" dirty="0">
-                <a:solidFill>
-                  <a:schemeClr val="folHlink"/>
-                </a:solidFill>
-                <a:latin typeface="Courier New" panose="02070309020205020404" pitchFamily="49" charset="0"/>
-              </a:rPr>
-              <a:t>(){</a:t>
-            </a:r>
-          </a:p>
-          <a:p>
-            <a:pPr>
-              <a:lnSpc>
-                <a:spcPct val="90000"/>
-              </a:lnSpc>
-              <a:buFont typeface="Wingdings" pitchFamily="2" charset="2"/>
-              <a:buNone/>
-            </a:pPr>
-            <a:r>
-              <a:rPr lang="en-US" altLang="zh-CN" sz="2000" b="1" dirty="0">
-                <a:solidFill>
-                  <a:schemeClr val="folHlink"/>
-                </a:solidFill>
-                <a:latin typeface="Courier New" panose="02070309020205020404" pitchFamily="49" charset="0"/>
-              </a:rPr>
-              <a:t>  </a:t>
-            </a:r>
-            <a:r>
-              <a:rPr lang="en-US" altLang="zh-CN" sz="2000" b="1" dirty="0" err="1">
-                <a:solidFill>
-                  <a:schemeClr val="folHlink"/>
-                </a:solidFill>
-                <a:latin typeface="Courier New" panose="02070309020205020404" pitchFamily="49" charset="0"/>
-              </a:rPr>
-              <a:t>List_t</a:t>
-            </a:r>
-            <a:r>
-              <a:rPr lang="en-US" altLang="zh-CN" sz="2000" b="1" dirty="0">
-                <a:solidFill>
-                  <a:schemeClr val="folHlink"/>
-                </a:solidFill>
-                <a:latin typeface="Courier New" panose="02070309020205020404" pitchFamily="49" charset="0"/>
-              </a:rPr>
-              <a:t> l = </a:t>
-            </a:r>
-            <a:r>
-              <a:rPr lang="en-US" altLang="zh-CN" sz="2000" b="1" dirty="0" err="1">
-                <a:solidFill>
-                  <a:schemeClr val="folHlink"/>
-                </a:solidFill>
-                <a:latin typeface="Courier New" panose="02070309020205020404" pitchFamily="49" charset="0"/>
-              </a:rPr>
-              <a:t>calloc</a:t>
-            </a:r>
-            <a:r>
-              <a:rPr lang="en-US" altLang="zh-CN" sz="2000" b="1" dirty="0">
-                <a:solidFill>
-                  <a:schemeClr val="folHlink"/>
-                </a:solidFill>
-                <a:latin typeface="Courier New" panose="02070309020205020404" pitchFamily="49" charset="0"/>
-              </a:rPr>
-              <a:t>(</a:t>
-            </a:r>
-            <a:r>
-              <a:rPr lang="en-US" altLang="zh-CN" sz="2000" b="1" dirty="0" err="1">
-                <a:solidFill>
-                  <a:schemeClr val="folHlink"/>
-                </a:solidFill>
-                <a:latin typeface="Courier New" panose="02070309020205020404" pitchFamily="49" charset="0"/>
-              </a:rPr>
-              <a:t>sizeof</a:t>
-            </a:r>
-            <a:r>
-              <a:rPr lang="en-US" altLang="zh-CN" sz="2000" b="1" dirty="0">
-                <a:solidFill>
-                  <a:schemeClr val="folHlink"/>
-                </a:solidFill>
-                <a:latin typeface="Courier New" panose="02070309020205020404" pitchFamily="49" charset="0"/>
-              </a:rPr>
-              <a:t>(*l));</a:t>
-            </a:r>
-          </a:p>
-          <a:p>
-            <a:pPr>
-              <a:lnSpc>
-                <a:spcPct val="90000"/>
-              </a:lnSpc>
-              <a:buFont typeface="Wingdings" pitchFamily="2" charset="2"/>
-              <a:buNone/>
-            </a:pPr>
-            <a:r>
-              <a:rPr lang="en-US" altLang="zh-CN" sz="2000" b="1" dirty="0">
-                <a:solidFill>
-                  <a:schemeClr val="folHlink"/>
-                </a:solidFill>
-                <a:latin typeface="Courier New" panose="02070309020205020404" pitchFamily="49" charset="0"/>
-              </a:rPr>
-              <a:t>  l-&gt;kind = NIL;</a:t>
-            </a:r>
-          </a:p>
-          <a:p>
-            <a:pPr>
-              <a:lnSpc>
-                <a:spcPct val="90000"/>
-              </a:lnSpc>
-              <a:buFont typeface="Wingdings" pitchFamily="2" charset="2"/>
-              <a:buNone/>
-            </a:pPr>
-            <a:r>
-              <a:rPr lang="en-US" altLang="zh-CN" sz="2000" b="1" dirty="0">
-                <a:solidFill>
-                  <a:schemeClr val="folHlink"/>
-                </a:solidFill>
-                <a:latin typeface="Courier New" panose="02070309020205020404" pitchFamily="49" charset="0"/>
-              </a:rPr>
-              <a:t>  </a:t>
-            </a:r>
-            <a:r>
-              <a:rPr lang="en-US" altLang="zh-CN" sz="2000" b="1" dirty="0">
-                <a:latin typeface="Courier New" panose="02070309020205020404" pitchFamily="49" charset="0"/>
-              </a:rPr>
-              <a:t>// l-&gt;u?</a:t>
-            </a:r>
-          </a:p>
-          <a:p>
-            <a:pPr>
-              <a:lnSpc>
-                <a:spcPct val="90000"/>
-              </a:lnSpc>
-              <a:buFont typeface="Wingdings" pitchFamily="2" charset="2"/>
-              <a:buNone/>
-            </a:pPr>
-            <a:r>
-              <a:rPr lang="en-US" altLang="zh-CN" sz="2000" b="1" dirty="0">
-                <a:solidFill>
-                  <a:schemeClr val="folHlink"/>
-                </a:solidFill>
-                <a:latin typeface="Courier New" panose="02070309020205020404" pitchFamily="49" charset="0"/>
-              </a:rPr>
-              <a:t>  return 0;</a:t>
-            </a:r>
-          </a:p>
-          <a:p>
-            <a:pPr>
-              <a:lnSpc>
-                <a:spcPct val="90000"/>
-              </a:lnSpc>
-              <a:buFont typeface="Wingdings" pitchFamily="2" charset="2"/>
-              <a:buNone/>
-            </a:pPr>
-            <a:r>
-              <a:rPr lang="en-US" altLang="zh-CN" sz="2000" b="1" dirty="0">
-                <a:solidFill>
-                  <a:schemeClr val="folHlink"/>
-                </a:solidFill>
-                <a:latin typeface="Courier New" panose="02070309020205020404" pitchFamily="49" charset="0"/>
-              </a:rPr>
-              <a:t>}</a:t>
-            </a:r>
-          </a:p>
-          <a:p>
-            <a:pPr>
-              <a:lnSpc>
-                <a:spcPct val="90000"/>
-              </a:lnSpc>
-              <a:buFont typeface="Wingdings" pitchFamily="2" charset="2"/>
-              <a:buNone/>
-            </a:pPr>
-            <a:endParaRPr lang="en-US" altLang="zh-CN" sz="2000" b="1" dirty="0">
-              <a:solidFill>
-                <a:schemeClr val="folHlink"/>
-              </a:solidFill>
-              <a:latin typeface="Courier New" panose="02070309020205020404" pitchFamily="49" charset="0"/>
-            </a:endParaRPr>
-          </a:p>
-        </p:txBody>
-      </p:sp>
-    </p:spTree>
-  </p:cSld>
-  <p:clrMapOvr>
-    <a:masterClrMapping/>
-  </p:clrMapOvr>
-</p:sld>
-</file>
-
-<file path=ppt/slides/slide9.xml><?xml version="1.0" encoding="utf-8"?>
-<p:sld xmlns:a="http://schemas.openxmlformats.org/drawingml/2006/main" xmlns:r="http://schemas.openxmlformats.org/officeDocument/2006/relationships" xmlns:p="http://schemas.openxmlformats.org/presentationml/2006/main">
-  <p:cSld>
-    <p:spTree>
-      <p:nvGrpSpPr>
-        <p:cNvPr id="1" name=""/>
-        <p:cNvGrpSpPr/>
-        <p:nvPr/>
-      </p:nvGrpSpPr>
-      <p:grpSpPr>
-        <a:xfrm>
-          <a:off x="0" y="0"/>
-          <a:ext cx="0" cy="0"/>
-          <a:chOff x="0" y="0"/>
-          <a:chExt cx="0" cy="0"/>
-        </a:xfrm>
-      </p:grpSpPr>
-      <p:sp>
-        <p:nvSpPr>
-          <p:cNvPr id="269314" name="Rectangle 2">
-            <a:extLst>
-              <a:ext uri="{FF2B5EF4-FFF2-40B4-BE49-F238E27FC236}">
-                <a16:creationId xmlns:a16="http://schemas.microsoft.com/office/drawing/2014/main" id="{F697616B-D5DC-D539-AE8C-045FE2FF0E64}"/>
-              </a:ext>
-            </a:extLst>
-          </p:cNvPr>
-          <p:cNvSpPr>
-            <a:spLocks noGrp="1" noChangeArrowheads="1"/>
-          </p:cNvSpPr>
-          <p:nvPr>
-            <p:ph type="title"/>
-          </p:nvPr>
-        </p:nvSpPr>
-        <p:spPr/>
-        <p:txBody>
-          <a:bodyPr/>
-          <a:lstStyle/>
-          <a:p>
-            <a:r>
-              <a:rPr lang="en-US" altLang="zh-CN"/>
-              <a:t>Add a new Head</a:t>
-            </a:r>
-          </a:p>
-        </p:txBody>
-      </p:sp>
-      <p:sp>
-        <p:nvSpPr>
-          <p:cNvPr id="269315" name="Rectangle 3">
-            <a:extLst>
-              <a:ext uri="{FF2B5EF4-FFF2-40B4-BE49-F238E27FC236}">
-                <a16:creationId xmlns:a16="http://schemas.microsoft.com/office/drawing/2014/main" id="{E84884AB-A896-8A60-443A-848A418BCED4}"/>
-              </a:ext>
-            </a:extLst>
-          </p:cNvPr>
-          <p:cNvSpPr>
-            <a:spLocks noGrp="1" noChangeArrowheads="1"/>
-          </p:cNvSpPr>
-          <p:nvPr>
-            <p:ph type="body" idx="1"/>
-          </p:nvPr>
-        </p:nvSpPr>
-        <p:spPr/>
-        <p:txBody>
-          <a:bodyPr/>
-          <a:lstStyle/>
+                  <a:srgbClr val="0432FF"/>
+                </a:solidFill>
+                <a:latin typeface="Courier New" panose="02070309020205020404" pitchFamily="49" charset="0"/>
+              </a:rPr>
+              <a:t> l){</a:t>
+            </a:r>
+          </a:p>
           <a:p>
             <a:pPr>
               <a:buFont typeface="Wingdings" pitchFamily="2" charset="2"/>
               <a:buNone/>
             </a:pPr>
             <a:r>
+              <a:rPr lang="en-US" altLang="zh-CN" sz="2000" b="1" dirty="0">
+                <a:solidFill>
+                  <a:srgbClr val="0432FF"/>
+                </a:solidFill>
+                <a:latin typeface="Courier New" panose="02070309020205020404" pitchFamily="49" charset="0"/>
+              </a:rPr>
+              <a:t>  </a:t>
+            </a:r>
+            <a:r>
               <a:rPr lang="en-US" altLang="zh-CN" sz="2000" b="1" dirty="0" err="1">
                 <a:solidFill>
-                  <a:schemeClr val="folHlink"/>
+                  <a:srgbClr val="0432FF"/>
                 </a:solidFill>
                 <a:latin typeface="Courier New" panose="02070309020205020404" pitchFamily="49" charset="0"/>
               </a:rPr>
@@ -17134,7 +16732,34 @@
             <a:r>
               <a:rPr lang="en-US" altLang="zh-CN" sz="2000" b="1" dirty="0">
                 <a:solidFill>
-                  <a:schemeClr val="folHlink"/>
+                  <a:srgbClr val="0432FF"/>
+                </a:solidFill>
+                <a:latin typeface="Courier New" panose="02070309020205020404" pitchFamily="49" charset="0"/>
+              </a:rPr>
+              <a:t> temp = </a:t>
+            </a:r>
+            <a:r>
+              <a:rPr lang="en-US" altLang="zh-CN" sz="2000" b="1" dirty="0" err="1">
+                <a:solidFill>
+                  <a:srgbClr val="0432FF"/>
+                </a:solidFill>
+                <a:latin typeface="Courier New" panose="02070309020205020404" pitchFamily="49" charset="0"/>
+              </a:rPr>
+              <a:t>calloc</a:t>
+            </a:r>
+            <a:r>
+              <a:rPr lang="en-US" altLang="zh-CN" sz="2000" b="1" dirty="0">
+                <a:solidFill>
+                  <a:srgbClr val="0432FF"/>
+                </a:solidFill>
+                <a:latin typeface="Courier New" panose="02070309020205020404" pitchFamily="49" charset="0"/>
+              </a:rPr>
+              <a:t>(1,</a:t>
+            </a:r>
+            <a:r>
+              <a:rPr lang="zh-CN" altLang="en-US" sz="2000" b="1" dirty="0">
+                <a:solidFill>
+                  <a:srgbClr val="0432FF"/>
                 </a:solidFill>
                 <a:latin typeface="Courier New" panose="02070309020205020404" pitchFamily="49" charset="0"/>
               </a:rPr>
@@ -17143,56 +16768,20 @@
             <a:r>
               <a:rPr lang="en-US" altLang="zh-CN" sz="2000" b="1" dirty="0" err="1">
                 <a:solidFill>
-                  <a:schemeClr val="folHlink"/>
-                </a:solidFill>
-                <a:latin typeface="Courier New" panose="02070309020205020404" pitchFamily="49" charset="0"/>
-              </a:rPr>
-              <a:t>List_concat</a:t>
+                  <a:srgbClr val="0432FF"/>
+                </a:solidFill>
+                <a:latin typeface="Courier New" panose="02070309020205020404" pitchFamily="49" charset="0"/>
+              </a:rPr>
+              <a:t>sizeof</a:t>
             </a:r>
             <a:r>
               <a:rPr lang="en-US" altLang="zh-CN" sz="2000" b="1" dirty="0">
                 <a:solidFill>
-                  <a:schemeClr val="folHlink"/>
-                </a:solidFill>
-                <a:latin typeface="Courier New" panose="02070309020205020404" pitchFamily="49" charset="0"/>
-              </a:rPr>
-              <a:t>(</a:t>
-            </a:r>
-            <a:r>
-              <a:rPr lang="en-US" altLang="zh-CN" sz="2000" b="1" dirty="0" err="1">
-                <a:solidFill>
-                  <a:schemeClr val="folHlink"/>
-                </a:solidFill>
-                <a:latin typeface="Courier New" panose="02070309020205020404" pitchFamily="49" charset="0"/>
-              </a:rPr>
-              <a:t>Poly_t</a:t>
-            </a:r>
-            <a:r>
-              <a:rPr lang="en-US" altLang="zh-CN" sz="2000" b="1" dirty="0">
-                <a:solidFill>
-                  <a:schemeClr val="folHlink"/>
-                </a:solidFill>
-                <a:latin typeface="Courier New" panose="02070309020205020404" pitchFamily="49" charset="0"/>
-              </a:rPr>
-              <a:t> data, </a:t>
-            </a:r>
-            <a:r>
-              <a:rPr lang="en-US" altLang="zh-CN" sz="2000" b="1" dirty="0" err="1">
-                <a:solidFill>
-                  <a:schemeClr val="folHlink"/>
-                </a:solidFill>
-                <a:latin typeface="Courier New" panose="02070309020205020404" pitchFamily="49" charset="0"/>
-              </a:rPr>
-              <a:t>List_t</a:t>
-            </a:r>
-            <a:r>
-              <a:rPr lang="en-US" altLang="zh-CN" sz="2000" b="1" dirty="0">
-                <a:solidFill>
-                  <a:schemeClr val="folHlink"/>
-                </a:solidFill>
-                <a:latin typeface="Courier New" panose="02070309020205020404" pitchFamily="49" charset="0"/>
-              </a:rPr>
-              <a:t> l){</a:t>
+                  <a:srgbClr val="0432FF"/>
+                </a:solidFill>
+                <a:latin typeface="Courier New" panose="02070309020205020404" pitchFamily="49" charset="0"/>
+              </a:rPr>
+              <a:t>(*temp));</a:t>
             </a:r>
           </a:p>
           <a:p>
@@ -17203,65 +16792,11 @@
             <a:r>
               <a:rPr lang="en-US" altLang="zh-CN" sz="2000" b="1" dirty="0">
                 <a:solidFill>
-                  <a:schemeClr val="folHlink"/>
-                </a:solidFill>
-                <a:latin typeface="Courier New" panose="02070309020205020404" pitchFamily="49" charset="0"/>
-              </a:rPr>
-              <a:t>  </a:t>
-            </a:r>
-            <a:r>
-              <a:rPr lang="en-US" altLang="zh-CN" sz="2000" b="1" dirty="0" err="1">
-                <a:solidFill>
-                  <a:schemeClr val="folHlink"/>
-                </a:solidFill>
-                <a:latin typeface="Courier New" panose="02070309020205020404" pitchFamily="49" charset="0"/>
-              </a:rPr>
-              <a:t>List_t</a:t>
-            </a:r>
-            <a:r>
-              <a:rPr lang="en-US" altLang="zh-CN" sz="2000" b="1" dirty="0">
-                <a:solidFill>
-                  <a:schemeClr val="folHlink"/>
-                </a:solidFill>
-                <a:latin typeface="Courier New" panose="02070309020205020404" pitchFamily="49" charset="0"/>
-              </a:rPr>
-              <a:t> temp = </a:t>
-            </a:r>
-            <a:r>
-              <a:rPr lang="en-US" altLang="zh-CN" sz="2000" b="1" dirty="0" err="1">
-                <a:solidFill>
-                  <a:schemeClr val="folHlink"/>
-                </a:solidFill>
-                <a:latin typeface="Courier New" panose="02070309020205020404" pitchFamily="49" charset="0"/>
-              </a:rPr>
-              <a:t>calloc</a:t>
-            </a:r>
-            <a:r>
-              <a:rPr lang="en-US" altLang="zh-CN" sz="2000" b="1" dirty="0">
-                <a:solidFill>
-                  <a:schemeClr val="folHlink"/>
-                </a:solidFill>
-                <a:latin typeface="Courier New" panose="02070309020205020404" pitchFamily="49" charset="0"/>
-              </a:rPr>
-              <a:t>(</a:t>
-            </a:r>
-            <a:r>
-              <a:rPr lang="en-US" altLang="zh-CN" sz="2000" b="1" dirty="0" err="1">
-                <a:solidFill>
-                  <a:schemeClr val="folHlink"/>
-                </a:solidFill>
-                <a:latin typeface="Courier New" panose="02070309020205020404" pitchFamily="49" charset="0"/>
-              </a:rPr>
-              <a:t>sizeof</a:t>
-            </a:r>
-            <a:r>
-              <a:rPr lang="en-US" altLang="zh-CN" sz="2000" b="1" dirty="0">
-                <a:solidFill>
-                  <a:schemeClr val="folHlink"/>
-                </a:solidFill>
-                <a:latin typeface="Courier New" panose="02070309020205020404" pitchFamily="49" charset="0"/>
-              </a:rPr>
-              <a:t>(*temp));</a:t>
+                  <a:srgbClr val="0432FF"/>
+                </a:solidFill>
+                <a:latin typeface="Courier New" panose="02070309020205020404" pitchFamily="49" charset="0"/>
+              </a:rPr>
+              <a:t>  temp-&gt;kind = CONS;</a:t>
             </a:r>
           </a:p>
           <a:p>
@@ -17272,11 +16807,29 @@
             <a:r>
               <a:rPr lang="en-US" altLang="zh-CN" sz="2000" b="1" dirty="0">
                 <a:solidFill>
-                  <a:schemeClr val="folHlink"/>
-                </a:solidFill>
-                <a:latin typeface="Courier New" panose="02070309020205020404" pitchFamily="49" charset="0"/>
-              </a:rPr>
-              <a:t>  temp-&gt;kind = CONS;</a:t>
+                  <a:srgbClr val="0432FF"/>
+                </a:solidFill>
+                <a:latin typeface="Courier New" panose="02070309020205020404" pitchFamily="49" charset="0"/>
+              </a:rPr>
+              <a:t>  temp-&gt;</a:t>
+            </a:r>
+            <a:r>
+              <a:rPr lang="en-US" altLang="zh-CN" sz="2000" b="1" dirty="0" err="1">
+                <a:solidFill>
+                  <a:srgbClr val="0432FF"/>
+                </a:solidFill>
+                <a:latin typeface="Courier New" panose="02070309020205020404" pitchFamily="49" charset="0"/>
+              </a:rPr>
+              <a:t>u.cons.data</a:t>
+            </a:r>
+            <a:r>
+              <a:rPr lang="en-US" altLang="zh-CN" sz="2000" b="1" dirty="0">
+                <a:solidFill>
+                  <a:srgbClr val="0432FF"/>
+                </a:solidFill>
+                <a:latin typeface="Courier New" panose="02070309020205020404" pitchFamily="49" charset="0"/>
+              </a:rPr>
+              <a:t> = data;</a:t>
             </a:r>
           </a:p>
           <a:p>
@@ -17287,7 +16840,7 @@
             <a:r>
               <a:rPr lang="en-US" altLang="zh-CN" sz="2000" b="1" dirty="0">
                 <a:solidFill>
-                  <a:schemeClr val="folHlink"/>
+                  <a:srgbClr val="0432FF"/>
                 </a:solidFill>
                 <a:latin typeface="Courier New" panose="02070309020205020404" pitchFamily="49" charset="0"/>
               </a:rPr>
@@ -17296,20 +16849,20 @@
             <a:r>
               <a:rPr lang="en-US" altLang="zh-CN" sz="2000" b="1" dirty="0" err="1">
                 <a:solidFill>
-                  <a:schemeClr val="folHlink"/>
-                </a:solidFill>
-                <a:latin typeface="Courier New" panose="02070309020205020404" pitchFamily="49" charset="0"/>
-              </a:rPr>
-              <a:t>u.cons.data</a:t>
+                  <a:srgbClr val="0432FF"/>
+                </a:solidFill>
+                <a:latin typeface="Courier New" panose="02070309020205020404" pitchFamily="49" charset="0"/>
+              </a:rPr>
+              <a:t>u.cons.next</a:t>
             </a:r>
             <a:r>
               <a:rPr lang="en-US" altLang="zh-CN" sz="2000" b="1" dirty="0">
                 <a:solidFill>
-                  <a:schemeClr val="folHlink"/>
-                </a:solidFill>
-                <a:latin typeface="Courier New" panose="02070309020205020404" pitchFamily="49" charset="0"/>
-              </a:rPr>
-              <a:t> = data;</a:t>
+                  <a:srgbClr val="0432FF"/>
+                </a:solidFill>
+                <a:latin typeface="Courier New" panose="02070309020205020404" pitchFamily="49" charset="0"/>
+              </a:rPr>
+              <a:t> = l;</a:t>
             </a:r>
           </a:p>
           <a:p>
@@ -17320,29 +16873,11 @@
             <a:r>
               <a:rPr lang="en-US" altLang="zh-CN" sz="2000" b="1" dirty="0">
                 <a:solidFill>
-                  <a:schemeClr val="folHlink"/>
-                </a:solidFill>
-                <a:latin typeface="Courier New" panose="02070309020205020404" pitchFamily="49" charset="0"/>
-              </a:rPr>
-              <a:t>  temp-&gt;</a:t>
-            </a:r>
-            <a:r>
-              <a:rPr lang="en-US" altLang="zh-CN" sz="2000" b="1" dirty="0" err="1">
-                <a:solidFill>
-                  <a:schemeClr val="folHlink"/>
-                </a:solidFill>
-                <a:latin typeface="Courier New" panose="02070309020205020404" pitchFamily="49" charset="0"/>
-              </a:rPr>
-              <a:t>u.cons.next</a:t>
-            </a:r>
-            <a:r>
-              <a:rPr lang="en-US" altLang="zh-CN" sz="2000" b="1" dirty="0">
-                <a:solidFill>
-                  <a:schemeClr val="folHlink"/>
-                </a:solidFill>
-                <a:latin typeface="Courier New" panose="02070309020205020404" pitchFamily="49" charset="0"/>
-              </a:rPr>
-              <a:t> = l;</a:t>
+                  <a:srgbClr val="0432FF"/>
+                </a:solidFill>
+                <a:latin typeface="Courier New" panose="02070309020205020404" pitchFamily="49" charset="0"/>
+              </a:rPr>
+              <a:t>  return temp;</a:t>
             </a:r>
           </a:p>
           <a:p>
@@ -17353,22 +16888,7 @@
             <a:r>
               <a:rPr lang="en-US" altLang="zh-CN" sz="2000" b="1" dirty="0">
                 <a:solidFill>
-                  <a:schemeClr val="folHlink"/>
-                </a:solidFill>
-                <a:latin typeface="Courier New" panose="02070309020205020404" pitchFamily="49" charset="0"/>
-              </a:rPr>
-              <a:t>  return temp;</a:t>
-            </a:r>
-          </a:p>
-          <a:p>
-            <a:pPr>
-              <a:buFont typeface="Wingdings" pitchFamily="2" charset="2"/>
-              <a:buNone/>
-            </a:pPr>
-            <a:r>
-              <a:rPr lang="en-US" altLang="zh-CN" sz="2000" b="1" dirty="0">
-                <a:solidFill>
-                  <a:schemeClr val="folHlink"/>
+                  <a:srgbClr val="0432FF"/>
                 </a:solidFill>
                 <a:latin typeface="Courier New" panose="02070309020205020404" pitchFamily="49" charset="0"/>
               </a:rPr>
@@ -18704,6 +18224,397 @@
       <p:bldP spid="269330" grpId="0"/>
     </p:bldLst>
   </p:timing>
+</p:sld>
+</file>
+
+<file path=ppt/slides/slide9.xml><?xml version="1.0" encoding="utf-8"?>
+<p:sld xmlns:a="http://schemas.openxmlformats.org/drawingml/2006/main" xmlns:r="http://schemas.openxmlformats.org/officeDocument/2006/relationships" xmlns:p="http://schemas.openxmlformats.org/presentationml/2006/main">
+  <p:cSld>
+    <p:spTree>
+      <p:nvGrpSpPr>
+        <p:cNvPr id="1" name=""/>
+        <p:cNvGrpSpPr/>
+        <p:nvPr/>
+      </p:nvGrpSpPr>
+      <p:grpSpPr>
+        <a:xfrm>
+          <a:off x="0" y="0"/>
+          <a:ext cx="0" cy="0"/>
+          <a:chOff x="0" y="0"/>
+          <a:chExt cx="0" cy="0"/>
+        </a:xfrm>
+      </p:grpSpPr>
+      <p:sp>
+        <p:nvSpPr>
+          <p:cNvPr id="274434" name="Rectangle 2">
+            <a:extLst>
+              <a:ext uri="{FF2B5EF4-FFF2-40B4-BE49-F238E27FC236}">
+                <a16:creationId xmlns:a16="http://schemas.microsoft.com/office/drawing/2014/main" id="{EE4141C0-28E4-CA98-12FC-9313CEE897C9}"/>
+              </a:ext>
+            </a:extLst>
+          </p:cNvPr>
+          <p:cNvSpPr>
+            <a:spLocks noGrp="1" noChangeArrowheads="1"/>
+          </p:cNvSpPr>
+          <p:nvPr>
+            <p:ph type="title"/>
+          </p:nvPr>
+        </p:nvSpPr>
+        <p:spPr/>
+        <p:txBody>
+          <a:bodyPr/>
+          <a:lstStyle/>
+          <a:p>
+            <a:r>
+              <a:rPr lang="en-US" altLang="zh-CN" dirty="0"/>
+              <a:t>Traverse</a:t>
+            </a:r>
+            <a:r>
+              <a:rPr lang="zh-CN" altLang="en-US" dirty="0"/>
+              <a:t> </a:t>
+            </a:r>
+            <a:r>
+              <a:rPr lang="en-US" altLang="zh-CN" dirty="0"/>
+              <a:t>the</a:t>
+            </a:r>
+            <a:r>
+              <a:rPr lang="zh-CN" altLang="en-US" dirty="0"/>
+              <a:t> </a:t>
+            </a:r>
+            <a:r>
+              <a:rPr lang="en-US" altLang="zh-CN" dirty="0"/>
+              <a:t>List</a:t>
+            </a:r>
+          </a:p>
+        </p:txBody>
+      </p:sp>
+      <p:sp>
+        <p:nvSpPr>
+          <p:cNvPr id="274435" name="Rectangle 3">
+            <a:extLst>
+              <a:ext uri="{FF2B5EF4-FFF2-40B4-BE49-F238E27FC236}">
+                <a16:creationId xmlns:a16="http://schemas.microsoft.com/office/drawing/2014/main" id="{FFE6BF5F-B761-6E3C-08AA-64F138028790}"/>
+              </a:ext>
+            </a:extLst>
+          </p:cNvPr>
+          <p:cNvSpPr>
+            <a:spLocks noGrp="1" noChangeArrowheads="1"/>
+          </p:cNvSpPr>
+          <p:nvPr>
+            <p:ph type="body" idx="1"/>
+          </p:nvPr>
+        </p:nvSpPr>
+        <p:spPr/>
+        <p:txBody>
+          <a:bodyPr/>
+          <a:lstStyle/>
+          <a:p>
+            <a:pPr>
+              <a:lnSpc>
+                <a:spcPct val="90000"/>
+              </a:lnSpc>
+              <a:buFont typeface="Wingdings" pitchFamily="2" charset="2"/>
+              <a:buNone/>
+            </a:pPr>
+            <a:r>
+              <a:rPr lang="en-US" altLang="zh-CN" sz="2000" b="1" dirty="0">
+                <a:solidFill>
+                  <a:srgbClr val="0432FF"/>
+                </a:solidFill>
+                <a:latin typeface="Courier New" panose="02070309020205020404" pitchFamily="49" charset="0"/>
+              </a:rPr>
+              <a:t>void </a:t>
+            </a:r>
+            <a:r>
+              <a:rPr lang="en-US" altLang="zh-CN" sz="2000" b="1" dirty="0" err="1">
+                <a:solidFill>
+                  <a:srgbClr val="0432FF"/>
+                </a:solidFill>
+                <a:latin typeface="Courier New" panose="02070309020205020404" pitchFamily="49" charset="0"/>
+              </a:rPr>
+              <a:t>List_foreach</a:t>
+            </a:r>
+            <a:r>
+              <a:rPr lang="en-US" altLang="zh-CN" sz="2000" b="1" dirty="0">
+                <a:solidFill>
+                  <a:srgbClr val="0432FF"/>
+                </a:solidFill>
+                <a:latin typeface="Courier New" panose="02070309020205020404" pitchFamily="49" charset="0"/>
+              </a:rPr>
+              <a:t>(</a:t>
+            </a:r>
+            <a:r>
+              <a:rPr lang="en-US" altLang="zh-CN" sz="2000" b="1" dirty="0" err="1">
+                <a:solidFill>
+                  <a:srgbClr val="0432FF"/>
+                </a:solidFill>
+                <a:latin typeface="Courier New" panose="02070309020205020404" pitchFamily="49" charset="0"/>
+              </a:rPr>
+              <a:t>List_t</a:t>
+            </a:r>
+            <a:r>
+              <a:rPr lang="en-US" altLang="zh-CN" sz="2000" b="1" dirty="0">
+                <a:solidFill>
+                  <a:srgbClr val="0432FF"/>
+                </a:solidFill>
+                <a:latin typeface="Courier New" panose="02070309020205020404" pitchFamily="49" charset="0"/>
+              </a:rPr>
+              <a:t> l, void (*f)(</a:t>
+            </a:r>
+            <a:r>
+              <a:rPr lang="en-US" altLang="zh-CN" sz="2000" b="1" dirty="0" err="1">
+                <a:solidFill>
+                  <a:srgbClr val="0432FF"/>
+                </a:solidFill>
+                <a:latin typeface="Courier New" panose="02070309020205020404" pitchFamily="49" charset="0"/>
+              </a:rPr>
+              <a:t>Poly_t</a:t>
+            </a:r>
+            <a:r>
+              <a:rPr lang="en-US" altLang="zh-CN" sz="2000" b="1" dirty="0">
+                <a:solidFill>
+                  <a:srgbClr val="0432FF"/>
+                </a:solidFill>
+                <a:latin typeface="Courier New" panose="02070309020205020404" pitchFamily="49" charset="0"/>
+              </a:rPr>
+              <a:t>)){</a:t>
+            </a:r>
+          </a:p>
+          <a:p>
+            <a:pPr>
+              <a:lnSpc>
+                <a:spcPct val="90000"/>
+              </a:lnSpc>
+              <a:buFont typeface="Wingdings" pitchFamily="2" charset="2"/>
+              <a:buNone/>
+            </a:pPr>
+            <a:r>
+              <a:rPr lang="en-US" altLang="zh-CN" sz="2000" b="1" dirty="0">
+                <a:solidFill>
+                  <a:srgbClr val="0432FF"/>
+                </a:solidFill>
+                <a:latin typeface="Courier New" panose="02070309020205020404" pitchFamily="49" charset="0"/>
+              </a:rPr>
+              <a:t>  switch(l-&gt;kind){</a:t>
+            </a:r>
+          </a:p>
+          <a:p>
+            <a:pPr>
+              <a:lnSpc>
+                <a:spcPct val="90000"/>
+              </a:lnSpc>
+              <a:buFont typeface="Wingdings" pitchFamily="2" charset="2"/>
+              <a:buNone/>
+            </a:pPr>
+            <a:r>
+              <a:rPr lang="en-US" altLang="zh-CN" sz="2000" b="1" dirty="0">
+                <a:solidFill>
+                  <a:srgbClr val="0432FF"/>
+                </a:solidFill>
+                <a:latin typeface="Courier New" panose="02070309020205020404" pitchFamily="49" charset="0"/>
+              </a:rPr>
+              <a:t>  case NIL: return;</a:t>
+            </a:r>
+          </a:p>
+          <a:p>
+            <a:pPr>
+              <a:lnSpc>
+                <a:spcPct val="90000"/>
+              </a:lnSpc>
+              <a:buFont typeface="Wingdings" pitchFamily="2" charset="2"/>
+              <a:buNone/>
+            </a:pPr>
+            <a:r>
+              <a:rPr lang="en-US" altLang="zh-CN" sz="2000" b="1" dirty="0">
+                <a:solidFill>
+                  <a:srgbClr val="0432FF"/>
+                </a:solidFill>
+                <a:latin typeface="Courier New" panose="02070309020205020404" pitchFamily="49" charset="0"/>
+              </a:rPr>
+              <a:t>  case CONS:{</a:t>
+            </a:r>
+          </a:p>
+          <a:p>
+            <a:pPr>
+              <a:lnSpc>
+                <a:spcPct val="90000"/>
+              </a:lnSpc>
+              <a:buFont typeface="Wingdings" pitchFamily="2" charset="2"/>
+              <a:buNone/>
+            </a:pPr>
+            <a:r>
+              <a:rPr lang="en-US" altLang="zh-CN" sz="2000" b="1" dirty="0">
+                <a:solidFill>
+                  <a:srgbClr val="0432FF"/>
+                </a:solidFill>
+                <a:latin typeface="Courier New" panose="02070309020205020404" pitchFamily="49" charset="0"/>
+              </a:rPr>
+              <a:t>    f(l-&gt;</a:t>
+            </a:r>
+            <a:r>
+              <a:rPr lang="en-US" altLang="zh-CN" sz="2000" b="1" dirty="0" err="1">
+                <a:solidFill>
+                  <a:srgbClr val="0432FF"/>
+                </a:solidFill>
+                <a:latin typeface="Courier New" panose="02070309020205020404" pitchFamily="49" charset="0"/>
+              </a:rPr>
+              <a:t>u.cons.data</a:t>
+            </a:r>
+            <a:r>
+              <a:rPr lang="en-US" altLang="zh-CN" sz="2000" b="1" dirty="0">
+                <a:solidFill>
+                  <a:srgbClr val="0432FF"/>
+                </a:solidFill>
+                <a:latin typeface="Courier New" panose="02070309020205020404" pitchFamily="49" charset="0"/>
+              </a:rPr>
+              <a:t>);</a:t>
+            </a:r>
+          </a:p>
+          <a:p>
+            <a:pPr>
+              <a:lnSpc>
+                <a:spcPct val="90000"/>
+              </a:lnSpc>
+              <a:buFont typeface="Wingdings" pitchFamily="2" charset="2"/>
+              <a:buNone/>
+            </a:pPr>
+            <a:r>
+              <a:rPr lang="en-US" altLang="zh-CN" sz="2000" b="1" dirty="0">
+                <a:solidFill>
+                  <a:srgbClr val="0432FF"/>
+                </a:solidFill>
+                <a:latin typeface="Courier New" panose="02070309020205020404" pitchFamily="49" charset="0"/>
+              </a:rPr>
+              <a:t>	  </a:t>
+            </a:r>
+            <a:r>
+              <a:rPr lang="en-US" altLang="zh-CN" sz="2000" b="1" dirty="0" err="1">
+                <a:solidFill>
+                  <a:srgbClr val="0432FF"/>
+                </a:solidFill>
+                <a:latin typeface="Courier New" panose="02070309020205020404" pitchFamily="49" charset="0"/>
+              </a:rPr>
+              <a:t>List_foreach</a:t>
+            </a:r>
+            <a:r>
+              <a:rPr lang="en-US" altLang="zh-CN" sz="2000" b="1" dirty="0">
+                <a:solidFill>
+                  <a:srgbClr val="0432FF"/>
+                </a:solidFill>
+                <a:latin typeface="Courier New" panose="02070309020205020404" pitchFamily="49" charset="0"/>
+              </a:rPr>
+              <a:t>(l-&gt;</a:t>
+            </a:r>
+            <a:r>
+              <a:rPr lang="en-US" altLang="zh-CN" sz="2000" b="1" dirty="0" err="1">
+                <a:solidFill>
+                  <a:srgbClr val="0432FF"/>
+                </a:solidFill>
+                <a:latin typeface="Courier New" panose="02070309020205020404" pitchFamily="49" charset="0"/>
+              </a:rPr>
+              <a:t>u.cons.next</a:t>
+            </a:r>
+            <a:r>
+              <a:rPr lang="en-US" altLang="zh-CN" sz="2000" b="1" dirty="0">
+                <a:solidFill>
+                  <a:srgbClr val="0432FF"/>
+                </a:solidFill>
+                <a:latin typeface="Courier New" panose="02070309020205020404" pitchFamily="49" charset="0"/>
+              </a:rPr>
+              <a:t>, f); </a:t>
+            </a:r>
+          </a:p>
+          <a:p>
+            <a:pPr>
+              <a:lnSpc>
+                <a:spcPct val="90000"/>
+              </a:lnSpc>
+              <a:buFont typeface="Wingdings" pitchFamily="2" charset="2"/>
+              <a:buNone/>
+            </a:pPr>
+            <a:r>
+              <a:rPr lang="en-US" altLang="zh-CN" sz="2000" b="1" dirty="0">
+                <a:latin typeface="Courier New" panose="02070309020205020404" pitchFamily="49" charset="0"/>
+              </a:rPr>
+              <a:t>    // tail recursion!</a:t>
+            </a:r>
+          </a:p>
+          <a:p>
+            <a:pPr>
+              <a:lnSpc>
+                <a:spcPct val="90000"/>
+              </a:lnSpc>
+              <a:buFont typeface="Wingdings" pitchFamily="2" charset="2"/>
+              <a:buNone/>
+            </a:pPr>
+            <a:r>
+              <a:rPr lang="en-US" altLang="zh-CN" sz="2000" b="1" dirty="0">
+                <a:solidFill>
+                  <a:srgbClr val="0432FF"/>
+                </a:solidFill>
+                <a:latin typeface="Courier New" panose="02070309020205020404" pitchFamily="49" charset="0"/>
+              </a:rPr>
+              <a:t>  }</a:t>
+            </a:r>
+          </a:p>
+          <a:p>
+            <a:pPr>
+              <a:lnSpc>
+                <a:spcPct val="90000"/>
+              </a:lnSpc>
+              <a:buFont typeface="Wingdings" pitchFamily="2" charset="2"/>
+              <a:buNone/>
+            </a:pPr>
+            <a:r>
+              <a:rPr lang="en-US" altLang="zh-CN" sz="2000" b="1" dirty="0">
+                <a:solidFill>
+                  <a:srgbClr val="0432FF"/>
+                </a:solidFill>
+                <a:latin typeface="Courier New" panose="02070309020205020404" pitchFamily="49" charset="0"/>
+              </a:rPr>
+              <a:t>  }	</a:t>
+            </a:r>
+          </a:p>
+          <a:p>
+            <a:pPr>
+              <a:lnSpc>
+                <a:spcPct val="90000"/>
+              </a:lnSpc>
+              <a:buFont typeface="Wingdings" pitchFamily="2" charset="2"/>
+              <a:buNone/>
+            </a:pPr>
+            <a:r>
+              <a:rPr lang="en-US" altLang="zh-CN" sz="2000" b="1" dirty="0">
+                <a:solidFill>
+                  <a:srgbClr val="0432FF"/>
+                </a:solidFill>
+                <a:latin typeface="Courier New" panose="02070309020205020404" pitchFamily="49" charset="0"/>
+              </a:rPr>
+              <a:t>}</a:t>
+            </a:r>
+          </a:p>
+          <a:p>
+            <a:pPr>
+              <a:lnSpc>
+                <a:spcPct val="90000"/>
+              </a:lnSpc>
+              <a:buFont typeface="Wingdings" pitchFamily="2" charset="2"/>
+              <a:buNone/>
+            </a:pPr>
+            <a:endParaRPr lang="en-US" altLang="zh-CN" sz="2000" b="1" dirty="0">
+              <a:solidFill>
+                <a:schemeClr val="folHlink"/>
+              </a:solidFill>
+              <a:latin typeface="Courier New" panose="02070309020205020404" pitchFamily="49" charset="0"/>
+            </a:endParaRPr>
+          </a:p>
+        </p:txBody>
+      </p:sp>
+    </p:spTree>
+  </p:cSld>
+  <p:clrMapOvr>
+    <a:masterClrMapping/>
+  </p:clrMapOvr>
 </p:sld>
 </file>
 
